--- a/开题 .pptx
+++ b/开题 .pptx
@@ -6,7 +6,9 @@
   </p:sldMasterIdLst>
   <p:sldIdLst>
     <p:sldId id="257" r:id="rId2"/>
-    <p:sldId id="258" r:id="rId3"/>
+    <p:sldId id="259" r:id="rId3"/>
+    <p:sldId id="260" r:id="rId4"/>
+    <p:sldId id="258" r:id="rId5"/>
   </p:sldIdLst>
   <p:sldSz cx="12192000" cy="6858000"/>
   <p:notesSz cx="6858000" cy="9144000"/>
@@ -260,7 +262,7 @@
           <a:p>
             <a:fld id="{C16ED6E0-51ED-404D-8DEA-39E4D0C626DC}" type="datetimeFigureOut">
               <a:rPr lang="zh-CN" altLang="en-US" smtClean="0"/>
-              <a:t>2022/4/7</a:t>
+              <a:t>2022/4/10</a:t>
             </a:fld>
             <a:endParaRPr lang="zh-CN" altLang="en-US"/>
           </a:p>
@@ -458,7 +460,7 @@
           <a:p>
             <a:fld id="{C16ED6E0-51ED-404D-8DEA-39E4D0C626DC}" type="datetimeFigureOut">
               <a:rPr lang="zh-CN" altLang="en-US" smtClean="0"/>
-              <a:t>2022/4/7</a:t>
+              <a:t>2022/4/10</a:t>
             </a:fld>
             <a:endParaRPr lang="zh-CN" altLang="en-US"/>
           </a:p>
@@ -666,7 +668,7 @@
           <a:p>
             <a:fld id="{C16ED6E0-51ED-404D-8DEA-39E4D0C626DC}" type="datetimeFigureOut">
               <a:rPr lang="zh-CN" altLang="en-US" smtClean="0"/>
-              <a:t>2022/4/7</a:t>
+              <a:t>2022/4/10</a:t>
             </a:fld>
             <a:endParaRPr lang="zh-CN" altLang="en-US"/>
           </a:p>
@@ -864,7 +866,7 @@
           <a:p>
             <a:fld id="{C16ED6E0-51ED-404D-8DEA-39E4D0C626DC}" type="datetimeFigureOut">
               <a:rPr lang="zh-CN" altLang="en-US" smtClean="0"/>
-              <a:t>2022/4/7</a:t>
+              <a:t>2022/4/10</a:t>
             </a:fld>
             <a:endParaRPr lang="zh-CN" altLang="en-US"/>
           </a:p>
@@ -1139,7 +1141,7 @@
           <a:p>
             <a:fld id="{C16ED6E0-51ED-404D-8DEA-39E4D0C626DC}" type="datetimeFigureOut">
               <a:rPr lang="zh-CN" altLang="en-US" smtClean="0"/>
-              <a:t>2022/4/7</a:t>
+              <a:t>2022/4/10</a:t>
             </a:fld>
             <a:endParaRPr lang="zh-CN" altLang="en-US"/>
           </a:p>
@@ -1404,7 +1406,7 @@
           <a:p>
             <a:fld id="{C16ED6E0-51ED-404D-8DEA-39E4D0C626DC}" type="datetimeFigureOut">
               <a:rPr lang="zh-CN" altLang="en-US" smtClean="0"/>
-              <a:t>2022/4/7</a:t>
+              <a:t>2022/4/10</a:t>
             </a:fld>
             <a:endParaRPr lang="zh-CN" altLang="en-US"/>
           </a:p>
@@ -1816,7 +1818,7 @@
           <a:p>
             <a:fld id="{C16ED6E0-51ED-404D-8DEA-39E4D0C626DC}" type="datetimeFigureOut">
               <a:rPr lang="zh-CN" altLang="en-US" smtClean="0"/>
-              <a:t>2022/4/7</a:t>
+              <a:t>2022/4/10</a:t>
             </a:fld>
             <a:endParaRPr lang="zh-CN" altLang="en-US"/>
           </a:p>
@@ -1957,7 +1959,7 @@
           <a:p>
             <a:fld id="{C16ED6E0-51ED-404D-8DEA-39E4D0C626DC}" type="datetimeFigureOut">
               <a:rPr lang="zh-CN" altLang="en-US" smtClean="0"/>
-              <a:t>2022/4/7</a:t>
+              <a:t>2022/4/10</a:t>
             </a:fld>
             <a:endParaRPr lang="zh-CN" altLang="en-US"/>
           </a:p>
@@ -2070,7 +2072,7 @@
           <a:p>
             <a:fld id="{C16ED6E0-51ED-404D-8DEA-39E4D0C626DC}" type="datetimeFigureOut">
               <a:rPr lang="zh-CN" altLang="en-US" smtClean="0"/>
-              <a:t>2022/4/7</a:t>
+              <a:t>2022/4/10</a:t>
             </a:fld>
             <a:endParaRPr lang="zh-CN" altLang="en-US"/>
           </a:p>
@@ -2381,7 +2383,7 @@
           <a:p>
             <a:fld id="{C16ED6E0-51ED-404D-8DEA-39E4D0C626DC}" type="datetimeFigureOut">
               <a:rPr lang="zh-CN" altLang="en-US" smtClean="0"/>
-              <a:t>2022/4/7</a:t>
+              <a:t>2022/4/10</a:t>
             </a:fld>
             <a:endParaRPr lang="zh-CN" altLang="en-US"/>
           </a:p>
@@ -2669,7 +2671,7 @@
           <a:p>
             <a:fld id="{C16ED6E0-51ED-404D-8DEA-39E4D0C626DC}" type="datetimeFigureOut">
               <a:rPr lang="zh-CN" altLang="en-US" smtClean="0"/>
-              <a:t>2022/4/7</a:t>
+              <a:t>2022/4/10</a:t>
             </a:fld>
             <a:endParaRPr lang="zh-CN" altLang="en-US"/>
           </a:p>
@@ -2910,7 +2912,7 @@
           <a:p>
             <a:fld id="{C16ED6E0-51ED-404D-8DEA-39E4D0C626DC}" type="datetimeFigureOut">
               <a:rPr lang="zh-CN" altLang="en-US" smtClean="0"/>
-              <a:t>2022/4/7</a:t>
+              <a:t>2022/4/10</a:t>
             </a:fld>
             <a:endParaRPr lang="zh-CN" altLang="en-US"/>
           </a:p>
@@ -3341,7 +3343,7 @@
         </p:nvSpPr>
         <p:spPr>
           <a:xfrm>
-            <a:off x="156892" y="101724"/>
+            <a:off x="156892" y="25524"/>
             <a:ext cx="11764925" cy="5635256"/>
           </a:xfrm>
           <a:prstGeom prst="roundRect">
@@ -5484,6 +5486,5656 @@
 </file>
 
 <file path=ppt/slides/slide2.xml><?xml version="1.0" encoding="utf-8"?>
+<p:sld xmlns:a="http://schemas.openxmlformats.org/drawingml/2006/main" xmlns:r="http://schemas.openxmlformats.org/officeDocument/2006/relationships" xmlns:p="http://schemas.openxmlformats.org/presentationml/2006/main">
+  <p:cSld>
+    <p:spTree>
+      <p:nvGrpSpPr>
+        <p:cNvPr id="1" name=""/>
+        <p:cNvGrpSpPr/>
+        <p:nvPr/>
+      </p:nvGrpSpPr>
+      <p:grpSpPr>
+        <a:xfrm>
+          <a:off x="0" y="0"/>
+          <a:ext cx="0" cy="0"/>
+          <a:chOff x="0" y="0"/>
+          <a:chExt cx="0" cy="0"/>
+        </a:xfrm>
+      </p:grpSpPr>
+      <p:grpSp>
+        <p:nvGrpSpPr>
+          <p:cNvPr id="11" name="组合 10">
+            <a:extLst>
+              <a:ext uri="{FF2B5EF4-FFF2-40B4-BE49-F238E27FC236}">
+                <a16:creationId xmlns:a16="http://schemas.microsoft.com/office/drawing/2014/main" id="{F876AC7D-EBD6-46D5-BECA-04B6EA859E90}"/>
+              </a:ext>
+            </a:extLst>
+          </p:cNvPr>
+          <p:cNvGrpSpPr/>
+          <p:nvPr/>
+        </p:nvGrpSpPr>
+        <p:grpSpPr>
+          <a:xfrm>
+            <a:off x="340241" y="1621466"/>
+            <a:ext cx="3232298" cy="600739"/>
+            <a:chOff x="669851" y="834656"/>
+            <a:chExt cx="3232298" cy="600739"/>
+          </a:xfrm>
+          <a:solidFill>
+            <a:schemeClr val="bg1"/>
+          </a:solidFill>
+        </p:grpSpPr>
+        <p:sp>
+          <p:nvSpPr>
+            <p:cNvPr id="4" name="矩形 3">
+              <a:extLst>
+                <a:ext uri="{FF2B5EF4-FFF2-40B4-BE49-F238E27FC236}">
+                  <a16:creationId xmlns:a16="http://schemas.microsoft.com/office/drawing/2014/main" id="{A2C709EA-5F84-4587-86FD-B37FD4D3A37A}"/>
+                </a:ext>
+              </a:extLst>
+            </p:cNvPr>
+            <p:cNvSpPr/>
+            <p:nvPr/>
+          </p:nvSpPr>
+          <p:spPr>
+            <a:xfrm>
+              <a:off x="669851" y="834656"/>
+              <a:ext cx="3232298" cy="600739"/>
+            </a:xfrm>
+            <a:prstGeom prst="rect">
+              <a:avLst/>
+            </a:prstGeom>
+            <a:grpFill/>
+            <a:ln w="28575">
+              <a:solidFill>
+                <a:schemeClr val="tx1"/>
+              </a:solidFill>
+            </a:ln>
+          </p:spPr>
+          <p:style>
+            <a:lnRef idx="2">
+              <a:schemeClr val="accent1">
+                <a:shade val="50000"/>
+              </a:schemeClr>
+            </a:lnRef>
+            <a:fillRef idx="1">
+              <a:schemeClr val="accent1"/>
+            </a:fillRef>
+            <a:effectRef idx="0">
+              <a:schemeClr val="accent1"/>
+            </a:effectRef>
+            <a:fontRef idx="minor">
+              <a:schemeClr val="lt1"/>
+            </a:fontRef>
+          </p:style>
+          <p:txBody>
+            <a:bodyPr rtlCol="0" anchor="ctr"/>
+            <a:lstStyle/>
+            <a:p>
+              <a:pPr algn="ctr"/>
+              <a:endParaRPr lang="zh-CN" altLang="en-US"/>
+            </a:p>
+          </p:txBody>
+        </p:sp>
+        <p:cxnSp>
+          <p:nvCxnSpPr>
+            <p:cNvPr id="6" name="直接连接符 5">
+              <a:extLst>
+                <a:ext uri="{FF2B5EF4-FFF2-40B4-BE49-F238E27FC236}">
+                  <a16:creationId xmlns:a16="http://schemas.microsoft.com/office/drawing/2014/main" id="{51A88500-772A-45E0-A2FE-3767E9EDCC6A}"/>
+                </a:ext>
+              </a:extLst>
+            </p:cNvPr>
+            <p:cNvCxnSpPr>
+              <a:cxnSpLocks/>
+            </p:cNvCxnSpPr>
+            <p:nvPr/>
+          </p:nvCxnSpPr>
+          <p:spPr>
+            <a:xfrm>
+              <a:off x="1339702" y="834656"/>
+              <a:ext cx="0" cy="600739"/>
+            </a:xfrm>
+            <a:prstGeom prst="line">
+              <a:avLst/>
+            </a:prstGeom>
+            <a:grpFill/>
+            <a:ln w="28575">
+              <a:solidFill>
+                <a:schemeClr val="tx1"/>
+              </a:solidFill>
+            </a:ln>
+          </p:spPr>
+          <p:style>
+            <a:lnRef idx="1">
+              <a:schemeClr val="accent1"/>
+            </a:lnRef>
+            <a:fillRef idx="0">
+              <a:schemeClr val="accent1"/>
+            </a:fillRef>
+            <a:effectRef idx="0">
+              <a:schemeClr val="accent1"/>
+            </a:effectRef>
+            <a:fontRef idx="minor">
+              <a:schemeClr val="tx1"/>
+            </a:fontRef>
+          </p:style>
+        </p:cxnSp>
+        <p:cxnSp>
+          <p:nvCxnSpPr>
+            <p:cNvPr id="8" name="直接连接符 7">
+              <a:extLst>
+                <a:ext uri="{FF2B5EF4-FFF2-40B4-BE49-F238E27FC236}">
+                  <a16:creationId xmlns:a16="http://schemas.microsoft.com/office/drawing/2014/main" id="{0F7A2D4C-9D68-42CB-ACCC-EBC48CB7CC78}"/>
+                </a:ext>
+              </a:extLst>
+            </p:cNvPr>
+            <p:cNvCxnSpPr>
+              <a:cxnSpLocks/>
+            </p:cNvCxnSpPr>
+            <p:nvPr/>
+          </p:nvCxnSpPr>
+          <p:spPr>
+            <a:xfrm>
+              <a:off x="1991832" y="834656"/>
+              <a:ext cx="0" cy="600739"/>
+            </a:xfrm>
+            <a:prstGeom prst="line">
+              <a:avLst/>
+            </a:prstGeom>
+            <a:grpFill/>
+            <a:ln w="28575">
+              <a:solidFill>
+                <a:schemeClr val="tx1"/>
+              </a:solidFill>
+            </a:ln>
+          </p:spPr>
+          <p:style>
+            <a:lnRef idx="1">
+              <a:schemeClr val="accent1"/>
+            </a:lnRef>
+            <a:fillRef idx="0">
+              <a:schemeClr val="accent1"/>
+            </a:fillRef>
+            <a:effectRef idx="0">
+              <a:schemeClr val="accent1"/>
+            </a:effectRef>
+            <a:fontRef idx="minor">
+              <a:schemeClr val="tx1"/>
+            </a:fontRef>
+          </p:style>
+        </p:cxnSp>
+        <p:cxnSp>
+          <p:nvCxnSpPr>
+            <p:cNvPr id="9" name="直接连接符 8">
+              <a:extLst>
+                <a:ext uri="{FF2B5EF4-FFF2-40B4-BE49-F238E27FC236}">
+                  <a16:creationId xmlns:a16="http://schemas.microsoft.com/office/drawing/2014/main" id="{AD82FF30-DD6F-4EAE-9302-366B11443C1F}"/>
+                </a:ext>
+              </a:extLst>
+            </p:cNvPr>
+            <p:cNvCxnSpPr>
+              <a:cxnSpLocks/>
+            </p:cNvCxnSpPr>
+            <p:nvPr/>
+          </p:nvCxnSpPr>
+          <p:spPr>
+            <a:xfrm>
+              <a:off x="2629786" y="834656"/>
+              <a:ext cx="0" cy="600739"/>
+            </a:xfrm>
+            <a:prstGeom prst="line">
+              <a:avLst/>
+            </a:prstGeom>
+            <a:grpFill/>
+            <a:ln w="28575">
+              <a:solidFill>
+                <a:schemeClr val="tx1"/>
+              </a:solidFill>
+            </a:ln>
+          </p:spPr>
+          <p:style>
+            <a:lnRef idx="1">
+              <a:schemeClr val="accent1"/>
+            </a:lnRef>
+            <a:fillRef idx="0">
+              <a:schemeClr val="accent1"/>
+            </a:fillRef>
+            <a:effectRef idx="0">
+              <a:schemeClr val="accent1"/>
+            </a:effectRef>
+            <a:fontRef idx="minor">
+              <a:schemeClr val="tx1"/>
+            </a:fontRef>
+          </p:style>
+        </p:cxnSp>
+        <p:cxnSp>
+          <p:nvCxnSpPr>
+            <p:cNvPr id="10" name="直接连接符 9">
+              <a:extLst>
+                <a:ext uri="{FF2B5EF4-FFF2-40B4-BE49-F238E27FC236}">
+                  <a16:creationId xmlns:a16="http://schemas.microsoft.com/office/drawing/2014/main" id="{3C8D578A-79B2-4ECC-91CE-5C251CC7790E}"/>
+                </a:ext>
+              </a:extLst>
+            </p:cNvPr>
+            <p:cNvCxnSpPr>
+              <a:cxnSpLocks/>
+            </p:cNvCxnSpPr>
+            <p:nvPr/>
+          </p:nvCxnSpPr>
+          <p:spPr>
+            <a:xfrm>
+              <a:off x="3262423" y="834656"/>
+              <a:ext cx="0" cy="600739"/>
+            </a:xfrm>
+            <a:prstGeom prst="line">
+              <a:avLst/>
+            </a:prstGeom>
+            <a:grpFill/>
+            <a:ln w="28575">
+              <a:solidFill>
+                <a:schemeClr val="tx1"/>
+              </a:solidFill>
+            </a:ln>
+          </p:spPr>
+          <p:style>
+            <a:lnRef idx="1">
+              <a:schemeClr val="accent1"/>
+            </a:lnRef>
+            <a:fillRef idx="0">
+              <a:schemeClr val="accent1"/>
+            </a:fillRef>
+            <a:effectRef idx="0">
+              <a:schemeClr val="accent1"/>
+            </a:effectRef>
+            <a:fontRef idx="minor">
+              <a:schemeClr val="tx1"/>
+            </a:fontRef>
+          </p:style>
+        </p:cxnSp>
+      </p:grpSp>
+      <p:sp>
+        <p:nvSpPr>
+          <p:cNvPr id="12" name="箭头: 下 11">
+            <a:extLst>
+              <a:ext uri="{FF2B5EF4-FFF2-40B4-BE49-F238E27FC236}">
+                <a16:creationId xmlns:a16="http://schemas.microsoft.com/office/drawing/2014/main" id="{9690BFD3-EA55-400C-AE0C-62F7C3E222BF}"/>
+              </a:ext>
+            </a:extLst>
+          </p:cNvPr>
+          <p:cNvSpPr/>
+          <p:nvPr/>
+        </p:nvSpPr>
+        <p:spPr>
+          <a:xfrm>
+            <a:off x="1772978" y="914399"/>
+            <a:ext cx="366824" cy="600739"/>
+          </a:xfrm>
+          <a:prstGeom prst="downArrow">
+            <a:avLst/>
+          </a:prstGeom>
+          <a:solidFill>
+            <a:schemeClr val="tx1"/>
+          </a:solidFill>
+          <a:ln w="28575">
+            <a:solidFill>
+              <a:schemeClr val="tx1"/>
+            </a:solidFill>
+          </a:ln>
+        </p:spPr>
+        <p:style>
+          <a:lnRef idx="2">
+            <a:schemeClr val="accent1">
+              <a:shade val="50000"/>
+            </a:schemeClr>
+          </a:lnRef>
+          <a:fillRef idx="1">
+            <a:schemeClr val="accent1"/>
+          </a:fillRef>
+          <a:effectRef idx="0">
+            <a:schemeClr val="accent1"/>
+          </a:effectRef>
+          <a:fontRef idx="minor">
+            <a:schemeClr val="lt1"/>
+          </a:fontRef>
+        </p:style>
+        <p:txBody>
+          <a:bodyPr rtlCol="0" anchor="ctr"/>
+          <a:lstStyle/>
+          <a:p>
+            <a:pPr algn="ctr"/>
+            <a:endParaRPr lang="zh-CN" altLang="en-US"/>
+          </a:p>
+        </p:txBody>
+      </p:sp>
+      <p:grpSp>
+        <p:nvGrpSpPr>
+          <p:cNvPr id="29" name="组合 28">
+            <a:extLst>
+              <a:ext uri="{FF2B5EF4-FFF2-40B4-BE49-F238E27FC236}">
+                <a16:creationId xmlns:a16="http://schemas.microsoft.com/office/drawing/2014/main" id="{5320189D-3C79-497F-AEC8-EE47137CBACD}"/>
+              </a:ext>
+            </a:extLst>
+          </p:cNvPr>
+          <p:cNvGrpSpPr/>
+          <p:nvPr/>
+        </p:nvGrpSpPr>
+        <p:grpSpPr>
+          <a:xfrm>
+            <a:off x="340241" y="3514058"/>
+            <a:ext cx="3232296" cy="616692"/>
+            <a:chOff x="669851" y="2727248"/>
+            <a:chExt cx="3232296" cy="616692"/>
+          </a:xfrm>
+          <a:noFill/>
+        </p:grpSpPr>
+        <p:sp>
+          <p:nvSpPr>
+            <p:cNvPr id="13" name="矩形 12">
+              <a:extLst>
+                <a:ext uri="{FF2B5EF4-FFF2-40B4-BE49-F238E27FC236}">
+                  <a16:creationId xmlns:a16="http://schemas.microsoft.com/office/drawing/2014/main" id="{C8581042-E19E-44FC-AE14-1F5658D27684}"/>
+                </a:ext>
+              </a:extLst>
+            </p:cNvPr>
+            <p:cNvSpPr/>
+            <p:nvPr/>
+          </p:nvSpPr>
+          <p:spPr>
+            <a:xfrm>
+              <a:off x="669851" y="2732566"/>
+              <a:ext cx="3232296" cy="600739"/>
+            </a:xfrm>
+            <a:prstGeom prst="rect">
+              <a:avLst/>
+            </a:prstGeom>
+            <a:grpFill/>
+            <a:ln w="28575">
+              <a:solidFill>
+                <a:schemeClr val="tx1"/>
+              </a:solidFill>
+            </a:ln>
+          </p:spPr>
+          <p:style>
+            <a:lnRef idx="2">
+              <a:schemeClr val="accent1">
+                <a:shade val="50000"/>
+              </a:schemeClr>
+            </a:lnRef>
+            <a:fillRef idx="1">
+              <a:schemeClr val="accent1"/>
+            </a:fillRef>
+            <a:effectRef idx="0">
+              <a:schemeClr val="accent1"/>
+            </a:effectRef>
+            <a:fontRef idx="minor">
+              <a:schemeClr val="lt1"/>
+            </a:fontRef>
+          </p:style>
+          <p:txBody>
+            <a:bodyPr rtlCol="0" anchor="ctr"/>
+            <a:lstStyle/>
+            <a:p>
+              <a:pPr algn="ctr"/>
+              <a:endParaRPr lang="zh-CN" altLang="en-US"/>
+            </a:p>
+          </p:txBody>
+        </p:sp>
+        <p:cxnSp>
+          <p:nvCxnSpPr>
+            <p:cNvPr id="15" name="直接连接符 14">
+              <a:extLst>
+                <a:ext uri="{FF2B5EF4-FFF2-40B4-BE49-F238E27FC236}">
+                  <a16:creationId xmlns:a16="http://schemas.microsoft.com/office/drawing/2014/main" id="{66CAABC4-6DD8-4BA8-A767-EA4C211AC597}"/>
+                </a:ext>
+              </a:extLst>
+            </p:cNvPr>
+            <p:cNvCxnSpPr>
+              <a:cxnSpLocks/>
+            </p:cNvCxnSpPr>
+            <p:nvPr/>
+          </p:nvCxnSpPr>
+          <p:spPr>
+            <a:xfrm>
+              <a:off x="1648047" y="2732566"/>
+              <a:ext cx="0" cy="611374"/>
+            </a:xfrm>
+            <a:prstGeom prst="line">
+              <a:avLst/>
+            </a:prstGeom>
+            <a:grpFill/>
+            <a:ln w="28575">
+              <a:solidFill>
+                <a:schemeClr val="tx1"/>
+              </a:solidFill>
+            </a:ln>
+          </p:spPr>
+          <p:style>
+            <a:lnRef idx="1">
+              <a:schemeClr val="accent1"/>
+            </a:lnRef>
+            <a:fillRef idx="0">
+              <a:schemeClr val="accent1"/>
+            </a:fillRef>
+            <a:effectRef idx="0">
+              <a:schemeClr val="accent1"/>
+            </a:effectRef>
+            <a:fontRef idx="minor">
+              <a:schemeClr val="tx1"/>
+            </a:fontRef>
+          </p:style>
+        </p:cxnSp>
+        <p:cxnSp>
+          <p:nvCxnSpPr>
+            <p:cNvPr id="17" name="直接连接符 16">
+              <a:extLst>
+                <a:ext uri="{FF2B5EF4-FFF2-40B4-BE49-F238E27FC236}">
+                  <a16:creationId xmlns:a16="http://schemas.microsoft.com/office/drawing/2014/main" id="{6BBE0F13-CE90-450E-A94B-4E611F4B9D2E}"/>
+                </a:ext>
+              </a:extLst>
+            </p:cNvPr>
+            <p:cNvCxnSpPr>
+              <a:cxnSpLocks/>
+            </p:cNvCxnSpPr>
+            <p:nvPr/>
+          </p:nvCxnSpPr>
+          <p:spPr>
+            <a:xfrm>
+              <a:off x="2810540" y="2727248"/>
+              <a:ext cx="0" cy="611374"/>
+            </a:xfrm>
+            <a:prstGeom prst="line">
+              <a:avLst/>
+            </a:prstGeom>
+            <a:grpFill/>
+            <a:ln w="28575">
+              <a:solidFill>
+                <a:schemeClr val="tx1"/>
+              </a:solidFill>
+            </a:ln>
+          </p:spPr>
+          <p:style>
+            <a:lnRef idx="1">
+              <a:schemeClr val="accent1"/>
+            </a:lnRef>
+            <a:fillRef idx="0">
+              <a:schemeClr val="accent1"/>
+            </a:fillRef>
+            <a:effectRef idx="0">
+              <a:schemeClr val="accent1"/>
+            </a:effectRef>
+            <a:fontRef idx="minor">
+              <a:schemeClr val="tx1"/>
+            </a:fontRef>
+          </p:style>
+        </p:cxnSp>
+        <p:cxnSp>
+          <p:nvCxnSpPr>
+            <p:cNvPr id="19" name="直接箭头连接符 18">
+              <a:extLst>
+                <a:ext uri="{FF2B5EF4-FFF2-40B4-BE49-F238E27FC236}">
+                  <a16:creationId xmlns:a16="http://schemas.microsoft.com/office/drawing/2014/main" id="{B481D4C4-6C50-4997-B751-6CD16E6BC9FF}"/>
+                </a:ext>
+              </a:extLst>
+            </p:cNvPr>
+            <p:cNvCxnSpPr/>
+            <p:nvPr/>
+          </p:nvCxnSpPr>
+          <p:spPr>
+            <a:xfrm>
+              <a:off x="1648047" y="2897372"/>
+              <a:ext cx="454541" cy="0"/>
+            </a:xfrm>
+            <a:prstGeom prst="straightConnector1">
+              <a:avLst/>
+            </a:prstGeom>
+            <a:grpFill/>
+            <a:ln w="28575">
+              <a:solidFill>
+                <a:schemeClr val="tx1"/>
+              </a:solidFill>
+              <a:tailEnd type="triangle"/>
+            </a:ln>
+          </p:spPr>
+          <p:style>
+            <a:lnRef idx="1">
+              <a:schemeClr val="accent1"/>
+            </a:lnRef>
+            <a:fillRef idx="0">
+              <a:schemeClr val="accent1"/>
+            </a:fillRef>
+            <a:effectRef idx="0">
+              <a:schemeClr val="accent1"/>
+            </a:effectRef>
+            <a:fontRef idx="minor">
+              <a:schemeClr val="tx1"/>
+            </a:fontRef>
+          </p:style>
+        </p:cxnSp>
+        <p:cxnSp>
+          <p:nvCxnSpPr>
+            <p:cNvPr id="20" name="直接箭头连接符 19">
+              <a:extLst>
+                <a:ext uri="{FF2B5EF4-FFF2-40B4-BE49-F238E27FC236}">
+                  <a16:creationId xmlns:a16="http://schemas.microsoft.com/office/drawing/2014/main" id="{77C384DF-5158-43C2-A601-2DA101B2FCBF}"/>
+                </a:ext>
+              </a:extLst>
+            </p:cNvPr>
+            <p:cNvCxnSpPr/>
+            <p:nvPr/>
+          </p:nvCxnSpPr>
+          <p:spPr>
+            <a:xfrm>
+              <a:off x="2807882" y="2897372"/>
+              <a:ext cx="454541" cy="0"/>
+            </a:xfrm>
+            <a:prstGeom prst="straightConnector1">
+              <a:avLst/>
+            </a:prstGeom>
+            <a:grpFill/>
+            <a:ln w="28575">
+              <a:solidFill>
+                <a:schemeClr val="tx1"/>
+              </a:solidFill>
+              <a:tailEnd type="triangle"/>
+            </a:ln>
+          </p:spPr>
+          <p:style>
+            <a:lnRef idx="1">
+              <a:schemeClr val="accent1"/>
+            </a:lnRef>
+            <a:fillRef idx="0">
+              <a:schemeClr val="accent1"/>
+            </a:fillRef>
+            <a:effectRef idx="0">
+              <a:schemeClr val="accent1"/>
+            </a:effectRef>
+            <a:fontRef idx="minor">
+              <a:schemeClr val="tx1"/>
+            </a:fontRef>
+          </p:style>
+        </p:cxnSp>
+        <p:cxnSp>
+          <p:nvCxnSpPr>
+            <p:cNvPr id="21" name="直接箭头连接符 20">
+              <a:extLst>
+                <a:ext uri="{FF2B5EF4-FFF2-40B4-BE49-F238E27FC236}">
+                  <a16:creationId xmlns:a16="http://schemas.microsoft.com/office/drawing/2014/main" id="{33679C02-7042-4AE9-B694-5B4FADECE195}"/>
+                </a:ext>
+              </a:extLst>
+            </p:cNvPr>
+            <p:cNvCxnSpPr>
+              <a:cxnSpLocks/>
+            </p:cNvCxnSpPr>
+            <p:nvPr/>
+          </p:nvCxnSpPr>
+          <p:spPr>
+            <a:xfrm flipH="1">
+              <a:off x="1123507" y="3118883"/>
+              <a:ext cx="524540" cy="0"/>
+            </a:xfrm>
+            <a:prstGeom prst="straightConnector1">
+              <a:avLst/>
+            </a:prstGeom>
+            <a:grpFill/>
+            <a:ln w="28575">
+              <a:solidFill>
+                <a:schemeClr val="tx1"/>
+              </a:solidFill>
+              <a:tailEnd type="triangle"/>
+            </a:ln>
+          </p:spPr>
+          <p:style>
+            <a:lnRef idx="1">
+              <a:schemeClr val="accent1"/>
+            </a:lnRef>
+            <a:fillRef idx="0">
+              <a:schemeClr val="accent1"/>
+            </a:fillRef>
+            <a:effectRef idx="0">
+              <a:schemeClr val="accent1"/>
+            </a:effectRef>
+            <a:fontRef idx="minor">
+              <a:schemeClr val="tx1"/>
+            </a:fontRef>
+          </p:style>
+        </p:cxnSp>
+        <p:cxnSp>
+          <p:nvCxnSpPr>
+            <p:cNvPr id="23" name="直接箭头连接符 22">
+              <a:extLst>
+                <a:ext uri="{FF2B5EF4-FFF2-40B4-BE49-F238E27FC236}">
+                  <a16:creationId xmlns:a16="http://schemas.microsoft.com/office/drawing/2014/main" id="{38E7E5F0-6781-4F1D-AA5E-AA4BB95C0379}"/>
+                </a:ext>
+              </a:extLst>
+            </p:cNvPr>
+            <p:cNvCxnSpPr>
+              <a:cxnSpLocks/>
+            </p:cNvCxnSpPr>
+            <p:nvPr/>
+          </p:nvCxnSpPr>
+          <p:spPr>
+            <a:xfrm flipH="1">
+              <a:off x="2283342" y="3118883"/>
+              <a:ext cx="524540" cy="0"/>
+            </a:xfrm>
+            <a:prstGeom prst="straightConnector1">
+              <a:avLst/>
+            </a:prstGeom>
+            <a:grpFill/>
+            <a:ln w="28575">
+              <a:solidFill>
+                <a:schemeClr val="tx1"/>
+              </a:solidFill>
+              <a:tailEnd type="triangle"/>
+            </a:ln>
+          </p:spPr>
+          <p:style>
+            <a:lnRef idx="1">
+              <a:schemeClr val="accent1"/>
+            </a:lnRef>
+            <a:fillRef idx="0">
+              <a:schemeClr val="accent1"/>
+            </a:fillRef>
+            <a:effectRef idx="0">
+              <a:schemeClr val="accent1"/>
+            </a:effectRef>
+            <a:fontRef idx="minor">
+              <a:schemeClr val="tx1"/>
+            </a:fontRef>
+          </p:style>
+        </p:cxnSp>
+      </p:grpSp>
+      <p:sp>
+        <p:nvSpPr>
+          <p:cNvPr id="25" name="箭头: 下 24">
+            <a:extLst>
+              <a:ext uri="{FF2B5EF4-FFF2-40B4-BE49-F238E27FC236}">
+                <a16:creationId xmlns:a16="http://schemas.microsoft.com/office/drawing/2014/main" id="{37038AA5-A46B-4A4F-8C56-718E33A20B97}"/>
+              </a:ext>
+            </a:extLst>
+          </p:cNvPr>
+          <p:cNvSpPr/>
+          <p:nvPr/>
+        </p:nvSpPr>
+        <p:spPr>
+          <a:xfrm>
+            <a:off x="1780225" y="2462098"/>
+            <a:ext cx="366824" cy="600739"/>
+          </a:xfrm>
+          <a:prstGeom prst="downArrow">
+            <a:avLst/>
+          </a:prstGeom>
+          <a:solidFill>
+            <a:schemeClr val="tx1"/>
+          </a:solidFill>
+          <a:ln w="28575">
+            <a:solidFill>
+              <a:schemeClr val="tx1"/>
+            </a:solidFill>
+          </a:ln>
+        </p:spPr>
+        <p:style>
+          <a:lnRef idx="2">
+            <a:schemeClr val="accent1">
+              <a:shade val="50000"/>
+            </a:schemeClr>
+          </a:lnRef>
+          <a:fillRef idx="1">
+            <a:schemeClr val="accent1"/>
+          </a:fillRef>
+          <a:effectRef idx="0">
+            <a:schemeClr val="accent1"/>
+          </a:effectRef>
+          <a:fontRef idx="minor">
+            <a:schemeClr val="lt1"/>
+          </a:fontRef>
+        </p:style>
+        <p:txBody>
+          <a:bodyPr rtlCol="0" anchor="ctr"/>
+          <a:lstStyle/>
+          <a:p>
+            <a:pPr algn="ctr"/>
+            <a:endParaRPr lang="zh-CN" altLang="en-US"/>
+          </a:p>
+        </p:txBody>
+      </p:sp>
+      <p:sp>
+        <p:nvSpPr>
+          <p:cNvPr id="27" name="箭头: 下 26">
+            <a:extLst>
+              <a:ext uri="{FF2B5EF4-FFF2-40B4-BE49-F238E27FC236}">
+                <a16:creationId xmlns:a16="http://schemas.microsoft.com/office/drawing/2014/main" id="{7CD525FE-2775-4747-B721-C2657038D3D5}"/>
+              </a:ext>
+            </a:extLst>
+          </p:cNvPr>
+          <p:cNvSpPr/>
+          <p:nvPr/>
+        </p:nvSpPr>
+        <p:spPr>
+          <a:xfrm rot="16200000">
+            <a:off x="3912341" y="3519376"/>
+            <a:ext cx="366824" cy="600739"/>
+          </a:xfrm>
+          <a:prstGeom prst="downArrow">
+            <a:avLst/>
+          </a:prstGeom>
+          <a:solidFill>
+            <a:schemeClr val="tx1"/>
+          </a:solidFill>
+          <a:ln w="28575">
+            <a:solidFill>
+              <a:schemeClr val="tx1"/>
+            </a:solidFill>
+          </a:ln>
+        </p:spPr>
+        <p:style>
+          <a:lnRef idx="2">
+            <a:schemeClr val="accent1">
+              <a:shade val="50000"/>
+            </a:schemeClr>
+          </a:lnRef>
+          <a:fillRef idx="1">
+            <a:schemeClr val="accent1"/>
+          </a:fillRef>
+          <a:effectRef idx="0">
+            <a:schemeClr val="accent1"/>
+          </a:effectRef>
+          <a:fontRef idx="minor">
+            <a:schemeClr val="lt1"/>
+          </a:fontRef>
+        </p:style>
+        <p:txBody>
+          <a:bodyPr rtlCol="0" anchor="ctr"/>
+          <a:lstStyle/>
+          <a:p>
+            <a:pPr algn="ctr"/>
+            <a:endParaRPr lang="zh-CN" altLang="en-US"/>
+          </a:p>
+        </p:txBody>
+      </p:sp>
+      <p:sp>
+        <p:nvSpPr>
+          <p:cNvPr id="36" name="箭头: 下 35">
+            <a:extLst>
+              <a:ext uri="{FF2B5EF4-FFF2-40B4-BE49-F238E27FC236}">
+                <a16:creationId xmlns:a16="http://schemas.microsoft.com/office/drawing/2014/main" id="{42D8540F-F826-4ED0-9464-462908235CBB}"/>
+              </a:ext>
+            </a:extLst>
+          </p:cNvPr>
+          <p:cNvSpPr/>
+          <p:nvPr/>
+        </p:nvSpPr>
+        <p:spPr>
+          <a:xfrm rot="16200000">
+            <a:off x="10090298" y="2737883"/>
+            <a:ext cx="366824" cy="600739"/>
+          </a:xfrm>
+          <a:prstGeom prst="downArrow">
+            <a:avLst/>
+          </a:prstGeom>
+          <a:solidFill>
+            <a:schemeClr val="tx1"/>
+          </a:solidFill>
+          <a:ln w="28575">
+            <a:solidFill>
+              <a:schemeClr val="tx1"/>
+            </a:solidFill>
+          </a:ln>
+        </p:spPr>
+        <p:style>
+          <a:lnRef idx="2">
+            <a:schemeClr val="accent1">
+              <a:shade val="50000"/>
+            </a:schemeClr>
+          </a:lnRef>
+          <a:fillRef idx="1">
+            <a:schemeClr val="accent1"/>
+          </a:fillRef>
+          <a:effectRef idx="0">
+            <a:schemeClr val="accent1"/>
+          </a:effectRef>
+          <a:fontRef idx="minor">
+            <a:schemeClr val="lt1"/>
+          </a:fontRef>
+        </p:style>
+        <p:txBody>
+          <a:bodyPr rtlCol="0" anchor="ctr"/>
+          <a:lstStyle/>
+          <a:p>
+            <a:pPr algn="ctr"/>
+            <a:endParaRPr lang="zh-CN" altLang="en-US"/>
+          </a:p>
+        </p:txBody>
+      </p:sp>
+      <p:sp>
+        <p:nvSpPr>
+          <p:cNvPr id="42" name="箭头: 右弧形 41">
+            <a:extLst>
+              <a:ext uri="{FF2B5EF4-FFF2-40B4-BE49-F238E27FC236}">
+                <a16:creationId xmlns:a16="http://schemas.microsoft.com/office/drawing/2014/main" id="{23268082-2E7C-450D-B50B-7A6603C0ECFC}"/>
+              </a:ext>
+            </a:extLst>
+          </p:cNvPr>
+          <p:cNvSpPr/>
+          <p:nvPr/>
+        </p:nvSpPr>
+        <p:spPr>
+          <a:xfrm rot="5400000">
+            <a:off x="1142097" y="3844128"/>
+            <a:ext cx="438593" cy="1041073"/>
+          </a:xfrm>
+          <a:prstGeom prst="curvedLeftArrow">
+            <a:avLst/>
+          </a:prstGeom>
+          <a:noFill/>
+          <a:ln w="28575">
+            <a:solidFill>
+              <a:schemeClr val="tx1"/>
+            </a:solidFill>
+          </a:ln>
+        </p:spPr>
+        <p:style>
+          <a:lnRef idx="2">
+            <a:schemeClr val="accent1">
+              <a:shade val="50000"/>
+            </a:schemeClr>
+          </a:lnRef>
+          <a:fillRef idx="1">
+            <a:schemeClr val="accent1"/>
+          </a:fillRef>
+          <a:effectRef idx="0">
+            <a:schemeClr val="accent1"/>
+          </a:effectRef>
+          <a:fontRef idx="minor">
+            <a:schemeClr val="lt1"/>
+          </a:fontRef>
+        </p:style>
+        <p:txBody>
+          <a:bodyPr rtlCol="0" anchor="ctr"/>
+          <a:lstStyle/>
+          <a:p>
+            <a:pPr algn="ctr"/>
+            <a:endParaRPr lang="zh-CN" altLang="en-US">
+              <a:solidFill>
+                <a:schemeClr val="tx1"/>
+              </a:solidFill>
+            </a:endParaRPr>
+          </a:p>
+        </p:txBody>
+      </p:sp>
+      <p:sp>
+        <p:nvSpPr>
+          <p:cNvPr id="43" name="箭头: 右弧形 42">
+            <a:extLst>
+              <a:ext uri="{FF2B5EF4-FFF2-40B4-BE49-F238E27FC236}">
+                <a16:creationId xmlns:a16="http://schemas.microsoft.com/office/drawing/2014/main" id="{D77D8048-7B64-43F9-A91C-4A68641173DC}"/>
+              </a:ext>
+            </a:extLst>
+          </p:cNvPr>
+          <p:cNvSpPr/>
+          <p:nvPr/>
+        </p:nvSpPr>
+        <p:spPr>
+          <a:xfrm rot="5400000">
+            <a:off x="2406011" y="3849441"/>
+            <a:ext cx="438593" cy="1041073"/>
+          </a:xfrm>
+          <a:prstGeom prst="curvedLeftArrow">
+            <a:avLst/>
+          </a:prstGeom>
+          <a:noFill/>
+          <a:ln w="28575">
+            <a:solidFill>
+              <a:schemeClr val="tx1"/>
+            </a:solidFill>
+          </a:ln>
+        </p:spPr>
+        <p:style>
+          <a:lnRef idx="2">
+            <a:schemeClr val="accent1">
+              <a:shade val="50000"/>
+            </a:schemeClr>
+          </a:lnRef>
+          <a:fillRef idx="1">
+            <a:schemeClr val="accent1"/>
+          </a:fillRef>
+          <a:effectRef idx="0">
+            <a:schemeClr val="accent1"/>
+          </a:effectRef>
+          <a:fontRef idx="minor">
+            <a:schemeClr val="lt1"/>
+          </a:fontRef>
+        </p:style>
+        <p:txBody>
+          <a:bodyPr rtlCol="0" anchor="ctr"/>
+          <a:lstStyle/>
+          <a:p>
+            <a:pPr algn="ctr"/>
+            <a:endParaRPr lang="zh-CN" altLang="en-US">
+              <a:solidFill>
+                <a:schemeClr val="tx1"/>
+              </a:solidFill>
+            </a:endParaRPr>
+          </a:p>
+        </p:txBody>
+      </p:sp>
+      <p:sp>
+        <p:nvSpPr>
+          <p:cNvPr id="44" name="箭头: 右弧形 43">
+            <a:extLst>
+              <a:ext uri="{FF2B5EF4-FFF2-40B4-BE49-F238E27FC236}">
+                <a16:creationId xmlns:a16="http://schemas.microsoft.com/office/drawing/2014/main" id="{0F40CA06-DED1-44A9-B938-9A993F70F030}"/>
+              </a:ext>
+            </a:extLst>
+          </p:cNvPr>
+          <p:cNvSpPr/>
+          <p:nvPr/>
+        </p:nvSpPr>
+        <p:spPr>
+          <a:xfrm rot="16200000">
+            <a:off x="1172665" y="2782203"/>
+            <a:ext cx="438593" cy="1041073"/>
+          </a:xfrm>
+          <a:prstGeom prst="curvedLeftArrow">
+            <a:avLst/>
+          </a:prstGeom>
+          <a:noFill/>
+          <a:ln w="28575">
+            <a:solidFill>
+              <a:schemeClr val="tx1"/>
+            </a:solidFill>
+          </a:ln>
+        </p:spPr>
+        <p:style>
+          <a:lnRef idx="2">
+            <a:schemeClr val="accent1">
+              <a:shade val="50000"/>
+            </a:schemeClr>
+          </a:lnRef>
+          <a:fillRef idx="1">
+            <a:schemeClr val="accent1"/>
+          </a:fillRef>
+          <a:effectRef idx="0">
+            <a:schemeClr val="accent1"/>
+          </a:effectRef>
+          <a:fontRef idx="minor">
+            <a:schemeClr val="lt1"/>
+          </a:fontRef>
+        </p:style>
+        <p:txBody>
+          <a:bodyPr rtlCol="0" anchor="ctr"/>
+          <a:lstStyle/>
+          <a:p>
+            <a:pPr algn="ctr"/>
+            <a:endParaRPr lang="zh-CN" altLang="en-US" dirty="0">
+              <a:solidFill>
+                <a:schemeClr val="tx1"/>
+              </a:solidFill>
+            </a:endParaRPr>
+          </a:p>
+        </p:txBody>
+      </p:sp>
+      <p:sp>
+        <p:nvSpPr>
+          <p:cNvPr id="46" name="箭头: 右弧形 45">
+            <a:extLst>
+              <a:ext uri="{FF2B5EF4-FFF2-40B4-BE49-F238E27FC236}">
+                <a16:creationId xmlns:a16="http://schemas.microsoft.com/office/drawing/2014/main" id="{EAC26559-414B-4EBD-BAF6-ADA772935D5D}"/>
+              </a:ext>
+            </a:extLst>
+          </p:cNvPr>
+          <p:cNvSpPr/>
+          <p:nvPr/>
+        </p:nvSpPr>
+        <p:spPr>
+          <a:xfrm rot="16200000">
+            <a:off x="2400252" y="2758942"/>
+            <a:ext cx="438593" cy="1041073"/>
+          </a:xfrm>
+          <a:prstGeom prst="curvedLeftArrow">
+            <a:avLst/>
+          </a:prstGeom>
+          <a:noFill/>
+          <a:ln w="28575">
+            <a:solidFill>
+              <a:schemeClr val="tx1"/>
+            </a:solidFill>
+          </a:ln>
+        </p:spPr>
+        <p:style>
+          <a:lnRef idx="2">
+            <a:schemeClr val="accent1">
+              <a:shade val="50000"/>
+            </a:schemeClr>
+          </a:lnRef>
+          <a:fillRef idx="1">
+            <a:schemeClr val="accent1"/>
+          </a:fillRef>
+          <a:effectRef idx="0">
+            <a:schemeClr val="accent1"/>
+          </a:effectRef>
+          <a:fontRef idx="minor">
+            <a:schemeClr val="lt1"/>
+          </a:fontRef>
+        </p:style>
+        <p:txBody>
+          <a:bodyPr rtlCol="0" anchor="ctr"/>
+          <a:lstStyle/>
+          <a:p>
+            <a:pPr algn="ctr"/>
+            <a:endParaRPr lang="zh-CN" altLang="en-US">
+              <a:solidFill>
+                <a:schemeClr val="tx1"/>
+              </a:solidFill>
+            </a:endParaRPr>
+          </a:p>
+        </p:txBody>
+      </p:sp>
+      <p:sp>
+        <p:nvSpPr>
+          <p:cNvPr id="47" name="文本框 46">
+            <a:extLst>
+              <a:ext uri="{FF2B5EF4-FFF2-40B4-BE49-F238E27FC236}">
+                <a16:creationId xmlns:a16="http://schemas.microsoft.com/office/drawing/2014/main" id="{8311C4DE-D38F-47EB-8937-E280506C4824}"/>
+              </a:ext>
+            </a:extLst>
+          </p:cNvPr>
+          <p:cNvSpPr txBox="1"/>
+          <p:nvPr/>
+        </p:nvSpPr>
+        <p:spPr>
+          <a:xfrm>
+            <a:off x="2216002" y="868807"/>
+            <a:ext cx="1260844" cy="646331"/>
+          </a:xfrm>
+          <a:prstGeom prst="rect">
+            <a:avLst/>
+          </a:prstGeom>
+          <a:noFill/>
+          <a:ln>
+            <a:noFill/>
+          </a:ln>
+        </p:spPr>
+        <p:txBody>
+          <a:bodyPr wrap="square" rtlCol="0">
+            <a:spAutoFit/>
+          </a:bodyPr>
+          <a:lstStyle/>
+          <a:p>
+            <a:r>
+              <a:rPr lang="en-US" altLang="zh-CN" dirty="0"/>
+              <a:t>Request workloads</a:t>
+            </a:r>
+            <a:endParaRPr lang="zh-CN" altLang="en-US" dirty="0"/>
+          </a:p>
+        </p:txBody>
+      </p:sp>
+      <p:sp>
+        <p:nvSpPr>
+          <p:cNvPr id="48" name="文本框 47">
+            <a:extLst>
+              <a:ext uri="{FF2B5EF4-FFF2-40B4-BE49-F238E27FC236}">
+                <a16:creationId xmlns:a16="http://schemas.microsoft.com/office/drawing/2014/main" id="{04547817-76DC-42B0-B24C-B9CDEB9067E4}"/>
+              </a:ext>
+            </a:extLst>
+          </p:cNvPr>
+          <p:cNvSpPr txBox="1"/>
+          <p:nvPr/>
+        </p:nvSpPr>
+        <p:spPr>
+          <a:xfrm>
+            <a:off x="2118694" y="2523976"/>
+            <a:ext cx="2441497" cy="369332"/>
+          </a:xfrm>
+          <a:prstGeom prst="rect">
+            <a:avLst/>
+          </a:prstGeom>
+          <a:noFill/>
+          <a:ln>
+            <a:noFill/>
+          </a:ln>
+        </p:spPr>
+        <p:txBody>
+          <a:bodyPr wrap="square" rtlCol="0">
+            <a:spAutoFit/>
+          </a:bodyPr>
+          <a:lstStyle/>
+          <a:p>
+            <a:r>
+              <a:rPr lang="en-US" altLang="zh-CN" dirty="0"/>
+              <a:t>Write mapping to LRU</a:t>
+            </a:r>
+            <a:endParaRPr lang="zh-CN" altLang="en-US" dirty="0"/>
+          </a:p>
+        </p:txBody>
+      </p:sp>
+      <p:sp>
+        <p:nvSpPr>
+          <p:cNvPr id="49" name="文本框 48">
+            <a:extLst>
+              <a:ext uri="{FF2B5EF4-FFF2-40B4-BE49-F238E27FC236}">
+                <a16:creationId xmlns:a16="http://schemas.microsoft.com/office/drawing/2014/main" id="{1B8BCDDC-C212-4363-A6D6-7CB75D31EDAA}"/>
+              </a:ext>
+            </a:extLst>
+          </p:cNvPr>
+          <p:cNvSpPr txBox="1"/>
+          <p:nvPr/>
+        </p:nvSpPr>
+        <p:spPr>
+          <a:xfrm>
+            <a:off x="1614266" y="4435175"/>
+            <a:ext cx="1112432" cy="369332"/>
+          </a:xfrm>
+          <a:prstGeom prst="rect">
+            <a:avLst/>
+          </a:prstGeom>
+          <a:noFill/>
+          <a:ln>
+            <a:noFill/>
+          </a:ln>
+        </p:spPr>
+        <p:txBody>
+          <a:bodyPr wrap="square" rtlCol="0">
+            <a:spAutoFit/>
+          </a:bodyPr>
+          <a:lstStyle/>
+          <a:p>
+            <a:r>
+              <a:rPr lang="en-US" altLang="zh-CN" dirty="0"/>
+              <a:t>Adjust</a:t>
+            </a:r>
+          </a:p>
+        </p:txBody>
+      </p:sp>
+      <p:sp>
+        <p:nvSpPr>
+          <p:cNvPr id="51" name="矩形 50">
+            <a:extLst>
+              <a:ext uri="{FF2B5EF4-FFF2-40B4-BE49-F238E27FC236}">
+                <a16:creationId xmlns:a16="http://schemas.microsoft.com/office/drawing/2014/main" id="{E4DF11A1-7747-40E5-BF2C-90E589ED4977}"/>
+              </a:ext>
+            </a:extLst>
+          </p:cNvPr>
+          <p:cNvSpPr/>
+          <p:nvPr/>
+        </p:nvSpPr>
+        <p:spPr>
+          <a:xfrm rot="5400000">
+            <a:off x="4606824" y="2718522"/>
+            <a:ext cx="2605453" cy="647582"/>
+          </a:xfrm>
+          <a:prstGeom prst="rect">
+            <a:avLst/>
+          </a:prstGeom>
+          <a:noFill/>
+          <a:ln w="28575">
+            <a:solidFill>
+              <a:schemeClr val="tx1"/>
+            </a:solidFill>
+          </a:ln>
+        </p:spPr>
+        <p:style>
+          <a:lnRef idx="2">
+            <a:schemeClr val="accent1">
+              <a:shade val="50000"/>
+            </a:schemeClr>
+          </a:lnRef>
+          <a:fillRef idx="1">
+            <a:schemeClr val="accent1"/>
+          </a:fillRef>
+          <a:effectRef idx="0">
+            <a:schemeClr val="accent1"/>
+          </a:effectRef>
+          <a:fontRef idx="minor">
+            <a:schemeClr val="lt1"/>
+          </a:fontRef>
+        </p:style>
+        <p:txBody>
+          <a:bodyPr rtlCol="0" anchor="ctr"/>
+          <a:lstStyle/>
+          <a:p>
+            <a:pPr algn="ctr"/>
+            <a:r>
+              <a:rPr lang="en-US" altLang="zh-CN" dirty="0">
+                <a:solidFill>
+                  <a:schemeClr val="tx1"/>
+                </a:solidFill>
+              </a:rPr>
+              <a:t>Compression Algorithm Assignment</a:t>
+            </a:r>
+            <a:endParaRPr lang="zh-CN" altLang="en-US" dirty="0">
+              <a:solidFill>
+                <a:schemeClr val="tx1"/>
+              </a:solidFill>
+            </a:endParaRPr>
+          </a:p>
+        </p:txBody>
+      </p:sp>
+      <p:sp>
+        <p:nvSpPr>
+          <p:cNvPr id="52" name="矩形 51">
+            <a:extLst>
+              <a:ext uri="{FF2B5EF4-FFF2-40B4-BE49-F238E27FC236}">
+                <a16:creationId xmlns:a16="http://schemas.microsoft.com/office/drawing/2014/main" id="{B6DA4D08-3602-4D4D-9176-DAA38190588B}"/>
+              </a:ext>
+            </a:extLst>
+          </p:cNvPr>
+          <p:cNvSpPr/>
+          <p:nvPr/>
+        </p:nvSpPr>
+        <p:spPr>
+          <a:xfrm rot="5400000">
+            <a:off x="3584548" y="2741941"/>
+            <a:ext cx="2605453" cy="600740"/>
+          </a:xfrm>
+          <a:prstGeom prst="rect">
+            <a:avLst/>
+          </a:prstGeom>
+          <a:noFill/>
+          <a:ln w="28575">
+            <a:solidFill>
+              <a:schemeClr val="tx1"/>
+            </a:solidFill>
+          </a:ln>
+        </p:spPr>
+        <p:style>
+          <a:lnRef idx="2">
+            <a:schemeClr val="accent1">
+              <a:shade val="50000"/>
+            </a:schemeClr>
+          </a:lnRef>
+          <a:fillRef idx="1">
+            <a:schemeClr val="accent1"/>
+          </a:fillRef>
+          <a:effectRef idx="0">
+            <a:schemeClr val="accent1"/>
+          </a:effectRef>
+          <a:fontRef idx="minor">
+            <a:schemeClr val="lt1"/>
+          </a:fontRef>
+        </p:style>
+        <p:txBody>
+          <a:bodyPr rtlCol="0" anchor="ctr"/>
+          <a:lstStyle/>
+          <a:p>
+            <a:pPr algn="ctr"/>
+            <a:r>
+              <a:rPr lang="en-US" altLang="zh-CN" dirty="0">
+                <a:solidFill>
+                  <a:schemeClr val="tx1"/>
+                </a:solidFill>
+              </a:rPr>
+              <a:t>Compressibility Test</a:t>
+            </a:r>
+            <a:endParaRPr lang="zh-CN" altLang="en-US" dirty="0">
+              <a:solidFill>
+                <a:schemeClr val="tx1"/>
+              </a:solidFill>
+            </a:endParaRPr>
+          </a:p>
+        </p:txBody>
+      </p:sp>
+      <p:sp>
+        <p:nvSpPr>
+          <p:cNvPr id="54" name="文本框 53">
+            <a:extLst>
+              <a:ext uri="{FF2B5EF4-FFF2-40B4-BE49-F238E27FC236}">
+                <a16:creationId xmlns:a16="http://schemas.microsoft.com/office/drawing/2014/main" id="{166F2771-202C-44FB-BE05-4CF56E16A870}"/>
+              </a:ext>
+            </a:extLst>
+          </p:cNvPr>
+          <p:cNvSpPr txBox="1"/>
+          <p:nvPr/>
+        </p:nvSpPr>
+        <p:spPr>
+          <a:xfrm>
+            <a:off x="6233342" y="1036275"/>
+            <a:ext cx="1574027" cy="369332"/>
+          </a:xfrm>
+          <a:prstGeom prst="rect">
+            <a:avLst/>
+          </a:prstGeom>
+          <a:noFill/>
+          <a:ln>
+            <a:noFill/>
+          </a:ln>
+        </p:spPr>
+        <p:txBody>
+          <a:bodyPr wrap="square" rtlCol="0">
+            <a:spAutoFit/>
+          </a:bodyPr>
+          <a:lstStyle/>
+          <a:p>
+            <a:r>
+              <a:rPr lang="en-US" altLang="zh-CN" dirty="0"/>
+              <a:t>Main Engine</a:t>
+            </a:r>
+            <a:endParaRPr lang="zh-CN" altLang="en-US" dirty="0"/>
+          </a:p>
+        </p:txBody>
+      </p:sp>
+      <p:sp>
+        <p:nvSpPr>
+          <p:cNvPr id="55" name="矩形: 圆角 54">
+            <a:extLst>
+              <a:ext uri="{FF2B5EF4-FFF2-40B4-BE49-F238E27FC236}">
+                <a16:creationId xmlns:a16="http://schemas.microsoft.com/office/drawing/2014/main" id="{663F1C3A-BE65-4CE7-A095-EF1B35823443}"/>
+              </a:ext>
+            </a:extLst>
+          </p:cNvPr>
+          <p:cNvSpPr/>
+          <p:nvPr/>
+        </p:nvSpPr>
+        <p:spPr>
+          <a:xfrm>
+            <a:off x="6808206" y="1621466"/>
+            <a:ext cx="2649782" cy="3086605"/>
+          </a:xfrm>
+          <a:prstGeom prst="roundRect">
+            <a:avLst/>
+          </a:prstGeom>
+          <a:noFill/>
+          <a:ln w="28575">
+            <a:solidFill>
+              <a:schemeClr val="tx1"/>
+            </a:solidFill>
+          </a:ln>
+        </p:spPr>
+        <p:style>
+          <a:lnRef idx="2">
+            <a:schemeClr val="accent1">
+              <a:shade val="50000"/>
+            </a:schemeClr>
+          </a:lnRef>
+          <a:fillRef idx="1">
+            <a:schemeClr val="accent1"/>
+          </a:fillRef>
+          <a:effectRef idx="0">
+            <a:schemeClr val="accent1"/>
+          </a:effectRef>
+          <a:fontRef idx="minor">
+            <a:schemeClr val="lt1"/>
+          </a:fontRef>
+        </p:style>
+        <p:txBody>
+          <a:bodyPr rtlCol="0" anchor="ctr"/>
+          <a:lstStyle/>
+          <a:p>
+            <a:pPr algn="ctr"/>
+            <a:endParaRPr lang="zh-CN" altLang="en-US"/>
+          </a:p>
+        </p:txBody>
+      </p:sp>
+      <p:sp>
+        <p:nvSpPr>
+          <p:cNvPr id="56" name="箭头: 下 55">
+            <a:extLst>
+              <a:ext uri="{FF2B5EF4-FFF2-40B4-BE49-F238E27FC236}">
+                <a16:creationId xmlns:a16="http://schemas.microsoft.com/office/drawing/2014/main" id="{0AF865AA-49BC-46CC-BC93-159E6804BEB6}"/>
+              </a:ext>
+            </a:extLst>
+          </p:cNvPr>
+          <p:cNvSpPr/>
+          <p:nvPr/>
+        </p:nvSpPr>
+        <p:spPr>
+          <a:xfrm rot="16200000">
+            <a:off x="5369121" y="2825670"/>
+            <a:ext cx="132907" cy="300371"/>
+          </a:xfrm>
+          <a:prstGeom prst="downArrow">
+            <a:avLst/>
+          </a:prstGeom>
+          <a:solidFill>
+            <a:schemeClr val="tx1"/>
+          </a:solidFill>
+          <a:ln w="28575">
+            <a:solidFill>
+              <a:schemeClr val="tx1"/>
+            </a:solidFill>
+          </a:ln>
+        </p:spPr>
+        <p:style>
+          <a:lnRef idx="2">
+            <a:schemeClr val="accent1">
+              <a:shade val="50000"/>
+            </a:schemeClr>
+          </a:lnRef>
+          <a:fillRef idx="1">
+            <a:schemeClr val="accent1"/>
+          </a:fillRef>
+          <a:effectRef idx="0">
+            <a:schemeClr val="accent1"/>
+          </a:effectRef>
+          <a:fontRef idx="minor">
+            <a:schemeClr val="lt1"/>
+          </a:fontRef>
+        </p:style>
+        <p:txBody>
+          <a:bodyPr rtlCol="0" anchor="ctr"/>
+          <a:lstStyle/>
+          <a:p>
+            <a:pPr algn="ctr"/>
+            <a:endParaRPr lang="zh-CN" altLang="en-US"/>
+          </a:p>
+        </p:txBody>
+      </p:sp>
+      <p:sp>
+        <p:nvSpPr>
+          <p:cNvPr id="57" name="箭头: 下 56">
+            <a:extLst>
+              <a:ext uri="{FF2B5EF4-FFF2-40B4-BE49-F238E27FC236}">
+                <a16:creationId xmlns:a16="http://schemas.microsoft.com/office/drawing/2014/main" id="{B22FBB97-FF5B-458B-8EEC-89B6E53B1FFC}"/>
+              </a:ext>
+            </a:extLst>
+          </p:cNvPr>
+          <p:cNvSpPr/>
+          <p:nvPr/>
+        </p:nvSpPr>
+        <p:spPr>
+          <a:xfrm rot="16200000">
+            <a:off x="6392604" y="2825671"/>
+            <a:ext cx="132907" cy="300371"/>
+          </a:xfrm>
+          <a:prstGeom prst="downArrow">
+            <a:avLst/>
+          </a:prstGeom>
+          <a:solidFill>
+            <a:schemeClr val="tx1"/>
+          </a:solidFill>
+          <a:ln w="28575">
+            <a:solidFill>
+              <a:schemeClr val="tx1"/>
+            </a:solidFill>
+          </a:ln>
+        </p:spPr>
+        <p:style>
+          <a:lnRef idx="2">
+            <a:schemeClr val="accent1">
+              <a:shade val="50000"/>
+            </a:schemeClr>
+          </a:lnRef>
+          <a:fillRef idx="1">
+            <a:schemeClr val="accent1"/>
+          </a:fillRef>
+          <a:effectRef idx="0">
+            <a:schemeClr val="accent1"/>
+          </a:effectRef>
+          <a:fontRef idx="minor">
+            <a:schemeClr val="lt1"/>
+          </a:fontRef>
+        </p:style>
+        <p:txBody>
+          <a:bodyPr rtlCol="0" anchor="ctr"/>
+          <a:lstStyle/>
+          <a:p>
+            <a:pPr algn="ctr"/>
+            <a:endParaRPr lang="zh-CN" altLang="en-US"/>
+          </a:p>
+        </p:txBody>
+      </p:sp>
+      <p:sp>
+        <p:nvSpPr>
+          <p:cNvPr id="58" name="矩形: 圆角 57">
+            <a:extLst>
+              <a:ext uri="{FF2B5EF4-FFF2-40B4-BE49-F238E27FC236}">
+                <a16:creationId xmlns:a16="http://schemas.microsoft.com/office/drawing/2014/main" id="{68BA5FCE-77CC-41A0-9411-38FCFCD5031F}"/>
+              </a:ext>
+            </a:extLst>
+          </p:cNvPr>
+          <p:cNvSpPr/>
+          <p:nvPr/>
+        </p:nvSpPr>
+        <p:spPr>
+          <a:xfrm>
+            <a:off x="6974304" y="1782249"/>
+            <a:ext cx="2363751" cy="554486"/>
+          </a:xfrm>
+          <a:prstGeom prst="roundRect">
+            <a:avLst/>
+          </a:prstGeom>
+          <a:noFill/>
+          <a:ln w="28575">
+            <a:solidFill>
+              <a:schemeClr val="tx1"/>
+            </a:solidFill>
+          </a:ln>
+        </p:spPr>
+        <p:style>
+          <a:lnRef idx="2">
+            <a:schemeClr val="accent1">
+              <a:shade val="50000"/>
+            </a:schemeClr>
+          </a:lnRef>
+          <a:fillRef idx="1">
+            <a:schemeClr val="accent1"/>
+          </a:fillRef>
+          <a:effectRef idx="0">
+            <a:schemeClr val="accent1"/>
+          </a:effectRef>
+          <a:fontRef idx="minor">
+            <a:schemeClr val="lt1"/>
+          </a:fontRef>
+        </p:style>
+        <p:txBody>
+          <a:bodyPr rtlCol="0" anchor="ctr"/>
+          <a:lstStyle/>
+          <a:p>
+            <a:pPr algn="ctr"/>
+            <a:r>
+              <a:rPr lang="en-US" altLang="zh-CN" sz="1600" dirty="0">
+                <a:solidFill>
+                  <a:schemeClr val="tx1"/>
+                </a:solidFill>
+              </a:rPr>
+              <a:t>Benefit Calculator</a:t>
+            </a:r>
+            <a:endParaRPr lang="zh-CN" altLang="en-US" sz="1600" dirty="0">
+              <a:solidFill>
+                <a:schemeClr val="tx1"/>
+              </a:solidFill>
+            </a:endParaRPr>
+          </a:p>
+        </p:txBody>
+      </p:sp>
+      <p:sp>
+        <p:nvSpPr>
+          <p:cNvPr id="59" name="箭头: 下 58">
+            <a:extLst>
+              <a:ext uri="{FF2B5EF4-FFF2-40B4-BE49-F238E27FC236}">
+                <a16:creationId xmlns:a16="http://schemas.microsoft.com/office/drawing/2014/main" id="{99048D83-8100-4087-8F86-36821468E5D1}"/>
+              </a:ext>
+            </a:extLst>
+          </p:cNvPr>
+          <p:cNvSpPr/>
+          <p:nvPr/>
+        </p:nvSpPr>
+        <p:spPr>
+          <a:xfrm>
+            <a:off x="8067941" y="2377053"/>
+            <a:ext cx="151902" cy="229435"/>
+          </a:xfrm>
+          <a:prstGeom prst="downArrow">
+            <a:avLst/>
+          </a:prstGeom>
+          <a:solidFill>
+            <a:schemeClr val="tx1"/>
+          </a:solidFill>
+          <a:ln w="28575">
+            <a:solidFill>
+              <a:schemeClr val="tx1"/>
+            </a:solidFill>
+          </a:ln>
+        </p:spPr>
+        <p:style>
+          <a:lnRef idx="2">
+            <a:schemeClr val="accent1">
+              <a:shade val="50000"/>
+            </a:schemeClr>
+          </a:lnRef>
+          <a:fillRef idx="1">
+            <a:schemeClr val="accent1"/>
+          </a:fillRef>
+          <a:effectRef idx="0">
+            <a:schemeClr val="accent1"/>
+          </a:effectRef>
+          <a:fontRef idx="minor">
+            <a:schemeClr val="lt1"/>
+          </a:fontRef>
+        </p:style>
+        <p:txBody>
+          <a:bodyPr rtlCol="0" anchor="ctr"/>
+          <a:lstStyle/>
+          <a:p>
+            <a:pPr algn="ctr"/>
+            <a:endParaRPr lang="zh-CN" altLang="en-US"/>
+          </a:p>
+        </p:txBody>
+      </p:sp>
+      <p:sp>
+        <p:nvSpPr>
+          <p:cNvPr id="60" name="矩形: 圆角 59">
+            <a:extLst>
+              <a:ext uri="{FF2B5EF4-FFF2-40B4-BE49-F238E27FC236}">
+                <a16:creationId xmlns:a16="http://schemas.microsoft.com/office/drawing/2014/main" id="{4778E4BC-6A34-477B-B739-29F7ED1E4172}"/>
+              </a:ext>
+            </a:extLst>
+          </p:cNvPr>
+          <p:cNvSpPr/>
+          <p:nvPr/>
+        </p:nvSpPr>
+        <p:spPr>
+          <a:xfrm>
+            <a:off x="6985596" y="2676182"/>
+            <a:ext cx="2352459" cy="1961132"/>
+          </a:xfrm>
+          <a:prstGeom prst="roundRect">
+            <a:avLst/>
+          </a:prstGeom>
+          <a:noFill/>
+          <a:ln w="28575">
+            <a:solidFill>
+              <a:schemeClr val="tx1"/>
+            </a:solidFill>
+          </a:ln>
+        </p:spPr>
+        <p:style>
+          <a:lnRef idx="2">
+            <a:schemeClr val="accent1">
+              <a:shade val="50000"/>
+            </a:schemeClr>
+          </a:lnRef>
+          <a:fillRef idx="1">
+            <a:schemeClr val="accent1"/>
+          </a:fillRef>
+          <a:effectRef idx="0">
+            <a:schemeClr val="accent1"/>
+          </a:effectRef>
+          <a:fontRef idx="minor">
+            <a:schemeClr val="lt1"/>
+          </a:fontRef>
+        </p:style>
+        <p:txBody>
+          <a:bodyPr rtlCol="0" anchor="ctr"/>
+          <a:lstStyle/>
+          <a:p>
+            <a:pPr algn="ctr"/>
+            <a:endParaRPr lang="zh-CN" altLang="en-US"/>
+          </a:p>
+        </p:txBody>
+      </p:sp>
+      <p:cxnSp>
+        <p:nvCxnSpPr>
+          <p:cNvPr id="62" name="直接连接符 61">
+            <a:extLst>
+              <a:ext uri="{FF2B5EF4-FFF2-40B4-BE49-F238E27FC236}">
+                <a16:creationId xmlns:a16="http://schemas.microsoft.com/office/drawing/2014/main" id="{F023D320-ACC7-46BB-BFF5-9436AC9B4911}"/>
+              </a:ext>
+            </a:extLst>
+          </p:cNvPr>
+          <p:cNvCxnSpPr>
+            <a:cxnSpLocks/>
+          </p:cNvCxnSpPr>
+          <p:nvPr/>
+        </p:nvCxnSpPr>
+        <p:spPr>
+          <a:xfrm>
+            <a:off x="6985596" y="3605191"/>
+            <a:ext cx="2352459" cy="0"/>
+          </a:xfrm>
+          <a:prstGeom prst="line">
+            <a:avLst/>
+          </a:prstGeom>
+          <a:ln w="28575">
+            <a:solidFill>
+              <a:schemeClr val="tx1"/>
+            </a:solidFill>
+          </a:ln>
+        </p:spPr>
+        <p:style>
+          <a:lnRef idx="1">
+            <a:schemeClr val="accent1"/>
+          </a:lnRef>
+          <a:fillRef idx="0">
+            <a:schemeClr val="accent1"/>
+          </a:fillRef>
+          <a:effectRef idx="0">
+            <a:schemeClr val="accent1"/>
+          </a:effectRef>
+          <a:fontRef idx="minor">
+            <a:schemeClr val="tx1"/>
+          </a:fontRef>
+        </p:style>
+      </p:cxnSp>
+      <p:sp>
+        <p:nvSpPr>
+          <p:cNvPr id="66" name="箭头: 下 65">
+            <a:extLst>
+              <a:ext uri="{FF2B5EF4-FFF2-40B4-BE49-F238E27FC236}">
+                <a16:creationId xmlns:a16="http://schemas.microsoft.com/office/drawing/2014/main" id="{8994D433-A650-40C7-AF37-3FC09DFD1EF2}"/>
+              </a:ext>
+            </a:extLst>
+          </p:cNvPr>
+          <p:cNvSpPr/>
+          <p:nvPr/>
+        </p:nvSpPr>
+        <p:spPr>
+          <a:xfrm rot="16200000">
+            <a:off x="8003345" y="3036822"/>
+            <a:ext cx="217963" cy="578686"/>
+          </a:xfrm>
+          <a:prstGeom prst="downArrow">
+            <a:avLst/>
+          </a:prstGeom>
+          <a:solidFill>
+            <a:schemeClr val="tx1"/>
+          </a:solidFill>
+          <a:ln w="28575">
+            <a:solidFill>
+              <a:schemeClr val="tx1"/>
+            </a:solidFill>
+          </a:ln>
+        </p:spPr>
+        <p:style>
+          <a:lnRef idx="2">
+            <a:schemeClr val="accent1">
+              <a:shade val="50000"/>
+            </a:schemeClr>
+          </a:lnRef>
+          <a:fillRef idx="1">
+            <a:schemeClr val="accent1"/>
+          </a:fillRef>
+          <a:effectRef idx="0">
+            <a:schemeClr val="accent1"/>
+          </a:effectRef>
+          <a:fontRef idx="minor">
+            <a:schemeClr val="lt1"/>
+          </a:fontRef>
+        </p:style>
+        <p:txBody>
+          <a:bodyPr rtlCol="0" anchor="ctr"/>
+          <a:lstStyle/>
+          <a:p>
+            <a:pPr algn="ctr"/>
+            <a:endParaRPr lang="zh-CN" altLang="en-US"/>
+          </a:p>
+        </p:txBody>
+      </p:sp>
+      <p:pic>
+        <p:nvPicPr>
+          <p:cNvPr id="3" name="图形 2" descr="文档 纯色填充">
+            <a:extLst>
+              <a:ext uri="{FF2B5EF4-FFF2-40B4-BE49-F238E27FC236}">
+                <a16:creationId xmlns:a16="http://schemas.microsoft.com/office/drawing/2014/main" id="{94F022C7-48F9-4EFC-A646-B64BA679F542}"/>
+              </a:ext>
+            </a:extLst>
+          </p:cNvPr>
+          <p:cNvPicPr>
+            <a:picLocks noChangeAspect="1"/>
+          </p:cNvPicPr>
+          <p:nvPr/>
+        </p:nvPicPr>
+        <p:blipFill>
+          <a:blip r:embed="rId2">
+            <a:extLst>
+              <a:ext uri="{28A0092B-C50C-407E-A947-70E740481C1C}">
+                <a14:useLocalDpi xmlns:a14="http://schemas.microsoft.com/office/drawing/2010/main" val="0"/>
+              </a:ext>
+              <a:ext uri="{96DAC541-7B7A-43D3-8B79-37D633B846F1}">
+                <asvg:svgBlip xmlns:asvg="http://schemas.microsoft.com/office/drawing/2016/SVG/main" r:embed="rId3"/>
+              </a:ext>
+            </a:extLst>
+          </a:blip>
+          <a:stretch>
+            <a:fillRect/>
+          </a:stretch>
+        </p:blipFill>
+        <p:spPr>
+          <a:xfrm>
+            <a:off x="7162078" y="3013475"/>
+            <a:ext cx="575938" cy="575938"/>
+          </a:xfrm>
+          <a:prstGeom prst="rect">
+            <a:avLst/>
+          </a:prstGeom>
+        </p:spPr>
+      </p:pic>
+      <p:pic>
+        <p:nvPicPr>
+          <p:cNvPr id="53" name="图形 52" descr="文档 纯色填充">
+            <a:extLst>
+              <a:ext uri="{FF2B5EF4-FFF2-40B4-BE49-F238E27FC236}">
+                <a16:creationId xmlns:a16="http://schemas.microsoft.com/office/drawing/2014/main" id="{38274FC5-89BF-41A2-B464-DA9B40C66BD1}"/>
+              </a:ext>
+            </a:extLst>
+          </p:cNvPr>
+          <p:cNvPicPr>
+            <a:picLocks noChangeAspect="1"/>
+          </p:cNvPicPr>
+          <p:nvPr/>
+        </p:nvPicPr>
+        <p:blipFill>
+          <a:blip r:embed="rId2">
+            <a:extLst>
+              <a:ext uri="{28A0092B-C50C-407E-A947-70E740481C1C}">
+                <a14:useLocalDpi xmlns:a14="http://schemas.microsoft.com/office/drawing/2010/main" val="0"/>
+              </a:ext>
+              <a:ext uri="{96DAC541-7B7A-43D3-8B79-37D633B846F1}">
+                <asvg:svgBlip xmlns:asvg="http://schemas.microsoft.com/office/drawing/2016/SVG/main" r:embed="rId3"/>
+              </a:ext>
+            </a:extLst>
+          </a:blip>
+          <a:stretch>
+            <a:fillRect/>
+          </a:stretch>
+        </p:blipFill>
+        <p:spPr>
+          <a:xfrm>
+            <a:off x="8486637" y="3019877"/>
+            <a:ext cx="575938" cy="575938"/>
+          </a:xfrm>
+          <a:prstGeom prst="rect">
+            <a:avLst/>
+          </a:prstGeom>
+        </p:spPr>
+      </p:pic>
+      <p:sp>
+        <p:nvSpPr>
+          <p:cNvPr id="18" name="矩形 17">
+            <a:extLst>
+              <a:ext uri="{FF2B5EF4-FFF2-40B4-BE49-F238E27FC236}">
+                <a16:creationId xmlns:a16="http://schemas.microsoft.com/office/drawing/2014/main" id="{9007B491-B1FB-4F4D-A11E-31516131E548}"/>
+              </a:ext>
+            </a:extLst>
+          </p:cNvPr>
+          <p:cNvSpPr/>
+          <p:nvPr/>
+        </p:nvSpPr>
+        <p:spPr>
+          <a:xfrm rot="16200000">
+            <a:off x="7187056" y="4145261"/>
+            <a:ext cx="588382" cy="250694"/>
+          </a:xfrm>
+          <a:prstGeom prst="rect">
+            <a:avLst/>
+          </a:prstGeom>
+          <a:noFill/>
+          <a:ln w="19050">
+            <a:solidFill>
+              <a:schemeClr val="tx1"/>
+            </a:solidFill>
+          </a:ln>
+        </p:spPr>
+        <p:style>
+          <a:lnRef idx="2">
+            <a:schemeClr val="accent1">
+              <a:shade val="50000"/>
+            </a:schemeClr>
+          </a:lnRef>
+          <a:fillRef idx="1">
+            <a:schemeClr val="accent1"/>
+          </a:fillRef>
+          <a:effectRef idx="0">
+            <a:schemeClr val="accent1"/>
+          </a:effectRef>
+          <a:fontRef idx="minor">
+            <a:schemeClr val="lt1"/>
+          </a:fontRef>
+        </p:style>
+        <p:txBody>
+          <a:bodyPr rtlCol="0" anchor="ctr"/>
+          <a:lstStyle/>
+          <a:p>
+            <a:pPr algn="ctr"/>
+            <a:r>
+              <a:rPr lang="en-US" altLang="zh-CN" sz="800" b="1" dirty="0">
+                <a:solidFill>
+                  <a:schemeClr val="tx1"/>
+                </a:solidFill>
+                <a:latin typeface="微软雅黑" panose="020B0503020204020204" pitchFamily="34" charset="-122"/>
+                <a:ea typeface="微软雅黑" panose="020B0503020204020204" pitchFamily="34" charset="-122"/>
+              </a:rPr>
+              <a:t>None</a:t>
+            </a:r>
+            <a:endParaRPr lang="zh-CN" altLang="en-US" sz="800" b="1" dirty="0">
+              <a:solidFill>
+                <a:schemeClr val="tx1"/>
+              </a:solidFill>
+              <a:latin typeface="微软雅黑" panose="020B0503020204020204" pitchFamily="34" charset="-122"/>
+              <a:ea typeface="微软雅黑" panose="020B0503020204020204" pitchFamily="34" charset="-122"/>
+            </a:endParaRPr>
+          </a:p>
+        </p:txBody>
+      </p:sp>
+      <p:sp>
+        <p:nvSpPr>
+          <p:cNvPr id="74" name="矩形 73">
+            <a:extLst>
+              <a:ext uri="{FF2B5EF4-FFF2-40B4-BE49-F238E27FC236}">
+                <a16:creationId xmlns:a16="http://schemas.microsoft.com/office/drawing/2014/main" id="{1468A3E2-0029-4258-A5E8-B6E3F08BDE6C}"/>
+              </a:ext>
+            </a:extLst>
+          </p:cNvPr>
+          <p:cNvSpPr/>
+          <p:nvPr/>
+        </p:nvSpPr>
+        <p:spPr>
+          <a:xfrm rot="16200000">
+            <a:off x="7439438" y="4142815"/>
+            <a:ext cx="593275" cy="250695"/>
+          </a:xfrm>
+          <a:prstGeom prst="rect">
+            <a:avLst/>
+          </a:prstGeom>
+          <a:noFill/>
+          <a:ln w="19050">
+            <a:solidFill>
+              <a:schemeClr val="tx1"/>
+            </a:solidFill>
+          </a:ln>
+        </p:spPr>
+        <p:style>
+          <a:lnRef idx="2">
+            <a:schemeClr val="accent1">
+              <a:shade val="50000"/>
+            </a:schemeClr>
+          </a:lnRef>
+          <a:fillRef idx="1">
+            <a:schemeClr val="accent1"/>
+          </a:fillRef>
+          <a:effectRef idx="0">
+            <a:schemeClr val="accent1"/>
+          </a:effectRef>
+          <a:fontRef idx="minor">
+            <a:schemeClr val="lt1"/>
+          </a:fontRef>
+        </p:style>
+        <p:txBody>
+          <a:bodyPr rtlCol="0" anchor="ctr"/>
+          <a:lstStyle/>
+          <a:p>
+            <a:pPr algn="ctr"/>
+            <a:r>
+              <a:rPr lang="en-US" altLang="zh-CN" sz="800" b="1" dirty="0">
+                <a:solidFill>
+                  <a:schemeClr val="tx1"/>
+                </a:solidFill>
+                <a:latin typeface="微软雅黑" panose="020B0503020204020204" pitchFamily="34" charset="-122"/>
+                <a:ea typeface="微软雅黑" panose="020B0503020204020204" pitchFamily="34" charset="-122"/>
+              </a:rPr>
+              <a:t>LZ4</a:t>
+            </a:r>
+            <a:endParaRPr lang="zh-CN" altLang="en-US" sz="800" b="1" dirty="0">
+              <a:solidFill>
+                <a:schemeClr val="tx1"/>
+              </a:solidFill>
+              <a:latin typeface="微软雅黑" panose="020B0503020204020204" pitchFamily="34" charset="-122"/>
+              <a:ea typeface="微软雅黑" panose="020B0503020204020204" pitchFamily="34" charset="-122"/>
+            </a:endParaRPr>
+          </a:p>
+        </p:txBody>
+      </p:sp>
+      <p:sp>
+        <p:nvSpPr>
+          <p:cNvPr id="75" name="矩形 74">
+            <a:extLst>
+              <a:ext uri="{FF2B5EF4-FFF2-40B4-BE49-F238E27FC236}">
+                <a16:creationId xmlns:a16="http://schemas.microsoft.com/office/drawing/2014/main" id="{E75DDBBC-8183-4DE1-ADED-BA8C1FF0B1C1}"/>
+              </a:ext>
+            </a:extLst>
+          </p:cNvPr>
+          <p:cNvSpPr/>
+          <p:nvPr/>
+        </p:nvSpPr>
+        <p:spPr>
+          <a:xfrm rot="16200000">
+            <a:off x="7694712" y="4138835"/>
+            <a:ext cx="593274" cy="268440"/>
+          </a:xfrm>
+          <a:prstGeom prst="rect">
+            <a:avLst/>
+          </a:prstGeom>
+          <a:noFill/>
+          <a:ln w="19050">
+            <a:solidFill>
+              <a:schemeClr val="tx1"/>
+            </a:solidFill>
+          </a:ln>
+        </p:spPr>
+        <p:style>
+          <a:lnRef idx="2">
+            <a:schemeClr val="accent1">
+              <a:shade val="50000"/>
+            </a:schemeClr>
+          </a:lnRef>
+          <a:fillRef idx="1">
+            <a:schemeClr val="accent1"/>
+          </a:fillRef>
+          <a:effectRef idx="0">
+            <a:schemeClr val="accent1"/>
+          </a:effectRef>
+          <a:fontRef idx="minor">
+            <a:schemeClr val="lt1"/>
+          </a:fontRef>
+        </p:style>
+        <p:txBody>
+          <a:bodyPr rtlCol="0" anchor="ctr"/>
+          <a:lstStyle/>
+          <a:p>
+            <a:pPr algn="ctr" latinLnBrk="1"/>
+            <a:r>
+              <a:rPr lang="en-US" altLang="zh-CN" sz="800" b="1" dirty="0">
+                <a:solidFill>
+                  <a:schemeClr val="tx1"/>
+                </a:solidFill>
+                <a:latin typeface="微软雅黑" panose="020B0503020204020204" pitchFamily="34" charset="-122"/>
+                <a:ea typeface="微软雅黑" panose="020B0503020204020204" pitchFamily="34" charset="-122"/>
+              </a:rPr>
+              <a:t>Snappy</a:t>
+            </a:r>
+            <a:endParaRPr lang="zh-CN" altLang="en-US" sz="800" b="1" dirty="0">
+              <a:solidFill>
+                <a:schemeClr val="tx1"/>
+              </a:solidFill>
+              <a:latin typeface="微软雅黑" panose="020B0503020204020204" pitchFamily="34" charset="-122"/>
+              <a:ea typeface="微软雅黑" panose="020B0503020204020204" pitchFamily="34" charset="-122"/>
+            </a:endParaRPr>
+          </a:p>
+        </p:txBody>
+      </p:sp>
+      <p:sp>
+        <p:nvSpPr>
+          <p:cNvPr id="76" name="矩形 75">
+            <a:extLst>
+              <a:ext uri="{FF2B5EF4-FFF2-40B4-BE49-F238E27FC236}">
+                <a16:creationId xmlns:a16="http://schemas.microsoft.com/office/drawing/2014/main" id="{0015FF25-6F12-4001-A88D-AAAB3B705B64}"/>
+              </a:ext>
+            </a:extLst>
+          </p:cNvPr>
+          <p:cNvSpPr/>
+          <p:nvPr/>
+        </p:nvSpPr>
+        <p:spPr>
+          <a:xfrm rot="16200000">
+            <a:off x="7972475" y="4127889"/>
+            <a:ext cx="593274" cy="290203"/>
+          </a:xfrm>
+          <a:prstGeom prst="rect">
+            <a:avLst/>
+          </a:prstGeom>
+          <a:noFill/>
+          <a:ln w="19050">
+            <a:solidFill>
+              <a:schemeClr val="tx1"/>
+            </a:solidFill>
+          </a:ln>
+        </p:spPr>
+        <p:style>
+          <a:lnRef idx="2">
+            <a:schemeClr val="accent1">
+              <a:shade val="50000"/>
+            </a:schemeClr>
+          </a:lnRef>
+          <a:fillRef idx="1">
+            <a:schemeClr val="accent1"/>
+          </a:fillRef>
+          <a:effectRef idx="0">
+            <a:schemeClr val="accent1"/>
+          </a:effectRef>
+          <a:fontRef idx="minor">
+            <a:schemeClr val="lt1"/>
+          </a:fontRef>
+        </p:style>
+        <p:txBody>
+          <a:bodyPr rtlCol="0" anchor="ctr"/>
+          <a:lstStyle/>
+          <a:p>
+            <a:pPr algn="ctr" latinLnBrk="1"/>
+            <a:r>
+              <a:rPr lang="en-US" altLang="zh-CN" sz="800" b="1" dirty="0">
+                <a:solidFill>
+                  <a:schemeClr val="tx1"/>
+                </a:solidFill>
+                <a:latin typeface="微软雅黑" panose="020B0503020204020204" pitchFamily="34" charset="-122"/>
+                <a:ea typeface="微软雅黑" panose="020B0503020204020204" pitchFamily="34" charset="-122"/>
+              </a:rPr>
+              <a:t>Deflate</a:t>
+            </a:r>
+            <a:endParaRPr lang="zh-CN" altLang="en-US" sz="800" b="1" dirty="0">
+              <a:solidFill>
+                <a:schemeClr val="tx1"/>
+              </a:solidFill>
+              <a:latin typeface="微软雅黑" panose="020B0503020204020204" pitchFamily="34" charset="-122"/>
+              <a:ea typeface="微软雅黑" panose="020B0503020204020204" pitchFamily="34" charset="-122"/>
+            </a:endParaRPr>
+          </a:p>
+        </p:txBody>
+      </p:sp>
+      <p:sp>
+        <p:nvSpPr>
+          <p:cNvPr id="77" name="矩形 76">
+            <a:extLst>
+              <a:ext uri="{FF2B5EF4-FFF2-40B4-BE49-F238E27FC236}">
+                <a16:creationId xmlns:a16="http://schemas.microsoft.com/office/drawing/2014/main" id="{E6291D20-1281-4A76-9133-907DD95671A5}"/>
+              </a:ext>
+            </a:extLst>
+          </p:cNvPr>
+          <p:cNvSpPr/>
+          <p:nvPr/>
+        </p:nvSpPr>
+        <p:spPr>
+          <a:xfrm rot="16200000">
+            <a:off x="8635446" y="4134523"/>
+            <a:ext cx="593274" cy="268439"/>
+          </a:xfrm>
+          <a:prstGeom prst="rect">
+            <a:avLst/>
+          </a:prstGeom>
+          <a:noFill/>
+          <a:ln w="19050">
+            <a:solidFill>
+              <a:schemeClr val="tx1"/>
+            </a:solidFill>
+          </a:ln>
+        </p:spPr>
+        <p:style>
+          <a:lnRef idx="2">
+            <a:schemeClr val="accent1">
+              <a:shade val="50000"/>
+            </a:schemeClr>
+          </a:lnRef>
+          <a:fillRef idx="1">
+            <a:schemeClr val="accent1"/>
+          </a:fillRef>
+          <a:effectRef idx="0">
+            <a:schemeClr val="accent1"/>
+          </a:effectRef>
+          <a:fontRef idx="minor">
+            <a:schemeClr val="lt1"/>
+          </a:fontRef>
+        </p:style>
+        <p:txBody>
+          <a:bodyPr rtlCol="0" anchor="ctr"/>
+          <a:lstStyle/>
+          <a:p>
+            <a:pPr algn="ctr" latinLnBrk="1"/>
+            <a:r>
+              <a:rPr lang="en-US" altLang="zh-CN" sz="800" b="1" dirty="0">
+                <a:solidFill>
+                  <a:schemeClr val="tx1"/>
+                </a:solidFill>
+                <a:latin typeface="微软雅黑" panose="020B0503020204020204" pitchFamily="34" charset="-122"/>
+                <a:ea typeface="微软雅黑" panose="020B0503020204020204" pitchFamily="34" charset="-122"/>
+              </a:rPr>
+              <a:t>BZ2</a:t>
+            </a:r>
+            <a:endParaRPr lang="zh-CN" altLang="en-US" sz="800" b="1" dirty="0">
+              <a:solidFill>
+                <a:schemeClr val="tx1"/>
+              </a:solidFill>
+              <a:latin typeface="微软雅黑" panose="020B0503020204020204" pitchFamily="34" charset="-122"/>
+              <a:ea typeface="微软雅黑" panose="020B0503020204020204" pitchFamily="34" charset="-122"/>
+            </a:endParaRPr>
+          </a:p>
+        </p:txBody>
+      </p:sp>
+      <p:sp>
+        <p:nvSpPr>
+          <p:cNvPr id="22" name="文本框 21">
+            <a:extLst>
+              <a:ext uri="{FF2B5EF4-FFF2-40B4-BE49-F238E27FC236}">
+                <a16:creationId xmlns:a16="http://schemas.microsoft.com/office/drawing/2014/main" id="{03450287-0962-4345-90EF-4C7C7154FFB3}"/>
+              </a:ext>
+            </a:extLst>
+          </p:cNvPr>
+          <p:cNvSpPr txBox="1"/>
+          <p:nvPr/>
+        </p:nvSpPr>
+        <p:spPr>
+          <a:xfrm>
+            <a:off x="8399070" y="4094327"/>
+            <a:ext cx="247466" cy="369332"/>
+          </a:xfrm>
+          <a:prstGeom prst="rect">
+            <a:avLst/>
+          </a:prstGeom>
+          <a:noFill/>
+        </p:spPr>
+        <p:txBody>
+          <a:bodyPr wrap="square" rtlCol="0">
+            <a:spAutoFit/>
+          </a:bodyPr>
+          <a:lstStyle/>
+          <a:p>
+            <a:r>
+              <a:rPr lang="en-US" altLang="zh-CN" b="1" dirty="0"/>
+              <a:t>…</a:t>
+            </a:r>
+            <a:endParaRPr lang="zh-CN" altLang="en-US" b="1" dirty="0"/>
+          </a:p>
+        </p:txBody>
+      </p:sp>
+      <p:pic>
+        <p:nvPicPr>
+          <p:cNvPr id="78" name="图形 77" descr="文档 纯色填充">
+            <a:extLst>
+              <a:ext uri="{FF2B5EF4-FFF2-40B4-BE49-F238E27FC236}">
+                <a16:creationId xmlns:a16="http://schemas.microsoft.com/office/drawing/2014/main" id="{939024A7-B15B-4CA3-AD47-280EBB51992E}"/>
+              </a:ext>
+            </a:extLst>
+          </p:cNvPr>
+          <p:cNvPicPr>
+            <a:picLocks noChangeAspect="1"/>
+          </p:cNvPicPr>
+          <p:nvPr/>
+        </p:nvPicPr>
+        <p:blipFill>
+          <a:blip r:embed="rId2">
+            <a:extLst>
+              <a:ext uri="{28A0092B-C50C-407E-A947-70E740481C1C}">
+                <a14:useLocalDpi xmlns:a14="http://schemas.microsoft.com/office/drawing/2010/main" val="0"/>
+              </a:ext>
+              <a:ext uri="{96DAC541-7B7A-43D3-8B79-37D633B846F1}">
+                <asvg:svgBlip xmlns:asvg="http://schemas.microsoft.com/office/drawing/2016/SVG/main" r:embed="rId3"/>
+              </a:ext>
+            </a:extLst>
+          </a:blip>
+          <a:stretch>
+            <a:fillRect/>
+          </a:stretch>
+        </p:blipFill>
+        <p:spPr>
+          <a:xfrm>
+            <a:off x="10893939" y="2030550"/>
+            <a:ext cx="575938" cy="575938"/>
+          </a:xfrm>
+          <a:prstGeom prst="rect">
+            <a:avLst/>
+          </a:prstGeom>
+        </p:spPr>
+      </p:pic>
+      <p:pic>
+        <p:nvPicPr>
+          <p:cNvPr id="79" name="图形 78" descr="文档 纯色填充">
+            <a:extLst>
+              <a:ext uri="{FF2B5EF4-FFF2-40B4-BE49-F238E27FC236}">
+                <a16:creationId xmlns:a16="http://schemas.microsoft.com/office/drawing/2014/main" id="{3FAEF648-5756-485A-B7DB-2963610C487B}"/>
+              </a:ext>
+            </a:extLst>
+          </p:cNvPr>
+          <p:cNvPicPr>
+            <a:picLocks noChangeAspect="1"/>
+          </p:cNvPicPr>
+          <p:nvPr/>
+        </p:nvPicPr>
+        <p:blipFill>
+          <a:blip r:embed="rId2">
+            <a:extLst>
+              <a:ext uri="{28A0092B-C50C-407E-A947-70E740481C1C}">
+                <a14:useLocalDpi xmlns:a14="http://schemas.microsoft.com/office/drawing/2010/main" val="0"/>
+              </a:ext>
+              <a:ext uri="{96DAC541-7B7A-43D3-8B79-37D633B846F1}">
+                <asvg:svgBlip xmlns:asvg="http://schemas.microsoft.com/office/drawing/2016/SVG/main" r:embed="rId3"/>
+              </a:ext>
+            </a:extLst>
+          </a:blip>
+          <a:stretch>
+            <a:fillRect/>
+          </a:stretch>
+        </p:blipFill>
+        <p:spPr>
+          <a:xfrm>
+            <a:off x="10919705" y="2824856"/>
+            <a:ext cx="575938" cy="575938"/>
+          </a:xfrm>
+          <a:prstGeom prst="rect">
+            <a:avLst/>
+          </a:prstGeom>
+        </p:spPr>
+      </p:pic>
+      <p:pic>
+        <p:nvPicPr>
+          <p:cNvPr id="80" name="图形 79" descr="文档 纯色填充">
+            <a:extLst>
+              <a:ext uri="{FF2B5EF4-FFF2-40B4-BE49-F238E27FC236}">
+                <a16:creationId xmlns:a16="http://schemas.microsoft.com/office/drawing/2014/main" id="{00E65680-F4FF-486C-8603-303EE144B1D3}"/>
+              </a:ext>
+            </a:extLst>
+          </p:cNvPr>
+          <p:cNvPicPr>
+            <a:picLocks noChangeAspect="1"/>
+          </p:cNvPicPr>
+          <p:nvPr/>
+        </p:nvPicPr>
+        <p:blipFill>
+          <a:blip r:embed="rId2">
+            <a:extLst>
+              <a:ext uri="{28A0092B-C50C-407E-A947-70E740481C1C}">
+                <a14:useLocalDpi xmlns:a14="http://schemas.microsoft.com/office/drawing/2010/main" val="0"/>
+              </a:ext>
+              <a:ext uri="{96DAC541-7B7A-43D3-8B79-37D633B846F1}">
+                <asvg:svgBlip xmlns:asvg="http://schemas.microsoft.com/office/drawing/2016/SVG/main" r:embed="rId3"/>
+              </a:ext>
+            </a:extLst>
+          </a:blip>
+          <a:stretch>
+            <a:fillRect/>
+          </a:stretch>
+        </p:blipFill>
+        <p:spPr>
+          <a:xfrm>
+            <a:off x="10938117" y="3617724"/>
+            <a:ext cx="575938" cy="575938"/>
+          </a:xfrm>
+          <a:prstGeom prst="rect">
+            <a:avLst/>
+          </a:prstGeom>
+        </p:spPr>
+      </p:pic>
+      <p:sp>
+        <p:nvSpPr>
+          <p:cNvPr id="30" name="矩形 29">
+            <a:extLst>
+              <a:ext uri="{FF2B5EF4-FFF2-40B4-BE49-F238E27FC236}">
+                <a16:creationId xmlns:a16="http://schemas.microsoft.com/office/drawing/2014/main" id="{483D6056-B6F1-466B-9130-9DE2E678A985}"/>
+              </a:ext>
+            </a:extLst>
+          </p:cNvPr>
+          <p:cNvSpPr/>
+          <p:nvPr/>
+        </p:nvSpPr>
+        <p:spPr>
+          <a:xfrm>
+            <a:off x="10787785" y="1467427"/>
+            <a:ext cx="898027" cy="3240644"/>
+          </a:xfrm>
+          <a:prstGeom prst="rect">
+            <a:avLst/>
+          </a:prstGeom>
+          <a:noFill/>
+          <a:ln w="28575">
+            <a:solidFill>
+              <a:schemeClr val="tx1"/>
+            </a:solidFill>
+          </a:ln>
+        </p:spPr>
+        <p:style>
+          <a:lnRef idx="2">
+            <a:schemeClr val="accent1">
+              <a:shade val="50000"/>
+            </a:schemeClr>
+          </a:lnRef>
+          <a:fillRef idx="1">
+            <a:schemeClr val="accent1"/>
+          </a:fillRef>
+          <a:effectRef idx="0">
+            <a:schemeClr val="accent1"/>
+          </a:effectRef>
+          <a:fontRef idx="minor">
+            <a:schemeClr val="lt1"/>
+          </a:fontRef>
+        </p:style>
+        <p:txBody>
+          <a:bodyPr rtlCol="0" anchor="ctr"/>
+          <a:lstStyle/>
+          <a:p>
+            <a:pPr algn="ctr"/>
+            <a:endParaRPr lang="zh-CN" altLang="en-US"/>
+          </a:p>
+        </p:txBody>
+      </p:sp>
+      <p:sp>
+        <p:nvSpPr>
+          <p:cNvPr id="31" name="文本框 30">
+            <a:extLst>
+              <a:ext uri="{FF2B5EF4-FFF2-40B4-BE49-F238E27FC236}">
+                <a16:creationId xmlns:a16="http://schemas.microsoft.com/office/drawing/2014/main" id="{7648FD13-61B4-4B35-BB0E-D08EA97FF711}"/>
+              </a:ext>
+            </a:extLst>
+          </p:cNvPr>
+          <p:cNvSpPr txBox="1"/>
+          <p:nvPr/>
+        </p:nvSpPr>
+        <p:spPr>
+          <a:xfrm>
+            <a:off x="10787786" y="1570306"/>
+            <a:ext cx="898028" cy="338554"/>
+          </a:xfrm>
+          <a:prstGeom prst="rect">
+            <a:avLst/>
+          </a:prstGeom>
+          <a:noFill/>
+        </p:spPr>
+        <p:txBody>
+          <a:bodyPr wrap="square" rtlCol="0">
+            <a:spAutoFit/>
+          </a:bodyPr>
+          <a:lstStyle/>
+          <a:p>
+            <a:r>
+              <a:rPr lang="en-US" altLang="zh-CN" sz="1600" dirty="0"/>
+              <a:t>Storage</a:t>
+            </a:r>
+            <a:endParaRPr lang="zh-CN" altLang="en-US" sz="1600" dirty="0"/>
+          </a:p>
+        </p:txBody>
+      </p:sp>
+      <p:sp>
+        <p:nvSpPr>
+          <p:cNvPr id="32" name="文本框 31">
+            <a:extLst>
+              <a:ext uri="{FF2B5EF4-FFF2-40B4-BE49-F238E27FC236}">
+                <a16:creationId xmlns:a16="http://schemas.microsoft.com/office/drawing/2014/main" id="{E619DFFB-4109-4CC7-9DC6-4B9929912C22}"/>
+              </a:ext>
+            </a:extLst>
+          </p:cNvPr>
+          <p:cNvSpPr txBox="1"/>
+          <p:nvPr/>
+        </p:nvSpPr>
+        <p:spPr>
+          <a:xfrm rot="10800000">
+            <a:off x="11333523" y="2065074"/>
+            <a:ext cx="323165" cy="457994"/>
+          </a:xfrm>
+          <a:prstGeom prst="rect">
+            <a:avLst/>
+          </a:prstGeom>
+          <a:noFill/>
+        </p:spPr>
+        <p:txBody>
+          <a:bodyPr vert="eaVert" wrap="square" rtlCol="0">
+            <a:spAutoFit/>
+          </a:bodyPr>
+          <a:lstStyle/>
+          <a:p>
+            <a:r>
+              <a:rPr lang="en-US" altLang="zh-CN" sz="900" b="1" dirty="0"/>
+              <a:t>None</a:t>
+            </a:r>
+            <a:endParaRPr lang="zh-CN" altLang="en-US" sz="900" b="1" dirty="0"/>
+          </a:p>
+        </p:txBody>
+      </p:sp>
+      <p:sp>
+        <p:nvSpPr>
+          <p:cNvPr id="81" name="文本框 80">
+            <a:extLst>
+              <a:ext uri="{FF2B5EF4-FFF2-40B4-BE49-F238E27FC236}">
+                <a16:creationId xmlns:a16="http://schemas.microsoft.com/office/drawing/2014/main" id="{223B1240-5ED7-400F-AC53-DEAE44491B0E}"/>
+              </a:ext>
+            </a:extLst>
+          </p:cNvPr>
+          <p:cNvSpPr txBox="1"/>
+          <p:nvPr/>
+        </p:nvSpPr>
+        <p:spPr>
+          <a:xfrm rot="10800000">
+            <a:off x="11362649" y="2814122"/>
+            <a:ext cx="323165" cy="457994"/>
+          </a:xfrm>
+          <a:prstGeom prst="rect">
+            <a:avLst/>
+          </a:prstGeom>
+          <a:noFill/>
+        </p:spPr>
+        <p:txBody>
+          <a:bodyPr vert="eaVert" wrap="square" rtlCol="0">
+            <a:spAutoFit/>
+          </a:bodyPr>
+          <a:lstStyle/>
+          <a:p>
+            <a:r>
+              <a:rPr lang="en-US" altLang="zh-CN" sz="900" b="1" dirty="0"/>
+              <a:t>LZ4</a:t>
+            </a:r>
+            <a:endParaRPr lang="zh-CN" altLang="en-US" sz="900" b="1" dirty="0"/>
+          </a:p>
+        </p:txBody>
+      </p:sp>
+      <p:sp>
+        <p:nvSpPr>
+          <p:cNvPr id="82" name="文本框 81">
+            <a:extLst>
+              <a:ext uri="{FF2B5EF4-FFF2-40B4-BE49-F238E27FC236}">
+                <a16:creationId xmlns:a16="http://schemas.microsoft.com/office/drawing/2014/main" id="{50201DF6-76A5-4FE7-A09D-A55955E913FB}"/>
+              </a:ext>
+            </a:extLst>
+          </p:cNvPr>
+          <p:cNvSpPr txBox="1"/>
+          <p:nvPr/>
+        </p:nvSpPr>
+        <p:spPr>
+          <a:xfrm rot="10800000">
+            <a:off x="11347186" y="3636333"/>
+            <a:ext cx="323165" cy="457994"/>
+          </a:xfrm>
+          <a:prstGeom prst="rect">
+            <a:avLst/>
+          </a:prstGeom>
+          <a:noFill/>
+        </p:spPr>
+        <p:txBody>
+          <a:bodyPr vert="eaVert" wrap="square" rtlCol="0">
+            <a:spAutoFit/>
+          </a:bodyPr>
+          <a:lstStyle/>
+          <a:p>
+            <a:r>
+              <a:rPr lang="en-US" altLang="zh-CN" sz="900" b="1" dirty="0" err="1"/>
+              <a:t>GZip</a:t>
+            </a:r>
+            <a:endParaRPr lang="zh-CN" altLang="en-US" sz="900" b="1" dirty="0"/>
+          </a:p>
+        </p:txBody>
+      </p:sp>
+      <p:sp>
+        <p:nvSpPr>
+          <p:cNvPr id="85" name="文本框 84">
+            <a:extLst>
+              <a:ext uri="{FF2B5EF4-FFF2-40B4-BE49-F238E27FC236}">
+                <a16:creationId xmlns:a16="http://schemas.microsoft.com/office/drawing/2014/main" id="{91E55096-900B-4269-AED4-78270F7F4079}"/>
+              </a:ext>
+            </a:extLst>
+          </p:cNvPr>
+          <p:cNvSpPr txBox="1"/>
+          <p:nvPr/>
+        </p:nvSpPr>
+        <p:spPr>
+          <a:xfrm rot="5400000">
+            <a:off x="11102353" y="4151337"/>
+            <a:ext cx="247466" cy="369332"/>
+          </a:xfrm>
+          <a:prstGeom prst="rect">
+            <a:avLst/>
+          </a:prstGeom>
+          <a:noFill/>
+        </p:spPr>
+        <p:txBody>
+          <a:bodyPr wrap="square" rtlCol="0">
+            <a:spAutoFit/>
+          </a:bodyPr>
+          <a:lstStyle/>
+          <a:p>
+            <a:r>
+              <a:rPr lang="en-US" altLang="zh-CN" b="1" dirty="0"/>
+              <a:t>…</a:t>
+            </a:r>
+            <a:endParaRPr lang="zh-CN" altLang="en-US" b="1" dirty="0"/>
+          </a:p>
+        </p:txBody>
+      </p:sp>
+      <p:sp>
+        <p:nvSpPr>
+          <p:cNvPr id="39" name="文本框 38">
+            <a:extLst>
+              <a:ext uri="{FF2B5EF4-FFF2-40B4-BE49-F238E27FC236}">
+                <a16:creationId xmlns:a16="http://schemas.microsoft.com/office/drawing/2014/main" id="{3074C995-3BFC-4AB0-8102-0C5A17C737E6}"/>
+              </a:ext>
+            </a:extLst>
+          </p:cNvPr>
+          <p:cNvSpPr txBox="1"/>
+          <p:nvPr/>
+        </p:nvSpPr>
+        <p:spPr>
+          <a:xfrm>
+            <a:off x="7293618" y="3622020"/>
+            <a:ext cx="1794120" cy="338554"/>
+          </a:xfrm>
+          <a:prstGeom prst="rect">
+            <a:avLst/>
+          </a:prstGeom>
+          <a:noFill/>
+        </p:spPr>
+        <p:txBody>
+          <a:bodyPr wrap="square" rtlCol="0">
+            <a:spAutoFit/>
+          </a:bodyPr>
+          <a:lstStyle/>
+          <a:p>
+            <a:r>
+              <a:rPr lang="en-US" altLang="zh-CN" sz="1600" dirty="0"/>
+              <a:t>Compression Pool</a:t>
+            </a:r>
+            <a:endParaRPr lang="zh-CN" altLang="en-US" sz="1600" dirty="0"/>
+          </a:p>
+        </p:txBody>
+      </p:sp>
+      <p:sp>
+        <p:nvSpPr>
+          <p:cNvPr id="40" name="文本框 39">
+            <a:extLst>
+              <a:ext uri="{FF2B5EF4-FFF2-40B4-BE49-F238E27FC236}">
+                <a16:creationId xmlns:a16="http://schemas.microsoft.com/office/drawing/2014/main" id="{5EDF0089-B4FC-4A30-B202-5C77843E6CFA}"/>
+              </a:ext>
+            </a:extLst>
+          </p:cNvPr>
+          <p:cNvSpPr txBox="1"/>
+          <p:nvPr/>
+        </p:nvSpPr>
+        <p:spPr>
+          <a:xfrm>
+            <a:off x="6974304" y="2744631"/>
+            <a:ext cx="2441497" cy="338554"/>
+          </a:xfrm>
+          <a:prstGeom prst="rect">
+            <a:avLst/>
+          </a:prstGeom>
+          <a:noFill/>
+        </p:spPr>
+        <p:txBody>
+          <a:bodyPr wrap="square" rtlCol="0">
+            <a:spAutoFit/>
+          </a:bodyPr>
+          <a:lstStyle/>
+          <a:p>
+            <a:r>
+              <a:rPr lang="en-US" altLang="zh-CN" sz="1600" dirty="0"/>
+              <a:t>Compression Conversion</a:t>
+            </a:r>
+            <a:endParaRPr lang="zh-CN" altLang="en-US" sz="1600" dirty="0"/>
+          </a:p>
+        </p:txBody>
+      </p:sp>
+    </p:spTree>
+    <p:extLst>
+      <p:ext uri="{BB962C8B-B14F-4D97-AF65-F5344CB8AC3E}">
+        <p14:creationId xmlns:p14="http://schemas.microsoft.com/office/powerpoint/2010/main" val="2509775489"/>
+      </p:ext>
+    </p:extLst>
+  </p:cSld>
+  <p:clrMapOvr>
+    <a:masterClrMapping/>
+  </p:clrMapOvr>
+</p:sld>
+</file>
+
+<file path=ppt/slides/slide3.xml><?xml version="1.0" encoding="utf-8"?>
+<p:sld xmlns:a="http://schemas.openxmlformats.org/drawingml/2006/main" xmlns:r="http://schemas.openxmlformats.org/officeDocument/2006/relationships" xmlns:p="http://schemas.openxmlformats.org/presentationml/2006/main">
+  <p:cSld>
+    <p:spTree>
+      <p:nvGrpSpPr>
+        <p:cNvPr id="1" name=""/>
+        <p:cNvGrpSpPr/>
+        <p:nvPr/>
+      </p:nvGrpSpPr>
+      <p:grpSpPr>
+        <a:xfrm>
+          <a:off x="0" y="0"/>
+          <a:ext cx="0" cy="0"/>
+          <a:chOff x="0" y="0"/>
+          <a:chExt cx="0" cy="0"/>
+        </a:xfrm>
+      </p:grpSpPr>
+      <p:sp>
+        <p:nvSpPr>
+          <p:cNvPr id="55" name="矩形: 圆角 54">
+            <a:extLst>
+              <a:ext uri="{FF2B5EF4-FFF2-40B4-BE49-F238E27FC236}">
+                <a16:creationId xmlns:a16="http://schemas.microsoft.com/office/drawing/2014/main" id="{663F1C3A-BE65-4CE7-A095-EF1B35823443}"/>
+              </a:ext>
+            </a:extLst>
+          </p:cNvPr>
+          <p:cNvSpPr/>
+          <p:nvPr/>
+        </p:nvSpPr>
+        <p:spPr>
+          <a:xfrm>
+            <a:off x="7015311" y="2198914"/>
+            <a:ext cx="2649782" cy="3086605"/>
+          </a:xfrm>
+          <a:prstGeom prst="roundRect">
+            <a:avLst/>
+          </a:prstGeom>
+          <a:solidFill>
+            <a:schemeClr val="accent3">
+              <a:lumMod val="20000"/>
+              <a:lumOff val="80000"/>
+            </a:schemeClr>
+          </a:solidFill>
+          <a:ln w="28575">
+            <a:solidFill>
+              <a:schemeClr val="tx1"/>
+            </a:solidFill>
+          </a:ln>
+        </p:spPr>
+        <p:style>
+          <a:lnRef idx="2">
+            <a:schemeClr val="accent1">
+              <a:shade val="50000"/>
+            </a:schemeClr>
+          </a:lnRef>
+          <a:fillRef idx="1">
+            <a:schemeClr val="accent1"/>
+          </a:fillRef>
+          <a:effectRef idx="0">
+            <a:schemeClr val="accent1"/>
+          </a:effectRef>
+          <a:fontRef idx="minor">
+            <a:schemeClr val="lt1"/>
+          </a:fontRef>
+        </p:style>
+        <p:txBody>
+          <a:bodyPr rtlCol="0" anchor="ctr"/>
+          <a:lstStyle/>
+          <a:p>
+            <a:pPr algn="ctr"/>
+            <a:endParaRPr lang="zh-CN" altLang="en-US"/>
+          </a:p>
+        </p:txBody>
+      </p:sp>
+      <p:sp>
+        <p:nvSpPr>
+          <p:cNvPr id="16" name="矩形: 圆角 15">
+            <a:extLst>
+              <a:ext uri="{FF2B5EF4-FFF2-40B4-BE49-F238E27FC236}">
+                <a16:creationId xmlns:a16="http://schemas.microsoft.com/office/drawing/2014/main" id="{0229EECA-86CF-447A-B5E0-740497E8EBB3}"/>
+              </a:ext>
+            </a:extLst>
+          </p:cNvPr>
+          <p:cNvSpPr/>
+          <p:nvPr/>
+        </p:nvSpPr>
+        <p:spPr>
+          <a:xfrm>
+            <a:off x="3702027" y="2229597"/>
+            <a:ext cx="2742054" cy="2985165"/>
+          </a:xfrm>
+          <a:prstGeom prst="roundRect">
+            <a:avLst/>
+          </a:prstGeom>
+          <a:solidFill>
+            <a:schemeClr val="accent3">
+              <a:lumMod val="20000"/>
+              <a:lumOff val="80000"/>
+            </a:schemeClr>
+          </a:solidFill>
+          <a:ln w="28575">
+            <a:solidFill>
+              <a:schemeClr val="tx1"/>
+            </a:solidFill>
+          </a:ln>
+        </p:spPr>
+        <p:style>
+          <a:lnRef idx="2">
+            <a:schemeClr val="accent1">
+              <a:shade val="50000"/>
+            </a:schemeClr>
+          </a:lnRef>
+          <a:fillRef idx="1">
+            <a:schemeClr val="accent1"/>
+          </a:fillRef>
+          <a:effectRef idx="0">
+            <a:schemeClr val="accent1"/>
+          </a:effectRef>
+          <a:fontRef idx="minor">
+            <a:schemeClr val="lt1"/>
+          </a:fontRef>
+        </p:style>
+        <p:txBody>
+          <a:bodyPr rtlCol="0" anchor="ctr"/>
+          <a:lstStyle/>
+          <a:p>
+            <a:pPr algn="ctr"/>
+            <a:endParaRPr lang="zh-CN" altLang="en-US"/>
+          </a:p>
+        </p:txBody>
+      </p:sp>
+      <p:sp>
+        <p:nvSpPr>
+          <p:cNvPr id="30" name="矩形 29">
+            <a:extLst>
+              <a:ext uri="{FF2B5EF4-FFF2-40B4-BE49-F238E27FC236}">
+                <a16:creationId xmlns:a16="http://schemas.microsoft.com/office/drawing/2014/main" id="{483D6056-B6F1-466B-9130-9DE2E678A985}"/>
+              </a:ext>
+            </a:extLst>
+          </p:cNvPr>
+          <p:cNvSpPr/>
+          <p:nvPr/>
+        </p:nvSpPr>
+        <p:spPr>
+          <a:xfrm>
+            <a:off x="10580467" y="887185"/>
+            <a:ext cx="898027" cy="4449494"/>
+          </a:xfrm>
+          <a:prstGeom prst="rect">
+            <a:avLst/>
+          </a:prstGeom>
+          <a:solidFill>
+            <a:schemeClr val="accent3">
+              <a:lumMod val="20000"/>
+              <a:lumOff val="80000"/>
+            </a:schemeClr>
+          </a:solidFill>
+          <a:ln w="28575">
+            <a:solidFill>
+              <a:schemeClr val="tx1"/>
+            </a:solidFill>
+          </a:ln>
+        </p:spPr>
+        <p:style>
+          <a:lnRef idx="2">
+            <a:schemeClr val="accent1">
+              <a:shade val="50000"/>
+            </a:schemeClr>
+          </a:lnRef>
+          <a:fillRef idx="1">
+            <a:schemeClr val="accent1"/>
+          </a:fillRef>
+          <a:effectRef idx="0">
+            <a:schemeClr val="accent1"/>
+          </a:effectRef>
+          <a:fontRef idx="minor">
+            <a:schemeClr val="lt1"/>
+          </a:fontRef>
+        </p:style>
+        <p:txBody>
+          <a:bodyPr rtlCol="0" anchor="ctr"/>
+          <a:lstStyle/>
+          <a:p>
+            <a:pPr algn="ctr"/>
+            <a:endParaRPr lang="zh-CN" altLang="en-US"/>
+          </a:p>
+        </p:txBody>
+      </p:sp>
+      <p:grpSp>
+        <p:nvGrpSpPr>
+          <p:cNvPr id="11" name="组合 10">
+            <a:extLst>
+              <a:ext uri="{FF2B5EF4-FFF2-40B4-BE49-F238E27FC236}">
+                <a16:creationId xmlns:a16="http://schemas.microsoft.com/office/drawing/2014/main" id="{F876AC7D-EBD6-46D5-BECA-04B6EA859E90}"/>
+              </a:ext>
+            </a:extLst>
+          </p:cNvPr>
+          <p:cNvGrpSpPr/>
+          <p:nvPr/>
+        </p:nvGrpSpPr>
+        <p:grpSpPr>
+          <a:xfrm rot="5400000">
+            <a:off x="-294370" y="2809429"/>
+            <a:ext cx="4445226" cy="600739"/>
+            <a:chOff x="669851" y="834656"/>
+            <a:chExt cx="3232298" cy="600739"/>
+          </a:xfrm>
+          <a:solidFill>
+            <a:schemeClr val="accent3">
+              <a:lumMod val="20000"/>
+              <a:lumOff val="80000"/>
+            </a:schemeClr>
+          </a:solidFill>
+        </p:grpSpPr>
+        <p:sp>
+          <p:nvSpPr>
+            <p:cNvPr id="4" name="矩形 3">
+              <a:extLst>
+                <a:ext uri="{FF2B5EF4-FFF2-40B4-BE49-F238E27FC236}">
+                  <a16:creationId xmlns:a16="http://schemas.microsoft.com/office/drawing/2014/main" id="{A2C709EA-5F84-4587-86FD-B37FD4D3A37A}"/>
+                </a:ext>
+              </a:extLst>
+            </p:cNvPr>
+            <p:cNvSpPr/>
+            <p:nvPr/>
+          </p:nvSpPr>
+          <p:spPr>
+            <a:xfrm>
+              <a:off x="669851" y="834656"/>
+              <a:ext cx="3232298" cy="600739"/>
+            </a:xfrm>
+            <a:prstGeom prst="rect">
+              <a:avLst/>
+            </a:prstGeom>
+            <a:grpFill/>
+            <a:ln w="28575">
+              <a:solidFill>
+                <a:schemeClr val="tx1"/>
+              </a:solidFill>
+            </a:ln>
+          </p:spPr>
+          <p:style>
+            <a:lnRef idx="2">
+              <a:schemeClr val="accent1">
+                <a:shade val="50000"/>
+              </a:schemeClr>
+            </a:lnRef>
+            <a:fillRef idx="1">
+              <a:schemeClr val="accent1"/>
+            </a:fillRef>
+            <a:effectRef idx="0">
+              <a:schemeClr val="accent1"/>
+            </a:effectRef>
+            <a:fontRef idx="minor">
+              <a:schemeClr val="lt1"/>
+            </a:fontRef>
+          </p:style>
+          <p:txBody>
+            <a:bodyPr rtlCol="0" anchor="ctr"/>
+            <a:lstStyle/>
+            <a:p>
+              <a:pPr algn="ctr"/>
+              <a:endParaRPr lang="zh-CN" altLang="en-US"/>
+            </a:p>
+          </p:txBody>
+        </p:sp>
+        <p:cxnSp>
+          <p:nvCxnSpPr>
+            <p:cNvPr id="6" name="直接连接符 5">
+              <a:extLst>
+                <a:ext uri="{FF2B5EF4-FFF2-40B4-BE49-F238E27FC236}">
+                  <a16:creationId xmlns:a16="http://schemas.microsoft.com/office/drawing/2014/main" id="{51A88500-772A-45E0-A2FE-3767E9EDCC6A}"/>
+                </a:ext>
+              </a:extLst>
+            </p:cNvPr>
+            <p:cNvCxnSpPr>
+              <a:cxnSpLocks/>
+            </p:cNvCxnSpPr>
+            <p:nvPr/>
+          </p:nvCxnSpPr>
+          <p:spPr>
+            <a:xfrm>
+              <a:off x="1339702" y="834656"/>
+              <a:ext cx="0" cy="600739"/>
+            </a:xfrm>
+            <a:prstGeom prst="line">
+              <a:avLst/>
+            </a:prstGeom>
+            <a:grpFill/>
+            <a:ln w="28575">
+              <a:solidFill>
+                <a:schemeClr val="tx1"/>
+              </a:solidFill>
+            </a:ln>
+          </p:spPr>
+          <p:style>
+            <a:lnRef idx="1">
+              <a:schemeClr val="accent1"/>
+            </a:lnRef>
+            <a:fillRef idx="0">
+              <a:schemeClr val="accent1"/>
+            </a:fillRef>
+            <a:effectRef idx="0">
+              <a:schemeClr val="accent1"/>
+            </a:effectRef>
+            <a:fontRef idx="minor">
+              <a:schemeClr val="tx1"/>
+            </a:fontRef>
+          </p:style>
+        </p:cxnSp>
+        <p:cxnSp>
+          <p:nvCxnSpPr>
+            <p:cNvPr id="8" name="直接连接符 7">
+              <a:extLst>
+                <a:ext uri="{FF2B5EF4-FFF2-40B4-BE49-F238E27FC236}">
+                  <a16:creationId xmlns:a16="http://schemas.microsoft.com/office/drawing/2014/main" id="{0F7A2D4C-9D68-42CB-ACCC-EBC48CB7CC78}"/>
+                </a:ext>
+              </a:extLst>
+            </p:cNvPr>
+            <p:cNvCxnSpPr>
+              <a:cxnSpLocks/>
+            </p:cNvCxnSpPr>
+            <p:nvPr/>
+          </p:nvCxnSpPr>
+          <p:spPr>
+            <a:xfrm>
+              <a:off x="1991832" y="834656"/>
+              <a:ext cx="0" cy="600739"/>
+            </a:xfrm>
+            <a:prstGeom prst="line">
+              <a:avLst/>
+            </a:prstGeom>
+            <a:grpFill/>
+            <a:ln w="28575">
+              <a:solidFill>
+                <a:schemeClr val="tx1"/>
+              </a:solidFill>
+            </a:ln>
+          </p:spPr>
+          <p:style>
+            <a:lnRef idx="1">
+              <a:schemeClr val="accent1"/>
+            </a:lnRef>
+            <a:fillRef idx="0">
+              <a:schemeClr val="accent1"/>
+            </a:fillRef>
+            <a:effectRef idx="0">
+              <a:schemeClr val="accent1"/>
+            </a:effectRef>
+            <a:fontRef idx="minor">
+              <a:schemeClr val="tx1"/>
+            </a:fontRef>
+          </p:style>
+        </p:cxnSp>
+        <p:cxnSp>
+          <p:nvCxnSpPr>
+            <p:cNvPr id="9" name="直接连接符 8">
+              <a:extLst>
+                <a:ext uri="{FF2B5EF4-FFF2-40B4-BE49-F238E27FC236}">
+                  <a16:creationId xmlns:a16="http://schemas.microsoft.com/office/drawing/2014/main" id="{AD82FF30-DD6F-4EAE-9302-366B11443C1F}"/>
+                </a:ext>
+              </a:extLst>
+            </p:cNvPr>
+            <p:cNvCxnSpPr>
+              <a:cxnSpLocks/>
+            </p:cNvCxnSpPr>
+            <p:nvPr/>
+          </p:nvCxnSpPr>
+          <p:spPr>
+            <a:xfrm>
+              <a:off x="2629786" y="834656"/>
+              <a:ext cx="0" cy="600739"/>
+            </a:xfrm>
+            <a:prstGeom prst="line">
+              <a:avLst/>
+            </a:prstGeom>
+            <a:grpFill/>
+            <a:ln w="28575">
+              <a:solidFill>
+                <a:schemeClr val="tx1"/>
+              </a:solidFill>
+            </a:ln>
+          </p:spPr>
+          <p:style>
+            <a:lnRef idx="1">
+              <a:schemeClr val="accent1"/>
+            </a:lnRef>
+            <a:fillRef idx="0">
+              <a:schemeClr val="accent1"/>
+            </a:fillRef>
+            <a:effectRef idx="0">
+              <a:schemeClr val="accent1"/>
+            </a:effectRef>
+            <a:fontRef idx="minor">
+              <a:schemeClr val="tx1"/>
+            </a:fontRef>
+          </p:style>
+        </p:cxnSp>
+        <p:cxnSp>
+          <p:nvCxnSpPr>
+            <p:cNvPr id="10" name="直接连接符 9">
+              <a:extLst>
+                <a:ext uri="{FF2B5EF4-FFF2-40B4-BE49-F238E27FC236}">
+                  <a16:creationId xmlns:a16="http://schemas.microsoft.com/office/drawing/2014/main" id="{3C8D578A-79B2-4ECC-91CE-5C251CC7790E}"/>
+                </a:ext>
+              </a:extLst>
+            </p:cNvPr>
+            <p:cNvCxnSpPr>
+              <a:cxnSpLocks/>
+            </p:cNvCxnSpPr>
+            <p:nvPr/>
+          </p:nvCxnSpPr>
+          <p:spPr>
+            <a:xfrm>
+              <a:off x="3262423" y="834656"/>
+              <a:ext cx="0" cy="600739"/>
+            </a:xfrm>
+            <a:prstGeom prst="line">
+              <a:avLst/>
+            </a:prstGeom>
+            <a:grpFill/>
+            <a:ln w="28575">
+              <a:solidFill>
+                <a:schemeClr val="tx1"/>
+              </a:solidFill>
+            </a:ln>
+          </p:spPr>
+          <p:style>
+            <a:lnRef idx="1">
+              <a:schemeClr val="accent1"/>
+            </a:lnRef>
+            <a:fillRef idx="0">
+              <a:schemeClr val="accent1"/>
+            </a:fillRef>
+            <a:effectRef idx="0">
+              <a:schemeClr val="accent1"/>
+            </a:effectRef>
+            <a:fontRef idx="minor">
+              <a:schemeClr val="tx1"/>
+            </a:fontRef>
+          </p:style>
+        </p:cxnSp>
+      </p:grpSp>
+      <p:sp>
+        <p:nvSpPr>
+          <p:cNvPr id="12" name="箭头: 下 11">
+            <a:extLst>
+              <a:ext uri="{FF2B5EF4-FFF2-40B4-BE49-F238E27FC236}">
+                <a16:creationId xmlns:a16="http://schemas.microsoft.com/office/drawing/2014/main" id="{9690BFD3-EA55-400C-AE0C-62F7C3E222BF}"/>
+              </a:ext>
+            </a:extLst>
+          </p:cNvPr>
+          <p:cNvSpPr/>
+          <p:nvPr/>
+        </p:nvSpPr>
+        <p:spPr>
+          <a:xfrm rot="16200000">
+            <a:off x="600495" y="2598849"/>
+            <a:ext cx="366824" cy="1117644"/>
+          </a:xfrm>
+          <a:prstGeom prst="downArrow">
+            <a:avLst/>
+          </a:prstGeom>
+          <a:solidFill>
+            <a:schemeClr val="tx1"/>
+          </a:solidFill>
+          <a:ln w="28575">
+            <a:solidFill>
+              <a:schemeClr val="tx1"/>
+            </a:solidFill>
+          </a:ln>
+        </p:spPr>
+        <p:style>
+          <a:lnRef idx="2">
+            <a:schemeClr val="accent1">
+              <a:shade val="50000"/>
+            </a:schemeClr>
+          </a:lnRef>
+          <a:fillRef idx="1">
+            <a:schemeClr val="accent1"/>
+          </a:fillRef>
+          <a:effectRef idx="0">
+            <a:schemeClr val="accent1"/>
+          </a:effectRef>
+          <a:fontRef idx="minor">
+            <a:schemeClr val="lt1"/>
+          </a:fontRef>
+        </p:style>
+        <p:txBody>
+          <a:bodyPr rtlCol="0" anchor="ctr"/>
+          <a:lstStyle/>
+          <a:p>
+            <a:pPr algn="ctr"/>
+            <a:endParaRPr lang="zh-CN" altLang="en-US"/>
+          </a:p>
+        </p:txBody>
+      </p:sp>
+      <p:sp>
+        <p:nvSpPr>
+          <p:cNvPr id="36" name="箭头: 下 35">
+            <a:extLst>
+              <a:ext uri="{FF2B5EF4-FFF2-40B4-BE49-F238E27FC236}">
+                <a16:creationId xmlns:a16="http://schemas.microsoft.com/office/drawing/2014/main" id="{42D8540F-F826-4ED0-9464-462908235CBB}"/>
+              </a:ext>
+            </a:extLst>
+          </p:cNvPr>
+          <p:cNvSpPr/>
+          <p:nvPr/>
+        </p:nvSpPr>
+        <p:spPr>
+          <a:xfrm rot="16200000">
+            <a:off x="9948149" y="3360263"/>
+            <a:ext cx="366824" cy="600739"/>
+          </a:xfrm>
+          <a:prstGeom prst="downArrow">
+            <a:avLst/>
+          </a:prstGeom>
+          <a:solidFill>
+            <a:schemeClr val="tx1"/>
+          </a:solidFill>
+          <a:ln w="28575">
+            <a:solidFill>
+              <a:schemeClr val="tx1"/>
+            </a:solidFill>
+          </a:ln>
+        </p:spPr>
+        <p:style>
+          <a:lnRef idx="2">
+            <a:schemeClr val="accent1">
+              <a:shade val="50000"/>
+            </a:schemeClr>
+          </a:lnRef>
+          <a:fillRef idx="1">
+            <a:schemeClr val="accent1"/>
+          </a:fillRef>
+          <a:effectRef idx="0">
+            <a:schemeClr val="accent1"/>
+          </a:effectRef>
+          <a:fontRef idx="minor">
+            <a:schemeClr val="lt1"/>
+          </a:fontRef>
+        </p:style>
+        <p:txBody>
+          <a:bodyPr rtlCol="0" anchor="ctr"/>
+          <a:lstStyle/>
+          <a:p>
+            <a:pPr algn="ctr"/>
+            <a:endParaRPr lang="zh-CN" altLang="en-US"/>
+          </a:p>
+        </p:txBody>
+      </p:sp>
+      <p:sp>
+        <p:nvSpPr>
+          <p:cNvPr id="13" name="矩形 12">
+            <a:extLst>
+              <a:ext uri="{FF2B5EF4-FFF2-40B4-BE49-F238E27FC236}">
+                <a16:creationId xmlns:a16="http://schemas.microsoft.com/office/drawing/2014/main" id="{C8581042-E19E-44FC-AE14-1F5658D27684}"/>
+              </a:ext>
+            </a:extLst>
+          </p:cNvPr>
+          <p:cNvSpPr/>
+          <p:nvPr/>
+        </p:nvSpPr>
+        <p:spPr>
+          <a:xfrm>
+            <a:off x="3689569" y="1266453"/>
+            <a:ext cx="5963066" cy="441477"/>
+          </a:xfrm>
+          <a:prstGeom prst="rect">
+            <a:avLst/>
+          </a:prstGeom>
+          <a:gradFill flip="none" rotWithShape="1">
+            <a:gsLst>
+              <a:gs pos="0">
+                <a:srgbClr val="C00000"/>
+              </a:gs>
+              <a:gs pos="50000">
+                <a:schemeClr val="accent1">
+                  <a:tint val="44500"/>
+                  <a:satMod val="160000"/>
+                </a:schemeClr>
+              </a:gs>
+              <a:gs pos="100000">
+                <a:srgbClr val="2F528F"/>
+              </a:gs>
+            </a:gsLst>
+            <a:lin ang="0" scaled="1"/>
+            <a:tileRect/>
+          </a:gradFill>
+          <a:ln w="28575">
+            <a:solidFill>
+              <a:schemeClr val="tx1"/>
+            </a:solidFill>
+          </a:ln>
+        </p:spPr>
+        <p:style>
+          <a:lnRef idx="2">
+            <a:schemeClr val="accent1">
+              <a:shade val="50000"/>
+            </a:schemeClr>
+          </a:lnRef>
+          <a:fillRef idx="1">
+            <a:schemeClr val="accent1"/>
+          </a:fillRef>
+          <a:effectRef idx="0">
+            <a:schemeClr val="accent1"/>
+          </a:effectRef>
+          <a:fontRef idx="minor">
+            <a:schemeClr val="lt1"/>
+          </a:fontRef>
+        </p:style>
+        <p:txBody>
+          <a:bodyPr rtlCol="0" anchor="ctr"/>
+          <a:lstStyle/>
+          <a:p>
+            <a:pPr algn="ctr"/>
+            <a:endParaRPr lang="zh-CN" altLang="en-US"/>
+          </a:p>
+        </p:txBody>
+      </p:sp>
+      <p:cxnSp>
+        <p:nvCxnSpPr>
+          <p:cNvPr id="15" name="直接连接符 14">
+            <a:extLst>
+              <a:ext uri="{FF2B5EF4-FFF2-40B4-BE49-F238E27FC236}">
+                <a16:creationId xmlns:a16="http://schemas.microsoft.com/office/drawing/2014/main" id="{66CAABC4-6DD8-4BA8-A767-EA4C211AC597}"/>
+              </a:ext>
+            </a:extLst>
+          </p:cNvPr>
+          <p:cNvCxnSpPr>
+            <a:cxnSpLocks/>
+          </p:cNvCxnSpPr>
+          <p:nvPr/>
+        </p:nvCxnSpPr>
+        <p:spPr>
+          <a:xfrm>
+            <a:off x="5494183" y="1266453"/>
+            <a:ext cx="0" cy="449293"/>
+          </a:xfrm>
+          <a:prstGeom prst="line">
+            <a:avLst/>
+          </a:prstGeom>
+          <a:noFill/>
+          <a:ln w="28575">
+            <a:solidFill>
+              <a:schemeClr val="tx1"/>
+            </a:solidFill>
+          </a:ln>
+        </p:spPr>
+        <p:style>
+          <a:lnRef idx="1">
+            <a:schemeClr val="accent1"/>
+          </a:lnRef>
+          <a:fillRef idx="0">
+            <a:schemeClr val="accent1"/>
+          </a:fillRef>
+          <a:effectRef idx="0">
+            <a:schemeClr val="accent1"/>
+          </a:effectRef>
+          <a:fontRef idx="minor">
+            <a:schemeClr val="tx1"/>
+          </a:fontRef>
+        </p:style>
+      </p:cxnSp>
+      <p:cxnSp>
+        <p:nvCxnSpPr>
+          <p:cNvPr id="17" name="直接连接符 16">
+            <a:extLst>
+              <a:ext uri="{FF2B5EF4-FFF2-40B4-BE49-F238E27FC236}">
+                <a16:creationId xmlns:a16="http://schemas.microsoft.com/office/drawing/2014/main" id="{6BBE0F13-CE90-450E-A94B-4E611F4B9D2E}"/>
+              </a:ext>
+            </a:extLst>
+          </p:cNvPr>
+          <p:cNvCxnSpPr>
+            <a:cxnSpLocks/>
+          </p:cNvCxnSpPr>
+          <p:nvPr/>
+        </p:nvCxnSpPr>
+        <p:spPr>
+          <a:xfrm>
+            <a:off x="7638796" y="1262545"/>
+            <a:ext cx="0" cy="449293"/>
+          </a:xfrm>
+          <a:prstGeom prst="line">
+            <a:avLst/>
+          </a:prstGeom>
+          <a:noFill/>
+          <a:ln w="28575">
+            <a:solidFill>
+              <a:schemeClr val="tx1"/>
+            </a:solidFill>
+          </a:ln>
+        </p:spPr>
+        <p:style>
+          <a:lnRef idx="1">
+            <a:schemeClr val="accent1"/>
+          </a:lnRef>
+          <a:fillRef idx="0">
+            <a:schemeClr val="accent1"/>
+          </a:fillRef>
+          <a:effectRef idx="0">
+            <a:schemeClr val="accent1"/>
+          </a:effectRef>
+          <a:fontRef idx="minor">
+            <a:schemeClr val="tx1"/>
+          </a:fontRef>
+        </p:style>
+      </p:cxnSp>
+      <p:cxnSp>
+        <p:nvCxnSpPr>
+          <p:cNvPr id="19" name="直接箭头连接符 18">
+            <a:extLst>
+              <a:ext uri="{FF2B5EF4-FFF2-40B4-BE49-F238E27FC236}">
+                <a16:creationId xmlns:a16="http://schemas.microsoft.com/office/drawing/2014/main" id="{B481D4C4-6C50-4997-B751-6CD16E6BC9FF}"/>
+              </a:ext>
+            </a:extLst>
+          </p:cNvPr>
+          <p:cNvCxnSpPr>
+            <a:cxnSpLocks/>
+          </p:cNvCxnSpPr>
+          <p:nvPr/>
+        </p:nvCxnSpPr>
+        <p:spPr>
+          <a:xfrm>
+            <a:off x="5494183" y="1387567"/>
+            <a:ext cx="284558" cy="0"/>
+          </a:xfrm>
+          <a:prstGeom prst="straightConnector1">
+            <a:avLst/>
+          </a:prstGeom>
+          <a:noFill/>
+          <a:ln w="28575">
+            <a:solidFill>
+              <a:schemeClr val="tx1"/>
+            </a:solidFill>
+            <a:tailEnd type="triangle"/>
+          </a:ln>
+        </p:spPr>
+        <p:style>
+          <a:lnRef idx="1">
+            <a:schemeClr val="accent1"/>
+          </a:lnRef>
+          <a:fillRef idx="0">
+            <a:schemeClr val="accent1"/>
+          </a:fillRef>
+          <a:effectRef idx="0">
+            <a:schemeClr val="accent1"/>
+          </a:effectRef>
+          <a:fontRef idx="minor">
+            <a:schemeClr val="tx1"/>
+          </a:fontRef>
+        </p:style>
+      </p:cxnSp>
+      <p:cxnSp>
+        <p:nvCxnSpPr>
+          <p:cNvPr id="20" name="直接箭头连接符 19">
+            <a:extLst>
+              <a:ext uri="{FF2B5EF4-FFF2-40B4-BE49-F238E27FC236}">
+                <a16:creationId xmlns:a16="http://schemas.microsoft.com/office/drawing/2014/main" id="{77C384DF-5158-43C2-A601-2DA101B2FCBF}"/>
+              </a:ext>
+            </a:extLst>
+          </p:cNvPr>
+          <p:cNvCxnSpPr>
+            <a:cxnSpLocks/>
+          </p:cNvCxnSpPr>
+          <p:nvPr/>
+        </p:nvCxnSpPr>
+        <p:spPr>
+          <a:xfrm>
+            <a:off x="7633892" y="1387567"/>
+            <a:ext cx="296829" cy="0"/>
+          </a:xfrm>
+          <a:prstGeom prst="straightConnector1">
+            <a:avLst/>
+          </a:prstGeom>
+          <a:noFill/>
+          <a:ln w="28575">
+            <a:solidFill>
+              <a:schemeClr val="tx1"/>
+            </a:solidFill>
+            <a:tailEnd type="triangle"/>
+          </a:ln>
+        </p:spPr>
+        <p:style>
+          <a:lnRef idx="1">
+            <a:schemeClr val="accent1"/>
+          </a:lnRef>
+          <a:fillRef idx="0">
+            <a:schemeClr val="accent1"/>
+          </a:fillRef>
+          <a:effectRef idx="0">
+            <a:schemeClr val="accent1"/>
+          </a:effectRef>
+          <a:fontRef idx="minor">
+            <a:schemeClr val="tx1"/>
+          </a:fontRef>
+        </p:style>
+      </p:cxnSp>
+      <p:cxnSp>
+        <p:nvCxnSpPr>
+          <p:cNvPr id="21" name="直接箭头连接符 20">
+            <a:extLst>
+              <a:ext uri="{FF2B5EF4-FFF2-40B4-BE49-F238E27FC236}">
+                <a16:creationId xmlns:a16="http://schemas.microsoft.com/office/drawing/2014/main" id="{33679C02-7042-4AE9-B694-5B4FADECE195}"/>
+              </a:ext>
+            </a:extLst>
+          </p:cNvPr>
+          <p:cNvCxnSpPr>
+            <a:cxnSpLocks/>
+          </p:cNvCxnSpPr>
+          <p:nvPr/>
+        </p:nvCxnSpPr>
+        <p:spPr>
+          <a:xfrm flipH="1">
+            <a:off x="5180027" y="1550354"/>
+            <a:ext cx="314156" cy="0"/>
+          </a:xfrm>
+          <a:prstGeom prst="straightConnector1">
+            <a:avLst/>
+          </a:prstGeom>
+          <a:noFill/>
+          <a:ln w="28575">
+            <a:solidFill>
+              <a:schemeClr val="tx1"/>
+            </a:solidFill>
+            <a:tailEnd type="triangle"/>
+          </a:ln>
+        </p:spPr>
+        <p:style>
+          <a:lnRef idx="1">
+            <a:schemeClr val="accent1"/>
+          </a:lnRef>
+          <a:fillRef idx="0">
+            <a:schemeClr val="accent1"/>
+          </a:fillRef>
+          <a:effectRef idx="0">
+            <a:schemeClr val="accent1"/>
+          </a:effectRef>
+          <a:fontRef idx="minor">
+            <a:schemeClr val="tx1"/>
+          </a:fontRef>
+        </p:style>
+      </p:cxnSp>
+      <p:cxnSp>
+        <p:nvCxnSpPr>
+          <p:cNvPr id="23" name="直接箭头连接符 22">
+            <a:extLst>
+              <a:ext uri="{FF2B5EF4-FFF2-40B4-BE49-F238E27FC236}">
+                <a16:creationId xmlns:a16="http://schemas.microsoft.com/office/drawing/2014/main" id="{38E7E5F0-6781-4F1D-AA5E-AA4BB95C0379}"/>
+              </a:ext>
+            </a:extLst>
+          </p:cNvPr>
+          <p:cNvCxnSpPr>
+            <a:cxnSpLocks/>
+          </p:cNvCxnSpPr>
+          <p:nvPr/>
+        </p:nvCxnSpPr>
+        <p:spPr>
+          <a:xfrm flipH="1">
+            <a:off x="7356724" y="1550354"/>
+            <a:ext cx="277168" cy="0"/>
+          </a:xfrm>
+          <a:prstGeom prst="straightConnector1">
+            <a:avLst/>
+          </a:prstGeom>
+          <a:noFill/>
+          <a:ln w="28575">
+            <a:solidFill>
+              <a:schemeClr val="tx1"/>
+            </a:solidFill>
+            <a:tailEnd type="triangle"/>
+          </a:ln>
+        </p:spPr>
+        <p:style>
+          <a:lnRef idx="1">
+            <a:schemeClr val="accent1"/>
+          </a:lnRef>
+          <a:fillRef idx="0">
+            <a:schemeClr val="accent1"/>
+          </a:fillRef>
+          <a:effectRef idx="0">
+            <a:schemeClr val="accent1"/>
+          </a:effectRef>
+          <a:fontRef idx="minor">
+            <a:schemeClr val="tx1"/>
+          </a:fontRef>
+        </p:style>
+      </p:cxnSp>
+      <p:sp>
+        <p:nvSpPr>
+          <p:cNvPr id="47" name="文本框 46">
+            <a:extLst>
+              <a:ext uri="{FF2B5EF4-FFF2-40B4-BE49-F238E27FC236}">
+                <a16:creationId xmlns:a16="http://schemas.microsoft.com/office/drawing/2014/main" id="{8311C4DE-D38F-47EB-8937-E280506C4824}"/>
+              </a:ext>
+            </a:extLst>
+          </p:cNvPr>
+          <p:cNvSpPr txBox="1"/>
+          <p:nvPr/>
+        </p:nvSpPr>
+        <p:spPr>
+          <a:xfrm>
+            <a:off x="-76184" y="3193618"/>
+            <a:ext cx="1911768" cy="338554"/>
+          </a:xfrm>
+          <a:prstGeom prst="rect">
+            <a:avLst/>
+          </a:prstGeom>
+          <a:noFill/>
+          <a:ln>
+            <a:noFill/>
+          </a:ln>
+        </p:spPr>
+        <p:txBody>
+          <a:bodyPr wrap="square" rtlCol="0">
+            <a:spAutoFit/>
+          </a:bodyPr>
+          <a:lstStyle/>
+          <a:p>
+            <a:r>
+              <a:rPr lang="en-US" altLang="zh-CN" sz="1600" dirty="0"/>
+              <a:t>Request workloads</a:t>
+            </a:r>
+            <a:endParaRPr lang="zh-CN" altLang="en-US" sz="1600" dirty="0"/>
+          </a:p>
+        </p:txBody>
+      </p:sp>
+      <p:sp>
+        <p:nvSpPr>
+          <p:cNvPr id="51" name="矩形 50">
+            <a:extLst>
+              <a:ext uri="{FF2B5EF4-FFF2-40B4-BE49-F238E27FC236}">
+                <a16:creationId xmlns:a16="http://schemas.microsoft.com/office/drawing/2014/main" id="{E4DF11A1-7747-40E5-BF2C-90E589ED4977}"/>
+              </a:ext>
+            </a:extLst>
+          </p:cNvPr>
+          <p:cNvSpPr/>
+          <p:nvPr/>
+        </p:nvSpPr>
+        <p:spPr>
+          <a:xfrm>
+            <a:off x="3992379" y="3386570"/>
+            <a:ext cx="2157253" cy="543409"/>
+          </a:xfrm>
+          <a:prstGeom prst="rect">
+            <a:avLst/>
+          </a:prstGeom>
+          <a:solidFill>
+            <a:schemeClr val="accent6">
+              <a:lumMod val="60000"/>
+              <a:lumOff val="40000"/>
+            </a:schemeClr>
+          </a:solidFill>
+          <a:ln w="28575">
+            <a:solidFill>
+              <a:schemeClr val="tx1"/>
+            </a:solidFill>
+          </a:ln>
+        </p:spPr>
+        <p:style>
+          <a:lnRef idx="2">
+            <a:schemeClr val="accent1">
+              <a:shade val="50000"/>
+            </a:schemeClr>
+          </a:lnRef>
+          <a:fillRef idx="1">
+            <a:schemeClr val="accent1"/>
+          </a:fillRef>
+          <a:effectRef idx="0">
+            <a:schemeClr val="accent1"/>
+          </a:effectRef>
+          <a:fontRef idx="minor">
+            <a:schemeClr val="lt1"/>
+          </a:fontRef>
+        </p:style>
+        <p:txBody>
+          <a:bodyPr rtlCol="0" anchor="ctr"/>
+          <a:lstStyle/>
+          <a:p>
+            <a:pPr algn="ctr"/>
+            <a:r>
+              <a:rPr lang="en-US" altLang="zh-CN" sz="1600" dirty="0">
+                <a:solidFill>
+                  <a:schemeClr val="tx1"/>
+                </a:solidFill>
+              </a:rPr>
+              <a:t>Compression Algorithm Assignment</a:t>
+            </a:r>
+            <a:endParaRPr lang="zh-CN" altLang="en-US" sz="1600" dirty="0">
+              <a:solidFill>
+                <a:schemeClr val="tx1"/>
+              </a:solidFill>
+            </a:endParaRPr>
+          </a:p>
+        </p:txBody>
+      </p:sp>
+      <p:sp>
+        <p:nvSpPr>
+          <p:cNvPr id="52" name="矩形 51">
+            <a:extLst>
+              <a:ext uri="{FF2B5EF4-FFF2-40B4-BE49-F238E27FC236}">
+                <a16:creationId xmlns:a16="http://schemas.microsoft.com/office/drawing/2014/main" id="{B6DA4D08-3602-4D4D-9176-DAA38190588B}"/>
+              </a:ext>
+            </a:extLst>
+          </p:cNvPr>
+          <p:cNvSpPr/>
+          <p:nvPr/>
+        </p:nvSpPr>
+        <p:spPr>
+          <a:xfrm>
+            <a:off x="3993588" y="2484925"/>
+            <a:ext cx="2131308" cy="530297"/>
+          </a:xfrm>
+          <a:prstGeom prst="rect">
+            <a:avLst/>
+          </a:prstGeom>
+          <a:solidFill>
+            <a:schemeClr val="accent1">
+              <a:lumMod val="40000"/>
+              <a:lumOff val="60000"/>
+            </a:schemeClr>
+          </a:solidFill>
+          <a:ln w="28575">
+            <a:solidFill>
+              <a:schemeClr val="tx1"/>
+            </a:solidFill>
+          </a:ln>
+        </p:spPr>
+        <p:style>
+          <a:lnRef idx="2">
+            <a:schemeClr val="accent1">
+              <a:shade val="50000"/>
+            </a:schemeClr>
+          </a:lnRef>
+          <a:fillRef idx="1">
+            <a:schemeClr val="accent1"/>
+          </a:fillRef>
+          <a:effectRef idx="0">
+            <a:schemeClr val="accent1"/>
+          </a:effectRef>
+          <a:fontRef idx="minor">
+            <a:schemeClr val="lt1"/>
+          </a:fontRef>
+        </p:style>
+        <p:txBody>
+          <a:bodyPr rtlCol="0" anchor="ctr"/>
+          <a:lstStyle/>
+          <a:p>
+            <a:pPr algn="ctr"/>
+            <a:r>
+              <a:rPr lang="en-US" altLang="zh-CN" sz="1600" dirty="0">
+                <a:solidFill>
+                  <a:schemeClr val="tx1"/>
+                </a:solidFill>
+              </a:rPr>
+              <a:t>Compressibility Test</a:t>
+            </a:r>
+            <a:endParaRPr lang="zh-CN" altLang="en-US" sz="1600" dirty="0">
+              <a:solidFill>
+                <a:schemeClr val="tx1"/>
+              </a:solidFill>
+            </a:endParaRPr>
+          </a:p>
+        </p:txBody>
+      </p:sp>
+      <p:sp>
+        <p:nvSpPr>
+          <p:cNvPr id="54" name="文本框 53">
+            <a:extLst>
+              <a:ext uri="{FF2B5EF4-FFF2-40B4-BE49-F238E27FC236}">
+                <a16:creationId xmlns:a16="http://schemas.microsoft.com/office/drawing/2014/main" id="{166F2771-202C-44FB-BE05-4CF56E16A870}"/>
+              </a:ext>
+            </a:extLst>
+          </p:cNvPr>
+          <p:cNvSpPr txBox="1"/>
+          <p:nvPr/>
+        </p:nvSpPr>
+        <p:spPr>
+          <a:xfrm>
+            <a:off x="6363923" y="3548410"/>
+            <a:ext cx="747742" cy="230832"/>
+          </a:xfrm>
+          <a:prstGeom prst="rect">
+            <a:avLst/>
+          </a:prstGeom>
+          <a:noFill/>
+          <a:ln>
+            <a:noFill/>
+          </a:ln>
+        </p:spPr>
+        <p:txBody>
+          <a:bodyPr wrap="square" rtlCol="0">
+            <a:spAutoFit/>
+          </a:bodyPr>
+          <a:lstStyle/>
+          <a:p>
+            <a:pPr algn="ctr"/>
+            <a:r>
+              <a:rPr lang="en-US" altLang="zh-CN" sz="900" b="1" dirty="0" err="1"/>
+              <a:t>MetaData</a:t>
+            </a:r>
+            <a:endParaRPr lang="zh-CN" altLang="en-US" sz="900" b="1" dirty="0"/>
+          </a:p>
+        </p:txBody>
+      </p:sp>
+      <p:sp>
+        <p:nvSpPr>
+          <p:cNvPr id="56" name="箭头: 下 55">
+            <a:extLst>
+              <a:ext uri="{FF2B5EF4-FFF2-40B4-BE49-F238E27FC236}">
+                <a16:creationId xmlns:a16="http://schemas.microsoft.com/office/drawing/2014/main" id="{0AF865AA-49BC-46CC-BC93-159E6804BEB6}"/>
+              </a:ext>
+            </a:extLst>
+          </p:cNvPr>
+          <p:cNvSpPr/>
+          <p:nvPr/>
+        </p:nvSpPr>
+        <p:spPr>
+          <a:xfrm>
+            <a:off x="5004551" y="4129190"/>
+            <a:ext cx="132907" cy="300371"/>
+          </a:xfrm>
+          <a:prstGeom prst="downArrow">
+            <a:avLst/>
+          </a:prstGeom>
+          <a:solidFill>
+            <a:schemeClr val="tx1"/>
+          </a:solidFill>
+          <a:ln w="28575">
+            <a:solidFill>
+              <a:schemeClr val="tx1"/>
+            </a:solidFill>
+          </a:ln>
+        </p:spPr>
+        <p:style>
+          <a:lnRef idx="2">
+            <a:schemeClr val="accent1">
+              <a:shade val="50000"/>
+            </a:schemeClr>
+          </a:lnRef>
+          <a:fillRef idx="1">
+            <a:schemeClr val="accent1"/>
+          </a:fillRef>
+          <a:effectRef idx="0">
+            <a:schemeClr val="accent1"/>
+          </a:effectRef>
+          <a:fontRef idx="minor">
+            <a:schemeClr val="lt1"/>
+          </a:fontRef>
+        </p:style>
+        <p:txBody>
+          <a:bodyPr rtlCol="0" anchor="ctr"/>
+          <a:lstStyle/>
+          <a:p>
+            <a:pPr algn="ctr"/>
+            <a:endParaRPr lang="zh-CN" altLang="en-US"/>
+          </a:p>
+        </p:txBody>
+      </p:sp>
+      <p:sp>
+        <p:nvSpPr>
+          <p:cNvPr id="57" name="箭头: 下 56">
+            <a:extLst>
+              <a:ext uri="{FF2B5EF4-FFF2-40B4-BE49-F238E27FC236}">
+                <a16:creationId xmlns:a16="http://schemas.microsoft.com/office/drawing/2014/main" id="{B22FBB97-FF5B-458B-8EEC-89B6E53B1FFC}"/>
+              </a:ext>
+            </a:extLst>
+          </p:cNvPr>
+          <p:cNvSpPr/>
+          <p:nvPr/>
+        </p:nvSpPr>
+        <p:spPr>
+          <a:xfrm>
+            <a:off x="5004551" y="3060514"/>
+            <a:ext cx="132907" cy="300371"/>
+          </a:xfrm>
+          <a:prstGeom prst="downArrow">
+            <a:avLst/>
+          </a:prstGeom>
+          <a:solidFill>
+            <a:schemeClr val="tx1"/>
+          </a:solidFill>
+          <a:ln w="28575">
+            <a:solidFill>
+              <a:schemeClr val="tx1"/>
+            </a:solidFill>
+          </a:ln>
+        </p:spPr>
+        <p:style>
+          <a:lnRef idx="2">
+            <a:schemeClr val="accent1">
+              <a:shade val="50000"/>
+            </a:schemeClr>
+          </a:lnRef>
+          <a:fillRef idx="1">
+            <a:schemeClr val="accent1"/>
+          </a:fillRef>
+          <a:effectRef idx="0">
+            <a:schemeClr val="accent1"/>
+          </a:effectRef>
+          <a:fontRef idx="minor">
+            <a:schemeClr val="lt1"/>
+          </a:fontRef>
+        </p:style>
+        <p:txBody>
+          <a:bodyPr rtlCol="0" anchor="ctr"/>
+          <a:lstStyle/>
+          <a:p>
+            <a:pPr algn="ctr"/>
+            <a:endParaRPr lang="zh-CN" altLang="en-US"/>
+          </a:p>
+        </p:txBody>
+      </p:sp>
+      <p:sp>
+        <p:nvSpPr>
+          <p:cNvPr id="58" name="矩形: 圆角 57">
+            <a:extLst>
+              <a:ext uri="{FF2B5EF4-FFF2-40B4-BE49-F238E27FC236}">
+                <a16:creationId xmlns:a16="http://schemas.microsoft.com/office/drawing/2014/main" id="{68BA5FCE-77CC-41A0-9411-38FCFCD5031F}"/>
+              </a:ext>
+            </a:extLst>
+          </p:cNvPr>
+          <p:cNvSpPr/>
+          <p:nvPr/>
+        </p:nvSpPr>
+        <p:spPr>
+          <a:xfrm>
+            <a:off x="7157055" y="2336879"/>
+            <a:ext cx="2363751" cy="554486"/>
+          </a:xfrm>
+          <a:prstGeom prst="roundRect">
+            <a:avLst/>
+          </a:prstGeom>
+          <a:solidFill>
+            <a:schemeClr val="accent6">
+              <a:lumMod val="60000"/>
+              <a:lumOff val="40000"/>
+            </a:schemeClr>
+          </a:solidFill>
+          <a:ln w="28575">
+            <a:solidFill>
+              <a:schemeClr val="tx1"/>
+            </a:solidFill>
+          </a:ln>
+        </p:spPr>
+        <p:style>
+          <a:lnRef idx="2">
+            <a:schemeClr val="accent1">
+              <a:shade val="50000"/>
+            </a:schemeClr>
+          </a:lnRef>
+          <a:fillRef idx="1">
+            <a:schemeClr val="accent1"/>
+          </a:fillRef>
+          <a:effectRef idx="0">
+            <a:schemeClr val="accent1"/>
+          </a:effectRef>
+          <a:fontRef idx="minor">
+            <a:schemeClr val="lt1"/>
+          </a:fontRef>
+        </p:style>
+        <p:txBody>
+          <a:bodyPr rtlCol="0" anchor="ctr"/>
+          <a:lstStyle/>
+          <a:p>
+            <a:pPr algn="ctr"/>
+            <a:r>
+              <a:rPr lang="en-US" altLang="zh-CN" sz="1600" dirty="0">
+                <a:solidFill>
+                  <a:schemeClr val="tx1"/>
+                </a:solidFill>
+              </a:rPr>
+              <a:t>Benefit Calculator</a:t>
+            </a:r>
+            <a:endParaRPr lang="zh-CN" altLang="en-US" sz="1600" dirty="0">
+              <a:solidFill>
+                <a:schemeClr val="tx1"/>
+              </a:solidFill>
+            </a:endParaRPr>
+          </a:p>
+        </p:txBody>
+      </p:sp>
+      <p:sp>
+        <p:nvSpPr>
+          <p:cNvPr id="59" name="箭头: 下 58">
+            <a:extLst>
+              <a:ext uri="{FF2B5EF4-FFF2-40B4-BE49-F238E27FC236}">
+                <a16:creationId xmlns:a16="http://schemas.microsoft.com/office/drawing/2014/main" id="{99048D83-8100-4087-8F86-36821468E5D1}"/>
+              </a:ext>
+            </a:extLst>
+          </p:cNvPr>
+          <p:cNvSpPr/>
+          <p:nvPr/>
+        </p:nvSpPr>
+        <p:spPr>
+          <a:xfrm>
+            <a:off x="8275046" y="2954501"/>
+            <a:ext cx="151902" cy="229435"/>
+          </a:xfrm>
+          <a:prstGeom prst="downArrow">
+            <a:avLst/>
+          </a:prstGeom>
+          <a:solidFill>
+            <a:schemeClr val="tx1"/>
+          </a:solidFill>
+          <a:ln w="28575">
+            <a:solidFill>
+              <a:schemeClr val="tx1"/>
+            </a:solidFill>
+          </a:ln>
+        </p:spPr>
+        <p:style>
+          <a:lnRef idx="2">
+            <a:schemeClr val="accent1">
+              <a:shade val="50000"/>
+            </a:schemeClr>
+          </a:lnRef>
+          <a:fillRef idx="1">
+            <a:schemeClr val="accent1"/>
+          </a:fillRef>
+          <a:effectRef idx="0">
+            <a:schemeClr val="accent1"/>
+          </a:effectRef>
+          <a:fontRef idx="minor">
+            <a:schemeClr val="lt1"/>
+          </a:fontRef>
+        </p:style>
+        <p:txBody>
+          <a:bodyPr rtlCol="0" anchor="ctr"/>
+          <a:lstStyle/>
+          <a:p>
+            <a:pPr algn="ctr"/>
+            <a:endParaRPr lang="zh-CN" altLang="en-US"/>
+          </a:p>
+        </p:txBody>
+      </p:sp>
+      <p:sp>
+        <p:nvSpPr>
+          <p:cNvPr id="60" name="矩形: 圆角 59">
+            <a:extLst>
+              <a:ext uri="{FF2B5EF4-FFF2-40B4-BE49-F238E27FC236}">
+                <a16:creationId xmlns:a16="http://schemas.microsoft.com/office/drawing/2014/main" id="{4778E4BC-6A34-477B-B739-29F7ED1E4172}"/>
+              </a:ext>
+            </a:extLst>
+          </p:cNvPr>
+          <p:cNvSpPr/>
+          <p:nvPr/>
+        </p:nvSpPr>
+        <p:spPr>
+          <a:xfrm>
+            <a:off x="7192701" y="3253630"/>
+            <a:ext cx="2352459" cy="1961132"/>
+          </a:xfrm>
+          <a:prstGeom prst="roundRect">
+            <a:avLst/>
+          </a:prstGeom>
+          <a:gradFill flip="none" rotWithShape="1">
+            <a:gsLst>
+              <a:gs pos="0">
+                <a:schemeClr val="bg2">
+                  <a:shade val="30000"/>
+                  <a:satMod val="115000"/>
+                </a:schemeClr>
+              </a:gs>
+              <a:gs pos="50000">
+                <a:schemeClr val="bg2">
+                  <a:shade val="67500"/>
+                  <a:satMod val="115000"/>
+                </a:schemeClr>
+              </a:gs>
+              <a:gs pos="100000">
+                <a:schemeClr val="bg2">
+                  <a:shade val="100000"/>
+                  <a:satMod val="115000"/>
+                </a:schemeClr>
+              </a:gs>
+            </a:gsLst>
+            <a:path path="circle">
+              <a:fillToRect l="100000" t="100000"/>
+            </a:path>
+            <a:tileRect r="-100000" b="-100000"/>
+          </a:gradFill>
+          <a:ln w="28575">
+            <a:solidFill>
+              <a:schemeClr val="tx1"/>
+            </a:solidFill>
+          </a:ln>
+        </p:spPr>
+        <p:style>
+          <a:lnRef idx="2">
+            <a:schemeClr val="accent1">
+              <a:shade val="50000"/>
+            </a:schemeClr>
+          </a:lnRef>
+          <a:fillRef idx="1">
+            <a:schemeClr val="accent1"/>
+          </a:fillRef>
+          <a:effectRef idx="0">
+            <a:schemeClr val="accent1"/>
+          </a:effectRef>
+          <a:fontRef idx="minor">
+            <a:schemeClr val="lt1"/>
+          </a:fontRef>
+        </p:style>
+        <p:txBody>
+          <a:bodyPr rtlCol="0" anchor="ctr"/>
+          <a:lstStyle/>
+          <a:p>
+            <a:pPr algn="ctr"/>
+            <a:endParaRPr lang="zh-CN" altLang="en-US"/>
+          </a:p>
+        </p:txBody>
+      </p:sp>
+      <p:cxnSp>
+        <p:nvCxnSpPr>
+          <p:cNvPr id="62" name="直接连接符 61">
+            <a:extLst>
+              <a:ext uri="{FF2B5EF4-FFF2-40B4-BE49-F238E27FC236}">
+                <a16:creationId xmlns:a16="http://schemas.microsoft.com/office/drawing/2014/main" id="{F023D320-ACC7-46BB-BFF5-9436AC9B4911}"/>
+              </a:ext>
+            </a:extLst>
+          </p:cNvPr>
+          <p:cNvCxnSpPr>
+            <a:cxnSpLocks/>
+          </p:cNvCxnSpPr>
+          <p:nvPr/>
+        </p:nvCxnSpPr>
+        <p:spPr>
+          <a:xfrm>
+            <a:off x="7192701" y="4182639"/>
+            <a:ext cx="2352459" cy="0"/>
+          </a:xfrm>
+          <a:prstGeom prst="line">
+            <a:avLst/>
+          </a:prstGeom>
+          <a:ln w="28575">
+            <a:solidFill>
+              <a:schemeClr val="tx1"/>
+            </a:solidFill>
+          </a:ln>
+        </p:spPr>
+        <p:style>
+          <a:lnRef idx="1">
+            <a:schemeClr val="accent1"/>
+          </a:lnRef>
+          <a:fillRef idx="0">
+            <a:schemeClr val="accent1"/>
+          </a:fillRef>
+          <a:effectRef idx="0">
+            <a:schemeClr val="accent1"/>
+          </a:effectRef>
+          <a:fontRef idx="minor">
+            <a:schemeClr val="tx1"/>
+          </a:fontRef>
+        </p:style>
+      </p:cxnSp>
+      <p:sp>
+        <p:nvSpPr>
+          <p:cNvPr id="66" name="箭头: 下 65">
+            <a:extLst>
+              <a:ext uri="{FF2B5EF4-FFF2-40B4-BE49-F238E27FC236}">
+                <a16:creationId xmlns:a16="http://schemas.microsoft.com/office/drawing/2014/main" id="{8994D433-A650-40C7-AF37-3FC09DFD1EF2}"/>
+              </a:ext>
+            </a:extLst>
+          </p:cNvPr>
+          <p:cNvSpPr/>
+          <p:nvPr/>
+        </p:nvSpPr>
+        <p:spPr>
+          <a:xfrm rot="16200000">
+            <a:off x="8210450" y="3614270"/>
+            <a:ext cx="217963" cy="578686"/>
+          </a:xfrm>
+          <a:prstGeom prst="downArrow">
+            <a:avLst/>
+          </a:prstGeom>
+          <a:solidFill>
+            <a:schemeClr val="tx1"/>
+          </a:solidFill>
+          <a:ln w="28575">
+            <a:solidFill>
+              <a:schemeClr val="tx1"/>
+            </a:solidFill>
+          </a:ln>
+        </p:spPr>
+        <p:style>
+          <a:lnRef idx="2">
+            <a:schemeClr val="accent1">
+              <a:shade val="50000"/>
+            </a:schemeClr>
+          </a:lnRef>
+          <a:fillRef idx="1">
+            <a:schemeClr val="accent1"/>
+          </a:fillRef>
+          <a:effectRef idx="0">
+            <a:schemeClr val="accent1"/>
+          </a:effectRef>
+          <a:fontRef idx="minor">
+            <a:schemeClr val="lt1"/>
+          </a:fontRef>
+        </p:style>
+        <p:txBody>
+          <a:bodyPr rtlCol="0" anchor="ctr"/>
+          <a:lstStyle/>
+          <a:p>
+            <a:pPr algn="ctr"/>
+            <a:endParaRPr lang="zh-CN" altLang="en-US"/>
+          </a:p>
+        </p:txBody>
+      </p:sp>
+      <p:pic>
+        <p:nvPicPr>
+          <p:cNvPr id="3" name="图形 2" descr="文档 纯色填充">
+            <a:extLst>
+              <a:ext uri="{FF2B5EF4-FFF2-40B4-BE49-F238E27FC236}">
+                <a16:creationId xmlns:a16="http://schemas.microsoft.com/office/drawing/2014/main" id="{94F022C7-48F9-4EFC-A646-B64BA679F542}"/>
+              </a:ext>
+            </a:extLst>
+          </p:cNvPr>
+          <p:cNvPicPr>
+            <a:picLocks noChangeAspect="1"/>
+          </p:cNvPicPr>
+          <p:nvPr/>
+        </p:nvPicPr>
+        <p:blipFill>
+          <a:blip r:embed="rId2">
+            <a:extLst>
+              <a:ext uri="{28A0092B-C50C-407E-A947-70E740481C1C}">
+                <a14:useLocalDpi xmlns:a14="http://schemas.microsoft.com/office/drawing/2010/main" val="0"/>
+              </a:ext>
+              <a:ext uri="{96DAC541-7B7A-43D3-8B79-37D633B846F1}">
+                <asvg:svgBlip xmlns:asvg="http://schemas.microsoft.com/office/drawing/2016/SVG/main" r:embed="rId3"/>
+              </a:ext>
+            </a:extLst>
+          </a:blip>
+          <a:stretch>
+            <a:fillRect/>
+          </a:stretch>
+        </p:blipFill>
+        <p:spPr>
+          <a:xfrm>
+            <a:off x="7369183" y="3590923"/>
+            <a:ext cx="575938" cy="575938"/>
+          </a:xfrm>
+          <a:prstGeom prst="rect">
+            <a:avLst/>
+          </a:prstGeom>
+        </p:spPr>
+      </p:pic>
+      <p:pic>
+        <p:nvPicPr>
+          <p:cNvPr id="53" name="图形 52" descr="文档 纯色填充">
+            <a:extLst>
+              <a:ext uri="{FF2B5EF4-FFF2-40B4-BE49-F238E27FC236}">
+                <a16:creationId xmlns:a16="http://schemas.microsoft.com/office/drawing/2014/main" id="{38274FC5-89BF-41A2-B464-DA9B40C66BD1}"/>
+              </a:ext>
+            </a:extLst>
+          </p:cNvPr>
+          <p:cNvPicPr>
+            <a:picLocks noChangeAspect="1"/>
+          </p:cNvPicPr>
+          <p:nvPr/>
+        </p:nvPicPr>
+        <p:blipFill>
+          <a:blip r:embed="rId2">
+            <a:extLst>
+              <a:ext uri="{28A0092B-C50C-407E-A947-70E740481C1C}">
+                <a14:useLocalDpi xmlns:a14="http://schemas.microsoft.com/office/drawing/2010/main" val="0"/>
+              </a:ext>
+              <a:ext uri="{96DAC541-7B7A-43D3-8B79-37D633B846F1}">
+                <asvg:svgBlip xmlns:asvg="http://schemas.microsoft.com/office/drawing/2016/SVG/main" r:embed="rId3"/>
+              </a:ext>
+            </a:extLst>
+          </a:blip>
+          <a:stretch>
+            <a:fillRect/>
+          </a:stretch>
+        </p:blipFill>
+        <p:spPr>
+          <a:xfrm>
+            <a:off x="8693742" y="3597325"/>
+            <a:ext cx="575938" cy="575938"/>
+          </a:xfrm>
+          <a:prstGeom prst="rect">
+            <a:avLst/>
+          </a:prstGeom>
+        </p:spPr>
+      </p:pic>
+      <p:sp>
+        <p:nvSpPr>
+          <p:cNvPr id="18" name="矩形 17">
+            <a:extLst>
+              <a:ext uri="{FF2B5EF4-FFF2-40B4-BE49-F238E27FC236}">
+                <a16:creationId xmlns:a16="http://schemas.microsoft.com/office/drawing/2014/main" id="{9007B491-B1FB-4F4D-A11E-31516131E548}"/>
+              </a:ext>
+            </a:extLst>
+          </p:cNvPr>
+          <p:cNvSpPr/>
+          <p:nvPr/>
+        </p:nvSpPr>
+        <p:spPr>
+          <a:xfrm rot="16200000">
+            <a:off x="7394161" y="4722709"/>
+            <a:ext cx="588382" cy="250694"/>
+          </a:xfrm>
+          <a:prstGeom prst="rect">
+            <a:avLst/>
+          </a:prstGeom>
+          <a:noFill/>
+          <a:ln w="19050">
+            <a:solidFill>
+              <a:schemeClr val="tx1"/>
+            </a:solidFill>
+          </a:ln>
+        </p:spPr>
+        <p:style>
+          <a:lnRef idx="2">
+            <a:schemeClr val="accent1">
+              <a:shade val="50000"/>
+            </a:schemeClr>
+          </a:lnRef>
+          <a:fillRef idx="1">
+            <a:schemeClr val="accent1"/>
+          </a:fillRef>
+          <a:effectRef idx="0">
+            <a:schemeClr val="accent1"/>
+          </a:effectRef>
+          <a:fontRef idx="minor">
+            <a:schemeClr val="lt1"/>
+          </a:fontRef>
+        </p:style>
+        <p:txBody>
+          <a:bodyPr rtlCol="0" anchor="ctr"/>
+          <a:lstStyle/>
+          <a:p>
+            <a:pPr algn="ctr"/>
+            <a:r>
+              <a:rPr lang="en-US" altLang="zh-CN" sz="800" b="1" dirty="0">
+                <a:solidFill>
+                  <a:schemeClr val="tx1"/>
+                </a:solidFill>
+                <a:latin typeface="微软雅黑" panose="020B0503020204020204" pitchFamily="34" charset="-122"/>
+                <a:ea typeface="微软雅黑" panose="020B0503020204020204" pitchFamily="34" charset="-122"/>
+              </a:rPr>
+              <a:t>None</a:t>
+            </a:r>
+            <a:endParaRPr lang="zh-CN" altLang="en-US" sz="800" b="1" dirty="0">
+              <a:solidFill>
+                <a:schemeClr val="tx1"/>
+              </a:solidFill>
+              <a:latin typeface="微软雅黑" panose="020B0503020204020204" pitchFamily="34" charset="-122"/>
+              <a:ea typeface="微软雅黑" panose="020B0503020204020204" pitchFamily="34" charset="-122"/>
+            </a:endParaRPr>
+          </a:p>
+        </p:txBody>
+      </p:sp>
+      <p:sp>
+        <p:nvSpPr>
+          <p:cNvPr id="74" name="矩形 73">
+            <a:extLst>
+              <a:ext uri="{FF2B5EF4-FFF2-40B4-BE49-F238E27FC236}">
+                <a16:creationId xmlns:a16="http://schemas.microsoft.com/office/drawing/2014/main" id="{1468A3E2-0029-4258-A5E8-B6E3F08BDE6C}"/>
+              </a:ext>
+            </a:extLst>
+          </p:cNvPr>
+          <p:cNvSpPr/>
+          <p:nvPr/>
+        </p:nvSpPr>
+        <p:spPr>
+          <a:xfrm rot="16200000">
+            <a:off x="7646543" y="4720263"/>
+            <a:ext cx="593275" cy="250695"/>
+          </a:xfrm>
+          <a:prstGeom prst="rect">
+            <a:avLst/>
+          </a:prstGeom>
+          <a:noFill/>
+          <a:ln w="19050">
+            <a:solidFill>
+              <a:schemeClr val="tx1"/>
+            </a:solidFill>
+          </a:ln>
+        </p:spPr>
+        <p:style>
+          <a:lnRef idx="2">
+            <a:schemeClr val="accent1">
+              <a:shade val="50000"/>
+            </a:schemeClr>
+          </a:lnRef>
+          <a:fillRef idx="1">
+            <a:schemeClr val="accent1"/>
+          </a:fillRef>
+          <a:effectRef idx="0">
+            <a:schemeClr val="accent1"/>
+          </a:effectRef>
+          <a:fontRef idx="minor">
+            <a:schemeClr val="lt1"/>
+          </a:fontRef>
+        </p:style>
+        <p:txBody>
+          <a:bodyPr rtlCol="0" anchor="ctr"/>
+          <a:lstStyle/>
+          <a:p>
+            <a:pPr algn="ctr"/>
+            <a:r>
+              <a:rPr lang="en-US" altLang="zh-CN" sz="800" b="1" dirty="0">
+                <a:solidFill>
+                  <a:schemeClr val="tx1"/>
+                </a:solidFill>
+                <a:latin typeface="微软雅黑" panose="020B0503020204020204" pitchFamily="34" charset="-122"/>
+                <a:ea typeface="微软雅黑" panose="020B0503020204020204" pitchFamily="34" charset="-122"/>
+              </a:rPr>
+              <a:t>LZ4</a:t>
+            </a:r>
+            <a:endParaRPr lang="zh-CN" altLang="en-US" sz="800" b="1" dirty="0">
+              <a:solidFill>
+                <a:schemeClr val="tx1"/>
+              </a:solidFill>
+              <a:latin typeface="微软雅黑" panose="020B0503020204020204" pitchFamily="34" charset="-122"/>
+              <a:ea typeface="微软雅黑" panose="020B0503020204020204" pitchFamily="34" charset="-122"/>
+            </a:endParaRPr>
+          </a:p>
+        </p:txBody>
+      </p:sp>
+      <p:sp>
+        <p:nvSpPr>
+          <p:cNvPr id="75" name="矩形 74">
+            <a:extLst>
+              <a:ext uri="{FF2B5EF4-FFF2-40B4-BE49-F238E27FC236}">
+                <a16:creationId xmlns:a16="http://schemas.microsoft.com/office/drawing/2014/main" id="{E75DDBBC-8183-4DE1-ADED-BA8C1FF0B1C1}"/>
+              </a:ext>
+            </a:extLst>
+          </p:cNvPr>
+          <p:cNvSpPr/>
+          <p:nvPr/>
+        </p:nvSpPr>
+        <p:spPr>
+          <a:xfrm rot="16200000">
+            <a:off x="7901817" y="4716283"/>
+            <a:ext cx="593274" cy="268440"/>
+          </a:xfrm>
+          <a:prstGeom prst="rect">
+            <a:avLst/>
+          </a:prstGeom>
+          <a:noFill/>
+          <a:ln w="19050">
+            <a:solidFill>
+              <a:schemeClr val="tx1"/>
+            </a:solidFill>
+          </a:ln>
+        </p:spPr>
+        <p:style>
+          <a:lnRef idx="2">
+            <a:schemeClr val="accent1">
+              <a:shade val="50000"/>
+            </a:schemeClr>
+          </a:lnRef>
+          <a:fillRef idx="1">
+            <a:schemeClr val="accent1"/>
+          </a:fillRef>
+          <a:effectRef idx="0">
+            <a:schemeClr val="accent1"/>
+          </a:effectRef>
+          <a:fontRef idx="minor">
+            <a:schemeClr val="lt1"/>
+          </a:fontRef>
+        </p:style>
+        <p:txBody>
+          <a:bodyPr rtlCol="0" anchor="ctr"/>
+          <a:lstStyle/>
+          <a:p>
+            <a:pPr algn="ctr" latinLnBrk="1"/>
+            <a:r>
+              <a:rPr lang="en-US" altLang="zh-CN" sz="800" b="1" dirty="0">
+                <a:solidFill>
+                  <a:schemeClr val="tx1"/>
+                </a:solidFill>
+                <a:latin typeface="微软雅黑" panose="020B0503020204020204" pitchFamily="34" charset="-122"/>
+                <a:ea typeface="微软雅黑" panose="020B0503020204020204" pitchFamily="34" charset="-122"/>
+              </a:rPr>
+              <a:t>Snappy</a:t>
+            </a:r>
+            <a:endParaRPr lang="zh-CN" altLang="en-US" sz="800" b="1" dirty="0">
+              <a:solidFill>
+                <a:schemeClr val="tx1"/>
+              </a:solidFill>
+              <a:latin typeface="微软雅黑" panose="020B0503020204020204" pitchFamily="34" charset="-122"/>
+              <a:ea typeface="微软雅黑" panose="020B0503020204020204" pitchFamily="34" charset="-122"/>
+            </a:endParaRPr>
+          </a:p>
+        </p:txBody>
+      </p:sp>
+      <p:sp>
+        <p:nvSpPr>
+          <p:cNvPr id="76" name="矩形 75">
+            <a:extLst>
+              <a:ext uri="{FF2B5EF4-FFF2-40B4-BE49-F238E27FC236}">
+                <a16:creationId xmlns:a16="http://schemas.microsoft.com/office/drawing/2014/main" id="{0015FF25-6F12-4001-A88D-AAAB3B705B64}"/>
+              </a:ext>
+            </a:extLst>
+          </p:cNvPr>
+          <p:cNvSpPr/>
+          <p:nvPr/>
+        </p:nvSpPr>
+        <p:spPr>
+          <a:xfrm rot="16200000">
+            <a:off x="8179580" y="4705337"/>
+            <a:ext cx="593274" cy="290203"/>
+          </a:xfrm>
+          <a:prstGeom prst="rect">
+            <a:avLst/>
+          </a:prstGeom>
+          <a:noFill/>
+          <a:ln w="19050">
+            <a:solidFill>
+              <a:schemeClr val="tx1"/>
+            </a:solidFill>
+          </a:ln>
+        </p:spPr>
+        <p:style>
+          <a:lnRef idx="2">
+            <a:schemeClr val="accent1">
+              <a:shade val="50000"/>
+            </a:schemeClr>
+          </a:lnRef>
+          <a:fillRef idx="1">
+            <a:schemeClr val="accent1"/>
+          </a:fillRef>
+          <a:effectRef idx="0">
+            <a:schemeClr val="accent1"/>
+          </a:effectRef>
+          <a:fontRef idx="minor">
+            <a:schemeClr val="lt1"/>
+          </a:fontRef>
+        </p:style>
+        <p:txBody>
+          <a:bodyPr rtlCol="0" anchor="ctr"/>
+          <a:lstStyle/>
+          <a:p>
+            <a:pPr algn="ctr" latinLnBrk="1"/>
+            <a:r>
+              <a:rPr lang="en-US" altLang="zh-CN" sz="800" b="1" dirty="0">
+                <a:solidFill>
+                  <a:schemeClr val="tx1"/>
+                </a:solidFill>
+                <a:latin typeface="微软雅黑" panose="020B0503020204020204" pitchFamily="34" charset="-122"/>
+                <a:ea typeface="微软雅黑" panose="020B0503020204020204" pitchFamily="34" charset="-122"/>
+              </a:rPr>
+              <a:t>Deflate</a:t>
+            </a:r>
+            <a:endParaRPr lang="zh-CN" altLang="en-US" sz="800" b="1" dirty="0">
+              <a:solidFill>
+                <a:schemeClr val="tx1"/>
+              </a:solidFill>
+              <a:latin typeface="微软雅黑" panose="020B0503020204020204" pitchFamily="34" charset="-122"/>
+              <a:ea typeface="微软雅黑" panose="020B0503020204020204" pitchFamily="34" charset="-122"/>
+            </a:endParaRPr>
+          </a:p>
+        </p:txBody>
+      </p:sp>
+      <p:sp>
+        <p:nvSpPr>
+          <p:cNvPr id="77" name="矩形 76">
+            <a:extLst>
+              <a:ext uri="{FF2B5EF4-FFF2-40B4-BE49-F238E27FC236}">
+                <a16:creationId xmlns:a16="http://schemas.microsoft.com/office/drawing/2014/main" id="{E6291D20-1281-4A76-9133-907DD95671A5}"/>
+              </a:ext>
+            </a:extLst>
+          </p:cNvPr>
+          <p:cNvSpPr/>
+          <p:nvPr/>
+        </p:nvSpPr>
+        <p:spPr>
+          <a:xfrm rot="16200000">
+            <a:off x="8842551" y="4711971"/>
+            <a:ext cx="593274" cy="268439"/>
+          </a:xfrm>
+          <a:prstGeom prst="rect">
+            <a:avLst/>
+          </a:prstGeom>
+          <a:noFill/>
+          <a:ln w="19050">
+            <a:solidFill>
+              <a:schemeClr val="tx1"/>
+            </a:solidFill>
+          </a:ln>
+        </p:spPr>
+        <p:style>
+          <a:lnRef idx="2">
+            <a:schemeClr val="accent1">
+              <a:shade val="50000"/>
+            </a:schemeClr>
+          </a:lnRef>
+          <a:fillRef idx="1">
+            <a:schemeClr val="accent1"/>
+          </a:fillRef>
+          <a:effectRef idx="0">
+            <a:schemeClr val="accent1"/>
+          </a:effectRef>
+          <a:fontRef idx="minor">
+            <a:schemeClr val="lt1"/>
+          </a:fontRef>
+        </p:style>
+        <p:txBody>
+          <a:bodyPr rtlCol="0" anchor="ctr"/>
+          <a:lstStyle/>
+          <a:p>
+            <a:pPr algn="ctr" latinLnBrk="1"/>
+            <a:r>
+              <a:rPr lang="en-US" altLang="zh-CN" sz="800" b="1" dirty="0">
+                <a:solidFill>
+                  <a:schemeClr val="tx1"/>
+                </a:solidFill>
+                <a:latin typeface="微软雅黑" panose="020B0503020204020204" pitchFamily="34" charset="-122"/>
+                <a:ea typeface="微软雅黑" panose="020B0503020204020204" pitchFamily="34" charset="-122"/>
+              </a:rPr>
+              <a:t>BZ2</a:t>
+            </a:r>
+            <a:endParaRPr lang="zh-CN" altLang="en-US" sz="800" b="1" dirty="0">
+              <a:solidFill>
+                <a:schemeClr val="tx1"/>
+              </a:solidFill>
+              <a:latin typeface="微软雅黑" panose="020B0503020204020204" pitchFamily="34" charset="-122"/>
+              <a:ea typeface="微软雅黑" panose="020B0503020204020204" pitchFamily="34" charset="-122"/>
+            </a:endParaRPr>
+          </a:p>
+        </p:txBody>
+      </p:sp>
+      <p:sp>
+        <p:nvSpPr>
+          <p:cNvPr id="22" name="文本框 21">
+            <a:extLst>
+              <a:ext uri="{FF2B5EF4-FFF2-40B4-BE49-F238E27FC236}">
+                <a16:creationId xmlns:a16="http://schemas.microsoft.com/office/drawing/2014/main" id="{03450287-0962-4345-90EF-4C7C7154FFB3}"/>
+              </a:ext>
+            </a:extLst>
+          </p:cNvPr>
+          <p:cNvSpPr txBox="1"/>
+          <p:nvPr/>
+        </p:nvSpPr>
+        <p:spPr>
+          <a:xfrm>
+            <a:off x="8606175" y="4671775"/>
+            <a:ext cx="247466" cy="369332"/>
+          </a:xfrm>
+          <a:prstGeom prst="rect">
+            <a:avLst/>
+          </a:prstGeom>
+          <a:noFill/>
+        </p:spPr>
+        <p:txBody>
+          <a:bodyPr wrap="square" rtlCol="0">
+            <a:spAutoFit/>
+          </a:bodyPr>
+          <a:lstStyle/>
+          <a:p>
+            <a:r>
+              <a:rPr lang="en-US" altLang="zh-CN" b="1" dirty="0"/>
+              <a:t>…</a:t>
+            </a:r>
+            <a:endParaRPr lang="zh-CN" altLang="en-US" b="1" dirty="0"/>
+          </a:p>
+        </p:txBody>
+      </p:sp>
+      <p:pic>
+        <p:nvPicPr>
+          <p:cNvPr id="78" name="图形 77" descr="文档 纯色填充">
+            <a:extLst>
+              <a:ext uri="{FF2B5EF4-FFF2-40B4-BE49-F238E27FC236}">
+                <a16:creationId xmlns:a16="http://schemas.microsoft.com/office/drawing/2014/main" id="{939024A7-B15B-4CA3-AD47-280EBB51992E}"/>
+              </a:ext>
+            </a:extLst>
+          </p:cNvPr>
+          <p:cNvPicPr>
+            <a:picLocks noChangeAspect="1"/>
+          </p:cNvPicPr>
+          <p:nvPr/>
+        </p:nvPicPr>
+        <p:blipFill>
+          <a:blip r:embed="rId2">
+            <a:extLst>
+              <a:ext uri="{28A0092B-C50C-407E-A947-70E740481C1C}">
+                <a14:useLocalDpi xmlns:a14="http://schemas.microsoft.com/office/drawing/2010/main" val="0"/>
+              </a:ext>
+              <a:ext uri="{96DAC541-7B7A-43D3-8B79-37D633B846F1}">
+                <asvg:svgBlip xmlns:asvg="http://schemas.microsoft.com/office/drawing/2016/SVG/main" r:embed="rId3"/>
+              </a:ext>
+            </a:extLst>
+          </a:blip>
+          <a:stretch>
+            <a:fillRect/>
+          </a:stretch>
+        </p:blipFill>
+        <p:spPr>
+          <a:xfrm>
+            <a:off x="10704674" y="1619312"/>
+            <a:ext cx="575938" cy="575938"/>
+          </a:xfrm>
+          <a:prstGeom prst="rect">
+            <a:avLst/>
+          </a:prstGeom>
+        </p:spPr>
+      </p:pic>
+      <p:pic>
+        <p:nvPicPr>
+          <p:cNvPr id="79" name="图形 78" descr="文档 纯色填充">
+            <a:extLst>
+              <a:ext uri="{FF2B5EF4-FFF2-40B4-BE49-F238E27FC236}">
+                <a16:creationId xmlns:a16="http://schemas.microsoft.com/office/drawing/2014/main" id="{3FAEF648-5756-485A-B7DB-2963610C487B}"/>
+              </a:ext>
+            </a:extLst>
+          </p:cNvPr>
+          <p:cNvPicPr>
+            <a:picLocks noChangeAspect="1"/>
+          </p:cNvPicPr>
+          <p:nvPr/>
+        </p:nvPicPr>
+        <p:blipFill>
+          <a:blip r:embed="rId2">
+            <a:extLst>
+              <a:ext uri="{28A0092B-C50C-407E-A947-70E740481C1C}">
+                <a14:useLocalDpi xmlns:a14="http://schemas.microsoft.com/office/drawing/2010/main" val="0"/>
+              </a:ext>
+              <a:ext uri="{96DAC541-7B7A-43D3-8B79-37D633B846F1}">
+                <asvg:svgBlip xmlns:asvg="http://schemas.microsoft.com/office/drawing/2016/SVG/main" r:embed="rId3"/>
+              </a:ext>
+            </a:extLst>
+          </a:blip>
+          <a:stretch>
+            <a:fillRect/>
+          </a:stretch>
+        </p:blipFill>
+        <p:spPr>
+          <a:xfrm>
+            <a:off x="10730440" y="2413618"/>
+            <a:ext cx="575938" cy="575938"/>
+          </a:xfrm>
+          <a:prstGeom prst="rect">
+            <a:avLst/>
+          </a:prstGeom>
+        </p:spPr>
+      </p:pic>
+      <p:pic>
+        <p:nvPicPr>
+          <p:cNvPr id="80" name="图形 79" descr="文档 纯色填充">
+            <a:extLst>
+              <a:ext uri="{FF2B5EF4-FFF2-40B4-BE49-F238E27FC236}">
+                <a16:creationId xmlns:a16="http://schemas.microsoft.com/office/drawing/2014/main" id="{00E65680-F4FF-486C-8603-303EE144B1D3}"/>
+              </a:ext>
+            </a:extLst>
+          </p:cNvPr>
+          <p:cNvPicPr>
+            <a:picLocks noChangeAspect="1"/>
+          </p:cNvPicPr>
+          <p:nvPr/>
+        </p:nvPicPr>
+        <p:blipFill>
+          <a:blip r:embed="rId2">
+            <a:extLst>
+              <a:ext uri="{28A0092B-C50C-407E-A947-70E740481C1C}">
+                <a14:useLocalDpi xmlns:a14="http://schemas.microsoft.com/office/drawing/2010/main" val="0"/>
+              </a:ext>
+              <a:ext uri="{96DAC541-7B7A-43D3-8B79-37D633B846F1}">
+                <asvg:svgBlip xmlns:asvg="http://schemas.microsoft.com/office/drawing/2016/SVG/main" r:embed="rId3"/>
+              </a:ext>
+            </a:extLst>
+          </a:blip>
+          <a:stretch>
+            <a:fillRect/>
+          </a:stretch>
+        </p:blipFill>
+        <p:spPr>
+          <a:xfrm>
+            <a:off x="10748852" y="3206486"/>
+            <a:ext cx="575938" cy="575938"/>
+          </a:xfrm>
+          <a:prstGeom prst="rect">
+            <a:avLst/>
+          </a:prstGeom>
+        </p:spPr>
+      </p:pic>
+      <p:sp>
+        <p:nvSpPr>
+          <p:cNvPr id="31" name="文本框 30">
+            <a:extLst>
+              <a:ext uri="{FF2B5EF4-FFF2-40B4-BE49-F238E27FC236}">
+                <a16:creationId xmlns:a16="http://schemas.microsoft.com/office/drawing/2014/main" id="{7648FD13-61B4-4B35-BB0E-D08EA97FF711}"/>
+              </a:ext>
+            </a:extLst>
+          </p:cNvPr>
+          <p:cNvSpPr txBox="1"/>
+          <p:nvPr/>
+        </p:nvSpPr>
+        <p:spPr>
+          <a:xfrm>
+            <a:off x="10597388" y="1074946"/>
+            <a:ext cx="898028" cy="338554"/>
+          </a:xfrm>
+          <a:prstGeom prst="rect">
+            <a:avLst/>
+          </a:prstGeom>
+          <a:noFill/>
+        </p:spPr>
+        <p:txBody>
+          <a:bodyPr wrap="square" rtlCol="0">
+            <a:spAutoFit/>
+          </a:bodyPr>
+          <a:lstStyle/>
+          <a:p>
+            <a:pPr algn="ctr"/>
+            <a:r>
+              <a:rPr lang="en-US" altLang="zh-CN" sz="1600" b="1" dirty="0"/>
+              <a:t>Output</a:t>
+            </a:r>
+            <a:endParaRPr lang="zh-CN" altLang="en-US" sz="1600" b="1" dirty="0"/>
+          </a:p>
+        </p:txBody>
+      </p:sp>
+      <p:sp>
+        <p:nvSpPr>
+          <p:cNvPr id="32" name="文本框 31">
+            <a:extLst>
+              <a:ext uri="{FF2B5EF4-FFF2-40B4-BE49-F238E27FC236}">
+                <a16:creationId xmlns:a16="http://schemas.microsoft.com/office/drawing/2014/main" id="{E619DFFB-4109-4CC7-9DC6-4B9929912C22}"/>
+              </a:ext>
+            </a:extLst>
+          </p:cNvPr>
+          <p:cNvSpPr txBox="1"/>
+          <p:nvPr/>
+        </p:nvSpPr>
+        <p:spPr>
+          <a:xfrm rot="10800000">
+            <a:off x="11157920" y="1699293"/>
+            <a:ext cx="323165" cy="457994"/>
+          </a:xfrm>
+          <a:prstGeom prst="rect">
+            <a:avLst/>
+          </a:prstGeom>
+          <a:noFill/>
+        </p:spPr>
+        <p:txBody>
+          <a:bodyPr vert="eaVert" wrap="square" rtlCol="0">
+            <a:spAutoFit/>
+          </a:bodyPr>
+          <a:lstStyle/>
+          <a:p>
+            <a:pPr algn="ctr"/>
+            <a:r>
+              <a:rPr lang="en-US" altLang="zh-CN" sz="900" b="1" dirty="0"/>
+              <a:t>None</a:t>
+            </a:r>
+            <a:endParaRPr lang="zh-CN" altLang="en-US" sz="900" b="1" dirty="0"/>
+          </a:p>
+        </p:txBody>
+      </p:sp>
+      <p:sp>
+        <p:nvSpPr>
+          <p:cNvPr id="81" name="文本框 80">
+            <a:extLst>
+              <a:ext uri="{FF2B5EF4-FFF2-40B4-BE49-F238E27FC236}">
+                <a16:creationId xmlns:a16="http://schemas.microsoft.com/office/drawing/2014/main" id="{223B1240-5ED7-400F-AC53-DEAE44491B0E}"/>
+              </a:ext>
+            </a:extLst>
+          </p:cNvPr>
+          <p:cNvSpPr txBox="1"/>
+          <p:nvPr/>
+        </p:nvSpPr>
+        <p:spPr>
+          <a:xfrm rot="10800000">
+            <a:off x="11157216" y="2513502"/>
+            <a:ext cx="323165" cy="457994"/>
+          </a:xfrm>
+          <a:prstGeom prst="rect">
+            <a:avLst/>
+          </a:prstGeom>
+          <a:noFill/>
+        </p:spPr>
+        <p:txBody>
+          <a:bodyPr vert="eaVert" wrap="square" rtlCol="0">
+            <a:spAutoFit/>
+          </a:bodyPr>
+          <a:lstStyle/>
+          <a:p>
+            <a:pPr algn="ctr"/>
+            <a:r>
+              <a:rPr lang="en-US" altLang="zh-CN" sz="900" b="1" dirty="0"/>
+              <a:t>LZ4</a:t>
+            </a:r>
+            <a:endParaRPr lang="zh-CN" altLang="en-US" sz="900" b="1" dirty="0"/>
+          </a:p>
+        </p:txBody>
+      </p:sp>
+      <p:sp>
+        <p:nvSpPr>
+          <p:cNvPr id="82" name="文本框 81">
+            <a:extLst>
+              <a:ext uri="{FF2B5EF4-FFF2-40B4-BE49-F238E27FC236}">
+                <a16:creationId xmlns:a16="http://schemas.microsoft.com/office/drawing/2014/main" id="{50201DF6-76A5-4FE7-A09D-A55955E913FB}"/>
+              </a:ext>
+            </a:extLst>
+          </p:cNvPr>
+          <p:cNvSpPr txBox="1"/>
+          <p:nvPr/>
+        </p:nvSpPr>
+        <p:spPr>
+          <a:xfrm rot="10800000">
+            <a:off x="11157920" y="3274346"/>
+            <a:ext cx="323165" cy="457994"/>
+          </a:xfrm>
+          <a:prstGeom prst="rect">
+            <a:avLst/>
+          </a:prstGeom>
+          <a:noFill/>
+        </p:spPr>
+        <p:txBody>
+          <a:bodyPr vert="eaVert" wrap="square" rtlCol="0">
+            <a:spAutoFit/>
+          </a:bodyPr>
+          <a:lstStyle/>
+          <a:p>
+            <a:pPr algn="ctr"/>
+            <a:r>
+              <a:rPr lang="en-US" altLang="zh-CN" sz="900" b="1" dirty="0" err="1"/>
+              <a:t>GZip</a:t>
+            </a:r>
+            <a:endParaRPr lang="zh-CN" altLang="en-US" sz="900" b="1" dirty="0"/>
+          </a:p>
+        </p:txBody>
+      </p:sp>
+      <p:sp>
+        <p:nvSpPr>
+          <p:cNvPr id="85" name="文本框 84">
+            <a:extLst>
+              <a:ext uri="{FF2B5EF4-FFF2-40B4-BE49-F238E27FC236}">
+                <a16:creationId xmlns:a16="http://schemas.microsoft.com/office/drawing/2014/main" id="{91E55096-900B-4269-AED4-78270F7F4079}"/>
+              </a:ext>
+            </a:extLst>
+          </p:cNvPr>
+          <p:cNvSpPr txBox="1"/>
+          <p:nvPr/>
+        </p:nvSpPr>
+        <p:spPr>
+          <a:xfrm rot="5400000">
+            <a:off x="10890018" y="4691339"/>
+            <a:ext cx="247466" cy="369332"/>
+          </a:xfrm>
+          <a:prstGeom prst="rect">
+            <a:avLst/>
+          </a:prstGeom>
+          <a:noFill/>
+        </p:spPr>
+        <p:txBody>
+          <a:bodyPr wrap="square" rtlCol="0">
+            <a:spAutoFit/>
+          </a:bodyPr>
+          <a:lstStyle/>
+          <a:p>
+            <a:pPr algn="ctr"/>
+            <a:r>
+              <a:rPr lang="en-US" altLang="zh-CN" b="1" dirty="0"/>
+              <a:t>…</a:t>
+            </a:r>
+            <a:endParaRPr lang="zh-CN" altLang="en-US" b="1" dirty="0"/>
+          </a:p>
+        </p:txBody>
+      </p:sp>
+      <p:sp>
+        <p:nvSpPr>
+          <p:cNvPr id="39" name="文本框 38">
+            <a:extLst>
+              <a:ext uri="{FF2B5EF4-FFF2-40B4-BE49-F238E27FC236}">
+                <a16:creationId xmlns:a16="http://schemas.microsoft.com/office/drawing/2014/main" id="{3074C995-3BFC-4AB0-8102-0C5A17C737E6}"/>
+              </a:ext>
+            </a:extLst>
+          </p:cNvPr>
+          <p:cNvSpPr txBox="1"/>
+          <p:nvPr/>
+        </p:nvSpPr>
+        <p:spPr>
+          <a:xfrm>
+            <a:off x="7500723" y="4199468"/>
+            <a:ext cx="1794120" cy="338554"/>
+          </a:xfrm>
+          <a:prstGeom prst="rect">
+            <a:avLst/>
+          </a:prstGeom>
+          <a:noFill/>
+        </p:spPr>
+        <p:txBody>
+          <a:bodyPr wrap="square" rtlCol="0">
+            <a:spAutoFit/>
+          </a:bodyPr>
+          <a:lstStyle/>
+          <a:p>
+            <a:r>
+              <a:rPr lang="en-US" altLang="zh-CN" sz="1600" dirty="0"/>
+              <a:t>Compression Pool</a:t>
+            </a:r>
+            <a:endParaRPr lang="zh-CN" altLang="en-US" sz="1600" dirty="0"/>
+          </a:p>
+        </p:txBody>
+      </p:sp>
+      <p:sp>
+        <p:nvSpPr>
+          <p:cNvPr id="40" name="文本框 39">
+            <a:extLst>
+              <a:ext uri="{FF2B5EF4-FFF2-40B4-BE49-F238E27FC236}">
+                <a16:creationId xmlns:a16="http://schemas.microsoft.com/office/drawing/2014/main" id="{5EDF0089-B4FC-4A30-B202-5C77843E6CFA}"/>
+              </a:ext>
+            </a:extLst>
+          </p:cNvPr>
+          <p:cNvSpPr txBox="1"/>
+          <p:nvPr/>
+        </p:nvSpPr>
+        <p:spPr>
+          <a:xfrm>
+            <a:off x="7181409" y="3322079"/>
+            <a:ext cx="2441497" cy="338554"/>
+          </a:xfrm>
+          <a:prstGeom prst="rect">
+            <a:avLst/>
+          </a:prstGeom>
+          <a:noFill/>
+        </p:spPr>
+        <p:txBody>
+          <a:bodyPr wrap="square" rtlCol="0">
+            <a:spAutoFit/>
+          </a:bodyPr>
+          <a:lstStyle/>
+          <a:p>
+            <a:r>
+              <a:rPr lang="en-US" altLang="zh-CN" sz="1600" dirty="0"/>
+              <a:t>Compression Conversion</a:t>
+            </a:r>
+            <a:endParaRPr lang="zh-CN" altLang="en-US" sz="1600" dirty="0"/>
+          </a:p>
+        </p:txBody>
+      </p:sp>
+      <p:sp>
+        <p:nvSpPr>
+          <p:cNvPr id="2" name="矩形 1">
+            <a:extLst>
+              <a:ext uri="{FF2B5EF4-FFF2-40B4-BE49-F238E27FC236}">
+                <a16:creationId xmlns:a16="http://schemas.microsoft.com/office/drawing/2014/main" id="{3C019F8D-35DE-475A-87FE-8F52E59964B0}"/>
+              </a:ext>
+            </a:extLst>
+          </p:cNvPr>
+          <p:cNvSpPr/>
+          <p:nvPr/>
+        </p:nvSpPr>
+        <p:spPr>
+          <a:xfrm>
+            <a:off x="3999317" y="4511300"/>
+            <a:ext cx="2157254" cy="543409"/>
+          </a:xfrm>
+          <a:prstGeom prst="rect">
+            <a:avLst/>
+          </a:prstGeom>
+          <a:gradFill flip="none" rotWithShape="1">
+            <a:gsLst>
+              <a:gs pos="0">
+                <a:schemeClr val="accent1">
+                  <a:tint val="66000"/>
+                  <a:satMod val="160000"/>
+                </a:schemeClr>
+              </a:gs>
+              <a:gs pos="50000">
+                <a:schemeClr val="accent1">
+                  <a:tint val="44500"/>
+                  <a:satMod val="160000"/>
+                </a:schemeClr>
+              </a:gs>
+              <a:gs pos="100000">
+                <a:schemeClr val="accent1">
+                  <a:tint val="23500"/>
+                  <a:satMod val="160000"/>
+                </a:schemeClr>
+              </a:gs>
+            </a:gsLst>
+            <a:lin ang="2700000" scaled="1"/>
+            <a:tileRect/>
+          </a:gradFill>
+          <a:ln w="28575">
+            <a:solidFill>
+              <a:schemeClr val="tx1"/>
+            </a:solidFill>
+          </a:ln>
+        </p:spPr>
+        <p:style>
+          <a:lnRef idx="2">
+            <a:schemeClr val="accent1">
+              <a:shade val="50000"/>
+            </a:schemeClr>
+          </a:lnRef>
+          <a:fillRef idx="1">
+            <a:schemeClr val="accent1"/>
+          </a:fillRef>
+          <a:effectRef idx="0">
+            <a:schemeClr val="accent1"/>
+          </a:effectRef>
+          <a:fontRef idx="minor">
+            <a:schemeClr val="lt1"/>
+          </a:fontRef>
+        </p:style>
+        <p:txBody>
+          <a:bodyPr rtlCol="0" anchor="ctr"/>
+          <a:lstStyle/>
+          <a:p>
+            <a:pPr algn="ctr"/>
+            <a:r>
+              <a:rPr lang="en-US" altLang="zh-CN" sz="1600" dirty="0" err="1">
+                <a:solidFill>
+                  <a:schemeClr val="tx1"/>
+                </a:solidFill>
+              </a:rPr>
+              <a:t>MetaData</a:t>
+            </a:r>
+            <a:r>
+              <a:rPr lang="en-US" altLang="zh-CN" sz="1600" dirty="0">
+                <a:solidFill>
+                  <a:schemeClr val="tx1"/>
+                </a:solidFill>
+              </a:rPr>
+              <a:t> Log</a:t>
+            </a:r>
+            <a:endParaRPr lang="zh-CN" altLang="en-US" sz="1600" dirty="0">
+              <a:solidFill>
+                <a:schemeClr val="tx1"/>
+              </a:solidFill>
+            </a:endParaRPr>
+          </a:p>
+        </p:txBody>
+      </p:sp>
+      <p:sp>
+        <p:nvSpPr>
+          <p:cNvPr id="7" name="矩形: 圆角 6">
+            <a:extLst>
+              <a:ext uri="{FF2B5EF4-FFF2-40B4-BE49-F238E27FC236}">
+                <a16:creationId xmlns:a16="http://schemas.microsoft.com/office/drawing/2014/main" id="{74DCF831-AB90-40C3-B2FB-4321105CC694}"/>
+              </a:ext>
+            </a:extLst>
+          </p:cNvPr>
+          <p:cNvSpPr/>
+          <p:nvPr/>
+        </p:nvSpPr>
+        <p:spPr>
+          <a:xfrm>
+            <a:off x="3781039" y="2376967"/>
+            <a:ext cx="2539126" cy="1652435"/>
+          </a:xfrm>
+          <a:prstGeom prst="roundRect">
+            <a:avLst/>
+          </a:prstGeom>
+          <a:noFill/>
+          <a:ln w="28575">
+            <a:solidFill>
+              <a:schemeClr val="tx1"/>
+            </a:solidFill>
+          </a:ln>
+        </p:spPr>
+        <p:style>
+          <a:lnRef idx="2">
+            <a:schemeClr val="accent1">
+              <a:shade val="50000"/>
+            </a:schemeClr>
+          </a:lnRef>
+          <a:fillRef idx="1">
+            <a:schemeClr val="accent1"/>
+          </a:fillRef>
+          <a:effectRef idx="0">
+            <a:schemeClr val="accent1"/>
+          </a:effectRef>
+          <a:fontRef idx="minor">
+            <a:schemeClr val="lt1"/>
+          </a:fontRef>
+        </p:style>
+        <p:txBody>
+          <a:bodyPr rtlCol="0" anchor="ctr"/>
+          <a:lstStyle/>
+          <a:p>
+            <a:pPr algn="ctr"/>
+            <a:endParaRPr lang="zh-CN" altLang="en-US"/>
+          </a:p>
+        </p:txBody>
+      </p:sp>
+      <p:sp>
+        <p:nvSpPr>
+          <p:cNvPr id="61" name="箭头: 下 60">
+            <a:extLst>
+              <a:ext uri="{FF2B5EF4-FFF2-40B4-BE49-F238E27FC236}">
+                <a16:creationId xmlns:a16="http://schemas.microsoft.com/office/drawing/2014/main" id="{0D798744-46DA-47E5-86B1-29668F9103C6}"/>
+              </a:ext>
+            </a:extLst>
+          </p:cNvPr>
+          <p:cNvSpPr/>
+          <p:nvPr/>
+        </p:nvSpPr>
+        <p:spPr>
+          <a:xfrm rot="16200000">
+            <a:off x="6727386" y="3691447"/>
+            <a:ext cx="132907" cy="300371"/>
+          </a:xfrm>
+          <a:prstGeom prst="downArrow">
+            <a:avLst/>
+          </a:prstGeom>
+          <a:solidFill>
+            <a:schemeClr val="tx1"/>
+          </a:solidFill>
+          <a:ln w="28575">
+            <a:solidFill>
+              <a:schemeClr val="tx1"/>
+            </a:solidFill>
+          </a:ln>
+        </p:spPr>
+        <p:style>
+          <a:lnRef idx="2">
+            <a:schemeClr val="accent1">
+              <a:shade val="50000"/>
+            </a:schemeClr>
+          </a:lnRef>
+          <a:fillRef idx="1">
+            <a:schemeClr val="accent1"/>
+          </a:fillRef>
+          <a:effectRef idx="0">
+            <a:schemeClr val="accent1"/>
+          </a:effectRef>
+          <a:fontRef idx="minor">
+            <a:schemeClr val="lt1"/>
+          </a:fontRef>
+        </p:style>
+        <p:txBody>
+          <a:bodyPr rtlCol="0" anchor="ctr"/>
+          <a:lstStyle/>
+          <a:p>
+            <a:pPr algn="ctr"/>
+            <a:endParaRPr lang="zh-CN" altLang="en-US"/>
+          </a:p>
+        </p:txBody>
+      </p:sp>
+      <p:sp>
+        <p:nvSpPr>
+          <p:cNvPr id="64" name="箭头: 下 63">
+            <a:extLst>
+              <a:ext uri="{FF2B5EF4-FFF2-40B4-BE49-F238E27FC236}">
+                <a16:creationId xmlns:a16="http://schemas.microsoft.com/office/drawing/2014/main" id="{B3DC1669-3D8F-4C61-B899-89A6392AB3AB}"/>
+              </a:ext>
+            </a:extLst>
+          </p:cNvPr>
+          <p:cNvSpPr/>
+          <p:nvPr/>
+        </p:nvSpPr>
+        <p:spPr>
+          <a:xfrm rot="16200000">
+            <a:off x="2769994" y="3467937"/>
+            <a:ext cx="366824" cy="600739"/>
+          </a:xfrm>
+          <a:prstGeom prst="downArrow">
+            <a:avLst/>
+          </a:prstGeom>
+          <a:solidFill>
+            <a:schemeClr val="tx1"/>
+          </a:solidFill>
+          <a:ln w="28575">
+            <a:solidFill>
+              <a:schemeClr val="tx1"/>
+            </a:solidFill>
+          </a:ln>
+        </p:spPr>
+        <p:style>
+          <a:lnRef idx="2">
+            <a:schemeClr val="accent1">
+              <a:shade val="50000"/>
+            </a:schemeClr>
+          </a:lnRef>
+          <a:fillRef idx="1">
+            <a:schemeClr val="accent1"/>
+          </a:fillRef>
+          <a:effectRef idx="0">
+            <a:schemeClr val="accent1"/>
+          </a:effectRef>
+          <a:fontRef idx="minor">
+            <a:schemeClr val="lt1"/>
+          </a:fontRef>
+        </p:style>
+        <p:txBody>
+          <a:bodyPr rtlCol="0" anchor="ctr"/>
+          <a:lstStyle/>
+          <a:p>
+            <a:pPr algn="ctr"/>
+            <a:endParaRPr lang="zh-CN" altLang="en-US"/>
+          </a:p>
+        </p:txBody>
+      </p:sp>
+      <p:sp>
+        <p:nvSpPr>
+          <p:cNvPr id="65" name="箭头: 下 64">
+            <a:extLst>
+              <a:ext uri="{FF2B5EF4-FFF2-40B4-BE49-F238E27FC236}">
+                <a16:creationId xmlns:a16="http://schemas.microsoft.com/office/drawing/2014/main" id="{5F7081CF-A429-4585-A944-2B06112EC918}"/>
+              </a:ext>
+            </a:extLst>
+          </p:cNvPr>
+          <p:cNvSpPr/>
+          <p:nvPr/>
+        </p:nvSpPr>
+        <p:spPr>
+          <a:xfrm rot="16200000">
+            <a:off x="2753850" y="1173429"/>
+            <a:ext cx="366824" cy="600739"/>
+          </a:xfrm>
+          <a:prstGeom prst="downArrow">
+            <a:avLst/>
+          </a:prstGeom>
+          <a:solidFill>
+            <a:schemeClr val="tx1"/>
+          </a:solidFill>
+          <a:ln w="28575">
+            <a:solidFill>
+              <a:schemeClr val="tx1"/>
+            </a:solidFill>
+          </a:ln>
+        </p:spPr>
+        <p:style>
+          <a:lnRef idx="2">
+            <a:schemeClr val="accent1">
+              <a:shade val="50000"/>
+            </a:schemeClr>
+          </a:lnRef>
+          <a:fillRef idx="1">
+            <a:schemeClr val="accent1"/>
+          </a:fillRef>
+          <a:effectRef idx="0">
+            <a:schemeClr val="accent1"/>
+          </a:effectRef>
+          <a:fontRef idx="minor">
+            <a:schemeClr val="lt1"/>
+          </a:fontRef>
+        </p:style>
+        <p:txBody>
+          <a:bodyPr rtlCol="0" anchor="ctr"/>
+          <a:lstStyle/>
+          <a:p>
+            <a:pPr algn="ctr"/>
+            <a:endParaRPr lang="zh-CN" altLang="en-US"/>
+          </a:p>
+        </p:txBody>
+      </p:sp>
+      <p:sp>
+        <p:nvSpPr>
+          <p:cNvPr id="24" name="文本框 23">
+            <a:extLst>
+              <a:ext uri="{FF2B5EF4-FFF2-40B4-BE49-F238E27FC236}">
+                <a16:creationId xmlns:a16="http://schemas.microsoft.com/office/drawing/2014/main" id="{CCCDCF3F-B06F-4379-8EEA-4A86EE9A8C1B}"/>
+              </a:ext>
+            </a:extLst>
+          </p:cNvPr>
+          <p:cNvSpPr txBox="1"/>
+          <p:nvPr/>
+        </p:nvSpPr>
+        <p:spPr>
+          <a:xfrm>
+            <a:off x="2144734" y="972440"/>
+            <a:ext cx="1640845" cy="338554"/>
+          </a:xfrm>
+          <a:prstGeom prst="rect">
+            <a:avLst/>
+          </a:prstGeom>
+          <a:noFill/>
+        </p:spPr>
+        <p:txBody>
+          <a:bodyPr wrap="square" rtlCol="0">
+            <a:spAutoFit/>
+          </a:bodyPr>
+          <a:lstStyle/>
+          <a:p>
+            <a:pPr algn="ctr"/>
+            <a:r>
+              <a:rPr lang="en-US" altLang="zh-CN" sz="1600" dirty="0"/>
+              <a:t>Read Request</a:t>
+            </a:r>
+            <a:endParaRPr lang="zh-CN" altLang="en-US" sz="1600" dirty="0"/>
+          </a:p>
+        </p:txBody>
+      </p:sp>
+      <p:sp>
+        <p:nvSpPr>
+          <p:cNvPr id="28" name="文本框 27">
+            <a:extLst>
+              <a:ext uri="{FF2B5EF4-FFF2-40B4-BE49-F238E27FC236}">
+                <a16:creationId xmlns:a16="http://schemas.microsoft.com/office/drawing/2014/main" id="{4E8D0348-5431-4C53-8505-7839C578DEB1}"/>
+              </a:ext>
+            </a:extLst>
+          </p:cNvPr>
+          <p:cNvSpPr txBox="1"/>
+          <p:nvPr/>
+        </p:nvSpPr>
+        <p:spPr>
+          <a:xfrm>
+            <a:off x="2224776" y="4135259"/>
+            <a:ext cx="1464793" cy="338554"/>
+          </a:xfrm>
+          <a:prstGeom prst="rect">
+            <a:avLst/>
+          </a:prstGeom>
+          <a:noFill/>
+        </p:spPr>
+        <p:txBody>
+          <a:bodyPr wrap="square" rtlCol="0">
+            <a:spAutoFit/>
+          </a:bodyPr>
+          <a:lstStyle/>
+          <a:p>
+            <a:pPr algn="ctr"/>
+            <a:r>
+              <a:rPr lang="en-US" altLang="zh-CN" sz="1600" dirty="0"/>
+              <a:t>Write Request</a:t>
+            </a:r>
+            <a:endParaRPr lang="zh-CN" altLang="en-US" sz="1600" dirty="0"/>
+          </a:p>
+        </p:txBody>
+      </p:sp>
+      <p:pic>
+        <p:nvPicPr>
+          <p:cNvPr id="70" name="图形 69" descr="文档 纯色填充">
+            <a:extLst>
+              <a:ext uri="{FF2B5EF4-FFF2-40B4-BE49-F238E27FC236}">
+                <a16:creationId xmlns:a16="http://schemas.microsoft.com/office/drawing/2014/main" id="{4EE81BE4-5313-4AA2-8A74-4E7B61288508}"/>
+              </a:ext>
+            </a:extLst>
+          </p:cNvPr>
+          <p:cNvPicPr>
+            <a:picLocks noChangeAspect="1"/>
+          </p:cNvPicPr>
+          <p:nvPr/>
+        </p:nvPicPr>
+        <p:blipFill>
+          <a:blip r:embed="rId2">
+            <a:extLst>
+              <a:ext uri="{28A0092B-C50C-407E-A947-70E740481C1C}">
+                <a14:useLocalDpi xmlns:a14="http://schemas.microsoft.com/office/drawing/2010/main" val="0"/>
+              </a:ext>
+              <a:ext uri="{96DAC541-7B7A-43D3-8B79-37D633B846F1}">
+                <asvg:svgBlip xmlns:asvg="http://schemas.microsoft.com/office/drawing/2016/SVG/main" r:embed="rId3"/>
+              </a:ext>
+            </a:extLst>
+          </a:blip>
+          <a:stretch>
+            <a:fillRect/>
+          </a:stretch>
+        </p:blipFill>
+        <p:spPr>
+          <a:xfrm>
+            <a:off x="10748852" y="3979379"/>
+            <a:ext cx="575938" cy="575938"/>
+          </a:xfrm>
+          <a:prstGeom prst="rect">
+            <a:avLst/>
+          </a:prstGeom>
+        </p:spPr>
+      </p:pic>
+      <p:sp>
+        <p:nvSpPr>
+          <p:cNvPr id="71" name="文本框 70">
+            <a:extLst>
+              <a:ext uri="{FF2B5EF4-FFF2-40B4-BE49-F238E27FC236}">
+                <a16:creationId xmlns:a16="http://schemas.microsoft.com/office/drawing/2014/main" id="{DA58DAF8-9278-4623-A2A8-1CB17A3554CA}"/>
+              </a:ext>
+            </a:extLst>
+          </p:cNvPr>
+          <p:cNvSpPr txBox="1"/>
+          <p:nvPr/>
+        </p:nvSpPr>
+        <p:spPr>
+          <a:xfrm rot="10800000">
+            <a:off x="11172251" y="4069584"/>
+            <a:ext cx="323165" cy="457994"/>
+          </a:xfrm>
+          <a:prstGeom prst="rect">
+            <a:avLst/>
+          </a:prstGeom>
+          <a:noFill/>
+        </p:spPr>
+        <p:txBody>
+          <a:bodyPr vert="eaVert" wrap="square" rtlCol="0">
+            <a:spAutoFit/>
+          </a:bodyPr>
+          <a:lstStyle/>
+          <a:p>
+            <a:pPr algn="ctr"/>
+            <a:r>
+              <a:rPr lang="en-US" altLang="zh-CN" sz="900" b="1" dirty="0"/>
+              <a:t>BZ2</a:t>
+            </a:r>
+            <a:endParaRPr lang="zh-CN" altLang="en-US" sz="900" b="1" dirty="0"/>
+          </a:p>
+        </p:txBody>
+      </p:sp>
+      <p:sp>
+        <p:nvSpPr>
+          <p:cNvPr id="72" name="文本框 71">
+            <a:extLst>
+              <a:ext uri="{FF2B5EF4-FFF2-40B4-BE49-F238E27FC236}">
+                <a16:creationId xmlns:a16="http://schemas.microsoft.com/office/drawing/2014/main" id="{CF3C04A9-8D47-471F-BFB1-8AEFA63C3A99}"/>
+              </a:ext>
+            </a:extLst>
+          </p:cNvPr>
+          <p:cNvSpPr txBox="1"/>
+          <p:nvPr/>
+        </p:nvSpPr>
+        <p:spPr>
+          <a:xfrm>
+            <a:off x="5912072" y="1804226"/>
+            <a:ext cx="1650933" cy="369332"/>
+          </a:xfrm>
+          <a:prstGeom prst="rect">
+            <a:avLst/>
+          </a:prstGeom>
+          <a:noFill/>
+          <a:ln>
+            <a:noFill/>
+          </a:ln>
+        </p:spPr>
+        <p:txBody>
+          <a:bodyPr wrap="square" rtlCol="0">
+            <a:spAutoFit/>
+          </a:bodyPr>
+          <a:lstStyle/>
+          <a:p>
+            <a:r>
+              <a:rPr lang="en-US" altLang="zh-CN" b="1" dirty="0">
+                <a:solidFill>
+                  <a:srgbClr val="C00000"/>
+                </a:solidFill>
+                <a:latin typeface="微软雅黑" panose="020B0503020204020204" pitchFamily="34" charset="-122"/>
+                <a:ea typeface="微软雅黑" panose="020B0503020204020204" pitchFamily="34" charset="-122"/>
+              </a:rPr>
+              <a:t>Main Engine</a:t>
+            </a:r>
+            <a:endParaRPr lang="zh-CN" altLang="en-US" b="1" dirty="0">
+              <a:solidFill>
+                <a:srgbClr val="C00000"/>
+              </a:solidFill>
+              <a:latin typeface="微软雅黑" panose="020B0503020204020204" pitchFamily="34" charset="-122"/>
+              <a:ea typeface="微软雅黑" panose="020B0503020204020204" pitchFamily="34" charset="-122"/>
+            </a:endParaRPr>
+          </a:p>
+        </p:txBody>
+      </p:sp>
+      <p:sp>
+        <p:nvSpPr>
+          <p:cNvPr id="73" name="箭头: 下 72">
+            <a:extLst>
+              <a:ext uri="{FF2B5EF4-FFF2-40B4-BE49-F238E27FC236}">
+                <a16:creationId xmlns:a16="http://schemas.microsoft.com/office/drawing/2014/main" id="{5F016E1E-113B-4C93-8476-2FB8B5344066}"/>
+              </a:ext>
+            </a:extLst>
+          </p:cNvPr>
+          <p:cNvSpPr/>
+          <p:nvPr/>
+        </p:nvSpPr>
+        <p:spPr>
+          <a:xfrm rot="10800000">
+            <a:off x="4992788" y="1861723"/>
+            <a:ext cx="132907" cy="300371"/>
+          </a:xfrm>
+          <a:prstGeom prst="downArrow">
+            <a:avLst/>
+          </a:prstGeom>
+          <a:solidFill>
+            <a:schemeClr val="tx1"/>
+          </a:solidFill>
+          <a:ln w="28575">
+            <a:solidFill>
+              <a:schemeClr val="tx1"/>
+            </a:solidFill>
+          </a:ln>
+        </p:spPr>
+        <p:style>
+          <a:lnRef idx="2">
+            <a:schemeClr val="accent1">
+              <a:shade val="50000"/>
+            </a:schemeClr>
+          </a:lnRef>
+          <a:fillRef idx="1">
+            <a:schemeClr val="accent1"/>
+          </a:fillRef>
+          <a:effectRef idx="0">
+            <a:schemeClr val="accent1"/>
+          </a:effectRef>
+          <a:fontRef idx="minor">
+            <a:schemeClr val="lt1"/>
+          </a:fontRef>
+        </p:style>
+        <p:txBody>
+          <a:bodyPr rtlCol="0" anchor="ctr"/>
+          <a:lstStyle/>
+          <a:p>
+            <a:pPr algn="ctr"/>
+            <a:endParaRPr lang="zh-CN" altLang="en-US"/>
+          </a:p>
+        </p:txBody>
+      </p:sp>
+      <p:sp>
+        <p:nvSpPr>
+          <p:cNvPr id="83" name="箭头: 下 82">
+            <a:extLst>
+              <a:ext uri="{FF2B5EF4-FFF2-40B4-BE49-F238E27FC236}">
+                <a16:creationId xmlns:a16="http://schemas.microsoft.com/office/drawing/2014/main" id="{9211CD45-D1B7-4451-95ED-60052B5EE331}"/>
+              </a:ext>
+            </a:extLst>
+          </p:cNvPr>
+          <p:cNvSpPr/>
+          <p:nvPr/>
+        </p:nvSpPr>
+        <p:spPr>
+          <a:xfrm>
+            <a:off x="8272476" y="1843992"/>
+            <a:ext cx="132907" cy="300371"/>
+          </a:xfrm>
+          <a:prstGeom prst="downArrow">
+            <a:avLst/>
+          </a:prstGeom>
+          <a:solidFill>
+            <a:schemeClr val="tx1"/>
+          </a:solidFill>
+          <a:ln w="28575">
+            <a:solidFill>
+              <a:schemeClr val="tx1"/>
+            </a:solidFill>
+          </a:ln>
+        </p:spPr>
+        <p:style>
+          <a:lnRef idx="2">
+            <a:schemeClr val="accent1">
+              <a:shade val="50000"/>
+            </a:schemeClr>
+          </a:lnRef>
+          <a:fillRef idx="1">
+            <a:schemeClr val="accent1"/>
+          </a:fillRef>
+          <a:effectRef idx="0">
+            <a:schemeClr val="accent1"/>
+          </a:effectRef>
+          <a:fontRef idx="minor">
+            <a:schemeClr val="lt1"/>
+          </a:fontRef>
+        </p:style>
+        <p:txBody>
+          <a:bodyPr rtlCol="0" anchor="ctr"/>
+          <a:lstStyle/>
+          <a:p>
+            <a:pPr algn="ctr"/>
+            <a:endParaRPr lang="zh-CN" altLang="en-US"/>
+          </a:p>
+        </p:txBody>
+      </p:sp>
+      <p:sp>
+        <p:nvSpPr>
+          <p:cNvPr id="38" name="文本框 37">
+            <a:extLst>
+              <a:ext uri="{FF2B5EF4-FFF2-40B4-BE49-F238E27FC236}">
+                <a16:creationId xmlns:a16="http://schemas.microsoft.com/office/drawing/2014/main" id="{F972EACC-0B10-4AFF-AB16-A51514741CA9}"/>
+              </a:ext>
+            </a:extLst>
+          </p:cNvPr>
+          <p:cNvSpPr txBox="1"/>
+          <p:nvPr/>
+        </p:nvSpPr>
+        <p:spPr>
+          <a:xfrm>
+            <a:off x="5463001" y="840251"/>
+            <a:ext cx="2302928" cy="338554"/>
+          </a:xfrm>
+          <a:prstGeom prst="rect">
+            <a:avLst/>
+          </a:prstGeom>
+          <a:noFill/>
+        </p:spPr>
+        <p:txBody>
+          <a:bodyPr wrap="square" rtlCol="0">
+            <a:spAutoFit/>
+          </a:bodyPr>
+          <a:lstStyle/>
+          <a:p>
+            <a:r>
+              <a:rPr lang="en-US" altLang="zh-CN" sz="1600" dirty="0"/>
+              <a:t>Unified heat recognition</a:t>
+            </a:r>
+            <a:endParaRPr lang="zh-CN" altLang="en-US" sz="1600" dirty="0"/>
+          </a:p>
+        </p:txBody>
+      </p:sp>
+    </p:spTree>
+    <p:extLst>
+      <p:ext uri="{BB962C8B-B14F-4D97-AF65-F5344CB8AC3E}">
+        <p14:creationId xmlns:p14="http://schemas.microsoft.com/office/powerpoint/2010/main" val="1409852476"/>
+      </p:ext>
+    </p:extLst>
+  </p:cSld>
+  <p:clrMapOvr>
+    <a:masterClrMapping/>
+  </p:clrMapOvr>
+</p:sld>
+</file>
+
+<file path=ppt/slides/slide4.xml><?xml version="1.0" encoding="utf-8"?>
 <p:sld xmlns:a="http://schemas.openxmlformats.org/drawingml/2006/main" xmlns:r="http://schemas.openxmlformats.org/officeDocument/2006/relationships" xmlns:p="http://schemas.openxmlformats.org/presentationml/2006/main">
   <p:cSld>
     <p:spTree>

--- a/开题 .pptx
+++ b/开题 .pptx
@@ -8,7 +8,9 @@
     <p:sldId id="257" r:id="rId2"/>
     <p:sldId id="259" r:id="rId3"/>
     <p:sldId id="260" r:id="rId4"/>
-    <p:sldId id="258" r:id="rId5"/>
+    <p:sldId id="261" r:id="rId5"/>
+    <p:sldId id="262" r:id="rId6"/>
+    <p:sldId id="258" r:id="rId7"/>
   </p:sldIdLst>
   <p:sldSz cx="12192000" cy="6858000"/>
   <p:notesSz cx="6858000" cy="9144000"/>
@@ -8332,7 +8334,7 @@
         </p:nvGrpSpPr>
         <p:grpSpPr>
           <a:xfrm rot="5400000">
-            <a:off x="-294370" y="2809429"/>
+            <a:off x="-234153" y="2809428"/>
             <a:ext cx="4445226" cy="600739"/>
             <a:chOff x="669851" y="834656"/>
             <a:chExt cx="3232298" cy="600739"/>
@@ -9032,7 +9034,7 @@
         </p:nvSpPr>
         <p:spPr>
           <a:xfrm>
-            <a:off x="-76184" y="3193618"/>
+            <a:off x="-88674" y="3319720"/>
             <a:ext cx="1911768" cy="338554"/>
           </a:xfrm>
           <a:prstGeom prst="rect">
@@ -9489,28 +9491,26 @@
           <a:gradFill flip="none" rotWithShape="1">
             <a:gsLst>
               <a:gs pos="0">
-                <a:schemeClr val="bg2">
-                  <a:shade val="30000"/>
-                  <a:satMod val="115000"/>
-                </a:schemeClr>
+                <a:srgbClr val="BF93AD">
+                  <a:tint val="66000"/>
+                  <a:satMod val="160000"/>
+                </a:srgbClr>
               </a:gs>
               <a:gs pos="50000">
-                <a:schemeClr val="bg2">
-                  <a:shade val="67500"/>
-                  <a:satMod val="115000"/>
-                </a:schemeClr>
+                <a:srgbClr val="BF93AD">
+                  <a:tint val="44500"/>
+                  <a:satMod val="160000"/>
+                </a:srgbClr>
               </a:gs>
               <a:gs pos="100000">
-                <a:schemeClr val="bg2">
-                  <a:shade val="100000"/>
-                  <a:satMod val="115000"/>
-                </a:schemeClr>
+                <a:srgbClr val="BF93AD">
+                  <a:tint val="23500"/>
+                  <a:satMod val="160000"/>
+                </a:srgbClr>
               </a:gs>
             </a:gsLst>
-            <a:path path="circle">
-              <a:fillToRect l="100000" t="100000"/>
-            </a:path>
-            <a:tileRect r="-100000" b="-100000"/>
+            <a:lin ang="5400000" scaled="1"/>
+            <a:tileRect/>
           </a:gradFill>
           <a:ln w="28575">
             <a:solidFill>
@@ -11136,6 +11136,6219 @@
 </file>
 
 <file path=ppt/slides/slide4.xml><?xml version="1.0" encoding="utf-8"?>
+<p:sld xmlns:a="http://schemas.openxmlformats.org/drawingml/2006/main" xmlns:r="http://schemas.openxmlformats.org/officeDocument/2006/relationships" xmlns:p="http://schemas.openxmlformats.org/presentationml/2006/main">
+  <p:cSld>
+    <p:spTree>
+      <p:nvGrpSpPr>
+        <p:cNvPr id="1" name=""/>
+        <p:cNvGrpSpPr/>
+        <p:nvPr/>
+      </p:nvGrpSpPr>
+      <p:grpSpPr>
+        <a:xfrm>
+          <a:off x="0" y="0"/>
+          <a:ext cx="0" cy="0"/>
+          <a:chOff x="0" y="0"/>
+          <a:chExt cx="0" cy="0"/>
+        </a:xfrm>
+      </p:grpSpPr>
+      <p:sp>
+        <p:nvSpPr>
+          <p:cNvPr id="5" name="矩形 4">
+            <a:extLst>
+              <a:ext uri="{FF2B5EF4-FFF2-40B4-BE49-F238E27FC236}">
+                <a16:creationId xmlns:a16="http://schemas.microsoft.com/office/drawing/2014/main" id="{254F3A3E-C5EC-4844-A1F3-972D4490DA92}"/>
+              </a:ext>
+            </a:extLst>
+          </p:cNvPr>
+          <p:cNvSpPr/>
+          <p:nvPr/>
+        </p:nvSpPr>
+        <p:spPr>
+          <a:xfrm>
+            <a:off x="903514" y="778329"/>
+            <a:ext cx="10597243" cy="5279571"/>
+          </a:xfrm>
+          <a:prstGeom prst="rect">
+            <a:avLst/>
+          </a:prstGeom>
+          <a:solidFill>
+            <a:schemeClr val="bg1"/>
+          </a:solidFill>
+          <a:ln>
+            <a:solidFill>
+              <a:schemeClr val="bg1"/>
+            </a:solidFill>
+          </a:ln>
+        </p:spPr>
+        <p:style>
+          <a:lnRef idx="2">
+            <a:schemeClr val="accent1">
+              <a:shade val="50000"/>
+            </a:schemeClr>
+          </a:lnRef>
+          <a:fillRef idx="1">
+            <a:schemeClr val="accent1"/>
+          </a:fillRef>
+          <a:effectRef idx="0">
+            <a:schemeClr val="accent1"/>
+          </a:effectRef>
+          <a:fontRef idx="minor">
+            <a:schemeClr val="lt1"/>
+          </a:fontRef>
+        </p:style>
+        <p:txBody>
+          <a:bodyPr rtlCol="0" anchor="ctr"/>
+          <a:lstStyle/>
+          <a:p>
+            <a:pPr algn="ctr"/>
+            <a:endParaRPr lang="zh-CN" altLang="en-US"/>
+          </a:p>
+        </p:txBody>
+      </p:sp>
+      <p:sp>
+        <p:nvSpPr>
+          <p:cNvPr id="16" name="矩形: 圆角 15">
+            <a:extLst>
+              <a:ext uri="{FF2B5EF4-FFF2-40B4-BE49-F238E27FC236}">
+                <a16:creationId xmlns:a16="http://schemas.microsoft.com/office/drawing/2014/main" id="{0229EECA-86CF-447A-B5E0-740497E8EBB3}"/>
+              </a:ext>
+            </a:extLst>
+          </p:cNvPr>
+          <p:cNvSpPr/>
+          <p:nvPr/>
+        </p:nvSpPr>
+        <p:spPr>
+          <a:xfrm>
+            <a:off x="3353946" y="2458197"/>
+            <a:ext cx="2742054" cy="2985165"/>
+          </a:xfrm>
+          <a:prstGeom prst="roundRect">
+            <a:avLst/>
+          </a:prstGeom>
+          <a:solidFill>
+            <a:schemeClr val="bg1"/>
+          </a:solidFill>
+          <a:ln w="28575">
+            <a:solidFill>
+              <a:schemeClr val="tx1"/>
+            </a:solidFill>
+          </a:ln>
+        </p:spPr>
+        <p:style>
+          <a:lnRef idx="2">
+            <a:schemeClr val="accent1">
+              <a:shade val="50000"/>
+            </a:schemeClr>
+          </a:lnRef>
+          <a:fillRef idx="1">
+            <a:schemeClr val="accent1"/>
+          </a:fillRef>
+          <a:effectRef idx="0">
+            <a:schemeClr val="accent1"/>
+          </a:effectRef>
+          <a:fontRef idx="minor">
+            <a:schemeClr val="lt1"/>
+          </a:fontRef>
+        </p:style>
+        <p:txBody>
+          <a:bodyPr rtlCol="0" anchor="ctr"/>
+          <a:lstStyle/>
+          <a:p>
+            <a:pPr algn="ctr"/>
+            <a:endParaRPr lang="zh-CN" altLang="en-US" dirty="0"/>
+          </a:p>
+        </p:txBody>
+      </p:sp>
+      <p:sp>
+        <p:nvSpPr>
+          <p:cNvPr id="7" name="矩形: 圆角 6">
+            <a:extLst>
+              <a:ext uri="{FF2B5EF4-FFF2-40B4-BE49-F238E27FC236}">
+                <a16:creationId xmlns:a16="http://schemas.microsoft.com/office/drawing/2014/main" id="{74DCF831-AB90-40C3-B2FB-4321105CC694}"/>
+              </a:ext>
+            </a:extLst>
+          </p:cNvPr>
+          <p:cNvSpPr/>
+          <p:nvPr/>
+        </p:nvSpPr>
+        <p:spPr>
+          <a:xfrm>
+            <a:off x="3434233" y="2605250"/>
+            <a:ext cx="2539126" cy="1652435"/>
+          </a:xfrm>
+          <a:prstGeom prst="roundRect">
+            <a:avLst/>
+          </a:prstGeom>
+          <a:noFill/>
+          <a:ln w="28575">
+            <a:solidFill>
+              <a:schemeClr val="tx1"/>
+            </a:solidFill>
+          </a:ln>
+        </p:spPr>
+        <p:style>
+          <a:lnRef idx="2">
+            <a:schemeClr val="accent1">
+              <a:shade val="50000"/>
+            </a:schemeClr>
+          </a:lnRef>
+          <a:fillRef idx="1">
+            <a:schemeClr val="accent1"/>
+          </a:fillRef>
+          <a:effectRef idx="0">
+            <a:schemeClr val="accent1"/>
+          </a:effectRef>
+          <a:fontRef idx="minor">
+            <a:schemeClr val="lt1"/>
+          </a:fontRef>
+        </p:style>
+        <p:txBody>
+          <a:bodyPr rtlCol="0" anchor="ctr"/>
+          <a:lstStyle/>
+          <a:p>
+            <a:pPr algn="ctr"/>
+            <a:endParaRPr lang="zh-CN" altLang="en-US"/>
+          </a:p>
+        </p:txBody>
+      </p:sp>
+      <p:sp>
+        <p:nvSpPr>
+          <p:cNvPr id="55" name="矩形: 圆角 54">
+            <a:extLst>
+              <a:ext uri="{FF2B5EF4-FFF2-40B4-BE49-F238E27FC236}">
+                <a16:creationId xmlns:a16="http://schemas.microsoft.com/office/drawing/2014/main" id="{663F1C3A-BE65-4CE7-A095-EF1B35823443}"/>
+              </a:ext>
+            </a:extLst>
+          </p:cNvPr>
+          <p:cNvSpPr/>
+          <p:nvPr/>
+        </p:nvSpPr>
+        <p:spPr>
+          <a:xfrm>
+            <a:off x="6667230" y="2427514"/>
+            <a:ext cx="2649782" cy="3086605"/>
+          </a:xfrm>
+          <a:prstGeom prst="roundRect">
+            <a:avLst/>
+          </a:prstGeom>
+          <a:solidFill>
+            <a:srgbClr val="FFFFFF"/>
+          </a:solidFill>
+          <a:ln w="28575">
+            <a:solidFill>
+              <a:schemeClr val="tx1"/>
+            </a:solidFill>
+          </a:ln>
+        </p:spPr>
+        <p:style>
+          <a:lnRef idx="2">
+            <a:schemeClr val="accent1">
+              <a:shade val="50000"/>
+            </a:schemeClr>
+          </a:lnRef>
+          <a:fillRef idx="1">
+            <a:schemeClr val="accent1"/>
+          </a:fillRef>
+          <a:effectRef idx="0">
+            <a:schemeClr val="accent1"/>
+          </a:effectRef>
+          <a:fontRef idx="minor">
+            <a:schemeClr val="lt1"/>
+          </a:fontRef>
+        </p:style>
+        <p:txBody>
+          <a:bodyPr rtlCol="0" anchor="ctr"/>
+          <a:lstStyle/>
+          <a:p>
+            <a:pPr algn="ctr"/>
+            <a:endParaRPr lang="zh-CN" altLang="en-US"/>
+          </a:p>
+        </p:txBody>
+      </p:sp>
+      <p:sp>
+        <p:nvSpPr>
+          <p:cNvPr id="30" name="矩形 29">
+            <a:extLst>
+              <a:ext uri="{FF2B5EF4-FFF2-40B4-BE49-F238E27FC236}">
+                <a16:creationId xmlns:a16="http://schemas.microsoft.com/office/drawing/2014/main" id="{483D6056-B6F1-466B-9130-9DE2E678A985}"/>
+              </a:ext>
+            </a:extLst>
+          </p:cNvPr>
+          <p:cNvSpPr/>
+          <p:nvPr/>
+        </p:nvSpPr>
+        <p:spPr>
+          <a:xfrm>
+            <a:off x="10232386" y="1115785"/>
+            <a:ext cx="898027" cy="4449494"/>
+          </a:xfrm>
+          <a:prstGeom prst="rect">
+            <a:avLst/>
+          </a:prstGeom>
+          <a:gradFill flip="none" rotWithShape="1">
+            <a:gsLst>
+              <a:gs pos="0">
+                <a:schemeClr val="accent5">
+                  <a:lumMod val="75000"/>
+                  <a:tint val="66000"/>
+                  <a:satMod val="160000"/>
+                </a:schemeClr>
+              </a:gs>
+              <a:gs pos="50000">
+                <a:schemeClr val="accent5">
+                  <a:lumMod val="75000"/>
+                  <a:tint val="44500"/>
+                  <a:satMod val="160000"/>
+                </a:schemeClr>
+              </a:gs>
+              <a:gs pos="100000">
+                <a:schemeClr val="accent5">
+                  <a:lumMod val="75000"/>
+                  <a:tint val="23500"/>
+                  <a:satMod val="160000"/>
+                </a:schemeClr>
+              </a:gs>
+            </a:gsLst>
+            <a:lin ang="13500000" scaled="1"/>
+            <a:tileRect/>
+          </a:gradFill>
+          <a:ln w="28575">
+            <a:solidFill>
+              <a:schemeClr val="tx1"/>
+            </a:solidFill>
+          </a:ln>
+          <a:effectLst>
+            <a:outerShdw blurRad="50800" dist="38100" dir="8100000" algn="tr" rotWithShape="0">
+              <a:prstClr val="black">
+                <a:alpha val="40000"/>
+              </a:prstClr>
+            </a:outerShdw>
+          </a:effectLst>
+        </p:spPr>
+        <p:style>
+          <a:lnRef idx="2">
+            <a:schemeClr val="accent1">
+              <a:shade val="50000"/>
+            </a:schemeClr>
+          </a:lnRef>
+          <a:fillRef idx="1">
+            <a:schemeClr val="accent1"/>
+          </a:fillRef>
+          <a:effectRef idx="0">
+            <a:schemeClr val="accent1"/>
+          </a:effectRef>
+          <a:fontRef idx="minor">
+            <a:schemeClr val="lt1"/>
+          </a:fontRef>
+        </p:style>
+        <p:txBody>
+          <a:bodyPr rtlCol="0" anchor="ctr"/>
+          <a:lstStyle/>
+          <a:p>
+            <a:pPr algn="ctr"/>
+            <a:endParaRPr lang="zh-CN" altLang="en-US"/>
+          </a:p>
+        </p:txBody>
+      </p:sp>
+      <p:grpSp>
+        <p:nvGrpSpPr>
+          <p:cNvPr id="11" name="组合 10">
+            <a:extLst>
+              <a:ext uri="{FF2B5EF4-FFF2-40B4-BE49-F238E27FC236}">
+                <a16:creationId xmlns:a16="http://schemas.microsoft.com/office/drawing/2014/main" id="{F876AC7D-EBD6-46D5-BECA-04B6EA859E90}"/>
+              </a:ext>
+            </a:extLst>
+          </p:cNvPr>
+          <p:cNvGrpSpPr/>
+          <p:nvPr/>
+        </p:nvGrpSpPr>
+        <p:grpSpPr>
+          <a:xfrm rot="5400000">
+            <a:off x="-660303" y="2954515"/>
+            <a:ext cx="4445226" cy="756879"/>
+            <a:chOff x="669851" y="834656"/>
+            <a:chExt cx="3232298" cy="600739"/>
+          </a:xfrm>
+          <a:gradFill flip="none" rotWithShape="1">
+            <a:gsLst>
+              <a:gs pos="0">
+                <a:schemeClr val="accent5">
+                  <a:lumMod val="75000"/>
+                  <a:tint val="66000"/>
+                  <a:satMod val="160000"/>
+                </a:schemeClr>
+              </a:gs>
+              <a:gs pos="50000">
+                <a:schemeClr val="accent5">
+                  <a:lumMod val="75000"/>
+                  <a:tint val="44500"/>
+                  <a:satMod val="160000"/>
+                </a:schemeClr>
+              </a:gs>
+              <a:gs pos="100000">
+                <a:schemeClr val="accent5">
+                  <a:lumMod val="75000"/>
+                  <a:tint val="23500"/>
+                  <a:satMod val="160000"/>
+                </a:schemeClr>
+              </a:gs>
+            </a:gsLst>
+            <a:lin ang="13500000" scaled="1"/>
+            <a:tileRect/>
+          </a:gradFill>
+          <a:effectLst>
+            <a:outerShdw blurRad="63500" sx="102000" sy="102000" algn="ctr" rotWithShape="0">
+              <a:prstClr val="black">
+                <a:alpha val="40000"/>
+              </a:prstClr>
+            </a:outerShdw>
+          </a:effectLst>
+        </p:grpSpPr>
+        <p:sp>
+          <p:nvSpPr>
+            <p:cNvPr id="4" name="矩形 3">
+              <a:extLst>
+                <a:ext uri="{FF2B5EF4-FFF2-40B4-BE49-F238E27FC236}">
+                  <a16:creationId xmlns:a16="http://schemas.microsoft.com/office/drawing/2014/main" id="{A2C709EA-5F84-4587-86FD-B37FD4D3A37A}"/>
+                </a:ext>
+              </a:extLst>
+            </p:cNvPr>
+            <p:cNvSpPr/>
+            <p:nvPr/>
+          </p:nvSpPr>
+          <p:spPr>
+            <a:xfrm>
+              <a:off x="669851" y="834656"/>
+              <a:ext cx="3232298" cy="600739"/>
+            </a:xfrm>
+            <a:prstGeom prst="rect">
+              <a:avLst/>
+            </a:prstGeom>
+            <a:grpFill/>
+            <a:ln w="28575">
+              <a:solidFill>
+                <a:schemeClr val="tx1"/>
+              </a:solidFill>
+            </a:ln>
+          </p:spPr>
+          <p:style>
+            <a:lnRef idx="2">
+              <a:schemeClr val="accent1">
+                <a:shade val="50000"/>
+              </a:schemeClr>
+            </a:lnRef>
+            <a:fillRef idx="1">
+              <a:schemeClr val="accent1"/>
+            </a:fillRef>
+            <a:effectRef idx="0">
+              <a:schemeClr val="accent1"/>
+            </a:effectRef>
+            <a:fontRef idx="minor">
+              <a:schemeClr val="lt1"/>
+            </a:fontRef>
+          </p:style>
+          <p:txBody>
+            <a:bodyPr rtlCol="0" anchor="ctr"/>
+            <a:lstStyle/>
+            <a:p>
+              <a:pPr algn="ctr"/>
+              <a:endParaRPr lang="zh-CN" altLang="en-US"/>
+            </a:p>
+          </p:txBody>
+        </p:sp>
+        <p:cxnSp>
+          <p:nvCxnSpPr>
+            <p:cNvPr id="6" name="直接连接符 5">
+              <a:extLst>
+                <a:ext uri="{FF2B5EF4-FFF2-40B4-BE49-F238E27FC236}">
+                  <a16:creationId xmlns:a16="http://schemas.microsoft.com/office/drawing/2014/main" id="{51A88500-772A-45E0-A2FE-3767E9EDCC6A}"/>
+                </a:ext>
+              </a:extLst>
+            </p:cNvPr>
+            <p:cNvCxnSpPr>
+              <a:cxnSpLocks/>
+            </p:cNvCxnSpPr>
+            <p:nvPr/>
+          </p:nvCxnSpPr>
+          <p:spPr>
+            <a:xfrm>
+              <a:off x="1339702" y="834656"/>
+              <a:ext cx="0" cy="600739"/>
+            </a:xfrm>
+            <a:prstGeom prst="line">
+              <a:avLst/>
+            </a:prstGeom>
+            <a:grpFill/>
+            <a:ln w="28575">
+              <a:solidFill>
+                <a:schemeClr val="tx1"/>
+              </a:solidFill>
+            </a:ln>
+          </p:spPr>
+          <p:style>
+            <a:lnRef idx="1">
+              <a:schemeClr val="accent1"/>
+            </a:lnRef>
+            <a:fillRef idx="0">
+              <a:schemeClr val="accent1"/>
+            </a:fillRef>
+            <a:effectRef idx="0">
+              <a:schemeClr val="accent1"/>
+            </a:effectRef>
+            <a:fontRef idx="minor">
+              <a:schemeClr val="tx1"/>
+            </a:fontRef>
+          </p:style>
+        </p:cxnSp>
+        <p:cxnSp>
+          <p:nvCxnSpPr>
+            <p:cNvPr id="8" name="直接连接符 7">
+              <a:extLst>
+                <a:ext uri="{FF2B5EF4-FFF2-40B4-BE49-F238E27FC236}">
+                  <a16:creationId xmlns:a16="http://schemas.microsoft.com/office/drawing/2014/main" id="{0F7A2D4C-9D68-42CB-ACCC-EBC48CB7CC78}"/>
+                </a:ext>
+              </a:extLst>
+            </p:cNvPr>
+            <p:cNvCxnSpPr>
+              <a:cxnSpLocks/>
+            </p:cNvCxnSpPr>
+            <p:nvPr/>
+          </p:nvCxnSpPr>
+          <p:spPr>
+            <a:xfrm>
+              <a:off x="1991832" y="834656"/>
+              <a:ext cx="0" cy="600739"/>
+            </a:xfrm>
+            <a:prstGeom prst="line">
+              <a:avLst/>
+            </a:prstGeom>
+            <a:grpFill/>
+            <a:ln w="28575">
+              <a:solidFill>
+                <a:schemeClr val="tx1"/>
+              </a:solidFill>
+            </a:ln>
+          </p:spPr>
+          <p:style>
+            <a:lnRef idx="1">
+              <a:schemeClr val="accent1"/>
+            </a:lnRef>
+            <a:fillRef idx="0">
+              <a:schemeClr val="accent1"/>
+            </a:fillRef>
+            <a:effectRef idx="0">
+              <a:schemeClr val="accent1"/>
+            </a:effectRef>
+            <a:fontRef idx="minor">
+              <a:schemeClr val="tx1"/>
+            </a:fontRef>
+          </p:style>
+        </p:cxnSp>
+        <p:cxnSp>
+          <p:nvCxnSpPr>
+            <p:cNvPr id="9" name="直接连接符 8">
+              <a:extLst>
+                <a:ext uri="{FF2B5EF4-FFF2-40B4-BE49-F238E27FC236}">
+                  <a16:creationId xmlns:a16="http://schemas.microsoft.com/office/drawing/2014/main" id="{AD82FF30-DD6F-4EAE-9302-366B11443C1F}"/>
+                </a:ext>
+              </a:extLst>
+            </p:cNvPr>
+            <p:cNvCxnSpPr>
+              <a:cxnSpLocks/>
+            </p:cNvCxnSpPr>
+            <p:nvPr/>
+          </p:nvCxnSpPr>
+          <p:spPr>
+            <a:xfrm>
+              <a:off x="2629786" y="834656"/>
+              <a:ext cx="0" cy="600739"/>
+            </a:xfrm>
+            <a:prstGeom prst="line">
+              <a:avLst/>
+            </a:prstGeom>
+            <a:grpFill/>
+            <a:ln w="28575">
+              <a:solidFill>
+                <a:schemeClr val="tx1"/>
+              </a:solidFill>
+            </a:ln>
+          </p:spPr>
+          <p:style>
+            <a:lnRef idx="1">
+              <a:schemeClr val="accent1"/>
+            </a:lnRef>
+            <a:fillRef idx="0">
+              <a:schemeClr val="accent1"/>
+            </a:fillRef>
+            <a:effectRef idx="0">
+              <a:schemeClr val="accent1"/>
+            </a:effectRef>
+            <a:fontRef idx="minor">
+              <a:schemeClr val="tx1"/>
+            </a:fontRef>
+          </p:style>
+        </p:cxnSp>
+        <p:cxnSp>
+          <p:nvCxnSpPr>
+            <p:cNvPr id="10" name="直接连接符 9">
+              <a:extLst>
+                <a:ext uri="{FF2B5EF4-FFF2-40B4-BE49-F238E27FC236}">
+                  <a16:creationId xmlns:a16="http://schemas.microsoft.com/office/drawing/2014/main" id="{3C8D578A-79B2-4ECC-91CE-5C251CC7790E}"/>
+                </a:ext>
+              </a:extLst>
+            </p:cNvPr>
+            <p:cNvCxnSpPr>
+              <a:cxnSpLocks/>
+            </p:cNvCxnSpPr>
+            <p:nvPr/>
+          </p:nvCxnSpPr>
+          <p:spPr>
+            <a:xfrm>
+              <a:off x="3262423" y="834656"/>
+              <a:ext cx="0" cy="600739"/>
+            </a:xfrm>
+            <a:prstGeom prst="line">
+              <a:avLst/>
+            </a:prstGeom>
+            <a:grpFill/>
+            <a:ln w="28575">
+              <a:solidFill>
+                <a:schemeClr val="tx1"/>
+              </a:solidFill>
+            </a:ln>
+          </p:spPr>
+          <p:style>
+            <a:lnRef idx="1">
+              <a:schemeClr val="accent1"/>
+            </a:lnRef>
+            <a:fillRef idx="0">
+              <a:schemeClr val="accent1"/>
+            </a:fillRef>
+            <a:effectRef idx="0">
+              <a:schemeClr val="accent1"/>
+            </a:effectRef>
+            <a:fontRef idx="minor">
+              <a:schemeClr val="tx1"/>
+            </a:fontRef>
+          </p:style>
+        </p:cxnSp>
+      </p:grpSp>
+      <p:sp>
+        <p:nvSpPr>
+          <p:cNvPr id="36" name="箭头: 下 35">
+            <a:extLst>
+              <a:ext uri="{FF2B5EF4-FFF2-40B4-BE49-F238E27FC236}">
+                <a16:creationId xmlns:a16="http://schemas.microsoft.com/office/drawing/2014/main" id="{42D8540F-F826-4ED0-9464-462908235CBB}"/>
+              </a:ext>
+            </a:extLst>
+          </p:cNvPr>
+          <p:cNvSpPr/>
+          <p:nvPr/>
+        </p:nvSpPr>
+        <p:spPr>
+          <a:xfrm rot="16200000">
+            <a:off x="9600068" y="3588863"/>
+            <a:ext cx="366824" cy="600739"/>
+          </a:xfrm>
+          <a:prstGeom prst="downArrow">
+            <a:avLst/>
+          </a:prstGeom>
+          <a:solidFill>
+            <a:schemeClr val="tx1"/>
+          </a:solidFill>
+          <a:ln w="28575">
+            <a:solidFill>
+              <a:schemeClr val="tx1"/>
+            </a:solidFill>
+          </a:ln>
+        </p:spPr>
+        <p:style>
+          <a:lnRef idx="2">
+            <a:schemeClr val="accent1">
+              <a:shade val="50000"/>
+            </a:schemeClr>
+          </a:lnRef>
+          <a:fillRef idx="1">
+            <a:schemeClr val="accent1"/>
+          </a:fillRef>
+          <a:effectRef idx="0">
+            <a:schemeClr val="accent1"/>
+          </a:effectRef>
+          <a:fontRef idx="minor">
+            <a:schemeClr val="lt1"/>
+          </a:fontRef>
+        </p:style>
+        <p:txBody>
+          <a:bodyPr rtlCol="0" anchor="ctr"/>
+          <a:lstStyle/>
+          <a:p>
+            <a:pPr algn="ctr"/>
+            <a:endParaRPr lang="zh-CN" altLang="en-US"/>
+          </a:p>
+        </p:txBody>
+      </p:sp>
+      <p:sp>
+        <p:nvSpPr>
+          <p:cNvPr id="13" name="矩形 12">
+            <a:extLst>
+              <a:ext uri="{FF2B5EF4-FFF2-40B4-BE49-F238E27FC236}">
+                <a16:creationId xmlns:a16="http://schemas.microsoft.com/office/drawing/2014/main" id="{C8581042-E19E-44FC-AE14-1F5658D27684}"/>
+              </a:ext>
+            </a:extLst>
+          </p:cNvPr>
+          <p:cNvSpPr/>
+          <p:nvPr/>
+        </p:nvSpPr>
+        <p:spPr>
+          <a:xfrm>
+            <a:off x="3341488" y="1495053"/>
+            <a:ext cx="5963066" cy="441477"/>
+          </a:xfrm>
+          <a:prstGeom prst="rect">
+            <a:avLst/>
+          </a:prstGeom>
+          <a:gradFill flip="none" rotWithShape="1">
+            <a:gsLst>
+              <a:gs pos="0">
+                <a:srgbClr val="C00000"/>
+              </a:gs>
+              <a:gs pos="50000">
+                <a:schemeClr val="accent1">
+                  <a:tint val="44500"/>
+                  <a:satMod val="160000"/>
+                </a:schemeClr>
+              </a:gs>
+              <a:gs pos="100000">
+                <a:srgbClr val="2F528F"/>
+              </a:gs>
+            </a:gsLst>
+            <a:lin ang="0" scaled="1"/>
+            <a:tileRect/>
+          </a:gradFill>
+          <a:ln w="28575">
+            <a:solidFill>
+              <a:schemeClr val="tx1"/>
+            </a:solidFill>
+          </a:ln>
+        </p:spPr>
+        <p:style>
+          <a:lnRef idx="2">
+            <a:schemeClr val="accent1">
+              <a:shade val="50000"/>
+            </a:schemeClr>
+          </a:lnRef>
+          <a:fillRef idx="1">
+            <a:schemeClr val="accent1"/>
+          </a:fillRef>
+          <a:effectRef idx="0">
+            <a:schemeClr val="accent1"/>
+          </a:effectRef>
+          <a:fontRef idx="minor">
+            <a:schemeClr val="lt1"/>
+          </a:fontRef>
+        </p:style>
+        <p:txBody>
+          <a:bodyPr rtlCol="0" anchor="ctr"/>
+          <a:lstStyle/>
+          <a:p>
+            <a:pPr algn="ctr"/>
+            <a:endParaRPr lang="zh-CN" altLang="en-US"/>
+          </a:p>
+        </p:txBody>
+      </p:sp>
+      <p:cxnSp>
+        <p:nvCxnSpPr>
+          <p:cNvPr id="15" name="直接连接符 14">
+            <a:extLst>
+              <a:ext uri="{FF2B5EF4-FFF2-40B4-BE49-F238E27FC236}">
+                <a16:creationId xmlns:a16="http://schemas.microsoft.com/office/drawing/2014/main" id="{66CAABC4-6DD8-4BA8-A767-EA4C211AC597}"/>
+              </a:ext>
+            </a:extLst>
+          </p:cNvPr>
+          <p:cNvCxnSpPr>
+            <a:cxnSpLocks/>
+          </p:cNvCxnSpPr>
+          <p:nvPr/>
+        </p:nvCxnSpPr>
+        <p:spPr>
+          <a:xfrm>
+            <a:off x="5146102" y="1495053"/>
+            <a:ext cx="0" cy="449293"/>
+          </a:xfrm>
+          <a:prstGeom prst="line">
+            <a:avLst/>
+          </a:prstGeom>
+          <a:noFill/>
+          <a:ln w="28575">
+            <a:solidFill>
+              <a:schemeClr val="tx1"/>
+            </a:solidFill>
+          </a:ln>
+        </p:spPr>
+        <p:style>
+          <a:lnRef idx="1">
+            <a:schemeClr val="accent1"/>
+          </a:lnRef>
+          <a:fillRef idx="0">
+            <a:schemeClr val="accent1"/>
+          </a:fillRef>
+          <a:effectRef idx="0">
+            <a:schemeClr val="accent1"/>
+          </a:effectRef>
+          <a:fontRef idx="minor">
+            <a:schemeClr val="tx1"/>
+          </a:fontRef>
+        </p:style>
+      </p:cxnSp>
+      <p:cxnSp>
+        <p:nvCxnSpPr>
+          <p:cNvPr id="17" name="直接连接符 16">
+            <a:extLst>
+              <a:ext uri="{FF2B5EF4-FFF2-40B4-BE49-F238E27FC236}">
+                <a16:creationId xmlns:a16="http://schemas.microsoft.com/office/drawing/2014/main" id="{6BBE0F13-CE90-450E-A94B-4E611F4B9D2E}"/>
+              </a:ext>
+            </a:extLst>
+          </p:cNvPr>
+          <p:cNvCxnSpPr>
+            <a:cxnSpLocks/>
+          </p:cNvCxnSpPr>
+          <p:nvPr/>
+        </p:nvCxnSpPr>
+        <p:spPr>
+          <a:xfrm>
+            <a:off x="7290715" y="1491145"/>
+            <a:ext cx="0" cy="449293"/>
+          </a:xfrm>
+          <a:prstGeom prst="line">
+            <a:avLst/>
+          </a:prstGeom>
+          <a:noFill/>
+          <a:ln w="28575">
+            <a:solidFill>
+              <a:schemeClr val="tx1"/>
+            </a:solidFill>
+          </a:ln>
+        </p:spPr>
+        <p:style>
+          <a:lnRef idx="1">
+            <a:schemeClr val="accent1"/>
+          </a:lnRef>
+          <a:fillRef idx="0">
+            <a:schemeClr val="accent1"/>
+          </a:fillRef>
+          <a:effectRef idx="0">
+            <a:schemeClr val="accent1"/>
+          </a:effectRef>
+          <a:fontRef idx="minor">
+            <a:schemeClr val="tx1"/>
+          </a:fontRef>
+        </p:style>
+      </p:cxnSp>
+      <p:cxnSp>
+        <p:nvCxnSpPr>
+          <p:cNvPr id="19" name="直接箭头连接符 18">
+            <a:extLst>
+              <a:ext uri="{FF2B5EF4-FFF2-40B4-BE49-F238E27FC236}">
+                <a16:creationId xmlns:a16="http://schemas.microsoft.com/office/drawing/2014/main" id="{B481D4C4-6C50-4997-B751-6CD16E6BC9FF}"/>
+              </a:ext>
+            </a:extLst>
+          </p:cNvPr>
+          <p:cNvCxnSpPr>
+            <a:cxnSpLocks/>
+          </p:cNvCxnSpPr>
+          <p:nvPr/>
+        </p:nvCxnSpPr>
+        <p:spPr>
+          <a:xfrm>
+            <a:off x="5146102" y="1616167"/>
+            <a:ext cx="284558" cy="0"/>
+          </a:xfrm>
+          <a:prstGeom prst="straightConnector1">
+            <a:avLst/>
+          </a:prstGeom>
+          <a:noFill/>
+          <a:ln w="28575">
+            <a:solidFill>
+              <a:schemeClr val="tx1"/>
+            </a:solidFill>
+            <a:tailEnd type="triangle"/>
+          </a:ln>
+        </p:spPr>
+        <p:style>
+          <a:lnRef idx="1">
+            <a:schemeClr val="accent1"/>
+          </a:lnRef>
+          <a:fillRef idx="0">
+            <a:schemeClr val="accent1"/>
+          </a:fillRef>
+          <a:effectRef idx="0">
+            <a:schemeClr val="accent1"/>
+          </a:effectRef>
+          <a:fontRef idx="minor">
+            <a:schemeClr val="tx1"/>
+          </a:fontRef>
+        </p:style>
+      </p:cxnSp>
+      <p:cxnSp>
+        <p:nvCxnSpPr>
+          <p:cNvPr id="20" name="直接箭头连接符 19">
+            <a:extLst>
+              <a:ext uri="{FF2B5EF4-FFF2-40B4-BE49-F238E27FC236}">
+                <a16:creationId xmlns:a16="http://schemas.microsoft.com/office/drawing/2014/main" id="{77C384DF-5158-43C2-A601-2DA101B2FCBF}"/>
+              </a:ext>
+            </a:extLst>
+          </p:cNvPr>
+          <p:cNvCxnSpPr>
+            <a:cxnSpLocks/>
+          </p:cNvCxnSpPr>
+          <p:nvPr/>
+        </p:nvCxnSpPr>
+        <p:spPr>
+          <a:xfrm>
+            <a:off x="7285811" y="1616167"/>
+            <a:ext cx="296829" cy="0"/>
+          </a:xfrm>
+          <a:prstGeom prst="straightConnector1">
+            <a:avLst/>
+          </a:prstGeom>
+          <a:noFill/>
+          <a:ln w="28575">
+            <a:solidFill>
+              <a:schemeClr val="tx1"/>
+            </a:solidFill>
+            <a:tailEnd type="triangle"/>
+          </a:ln>
+        </p:spPr>
+        <p:style>
+          <a:lnRef idx="1">
+            <a:schemeClr val="accent1"/>
+          </a:lnRef>
+          <a:fillRef idx="0">
+            <a:schemeClr val="accent1"/>
+          </a:fillRef>
+          <a:effectRef idx="0">
+            <a:schemeClr val="accent1"/>
+          </a:effectRef>
+          <a:fontRef idx="minor">
+            <a:schemeClr val="tx1"/>
+          </a:fontRef>
+        </p:style>
+      </p:cxnSp>
+      <p:cxnSp>
+        <p:nvCxnSpPr>
+          <p:cNvPr id="21" name="直接箭头连接符 20">
+            <a:extLst>
+              <a:ext uri="{FF2B5EF4-FFF2-40B4-BE49-F238E27FC236}">
+                <a16:creationId xmlns:a16="http://schemas.microsoft.com/office/drawing/2014/main" id="{33679C02-7042-4AE9-B694-5B4FADECE195}"/>
+              </a:ext>
+            </a:extLst>
+          </p:cNvPr>
+          <p:cNvCxnSpPr>
+            <a:cxnSpLocks/>
+          </p:cNvCxnSpPr>
+          <p:nvPr/>
+        </p:nvCxnSpPr>
+        <p:spPr>
+          <a:xfrm flipH="1">
+            <a:off x="4831946" y="1778954"/>
+            <a:ext cx="314156" cy="0"/>
+          </a:xfrm>
+          <a:prstGeom prst="straightConnector1">
+            <a:avLst/>
+          </a:prstGeom>
+          <a:noFill/>
+          <a:ln w="28575">
+            <a:solidFill>
+              <a:schemeClr val="tx1"/>
+            </a:solidFill>
+            <a:tailEnd type="triangle"/>
+          </a:ln>
+        </p:spPr>
+        <p:style>
+          <a:lnRef idx="1">
+            <a:schemeClr val="accent1"/>
+          </a:lnRef>
+          <a:fillRef idx="0">
+            <a:schemeClr val="accent1"/>
+          </a:fillRef>
+          <a:effectRef idx="0">
+            <a:schemeClr val="accent1"/>
+          </a:effectRef>
+          <a:fontRef idx="minor">
+            <a:schemeClr val="tx1"/>
+          </a:fontRef>
+        </p:style>
+      </p:cxnSp>
+      <p:cxnSp>
+        <p:nvCxnSpPr>
+          <p:cNvPr id="23" name="直接箭头连接符 22">
+            <a:extLst>
+              <a:ext uri="{FF2B5EF4-FFF2-40B4-BE49-F238E27FC236}">
+                <a16:creationId xmlns:a16="http://schemas.microsoft.com/office/drawing/2014/main" id="{38E7E5F0-6781-4F1D-AA5E-AA4BB95C0379}"/>
+              </a:ext>
+            </a:extLst>
+          </p:cNvPr>
+          <p:cNvCxnSpPr>
+            <a:cxnSpLocks/>
+          </p:cNvCxnSpPr>
+          <p:nvPr/>
+        </p:nvCxnSpPr>
+        <p:spPr>
+          <a:xfrm flipH="1">
+            <a:off x="7008643" y="1778954"/>
+            <a:ext cx="277168" cy="0"/>
+          </a:xfrm>
+          <a:prstGeom prst="straightConnector1">
+            <a:avLst/>
+          </a:prstGeom>
+          <a:noFill/>
+          <a:ln w="28575">
+            <a:solidFill>
+              <a:schemeClr val="tx1"/>
+            </a:solidFill>
+            <a:tailEnd type="triangle"/>
+          </a:ln>
+        </p:spPr>
+        <p:style>
+          <a:lnRef idx="1">
+            <a:schemeClr val="accent1"/>
+          </a:lnRef>
+          <a:fillRef idx="0">
+            <a:schemeClr val="accent1"/>
+          </a:fillRef>
+          <a:effectRef idx="0">
+            <a:schemeClr val="accent1"/>
+          </a:effectRef>
+          <a:fontRef idx="minor">
+            <a:schemeClr val="tx1"/>
+          </a:fontRef>
+        </p:style>
+      </p:cxnSp>
+      <p:sp>
+        <p:nvSpPr>
+          <p:cNvPr id="51" name="矩形 50">
+            <a:extLst>
+              <a:ext uri="{FF2B5EF4-FFF2-40B4-BE49-F238E27FC236}">
+                <a16:creationId xmlns:a16="http://schemas.microsoft.com/office/drawing/2014/main" id="{E4DF11A1-7747-40E5-BF2C-90E589ED4977}"/>
+              </a:ext>
+            </a:extLst>
+          </p:cNvPr>
+          <p:cNvSpPr/>
+          <p:nvPr/>
+        </p:nvSpPr>
+        <p:spPr>
+          <a:xfrm>
+            <a:off x="3581400" y="3615170"/>
+            <a:ext cx="2280738" cy="543409"/>
+          </a:xfrm>
+          <a:prstGeom prst="rect">
+            <a:avLst/>
+          </a:prstGeom>
+          <a:solidFill>
+            <a:schemeClr val="accent6">
+              <a:lumMod val="60000"/>
+              <a:lumOff val="40000"/>
+            </a:schemeClr>
+          </a:solidFill>
+          <a:ln w="28575">
+            <a:solidFill>
+              <a:schemeClr val="tx1"/>
+            </a:solidFill>
+          </a:ln>
+        </p:spPr>
+        <p:style>
+          <a:lnRef idx="2">
+            <a:schemeClr val="accent1">
+              <a:shade val="50000"/>
+            </a:schemeClr>
+          </a:lnRef>
+          <a:fillRef idx="1">
+            <a:schemeClr val="accent1"/>
+          </a:fillRef>
+          <a:effectRef idx="0">
+            <a:schemeClr val="accent1"/>
+          </a:effectRef>
+          <a:fontRef idx="minor">
+            <a:schemeClr val="lt1"/>
+          </a:fontRef>
+        </p:style>
+        <p:txBody>
+          <a:bodyPr rtlCol="0" anchor="ctr"/>
+          <a:lstStyle/>
+          <a:p>
+            <a:pPr algn="ctr"/>
+            <a:r>
+              <a:rPr lang="en-US" altLang="zh-CN" sz="1600" b="1" dirty="0">
+                <a:solidFill>
+                  <a:schemeClr val="tx1"/>
+                </a:solidFill>
+              </a:rPr>
+              <a:t>Compression Algorithm Assignment</a:t>
+            </a:r>
+            <a:endParaRPr lang="zh-CN" altLang="en-US" sz="1600" b="1" dirty="0">
+              <a:solidFill>
+                <a:schemeClr val="tx1"/>
+              </a:solidFill>
+            </a:endParaRPr>
+          </a:p>
+        </p:txBody>
+      </p:sp>
+      <p:sp>
+        <p:nvSpPr>
+          <p:cNvPr id="52" name="矩形 51">
+            <a:extLst>
+              <a:ext uri="{FF2B5EF4-FFF2-40B4-BE49-F238E27FC236}">
+                <a16:creationId xmlns:a16="http://schemas.microsoft.com/office/drawing/2014/main" id="{B6DA4D08-3602-4D4D-9176-DAA38190588B}"/>
+              </a:ext>
+            </a:extLst>
+          </p:cNvPr>
+          <p:cNvSpPr/>
+          <p:nvPr/>
+        </p:nvSpPr>
+        <p:spPr>
+          <a:xfrm>
+            <a:off x="3645507" y="2713525"/>
+            <a:ext cx="2131308" cy="530297"/>
+          </a:xfrm>
+          <a:prstGeom prst="rect">
+            <a:avLst/>
+          </a:prstGeom>
+          <a:gradFill flip="none" rotWithShape="1">
+            <a:gsLst>
+              <a:gs pos="0">
+                <a:schemeClr val="accent1">
+                  <a:lumMod val="60000"/>
+                  <a:lumOff val="40000"/>
+                  <a:tint val="66000"/>
+                  <a:satMod val="160000"/>
+                </a:schemeClr>
+              </a:gs>
+              <a:gs pos="50000">
+                <a:schemeClr val="accent1">
+                  <a:lumMod val="60000"/>
+                  <a:lumOff val="40000"/>
+                  <a:tint val="44500"/>
+                  <a:satMod val="160000"/>
+                </a:schemeClr>
+              </a:gs>
+              <a:gs pos="100000">
+                <a:schemeClr val="accent1">
+                  <a:lumMod val="60000"/>
+                  <a:lumOff val="40000"/>
+                  <a:tint val="23500"/>
+                  <a:satMod val="160000"/>
+                </a:schemeClr>
+              </a:gs>
+            </a:gsLst>
+            <a:lin ang="0" scaled="1"/>
+            <a:tileRect/>
+          </a:gradFill>
+          <a:ln w="28575">
+            <a:solidFill>
+              <a:schemeClr val="tx1"/>
+            </a:solidFill>
+          </a:ln>
+        </p:spPr>
+        <p:style>
+          <a:lnRef idx="2">
+            <a:schemeClr val="accent1">
+              <a:shade val="50000"/>
+            </a:schemeClr>
+          </a:lnRef>
+          <a:fillRef idx="1">
+            <a:schemeClr val="accent1"/>
+          </a:fillRef>
+          <a:effectRef idx="0">
+            <a:schemeClr val="accent1"/>
+          </a:effectRef>
+          <a:fontRef idx="minor">
+            <a:schemeClr val="lt1"/>
+          </a:fontRef>
+        </p:style>
+        <p:txBody>
+          <a:bodyPr rtlCol="0" anchor="ctr"/>
+          <a:lstStyle/>
+          <a:p>
+            <a:pPr algn="ctr"/>
+            <a:r>
+              <a:rPr lang="en-US" altLang="zh-CN" sz="1600" b="1" dirty="0">
+                <a:solidFill>
+                  <a:schemeClr val="tx1"/>
+                </a:solidFill>
+              </a:rPr>
+              <a:t>Compressibility Test</a:t>
+            </a:r>
+            <a:endParaRPr lang="zh-CN" altLang="en-US" sz="1600" b="1" dirty="0">
+              <a:solidFill>
+                <a:schemeClr val="tx1"/>
+              </a:solidFill>
+            </a:endParaRPr>
+          </a:p>
+        </p:txBody>
+      </p:sp>
+      <p:sp>
+        <p:nvSpPr>
+          <p:cNvPr id="54" name="文本框 53">
+            <a:extLst>
+              <a:ext uri="{FF2B5EF4-FFF2-40B4-BE49-F238E27FC236}">
+                <a16:creationId xmlns:a16="http://schemas.microsoft.com/office/drawing/2014/main" id="{166F2771-202C-44FB-BE05-4CF56E16A870}"/>
+              </a:ext>
+            </a:extLst>
+          </p:cNvPr>
+          <p:cNvSpPr txBox="1"/>
+          <p:nvPr/>
+        </p:nvSpPr>
+        <p:spPr>
+          <a:xfrm>
+            <a:off x="6015842" y="3777010"/>
+            <a:ext cx="747742" cy="230832"/>
+          </a:xfrm>
+          <a:prstGeom prst="rect">
+            <a:avLst/>
+          </a:prstGeom>
+          <a:noFill/>
+          <a:ln>
+            <a:noFill/>
+          </a:ln>
+        </p:spPr>
+        <p:txBody>
+          <a:bodyPr wrap="square" rtlCol="0">
+            <a:spAutoFit/>
+          </a:bodyPr>
+          <a:lstStyle/>
+          <a:p>
+            <a:pPr algn="ctr"/>
+            <a:r>
+              <a:rPr lang="en-US" altLang="zh-CN" sz="900" b="1" dirty="0" err="1"/>
+              <a:t>MetaData</a:t>
+            </a:r>
+            <a:endParaRPr lang="zh-CN" altLang="en-US" sz="900" b="1" dirty="0"/>
+          </a:p>
+        </p:txBody>
+      </p:sp>
+      <p:sp>
+        <p:nvSpPr>
+          <p:cNvPr id="56" name="箭头: 下 55">
+            <a:extLst>
+              <a:ext uri="{FF2B5EF4-FFF2-40B4-BE49-F238E27FC236}">
+                <a16:creationId xmlns:a16="http://schemas.microsoft.com/office/drawing/2014/main" id="{0AF865AA-49BC-46CC-BC93-159E6804BEB6}"/>
+              </a:ext>
+            </a:extLst>
+          </p:cNvPr>
+          <p:cNvSpPr/>
+          <p:nvPr/>
+        </p:nvSpPr>
+        <p:spPr>
+          <a:xfrm>
+            <a:off x="4656470" y="4357790"/>
+            <a:ext cx="132907" cy="300371"/>
+          </a:xfrm>
+          <a:prstGeom prst="downArrow">
+            <a:avLst/>
+          </a:prstGeom>
+          <a:solidFill>
+            <a:schemeClr val="tx1"/>
+          </a:solidFill>
+          <a:ln w="28575">
+            <a:solidFill>
+              <a:schemeClr val="tx1"/>
+            </a:solidFill>
+          </a:ln>
+        </p:spPr>
+        <p:style>
+          <a:lnRef idx="2">
+            <a:schemeClr val="accent1">
+              <a:shade val="50000"/>
+            </a:schemeClr>
+          </a:lnRef>
+          <a:fillRef idx="1">
+            <a:schemeClr val="accent1"/>
+          </a:fillRef>
+          <a:effectRef idx="0">
+            <a:schemeClr val="accent1"/>
+          </a:effectRef>
+          <a:fontRef idx="minor">
+            <a:schemeClr val="lt1"/>
+          </a:fontRef>
+        </p:style>
+        <p:txBody>
+          <a:bodyPr rtlCol="0" anchor="ctr"/>
+          <a:lstStyle/>
+          <a:p>
+            <a:pPr algn="ctr"/>
+            <a:endParaRPr lang="zh-CN" altLang="en-US"/>
+          </a:p>
+        </p:txBody>
+      </p:sp>
+      <p:sp>
+        <p:nvSpPr>
+          <p:cNvPr id="57" name="箭头: 下 56">
+            <a:extLst>
+              <a:ext uri="{FF2B5EF4-FFF2-40B4-BE49-F238E27FC236}">
+                <a16:creationId xmlns:a16="http://schemas.microsoft.com/office/drawing/2014/main" id="{B22FBB97-FF5B-458B-8EEC-89B6E53B1FFC}"/>
+              </a:ext>
+            </a:extLst>
+          </p:cNvPr>
+          <p:cNvSpPr/>
+          <p:nvPr/>
+        </p:nvSpPr>
+        <p:spPr>
+          <a:xfrm>
+            <a:off x="4656470" y="3289114"/>
+            <a:ext cx="132907" cy="300371"/>
+          </a:xfrm>
+          <a:prstGeom prst="downArrow">
+            <a:avLst/>
+          </a:prstGeom>
+          <a:solidFill>
+            <a:schemeClr val="tx1"/>
+          </a:solidFill>
+          <a:ln w="28575">
+            <a:solidFill>
+              <a:schemeClr val="tx1"/>
+            </a:solidFill>
+          </a:ln>
+        </p:spPr>
+        <p:style>
+          <a:lnRef idx="2">
+            <a:schemeClr val="accent1">
+              <a:shade val="50000"/>
+            </a:schemeClr>
+          </a:lnRef>
+          <a:fillRef idx="1">
+            <a:schemeClr val="accent1"/>
+          </a:fillRef>
+          <a:effectRef idx="0">
+            <a:schemeClr val="accent1"/>
+          </a:effectRef>
+          <a:fontRef idx="minor">
+            <a:schemeClr val="lt1"/>
+          </a:fontRef>
+        </p:style>
+        <p:txBody>
+          <a:bodyPr rtlCol="0" anchor="ctr"/>
+          <a:lstStyle/>
+          <a:p>
+            <a:pPr algn="ctr"/>
+            <a:endParaRPr lang="zh-CN" altLang="en-US"/>
+          </a:p>
+        </p:txBody>
+      </p:sp>
+      <p:sp>
+        <p:nvSpPr>
+          <p:cNvPr id="58" name="矩形: 圆角 57">
+            <a:extLst>
+              <a:ext uri="{FF2B5EF4-FFF2-40B4-BE49-F238E27FC236}">
+                <a16:creationId xmlns:a16="http://schemas.microsoft.com/office/drawing/2014/main" id="{68BA5FCE-77CC-41A0-9411-38FCFCD5031F}"/>
+              </a:ext>
+            </a:extLst>
+          </p:cNvPr>
+          <p:cNvSpPr/>
+          <p:nvPr/>
+        </p:nvSpPr>
+        <p:spPr>
+          <a:xfrm>
+            <a:off x="6808974" y="2565479"/>
+            <a:ext cx="2363751" cy="554486"/>
+          </a:xfrm>
+          <a:prstGeom prst="roundRect">
+            <a:avLst/>
+          </a:prstGeom>
+          <a:solidFill>
+            <a:schemeClr val="accent6">
+              <a:lumMod val="60000"/>
+              <a:lumOff val="40000"/>
+            </a:schemeClr>
+          </a:solidFill>
+          <a:ln w="28575">
+            <a:solidFill>
+              <a:schemeClr val="tx1"/>
+            </a:solidFill>
+          </a:ln>
+        </p:spPr>
+        <p:style>
+          <a:lnRef idx="2">
+            <a:schemeClr val="accent1">
+              <a:shade val="50000"/>
+            </a:schemeClr>
+          </a:lnRef>
+          <a:fillRef idx="1">
+            <a:schemeClr val="accent1"/>
+          </a:fillRef>
+          <a:effectRef idx="0">
+            <a:schemeClr val="accent1"/>
+          </a:effectRef>
+          <a:fontRef idx="minor">
+            <a:schemeClr val="lt1"/>
+          </a:fontRef>
+        </p:style>
+        <p:txBody>
+          <a:bodyPr rtlCol="0" anchor="ctr"/>
+          <a:lstStyle/>
+          <a:p>
+            <a:pPr algn="ctr"/>
+            <a:r>
+              <a:rPr lang="en-US" altLang="zh-CN" sz="1600" b="1" dirty="0">
+                <a:solidFill>
+                  <a:schemeClr val="tx1"/>
+                </a:solidFill>
+              </a:rPr>
+              <a:t>Benefit Calculator</a:t>
+            </a:r>
+            <a:endParaRPr lang="zh-CN" altLang="en-US" sz="1600" b="1" dirty="0">
+              <a:solidFill>
+                <a:schemeClr val="tx1"/>
+              </a:solidFill>
+            </a:endParaRPr>
+          </a:p>
+        </p:txBody>
+      </p:sp>
+      <p:sp>
+        <p:nvSpPr>
+          <p:cNvPr id="59" name="箭头: 下 58">
+            <a:extLst>
+              <a:ext uri="{FF2B5EF4-FFF2-40B4-BE49-F238E27FC236}">
+                <a16:creationId xmlns:a16="http://schemas.microsoft.com/office/drawing/2014/main" id="{99048D83-8100-4087-8F86-36821468E5D1}"/>
+              </a:ext>
+            </a:extLst>
+          </p:cNvPr>
+          <p:cNvSpPr/>
+          <p:nvPr/>
+        </p:nvSpPr>
+        <p:spPr>
+          <a:xfrm>
+            <a:off x="7926965" y="3183101"/>
+            <a:ext cx="151902" cy="229435"/>
+          </a:xfrm>
+          <a:prstGeom prst="downArrow">
+            <a:avLst/>
+          </a:prstGeom>
+          <a:solidFill>
+            <a:schemeClr val="tx1"/>
+          </a:solidFill>
+          <a:ln w="28575">
+            <a:solidFill>
+              <a:schemeClr val="tx1"/>
+            </a:solidFill>
+          </a:ln>
+        </p:spPr>
+        <p:style>
+          <a:lnRef idx="2">
+            <a:schemeClr val="accent1">
+              <a:shade val="50000"/>
+            </a:schemeClr>
+          </a:lnRef>
+          <a:fillRef idx="1">
+            <a:schemeClr val="accent1"/>
+          </a:fillRef>
+          <a:effectRef idx="0">
+            <a:schemeClr val="accent1"/>
+          </a:effectRef>
+          <a:fontRef idx="minor">
+            <a:schemeClr val="lt1"/>
+          </a:fontRef>
+        </p:style>
+        <p:txBody>
+          <a:bodyPr rtlCol="0" anchor="ctr"/>
+          <a:lstStyle/>
+          <a:p>
+            <a:pPr algn="ctr"/>
+            <a:endParaRPr lang="zh-CN" altLang="en-US"/>
+          </a:p>
+        </p:txBody>
+      </p:sp>
+      <p:sp>
+        <p:nvSpPr>
+          <p:cNvPr id="60" name="矩形: 圆角 59">
+            <a:extLst>
+              <a:ext uri="{FF2B5EF4-FFF2-40B4-BE49-F238E27FC236}">
+                <a16:creationId xmlns:a16="http://schemas.microsoft.com/office/drawing/2014/main" id="{4778E4BC-6A34-477B-B739-29F7ED1E4172}"/>
+              </a:ext>
+            </a:extLst>
+          </p:cNvPr>
+          <p:cNvSpPr/>
+          <p:nvPr/>
+        </p:nvSpPr>
+        <p:spPr>
+          <a:xfrm>
+            <a:off x="6844620" y="3482230"/>
+            <a:ext cx="2352459" cy="1961132"/>
+          </a:xfrm>
+          <a:prstGeom prst="roundRect">
+            <a:avLst/>
+          </a:prstGeom>
+          <a:gradFill flip="none" rotWithShape="1">
+            <a:gsLst>
+              <a:gs pos="0">
+                <a:srgbClr val="778FC0">
+                  <a:tint val="66000"/>
+                  <a:satMod val="160000"/>
+                </a:srgbClr>
+              </a:gs>
+              <a:gs pos="50000">
+                <a:srgbClr val="778FC0">
+                  <a:tint val="44500"/>
+                  <a:satMod val="160000"/>
+                </a:srgbClr>
+              </a:gs>
+              <a:gs pos="100000">
+                <a:srgbClr val="778FC0">
+                  <a:tint val="23500"/>
+                  <a:satMod val="160000"/>
+                </a:srgbClr>
+              </a:gs>
+            </a:gsLst>
+            <a:lin ang="8100000" scaled="1"/>
+            <a:tileRect/>
+          </a:gradFill>
+          <a:ln w="28575">
+            <a:solidFill>
+              <a:schemeClr val="tx1"/>
+            </a:solidFill>
+          </a:ln>
+        </p:spPr>
+        <p:style>
+          <a:lnRef idx="2">
+            <a:schemeClr val="accent1">
+              <a:shade val="50000"/>
+            </a:schemeClr>
+          </a:lnRef>
+          <a:fillRef idx="1">
+            <a:schemeClr val="accent1"/>
+          </a:fillRef>
+          <a:effectRef idx="0">
+            <a:schemeClr val="accent1"/>
+          </a:effectRef>
+          <a:fontRef idx="minor">
+            <a:schemeClr val="lt1"/>
+          </a:fontRef>
+        </p:style>
+        <p:txBody>
+          <a:bodyPr rtlCol="0" anchor="ctr"/>
+          <a:lstStyle/>
+          <a:p>
+            <a:pPr algn="ctr"/>
+            <a:endParaRPr lang="zh-CN" altLang="en-US"/>
+          </a:p>
+        </p:txBody>
+      </p:sp>
+      <p:cxnSp>
+        <p:nvCxnSpPr>
+          <p:cNvPr id="62" name="直接连接符 61">
+            <a:extLst>
+              <a:ext uri="{FF2B5EF4-FFF2-40B4-BE49-F238E27FC236}">
+                <a16:creationId xmlns:a16="http://schemas.microsoft.com/office/drawing/2014/main" id="{F023D320-ACC7-46BB-BFF5-9436AC9B4911}"/>
+              </a:ext>
+            </a:extLst>
+          </p:cNvPr>
+          <p:cNvCxnSpPr>
+            <a:cxnSpLocks/>
+          </p:cNvCxnSpPr>
+          <p:nvPr/>
+        </p:nvCxnSpPr>
+        <p:spPr>
+          <a:xfrm>
+            <a:off x="6844620" y="4411239"/>
+            <a:ext cx="2352459" cy="0"/>
+          </a:xfrm>
+          <a:prstGeom prst="line">
+            <a:avLst/>
+          </a:prstGeom>
+          <a:ln w="28575">
+            <a:solidFill>
+              <a:schemeClr val="tx1"/>
+            </a:solidFill>
+          </a:ln>
+        </p:spPr>
+        <p:style>
+          <a:lnRef idx="1">
+            <a:schemeClr val="accent1"/>
+          </a:lnRef>
+          <a:fillRef idx="0">
+            <a:schemeClr val="accent1"/>
+          </a:fillRef>
+          <a:effectRef idx="0">
+            <a:schemeClr val="accent1"/>
+          </a:effectRef>
+          <a:fontRef idx="minor">
+            <a:schemeClr val="tx1"/>
+          </a:fontRef>
+        </p:style>
+      </p:cxnSp>
+      <p:sp>
+        <p:nvSpPr>
+          <p:cNvPr id="66" name="箭头: 下 65">
+            <a:extLst>
+              <a:ext uri="{FF2B5EF4-FFF2-40B4-BE49-F238E27FC236}">
+                <a16:creationId xmlns:a16="http://schemas.microsoft.com/office/drawing/2014/main" id="{8994D433-A650-40C7-AF37-3FC09DFD1EF2}"/>
+              </a:ext>
+            </a:extLst>
+          </p:cNvPr>
+          <p:cNvSpPr/>
+          <p:nvPr/>
+        </p:nvSpPr>
+        <p:spPr>
+          <a:xfrm rot="16200000">
+            <a:off x="7862369" y="3842870"/>
+            <a:ext cx="217963" cy="578686"/>
+          </a:xfrm>
+          <a:prstGeom prst="downArrow">
+            <a:avLst/>
+          </a:prstGeom>
+          <a:solidFill>
+            <a:schemeClr val="tx1"/>
+          </a:solidFill>
+          <a:ln w="28575">
+            <a:solidFill>
+              <a:schemeClr val="tx1"/>
+            </a:solidFill>
+          </a:ln>
+        </p:spPr>
+        <p:style>
+          <a:lnRef idx="2">
+            <a:schemeClr val="accent1">
+              <a:shade val="50000"/>
+            </a:schemeClr>
+          </a:lnRef>
+          <a:fillRef idx="1">
+            <a:schemeClr val="accent1"/>
+          </a:fillRef>
+          <a:effectRef idx="0">
+            <a:schemeClr val="accent1"/>
+          </a:effectRef>
+          <a:fontRef idx="minor">
+            <a:schemeClr val="lt1"/>
+          </a:fontRef>
+        </p:style>
+        <p:txBody>
+          <a:bodyPr rtlCol="0" anchor="ctr"/>
+          <a:lstStyle/>
+          <a:p>
+            <a:pPr algn="ctr"/>
+            <a:endParaRPr lang="zh-CN" altLang="en-US"/>
+          </a:p>
+        </p:txBody>
+      </p:sp>
+      <p:pic>
+        <p:nvPicPr>
+          <p:cNvPr id="3" name="图形 2" descr="文档 纯色填充">
+            <a:extLst>
+              <a:ext uri="{FF2B5EF4-FFF2-40B4-BE49-F238E27FC236}">
+                <a16:creationId xmlns:a16="http://schemas.microsoft.com/office/drawing/2014/main" id="{94F022C7-48F9-4EFC-A646-B64BA679F542}"/>
+              </a:ext>
+            </a:extLst>
+          </p:cNvPr>
+          <p:cNvPicPr>
+            <a:picLocks noChangeAspect="1"/>
+          </p:cNvPicPr>
+          <p:nvPr/>
+        </p:nvPicPr>
+        <p:blipFill>
+          <a:blip r:embed="rId2">
+            <a:extLst>
+              <a:ext uri="{28A0092B-C50C-407E-A947-70E740481C1C}">
+                <a14:useLocalDpi xmlns:a14="http://schemas.microsoft.com/office/drawing/2010/main" val="0"/>
+              </a:ext>
+              <a:ext uri="{96DAC541-7B7A-43D3-8B79-37D633B846F1}">
+                <asvg:svgBlip xmlns:asvg="http://schemas.microsoft.com/office/drawing/2016/SVG/main" r:embed="rId3"/>
+              </a:ext>
+            </a:extLst>
+          </a:blip>
+          <a:stretch>
+            <a:fillRect/>
+          </a:stretch>
+        </p:blipFill>
+        <p:spPr>
+          <a:xfrm>
+            <a:off x="7021102" y="3819523"/>
+            <a:ext cx="575938" cy="575938"/>
+          </a:xfrm>
+          <a:prstGeom prst="rect">
+            <a:avLst/>
+          </a:prstGeom>
+        </p:spPr>
+      </p:pic>
+      <p:pic>
+        <p:nvPicPr>
+          <p:cNvPr id="53" name="图形 52" descr="文档 纯色填充">
+            <a:extLst>
+              <a:ext uri="{FF2B5EF4-FFF2-40B4-BE49-F238E27FC236}">
+                <a16:creationId xmlns:a16="http://schemas.microsoft.com/office/drawing/2014/main" id="{38274FC5-89BF-41A2-B464-DA9B40C66BD1}"/>
+              </a:ext>
+            </a:extLst>
+          </p:cNvPr>
+          <p:cNvPicPr>
+            <a:picLocks noChangeAspect="1"/>
+          </p:cNvPicPr>
+          <p:nvPr/>
+        </p:nvPicPr>
+        <p:blipFill>
+          <a:blip r:embed="rId2">
+            <a:extLst>
+              <a:ext uri="{28A0092B-C50C-407E-A947-70E740481C1C}">
+                <a14:useLocalDpi xmlns:a14="http://schemas.microsoft.com/office/drawing/2010/main" val="0"/>
+              </a:ext>
+              <a:ext uri="{96DAC541-7B7A-43D3-8B79-37D633B846F1}">
+                <asvg:svgBlip xmlns:asvg="http://schemas.microsoft.com/office/drawing/2016/SVG/main" r:embed="rId3"/>
+              </a:ext>
+            </a:extLst>
+          </a:blip>
+          <a:stretch>
+            <a:fillRect/>
+          </a:stretch>
+        </p:blipFill>
+        <p:spPr>
+          <a:xfrm>
+            <a:off x="8345661" y="3825925"/>
+            <a:ext cx="575938" cy="575938"/>
+          </a:xfrm>
+          <a:prstGeom prst="rect">
+            <a:avLst/>
+          </a:prstGeom>
+        </p:spPr>
+      </p:pic>
+      <p:sp>
+        <p:nvSpPr>
+          <p:cNvPr id="18" name="矩形 17">
+            <a:extLst>
+              <a:ext uri="{FF2B5EF4-FFF2-40B4-BE49-F238E27FC236}">
+                <a16:creationId xmlns:a16="http://schemas.microsoft.com/office/drawing/2014/main" id="{9007B491-B1FB-4F4D-A11E-31516131E548}"/>
+              </a:ext>
+            </a:extLst>
+          </p:cNvPr>
+          <p:cNvSpPr/>
+          <p:nvPr/>
+        </p:nvSpPr>
+        <p:spPr>
+          <a:xfrm rot="16200000">
+            <a:off x="7046080" y="4951309"/>
+            <a:ext cx="588382" cy="250694"/>
+          </a:xfrm>
+          <a:prstGeom prst="rect">
+            <a:avLst/>
+          </a:prstGeom>
+          <a:noFill/>
+          <a:ln w="19050">
+            <a:solidFill>
+              <a:schemeClr val="tx1"/>
+            </a:solidFill>
+          </a:ln>
+        </p:spPr>
+        <p:style>
+          <a:lnRef idx="2">
+            <a:schemeClr val="accent1">
+              <a:shade val="50000"/>
+            </a:schemeClr>
+          </a:lnRef>
+          <a:fillRef idx="1">
+            <a:schemeClr val="accent1"/>
+          </a:fillRef>
+          <a:effectRef idx="0">
+            <a:schemeClr val="accent1"/>
+          </a:effectRef>
+          <a:fontRef idx="minor">
+            <a:schemeClr val="lt1"/>
+          </a:fontRef>
+        </p:style>
+        <p:txBody>
+          <a:bodyPr rtlCol="0" anchor="ctr"/>
+          <a:lstStyle/>
+          <a:p>
+            <a:pPr algn="ctr"/>
+            <a:r>
+              <a:rPr lang="en-US" altLang="zh-CN" sz="800" b="1" dirty="0">
+                <a:solidFill>
+                  <a:schemeClr val="tx1"/>
+                </a:solidFill>
+                <a:latin typeface="微软雅黑" panose="020B0503020204020204" pitchFamily="34" charset="-122"/>
+                <a:ea typeface="微软雅黑" panose="020B0503020204020204" pitchFamily="34" charset="-122"/>
+              </a:rPr>
+              <a:t>None</a:t>
+            </a:r>
+            <a:endParaRPr lang="zh-CN" altLang="en-US" sz="800" b="1" dirty="0">
+              <a:solidFill>
+                <a:schemeClr val="tx1"/>
+              </a:solidFill>
+              <a:latin typeface="微软雅黑" panose="020B0503020204020204" pitchFamily="34" charset="-122"/>
+              <a:ea typeface="微软雅黑" panose="020B0503020204020204" pitchFamily="34" charset="-122"/>
+            </a:endParaRPr>
+          </a:p>
+        </p:txBody>
+      </p:sp>
+      <p:sp>
+        <p:nvSpPr>
+          <p:cNvPr id="74" name="矩形 73">
+            <a:extLst>
+              <a:ext uri="{FF2B5EF4-FFF2-40B4-BE49-F238E27FC236}">
+                <a16:creationId xmlns:a16="http://schemas.microsoft.com/office/drawing/2014/main" id="{1468A3E2-0029-4258-A5E8-B6E3F08BDE6C}"/>
+              </a:ext>
+            </a:extLst>
+          </p:cNvPr>
+          <p:cNvSpPr/>
+          <p:nvPr/>
+        </p:nvSpPr>
+        <p:spPr>
+          <a:xfrm rot="16200000">
+            <a:off x="7298462" y="4948863"/>
+            <a:ext cx="593275" cy="250695"/>
+          </a:xfrm>
+          <a:prstGeom prst="rect">
+            <a:avLst/>
+          </a:prstGeom>
+          <a:noFill/>
+          <a:ln w="19050">
+            <a:solidFill>
+              <a:schemeClr val="tx1"/>
+            </a:solidFill>
+          </a:ln>
+        </p:spPr>
+        <p:style>
+          <a:lnRef idx="2">
+            <a:schemeClr val="accent1">
+              <a:shade val="50000"/>
+            </a:schemeClr>
+          </a:lnRef>
+          <a:fillRef idx="1">
+            <a:schemeClr val="accent1"/>
+          </a:fillRef>
+          <a:effectRef idx="0">
+            <a:schemeClr val="accent1"/>
+          </a:effectRef>
+          <a:fontRef idx="minor">
+            <a:schemeClr val="lt1"/>
+          </a:fontRef>
+        </p:style>
+        <p:txBody>
+          <a:bodyPr rtlCol="0" anchor="ctr"/>
+          <a:lstStyle/>
+          <a:p>
+            <a:pPr algn="ctr"/>
+            <a:r>
+              <a:rPr lang="en-US" altLang="zh-CN" sz="800" b="1" dirty="0">
+                <a:solidFill>
+                  <a:schemeClr val="tx1"/>
+                </a:solidFill>
+                <a:latin typeface="微软雅黑" panose="020B0503020204020204" pitchFamily="34" charset="-122"/>
+                <a:ea typeface="微软雅黑" panose="020B0503020204020204" pitchFamily="34" charset="-122"/>
+              </a:rPr>
+              <a:t>LZ4</a:t>
+            </a:r>
+            <a:endParaRPr lang="zh-CN" altLang="en-US" sz="800" b="1" dirty="0">
+              <a:solidFill>
+                <a:schemeClr val="tx1"/>
+              </a:solidFill>
+              <a:latin typeface="微软雅黑" panose="020B0503020204020204" pitchFamily="34" charset="-122"/>
+              <a:ea typeface="微软雅黑" panose="020B0503020204020204" pitchFamily="34" charset="-122"/>
+            </a:endParaRPr>
+          </a:p>
+        </p:txBody>
+      </p:sp>
+      <p:sp>
+        <p:nvSpPr>
+          <p:cNvPr id="75" name="矩形 74">
+            <a:extLst>
+              <a:ext uri="{FF2B5EF4-FFF2-40B4-BE49-F238E27FC236}">
+                <a16:creationId xmlns:a16="http://schemas.microsoft.com/office/drawing/2014/main" id="{E75DDBBC-8183-4DE1-ADED-BA8C1FF0B1C1}"/>
+              </a:ext>
+            </a:extLst>
+          </p:cNvPr>
+          <p:cNvSpPr/>
+          <p:nvPr/>
+        </p:nvSpPr>
+        <p:spPr>
+          <a:xfrm rot="16200000">
+            <a:off x="7553736" y="4944883"/>
+            <a:ext cx="593274" cy="268440"/>
+          </a:xfrm>
+          <a:prstGeom prst="rect">
+            <a:avLst/>
+          </a:prstGeom>
+          <a:noFill/>
+          <a:ln w="19050">
+            <a:solidFill>
+              <a:schemeClr val="tx1"/>
+            </a:solidFill>
+          </a:ln>
+        </p:spPr>
+        <p:style>
+          <a:lnRef idx="2">
+            <a:schemeClr val="accent1">
+              <a:shade val="50000"/>
+            </a:schemeClr>
+          </a:lnRef>
+          <a:fillRef idx="1">
+            <a:schemeClr val="accent1"/>
+          </a:fillRef>
+          <a:effectRef idx="0">
+            <a:schemeClr val="accent1"/>
+          </a:effectRef>
+          <a:fontRef idx="minor">
+            <a:schemeClr val="lt1"/>
+          </a:fontRef>
+        </p:style>
+        <p:txBody>
+          <a:bodyPr rtlCol="0" anchor="ctr"/>
+          <a:lstStyle/>
+          <a:p>
+            <a:pPr algn="ctr" latinLnBrk="1"/>
+            <a:r>
+              <a:rPr lang="en-US" altLang="zh-CN" sz="800" b="1" dirty="0">
+                <a:solidFill>
+                  <a:schemeClr val="tx1"/>
+                </a:solidFill>
+                <a:latin typeface="微软雅黑" panose="020B0503020204020204" pitchFamily="34" charset="-122"/>
+                <a:ea typeface="微软雅黑" panose="020B0503020204020204" pitchFamily="34" charset="-122"/>
+              </a:rPr>
+              <a:t>Snappy</a:t>
+            </a:r>
+            <a:endParaRPr lang="zh-CN" altLang="en-US" sz="800" b="1" dirty="0">
+              <a:solidFill>
+                <a:schemeClr val="tx1"/>
+              </a:solidFill>
+              <a:latin typeface="微软雅黑" panose="020B0503020204020204" pitchFamily="34" charset="-122"/>
+              <a:ea typeface="微软雅黑" panose="020B0503020204020204" pitchFamily="34" charset="-122"/>
+            </a:endParaRPr>
+          </a:p>
+        </p:txBody>
+      </p:sp>
+      <p:sp>
+        <p:nvSpPr>
+          <p:cNvPr id="76" name="矩形 75">
+            <a:extLst>
+              <a:ext uri="{FF2B5EF4-FFF2-40B4-BE49-F238E27FC236}">
+                <a16:creationId xmlns:a16="http://schemas.microsoft.com/office/drawing/2014/main" id="{0015FF25-6F12-4001-A88D-AAAB3B705B64}"/>
+              </a:ext>
+            </a:extLst>
+          </p:cNvPr>
+          <p:cNvSpPr/>
+          <p:nvPr/>
+        </p:nvSpPr>
+        <p:spPr>
+          <a:xfrm rot="16200000">
+            <a:off x="7831499" y="4933937"/>
+            <a:ext cx="593274" cy="290203"/>
+          </a:xfrm>
+          <a:prstGeom prst="rect">
+            <a:avLst/>
+          </a:prstGeom>
+          <a:noFill/>
+          <a:ln w="19050">
+            <a:solidFill>
+              <a:schemeClr val="tx1"/>
+            </a:solidFill>
+          </a:ln>
+        </p:spPr>
+        <p:style>
+          <a:lnRef idx="2">
+            <a:schemeClr val="accent1">
+              <a:shade val="50000"/>
+            </a:schemeClr>
+          </a:lnRef>
+          <a:fillRef idx="1">
+            <a:schemeClr val="accent1"/>
+          </a:fillRef>
+          <a:effectRef idx="0">
+            <a:schemeClr val="accent1"/>
+          </a:effectRef>
+          <a:fontRef idx="minor">
+            <a:schemeClr val="lt1"/>
+          </a:fontRef>
+        </p:style>
+        <p:txBody>
+          <a:bodyPr rtlCol="0" anchor="ctr"/>
+          <a:lstStyle/>
+          <a:p>
+            <a:pPr algn="ctr" latinLnBrk="1"/>
+            <a:r>
+              <a:rPr lang="en-US" altLang="zh-CN" sz="800" b="1" dirty="0">
+                <a:solidFill>
+                  <a:schemeClr val="tx1"/>
+                </a:solidFill>
+                <a:latin typeface="微软雅黑" panose="020B0503020204020204" pitchFamily="34" charset="-122"/>
+                <a:ea typeface="微软雅黑" panose="020B0503020204020204" pitchFamily="34" charset="-122"/>
+              </a:rPr>
+              <a:t>Deflate</a:t>
+            </a:r>
+            <a:endParaRPr lang="zh-CN" altLang="en-US" sz="800" b="1" dirty="0">
+              <a:solidFill>
+                <a:schemeClr val="tx1"/>
+              </a:solidFill>
+              <a:latin typeface="微软雅黑" panose="020B0503020204020204" pitchFamily="34" charset="-122"/>
+              <a:ea typeface="微软雅黑" panose="020B0503020204020204" pitchFamily="34" charset="-122"/>
+            </a:endParaRPr>
+          </a:p>
+        </p:txBody>
+      </p:sp>
+      <p:sp>
+        <p:nvSpPr>
+          <p:cNvPr id="77" name="矩形 76">
+            <a:extLst>
+              <a:ext uri="{FF2B5EF4-FFF2-40B4-BE49-F238E27FC236}">
+                <a16:creationId xmlns:a16="http://schemas.microsoft.com/office/drawing/2014/main" id="{E6291D20-1281-4A76-9133-907DD95671A5}"/>
+              </a:ext>
+            </a:extLst>
+          </p:cNvPr>
+          <p:cNvSpPr/>
+          <p:nvPr/>
+        </p:nvSpPr>
+        <p:spPr>
+          <a:xfrm rot="16200000">
+            <a:off x="8494470" y="4940571"/>
+            <a:ext cx="593274" cy="268439"/>
+          </a:xfrm>
+          <a:prstGeom prst="rect">
+            <a:avLst/>
+          </a:prstGeom>
+          <a:noFill/>
+          <a:ln w="19050">
+            <a:solidFill>
+              <a:schemeClr val="tx1"/>
+            </a:solidFill>
+          </a:ln>
+        </p:spPr>
+        <p:style>
+          <a:lnRef idx="2">
+            <a:schemeClr val="accent1">
+              <a:shade val="50000"/>
+            </a:schemeClr>
+          </a:lnRef>
+          <a:fillRef idx="1">
+            <a:schemeClr val="accent1"/>
+          </a:fillRef>
+          <a:effectRef idx="0">
+            <a:schemeClr val="accent1"/>
+          </a:effectRef>
+          <a:fontRef idx="minor">
+            <a:schemeClr val="lt1"/>
+          </a:fontRef>
+        </p:style>
+        <p:txBody>
+          <a:bodyPr rtlCol="0" anchor="ctr"/>
+          <a:lstStyle/>
+          <a:p>
+            <a:pPr algn="ctr" latinLnBrk="1"/>
+            <a:r>
+              <a:rPr lang="en-US" altLang="zh-CN" sz="800" b="1" dirty="0">
+                <a:solidFill>
+                  <a:schemeClr val="tx1"/>
+                </a:solidFill>
+                <a:latin typeface="微软雅黑" panose="020B0503020204020204" pitchFamily="34" charset="-122"/>
+                <a:ea typeface="微软雅黑" panose="020B0503020204020204" pitchFamily="34" charset="-122"/>
+              </a:rPr>
+              <a:t>BZ2</a:t>
+            </a:r>
+            <a:endParaRPr lang="zh-CN" altLang="en-US" sz="800" b="1" dirty="0">
+              <a:solidFill>
+                <a:schemeClr val="tx1"/>
+              </a:solidFill>
+              <a:latin typeface="微软雅黑" panose="020B0503020204020204" pitchFamily="34" charset="-122"/>
+              <a:ea typeface="微软雅黑" panose="020B0503020204020204" pitchFamily="34" charset="-122"/>
+            </a:endParaRPr>
+          </a:p>
+        </p:txBody>
+      </p:sp>
+      <p:sp>
+        <p:nvSpPr>
+          <p:cNvPr id="22" name="文本框 21">
+            <a:extLst>
+              <a:ext uri="{FF2B5EF4-FFF2-40B4-BE49-F238E27FC236}">
+                <a16:creationId xmlns:a16="http://schemas.microsoft.com/office/drawing/2014/main" id="{03450287-0962-4345-90EF-4C7C7154FFB3}"/>
+              </a:ext>
+            </a:extLst>
+          </p:cNvPr>
+          <p:cNvSpPr txBox="1"/>
+          <p:nvPr/>
+        </p:nvSpPr>
+        <p:spPr>
+          <a:xfrm>
+            <a:off x="8258094" y="4900375"/>
+            <a:ext cx="247466" cy="369332"/>
+          </a:xfrm>
+          <a:prstGeom prst="rect">
+            <a:avLst/>
+          </a:prstGeom>
+          <a:noFill/>
+        </p:spPr>
+        <p:txBody>
+          <a:bodyPr wrap="square" rtlCol="0">
+            <a:spAutoFit/>
+          </a:bodyPr>
+          <a:lstStyle/>
+          <a:p>
+            <a:r>
+              <a:rPr lang="en-US" altLang="zh-CN" b="1" dirty="0"/>
+              <a:t>…</a:t>
+            </a:r>
+            <a:endParaRPr lang="zh-CN" altLang="en-US" b="1" dirty="0"/>
+          </a:p>
+        </p:txBody>
+      </p:sp>
+      <p:pic>
+        <p:nvPicPr>
+          <p:cNvPr id="78" name="图形 77" descr="文档 纯色填充">
+            <a:extLst>
+              <a:ext uri="{FF2B5EF4-FFF2-40B4-BE49-F238E27FC236}">
+                <a16:creationId xmlns:a16="http://schemas.microsoft.com/office/drawing/2014/main" id="{939024A7-B15B-4CA3-AD47-280EBB51992E}"/>
+              </a:ext>
+            </a:extLst>
+          </p:cNvPr>
+          <p:cNvPicPr>
+            <a:picLocks noChangeAspect="1"/>
+          </p:cNvPicPr>
+          <p:nvPr/>
+        </p:nvPicPr>
+        <p:blipFill>
+          <a:blip r:embed="rId2">
+            <a:extLst>
+              <a:ext uri="{28A0092B-C50C-407E-A947-70E740481C1C}">
+                <a14:useLocalDpi xmlns:a14="http://schemas.microsoft.com/office/drawing/2010/main" val="0"/>
+              </a:ext>
+              <a:ext uri="{96DAC541-7B7A-43D3-8B79-37D633B846F1}">
+                <asvg:svgBlip xmlns:asvg="http://schemas.microsoft.com/office/drawing/2016/SVG/main" r:embed="rId3"/>
+              </a:ext>
+            </a:extLst>
+          </a:blip>
+          <a:stretch>
+            <a:fillRect/>
+          </a:stretch>
+        </p:blipFill>
+        <p:spPr>
+          <a:xfrm>
+            <a:off x="10356593" y="1847912"/>
+            <a:ext cx="575938" cy="575938"/>
+          </a:xfrm>
+          <a:prstGeom prst="rect">
+            <a:avLst/>
+          </a:prstGeom>
+        </p:spPr>
+      </p:pic>
+      <p:pic>
+        <p:nvPicPr>
+          <p:cNvPr id="79" name="图形 78" descr="文档 纯色填充">
+            <a:extLst>
+              <a:ext uri="{FF2B5EF4-FFF2-40B4-BE49-F238E27FC236}">
+                <a16:creationId xmlns:a16="http://schemas.microsoft.com/office/drawing/2014/main" id="{3FAEF648-5756-485A-B7DB-2963610C487B}"/>
+              </a:ext>
+            </a:extLst>
+          </p:cNvPr>
+          <p:cNvPicPr>
+            <a:picLocks noChangeAspect="1"/>
+          </p:cNvPicPr>
+          <p:nvPr/>
+        </p:nvPicPr>
+        <p:blipFill>
+          <a:blip r:embed="rId2">
+            <a:extLst>
+              <a:ext uri="{28A0092B-C50C-407E-A947-70E740481C1C}">
+                <a14:useLocalDpi xmlns:a14="http://schemas.microsoft.com/office/drawing/2010/main" val="0"/>
+              </a:ext>
+              <a:ext uri="{96DAC541-7B7A-43D3-8B79-37D633B846F1}">
+                <asvg:svgBlip xmlns:asvg="http://schemas.microsoft.com/office/drawing/2016/SVG/main" r:embed="rId3"/>
+              </a:ext>
+            </a:extLst>
+          </a:blip>
+          <a:stretch>
+            <a:fillRect/>
+          </a:stretch>
+        </p:blipFill>
+        <p:spPr>
+          <a:xfrm>
+            <a:off x="10382359" y="2642218"/>
+            <a:ext cx="575938" cy="575938"/>
+          </a:xfrm>
+          <a:prstGeom prst="rect">
+            <a:avLst/>
+          </a:prstGeom>
+        </p:spPr>
+      </p:pic>
+      <p:pic>
+        <p:nvPicPr>
+          <p:cNvPr id="80" name="图形 79" descr="文档 纯色填充">
+            <a:extLst>
+              <a:ext uri="{FF2B5EF4-FFF2-40B4-BE49-F238E27FC236}">
+                <a16:creationId xmlns:a16="http://schemas.microsoft.com/office/drawing/2014/main" id="{00E65680-F4FF-486C-8603-303EE144B1D3}"/>
+              </a:ext>
+            </a:extLst>
+          </p:cNvPr>
+          <p:cNvPicPr>
+            <a:picLocks noChangeAspect="1"/>
+          </p:cNvPicPr>
+          <p:nvPr/>
+        </p:nvPicPr>
+        <p:blipFill>
+          <a:blip r:embed="rId2">
+            <a:extLst>
+              <a:ext uri="{28A0092B-C50C-407E-A947-70E740481C1C}">
+                <a14:useLocalDpi xmlns:a14="http://schemas.microsoft.com/office/drawing/2010/main" val="0"/>
+              </a:ext>
+              <a:ext uri="{96DAC541-7B7A-43D3-8B79-37D633B846F1}">
+                <asvg:svgBlip xmlns:asvg="http://schemas.microsoft.com/office/drawing/2016/SVG/main" r:embed="rId3"/>
+              </a:ext>
+            </a:extLst>
+          </a:blip>
+          <a:stretch>
+            <a:fillRect/>
+          </a:stretch>
+        </p:blipFill>
+        <p:spPr>
+          <a:xfrm>
+            <a:off x="10400771" y="3435086"/>
+            <a:ext cx="575938" cy="575938"/>
+          </a:xfrm>
+          <a:prstGeom prst="rect">
+            <a:avLst/>
+          </a:prstGeom>
+        </p:spPr>
+      </p:pic>
+      <p:sp>
+        <p:nvSpPr>
+          <p:cNvPr id="31" name="文本框 30">
+            <a:extLst>
+              <a:ext uri="{FF2B5EF4-FFF2-40B4-BE49-F238E27FC236}">
+                <a16:creationId xmlns:a16="http://schemas.microsoft.com/office/drawing/2014/main" id="{7648FD13-61B4-4B35-BB0E-D08EA97FF711}"/>
+              </a:ext>
+            </a:extLst>
+          </p:cNvPr>
+          <p:cNvSpPr txBox="1"/>
+          <p:nvPr/>
+        </p:nvSpPr>
+        <p:spPr>
+          <a:xfrm>
+            <a:off x="10249307" y="1303546"/>
+            <a:ext cx="898028" cy="338554"/>
+          </a:xfrm>
+          <a:prstGeom prst="rect">
+            <a:avLst/>
+          </a:prstGeom>
+          <a:noFill/>
+        </p:spPr>
+        <p:txBody>
+          <a:bodyPr wrap="square" rtlCol="0">
+            <a:spAutoFit/>
+          </a:bodyPr>
+          <a:lstStyle/>
+          <a:p>
+            <a:pPr algn="ctr"/>
+            <a:r>
+              <a:rPr lang="en-US" altLang="zh-CN" sz="1600" b="1" dirty="0"/>
+              <a:t>Output</a:t>
+            </a:r>
+            <a:endParaRPr lang="zh-CN" altLang="en-US" sz="1600" b="1" dirty="0"/>
+          </a:p>
+        </p:txBody>
+      </p:sp>
+      <p:sp>
+        <p:nvSpPr>
+          <p:cNvPr id="32" name="文本框 31">
+            <a:extLst>
+              <a:ext uri="{FF2B5EF4-FFF2-40B4-BE49-F238E27FC236}">
+                <a16:creationId xmlns:a16="http://schemas.microsoft.com/office/drawing/2014/main" id="{E619DFFB-4109-4CC7-9DC6-4B9929912C22}"/>
+              </a:ext>
+            </a:extLst>
+          </p:cNvPr>
+          <p:cNvSpPr txBox="1"/>
+          <p:nvPr/>
+        </p:nvSpPr>
+        <p:spPr>
+          <a:xfrm rot="10800000">
+            <a:off x="10809839" y="1927893"/>
+            <a:ext cx="323165" cy="457994"/>
+          </a:xfrm>
+          <a:prstGeom prst="rect">
+            <a:avLst/>
+          </a:prstGeom>
+          <a:noFill/>
+        </p:spPr>
+        <p:txBody>
+          <a:bodyPr vert="eaVert" wrap="square" rtlCol="0">
+            <a:spAutoFit/>
+          </a:bodyPr>
+          <a:lstStyle/>
+          <a:p>
+            <a:pPr algn="ctr"/>
+            <a:r>
+              <a:rPr lang="en-US" altLang="zh-CN" sz="900" b="1" dirty="0"/>
+              <a:t>None</a:t>
+            </a:r>
+            <a:endParaRPr lang="zh-CN" altLang="en-US" sz="900" b="1" dirty="0"/>
+          </a:p>
+        </p:txBody>
+      </p:sp>
+      <p:sp>
+        <p:nvSpPr>
+          <p:cNvPr id="81" name="文本框 80">
+            <a:extLst>
+              <a:ext uri="{FF2B5EF4-FFF2-40B4-BE49-F238E27FC236}">
+                <a16:creationId xmlns:a16="http://schemas.microsoft.com/office/drawing/2014/main" id="{223B1240-5ED7-400F-AC53-DEAE44491B0E}"/>
+              </a:ext>
+            </a:extLst>
+          </p:cNvPr>
+          <p:cNvSpPr txBox="1"/>
+          <p:nvPr/>
+        </p:nvSpPr>
+        <p:spPr>
+          <a:xfrm rot="10800000">
+            <a:off x="10809135" y="2742102"/>
+            <a:ext cx="323165" cy="457994"/>
+          </a:xfrm>
+          <a:prstGeom prst="rect">
+            <a:avLst/>
+          </a:prstGeom>
+          <a:noFill/>
+        </p:spPr>
+        <p:txBody>
+          <a:bodyPr vert="eaVert" wrap="square" rtlCol="0">
+            <a:spAutoFit/>
+          </a:bodyPr>
+          <a:lstStyle/>
+          <a:p>
+            <a:pPr algn="ctr"/>
+            <a:r>
+              <a:rPr lang="en-US" altLang="zh-CN" sz="900" b="1" dirty="0"/>
+              <a:t>LZ4</a:t>
+            </a:r>
+            <a:endParaRPr lang="zh-CN" altLang="en-US" sz="900" b="1" dirty="0"/>
+          </a:p>
+        </p:txBody>
+      </p:sp>
+      <p:sp>
+        <p:nvSpPr>
+          <p:cNvPr id="82" name="文本框 81">
+            <a:extLst>
+              <a:ext uri="{FF2B5EF4-FFF2-40B4-BE49-F238E27FC236}">
+                <a16:creationId xmlns:a16="http://schemas.microsoft.com/office/drawing/2014/main" id="{50201DF6-76A5-4FE7-A09D-A55955E913FB}"/>
+              </a:ext>
+            </a:extLst>
+          </p:cNvPr>
+          <p:cNvSpPr txBox="1"/>
+          <p:nvPr/>
+        </p:nvSpPr>
+        <p:spPr>
+          <a:xfrm rot="10800000">
+            <a:off x="10809839" y="3502946"/>
+            <a:ext cx="323165" cy="457994"/>
+          </a:xfrm>
+          <a:prstGeom prst="rect">
+            <a:avLst/>
+          </a:prstGeom>
+          <a:noFill/>
+        </p:spPr>
+        <p:txBody>
+          <a:bodyPr vert="eaVert" wrap="square" rtlCol="0">
+            <a:spAutoFit/>
+          </a:bodyPr>
+          <a:lstStyle/>
+          <a:p>
+            <a:pPr algn="ctr"/>
+            <a:r>
+              <a:rPr lang="en-US" altLang="zh-CN" sz="900" b="1" dirty="0" err="1"/>
+              <a:t>GZip</a:t>
+            </a:r>
+            <a:endParaRPr lang="zh-CN" altLang="en-US" sz="900" b="1" dirty="0"/>
+          </a:p>
+        </p:txBody>
+      </p:sp>
+      <p:sp>
+        <p:nvSpPr>
+          <p:cNvPr id="85" name="文本框 84">
+            <a:extLst>
+              <a:ext uri="{FF2B5EF4-FFF2-40B4-BE49-F238E27FC236}">
+                <a16:creationId xmlns:a16="http://schemas.microsoft.com/office/drawing/2014/main" id="{91E55096-900B-4269-AED4-78270F7F4079}"/>
+              </a:ext>
+            </a:extLst>
+          </p:cNvPr>
+          <p:cNvSpPr txBox="1"/>
+          <p:nvPr/>
+        </p:nvSpPr>
+        <p:spPr>
+          <a:xfrm rot="5400000">
+            <a:off x="10541937" y="4919939"/>
+            <a:ext cx="247466" cy="369332"/>
+          </a:xfrm>
+          <a:prstGeom prst="rect">
+            <a:avLst/>
+          </a:prstGeom>
+          <a:noFill/>
+        </p:spPr>
+        <p:txBody>
+          <a:bodyPr wrap="square" rtlCol="0">
+            <a:spAutoFit/>
+          </a:bodyPr>
+          <a:lstStyle/>
+          <a:p>
+            <a:pPr algn="ctr"/>
+            <a:r>
+              <a:rPr lang="en-US" altLang="zh-CN" b="1" dirty="0"/>
+              <a:t>…</a:t>
+            </a:r>
+            <a:endParaRPr lang="zh-CN" altLang="en-US" b="1" dirty="0"/>
+          </a:p>
+        </p:txBody>
+      </p:sp>
+      <p:sp>
+        <p:nvSpPr>
+          <p:cNvPr id="39" name="文本框 38">
+            <a:extLst>
+              <a:ext uri="{FF2B5EF4-FFF2-40B4-BE49-F238E27FC236}">
+                <a16:creationId xmlns:a16="http://schemas.microsoft.com/office/drawing/2014/main" id="{3074C995-3BFC-4AB0-8102-0C5A17C737E6}"/>
+              </a:ext>
+            </a:extLst>
+          </p:cNvPr>
+          <p:cNvSpPr txBox="1"/>
+          <p:nvPr/>
+        </p:nvSpPr>
+        <p:spPr>
+          <a:xfrm>
+            <a:off x="7103718" y="4411743"/>
+            <a:ext cx="1900716" cy="338554"/>
+          </a:xfrm>
+          <a:prstGeom prst="rect">
+            <a:avLst/>
+          </a:prstGeom>
+          <a:noFill/>
+        </p:spPr>
+        <p:txBody>
+          <a:bodyPr wrap="square" rtlCol="0">
+            <a:spAutoFit/>
+          </a:bodyPr>
+          <a:lstStyle/>
+          <a:p>
+            <a:r>
+              <a:rPr lang="en-US" altLang="zh-CN" sz="1600" b="1" dirty="0"/>
+              <a:t>Compression Pool</a:t>
+            </a:r>
+            <a:endParaRPr lang="zh-CN" altLang="en-US" sz="1600" b="1" dirty="0"/>
+          </a:p>
+        </p:txBody>
+      </p:sp>
+      <p:sp>
+        <p:nvSpPr>
+          <p:cNvPr id="40" name="文本框 39">
+            <a:extLst>
+              <a:ext uri="{FF2B5EF4-FFF2-40B4-BE49-F238E27FC236}">
+                <a16:creationId xmlns:a16="http://schemas.microsoft.com/office/drawing/2014/main" id="{5EDF0089-B4FC-4A30-B202-5C77843E6CFA}"/>
+              </a:ext>
+            </a:extLst>
+          </p:cNvPr>
+          <p:cNvSpPr txBox="1"/>
+          <p:nvPr/>
+        </p:nvSpPr>
+        <p:spPr>
+          <a:xfrm>
+            <a:off x="6800670" y="3550679"/>
+            <a:ext cx="2496078" cy="338554"/>
+          </a:xfrm>
+          <a:prstGeom prst="rect">
+            <a:avLst/>
+          </a:prstGeom>
+          <a:noFill/>
+        </p:spPr>
+        <p:txBody>
+          <a:bodyPr wrap="square" rtlCol="0">
+            <a:spAutoFit/>
+          </a:bodyPr>
+          <a:lstStyle/>
+          <a:p>
+            <a:r>
+              <a:rPr lang="en-US" altLang="zh-CN" sz="1600" b="1" dirty="0"/>
+              <a:t>Compression Conversion</a:t>
+            </a:r>
+            <a:endParaRPr lang="zh-CN" altLang="en-US" sz="1600" b="1" dirty="0"/>
+          </a:p>
+        </p:txBody>
+      </p:sp>
+      <p:sp>
+        <p:nvSpPr>
+          <p:cNvPr id="2" name="矩形 1">
+            <a:extLst>
+              <a:ext uri="{FF2B5EF4-FFF2-40B4-BE49-F238E27FC236}">
+                <a16:creationId xmlns:a16="http://schemas.microsoft.com/office/drawing/2014/main" id="{3C019F8D-35DE-475A-87FE-8F52E59964B0}"/>
+              </a:ext>
+            </a:extLst>
+          </p:cNvPr>
+          <p:cNvSpPr/>
+          <p:nvPr/>
+        </p:nvSpPr>
+        <p:spPr>
+          <a:xfrm>
+            <a:off x="3651236" y="4739900"/>
+            <a:ext cx="2157254" cy="543409"/>
+          </a:xfrm>
+          <a:prstGeom prst="rect">
+            <a:avLst/>
+          </a:prstGeom>
+          <a:gradFill flip="none" rotWithShape="1">
+            <a:gsLst>
+              <a:gs pos="0">
+                <a:schemeClr val="accent1">
+                  <a:tint val="66000"/>
+                  <a:satMod val="160000"/>
+                </a:schemeClr>
+              </a:gs>
+              <a:gs pos="50000">
+                <a:schemeClr val="accent1">
+                  <a:tint val="44500"/>
+                  <a:satMod val="160000"/>
+                </a:schemeClr>
+              </a:gs>
+              <a:gs pos="100000">
+                <a:schemeClr val="accent1">
+                  <a:tint val="23500"/>
+                  <a:satMod val="160000"/>
+                </a:schemeClr>
+              </a:gs>
+            </a:gsLst>
+            <a:lin ang="2700000" scaled="1"/>
+            <a:tileRect/>
+          </a:gradFill>
+          <a:ln w="28575">
+            <a:solidFill>
+              <a:schemeClr val="tx1"/>
+            </a:solidFill>
+          </a:ln>
+        </p:spPr>
+        <p:style>
+          <a:lnRef idx="2">
+            <a:schemeClr val="accent1">
+              <a:shade val="50000"/>
+            </a:schemeClr>
+          </a:lnRef>
+          <a:fillRef idx="1">
+            <a:schemeClr val="accent1"/>
+          </a:fillRef>
+          <a:effectRef idx="0">
+            <a:schemeClr val="accent1"/>
+          </a:effectRef>
+          <a:fontRef idx="minor">
+            <a:schemeClr val="lt1"/>
+          </a:fontRef>
+        </p:style>
+        <p:txBody>
+          <a:bodyPr rtlCol="0" anchor="ctr"/>
+          <a:lstStyle/>
+          <a:p>
+            <a:pPr algn="ctr"/>
+            <a:r>
+              <a:rPr lang="en-US" altLang="zh-CN" sz="1600" b="1" dirty="0" err="1">
+                <a:solidFill>
+                  <a:schemeClr val="tx1"/>
+                </a:solidFill>
+              </a:rPr>
+              <a:t>MetaData</a:t>
+            </a:r>
+            <a:r>
+              <a:rPr lang="en-US" altLang="zh-CN" sz="1600" b="1" dirty="0">
+                <a:solidFill>
+                  <a:schemeClr val="tx1"/>
+                </a:solidFill>
+              </a:rPr>
+              <a:t> Log</a:t>
+            </a:r>
+            <a:endParaRPr lang="zh-CN" altLang="en-US" sz="1600" b="1" dirty="0">
+              <a:solidFill>
+                <a:schemeClr val="tx1"/>
+              </a:solidFill>
+            </a:endParaRPr>
+          </a:p>
+        </p:txBody>
+      </p:sp>
+      <p:sp>
+        <p:nvSpPr>
+          <p:cNvPr id="61" name="箭头: 下 60">
+            <a:extLst>
+              <a:ext uri="{FF2B5EF4-FFF2-40B4-BE49-F238E27FC236}">
+                <a16:creationId xmlns:a16="http://schemas.microsoft.com/office/drawing/2014/main" id="{0D798744-46DA-47E5-86B1-29668F9103C6}"/>
+              </a:ext>
+            </a:extLst>
+          </p:cNvPr>
+          <p:cNvSpPr/>
+          <p:nvPr/>
+        </p:nvSpPr>
+        <p:spPr>
+          <a:xfrm rot="16200000">
+            <a:off x="6379305" y="3920047"/>
+            <a:ext cx="132907" cy="300371"/>
+          </a:xfrm>
+          <a:prstGeom prst="downArrow">
+            <a:avLst/>
+          </a:prstGeom>
+          <a:solidFill>
+            <a:schemeClr val="tx1"/>
+          </a:solidFill>
+          <a:ln w="28575">
+            <a:solidFill>
+              <a:schemeClr val="tx1"/>
+            </a:solidFill>
+          </a:ln>
+        </p:spPr>
+        <p:style>
+          <a:lnRef idx="2">
+            <a:schemeClr val="accent1">
+              <a:shade val="50000"/>
+            </a:schemeClr>
+          </a:lnRef>
+          <a:fillRef idx="1">
+            <a:schemeClr val="accent1"/>
+          </a:fillRef>
+          <a:effectRef idx="0">
+            <a:schemeClr val="accent1"/>
+          </a:effectRef>
+          <a:fontRef idx="minor">
+            <a:schemeClr val="lt1"/>
+          </a:fontRef>
+        </p:style>
+        <p:txBody>
+          <a:bodyPr rtlCol="0" anchor="ctr"/>
+          <a:lstStyle/>
+          <a:p>
+            <a:pPr algn="ctr"/>
+            <a:endParaRPr lang="zh-CN" altLang="en-US"/>
+          </a:p>
+        </p:txBody>
+      </p:sp>
+      <p:sp>
+        <p:nvSpPr>
+          <p:cNvPr id="64" name="箭头: 下 63">
+            <a:extLst>
+              <a:ext uri="{FF2B5EF4-FFF2-40B4-BE49-F238E27FC236}">
+                <a16:creationId xmlns:a16="http://schemas.microsoft.com/office/drawing/2014/main" id="{B3DC1669-3D8F-4C61-B899-89A6392AB3AB}"/>
+              </a:ext>
+            </a:extLst>
+          </p:cNvPr>
+          <p:cNvSpPr/>
+          <p:nvPr/>
+        </p:nvSpPr>
+        <p:spPr>
+          <a:xfrm rot="16200000">
+            <a:off x="2421913" y="3696537"/>
+            <a:ext cx="366824" cy="600739"/>
+          </a:xfrm>
+          <a:prstGeom prst="downArrow">
+            <a:avLst/>
+          </a:prstGeom>
+          <a:solidFill>
+            <a:schemeClr val="tx1"/>
+          </a:solidFill>
+          <a:ln w="28575">
+            <a:solidFill>
+              <a:schemeClr val="tx1"/>
+            </a:solidFill>
+          </a:ln>
+        </p:spPr>
+        <p:style>
+          <a:lnRef idx="2">
+            <a:schemeClr val="accent1">
+              <a:shade val="50000"/>
+            </a:schemeClr>
+          </a:lnRef>
+          <a:fillRef idx="1">
+            <a:schemeClr val="accent1"/>
+          </a:fillRef>
+          <a:effectRef idx="0">
+            <a:schemeClr val="accent1"/>
+          </a:effectRef>
+          <a:fontRef idx="minor">
+            <a:schemeClr val="lt1"/>
+          </a:fontRef>
+        </p:style>
+        <p:txBody>
+          <a:bodyPr rtlCol="0" anchor="ctr"/>
+          <a:lstStyle/>
+          <a:p>
+            <a:pPr algn="ctr"/>
+            <a:endParaRPr lang="zh-CN" altLang="en-US"/>
+          </a:p>
+        </p:txBody>
+      </p:sp>
+      <p:sp>
+        <p:nvSpPr>
+          <p:cNvPr id="65" name="箭头: 下 64">
+            <a:extLst>
+              <a:ext uri="{FF2B5EF4-FFF2-40B4-BE49-F238E27FC236}">
+                <a16:creationId xmlns:a16="http://schemas.microsoft.com/office/drawing/2014/main" id="{5F7081CF-A429-4585-A944-2B06112EC918}"/>
+              </a:ext>
+            </a:extLst>
+          </p:cNvPr>
+          <p:cNvSpPr/>
+          <p:nvPr/>
+        </p:nvSpPr>
+        <p:spPr>
+          <a:xfrm rot="16200000">
+            <a:off x="2405769" y="1402029"/>
+            <a:ext cx="366824" cy="600739"/>
+          </a:xfrm>
+          <a:prstGeom prst="downArrow">
+            <a:avLst/>
+          </a:prstGeom>
+          <a:solidFill>
+            <a:schemeClr val="tx1"/>
+          </a:solidFill>
+          <a:ln w="28575">
+            <a:solidFill>
+              <a:schemeClr val="tx1"/>
+            </a:solidFill>
+          </a:ln>
+        </p:spPr>
+        <p:style>
+          <a:lnRef idx="2">
+            <a:schemeClr val="accent1">
+              <a:shade val="50000"/>
+            </a:schemeClr>
+          </a:lnRef>
+          <a:fillRef idx="1">
+            <a:schemeClr val="accent1"/>
+          </a:fillRef>
+          <a:effectRef idx="0">
+            <a:schemeClr val="accent1"/>
+          </a:effectRef>
+          <a:fontRef idx="minor">
+            <a:schemeClr val="lt1"/>
+          </a:fontRef>
+        </p:style>
+        <p:txBody>
+          <a:bodyPr rtlCol="0" anchor="ctr"/>
+          <a:lstStyle/>
+          <a:p>
+            <a:pPr algn="ctr"/>
+            <a:endParaRPr lang="zh-CN" altLang="en-US"/>
+          </a:p>
+        </p:txBody>
+      </p:sp>
+      <p:sp>
+        <p:nvSpPr>
+          <p:cNvPr id="24" name="文本框 23">
+            <a:extLst>
+              <a:ext uri="{FF2B5EF4-FFF2-40B4-BE49-F238E27FC236}">
+                <a16:creationId xmlns:a16="http://schemas.microsoft.com/office/drawing/2014/main" id="{CCCDCF3F-B06F-4379-8EEA-4A86EE9A8C1B}"/>
+              </a:ext>
+            </a:extLst>
+          </p:cNvPr>
+          <p:cNvSpPr txBox="1"/>
+          <p:nvPr/>
+        </p:nvSpPr>
+        <p:spPr>
+          <a:xfrm>
+            <a:off x="1852449" y="1174719"/>
+            <a:ext cx="1640845" cy="338554"/>
+          </a:xfrm>
+          <a:prstGeom prst="rect">
+            <a:avLst/>
+          </a:prstGeom>
+          <a:noFill/>
+        </p:spPr>
+        <p:txBody>
+          <a:bodyPr wrap="square" rtlCol="0">
+            <a:spAutoFit/>
+          </a:bodyPr>
+          <a:lstStyle/>
+          <a:p>
+            <a:pPr algn="ctr"/>
+            <a:r>
+              <a:rPr lang="en-US" altLang="zh-CN" sz="1600" b="1" dirty="0"/>
+              <a:t>Read Request</a:t>
+            </a:r>
+            <a:endParaRPr lang="zh-CN" altLang="en-US" sz="1600" b="1" dirty="0"/>
+          </a:p>
+        </p:txBody>
+      </p:sp>
+      <p:sp>
+        <p:nvSpPr>
+          <p:cNvPr id="28" name="文本框 27">
+            <a:extLst>
+              <a:ext uri="{FF2B5EF4-FFF2-40B4-BE49-F238E27FC236}">
+                <a16:creationId xmlns:a16="http://schemas.microsoft.com/office/drawing/2014/main" id="{4E8D0348-5431-4C53-8505-7839C578DEB1}"/>
+              </a:ext>
+            </a:extLst>
+          </p:cNvPr>
+          <p:cNvSpPr txBox="1"/>
+          <p:nvPr/>
+        </p:nvSpPr>
+        <p:spPr>
+          <a:xfrm>
+            <a:off x="1926899" y="4363432"/>
+            <a:ext cx="1492015" cy="338554"/>
+          </a:xfrm>
+          <a:prstGeom prst="rect">
+            <a:avLst/>
+          </a:prstGeom>
+          <a:noFill/>
+        </p:spPr>
+        <p:txBody>
+          <a:bodyPr wrap="square" rtlCol="0">
+            <a:spAutoFit/>
+          </a:bodyPr>
+          <a:lstStyle/>
+          <a:p>
+            <a:pPr algn="ctr"/>
+            <a:r>
+              <a:rPr lang="en-US" altLang="zh-CN" sz="1600" b="1" dirty="0"/>
+              <a:t>Write Request</a:t>
+            </a:r>
+            <a:endParaRPr lang="zh-CN" altLang="en-US" sz="1600" b="1" dirty="0"/>
+          </a:p>
+        </p:txBody>
+      </p:sp>
+      <p:pic>
+        <p:nvPicPr>
+          <p:cNvPr id="70" name="图形 69" descr="文档 纯色填充">
+            <a:extLst>
+              <a:ext uri="{FF2B5EF4-FFF2-40B4-BE49-F238E27FC236}">
+                <a16:creationId xmlns:a16="http://schemas.microsoft.com/office/drawing/2014/main" id="{4EE81BE4-5313-4AA2-8A74-4E7B61288508}"/>
+              </a:ext>
+            </a:extLst>
+          </p:cNvPr>
+          <p:cNvPicPr>
+            <a:picLocks noChangeAspect="1"/>
+          </p:cNvPicPr>
+          <p:nvPr/>
+        </p:nvPicPr>
+        <p:blipFill>
+          <a:blip r:embed="rId2">
+            <a:extLst>
+              <a:ext uri="{28A0092B-C50C-407E-A947-70E740481C1C}">
+                <a14:useLocalDpi xmlns:a14="http://schemas.microsoft.com/office/drawing/2010/main" val="0"/>
+              </a:ext>
+              <a:ext uri="{96DAC541-7B7A-43D3-8B79-37D633B846F1}">
+                <asvg:svgBlip xmlns:asvg="http://schemas.microsoft.com/office/drawing/2016/SVG/main" r:embed="rId3"/>
+              </a:ext>
+            </a:extLst>
+          </a:blip>
+          <a:stretch>
+            <a:fillRect/>
+          </a:stretch>
+        </p:blipFill>
+        <p:spPr>
+          <a:xfrm>
+            <a:off x="10400771" y="4207979"/>
+            <a:ext cx="575938" cy="575938"/>
+          </a:xfrm>
+          <a:prstGeom prst="rect">
+            <a:avLst/>
+          </a:prstGeom>
+        </p:spPr>
+      </p:pic>
+      <p:sp>
+        <p:nvSpPr>
+          <p:cNvPr id="71" name="文本框 70">
+            <a:extLst>
+              <a:ext uri="{FF2B5EF4-FFF2-40B4-BE49-F238E27FC236}">
+                <a16:creationId xmlns:a16="http://schemas.microsoft.com/office/drawing/2014/main" id="{DA58DAF8-9278-4623-A2A8-1CB17A3554CA}"/>
+              </a:ext>
+            </a:extLst>
+          </p:cNvPr>
+          <p:cNvSpPr txBox="1"/>
+          <p:nvPr/>
+        </p:nvSpPr>
+        <p:spPr>
+          <a:xfrm rot="10800000">
+            <a:off x="10824170" y="4298184"/>
+            <a:ext cx="323165" cy="457994"/>
+          </a:xfrm>
+          <a:prstGeom prst="rect">
+            <a:avLst/>
+          </a:prstGeom>
+          <a:noFill/>
+        </p:spPr>
+        <p:txBody>
+          <a:bodyPr vert="eaVert" wrap="square" rtlCol="0">
+            <a:spAutoFit/>
+          </a:bodyPr>
+          <a:lstStyle/>
+          <a:p>
+            <a:pPr algn="ctr"/>
+            <a:r>
+              <a:rPr lang="en-US" altLang="zh-CN" sz="900" b="1" dirty="0"/>
+              <a:t>BZ2</a:t>
+            </a:r>
+            <a:endParaRPr lang="zh-CN" altLang="en-US" sz="900" b="1" dirty="0"/>
+          </a:p>
+        </p:txBody>
+      </p:sp>
+      <p:sp>
+        <p:nvSpPr>
+          <p:cNvPr id="72" name="文本框 71">
+            <a:extLst>
+              <a:ext uri="{FF2B5EF4-FFF2-40B4-BE49-F238E27FC236}">
+                <a16:creationId xmlns:a16="http://schemas.microsoft.com/office/drawing/2014/main" id="{CF3C04A9-8D47-471F-BFB1-8AEFA63C3A99}"/>
+              </a:ext>
+            </a:extLst>
+          </p:cNvPr>
+          <p:cNvSpPr txBox="1"/>
+          <p:nvPr/>
+        </p:nvSpPr>
+        <p:spPr>
+          <a:xfrm>
+            <a:off x="5563991" y="2032826"/>
+            <a:ext cx="1650933" cy="369332"/>
+          </a:xfrm>
+          <a:prstGeom prst="rect">
+            <a:avLst/>
+          </a:prstGeom>
+          <a:noFill/>
+          <a:ln>
+            <a:noFill/>
+          </a:ln>
+        </p:spPr>
+        <p:txBody>
+          <a:bodyPr wrap="square" rtlCol="0">
+            <a:spAutoFit/>
+          </a:bodyPr>
+          <a:lstStyle/>
+          <a:p>
+            <a:r>
+              <a:rPr lang="en-US" altLang="zh-CN" b="1" dirty="0">
+                <a:solidFill>
+                  <a:srgbClr val="C00000"/>
+                </a:solidFill>
+                <a:latin typeface="微软雅黑" panose="020B0503020204020204" pitchFamily="34" charset="-122"/>
+                <a:ea typeface="微软雅黑" panose="020B0503020204020204" pitchFamily="34" charset="-122"/>
+              </a:rPr>
+              <a:t>Main Engine</a:t>
+            </a:r>
+            <a:endParaRPr lang="zh-CN" altLang="en-US" b="1" dirty="0">
+              <a:solidFill>
+                <a:srgbClr val="C00000"/>
+              </a:solidFill>
+              <a:latin typeface="微软雅黑" panose="020B0503020204020204" pitchFamily="34" charset="-122"/>
+              <a:ea typeface="微软雅黑" panose="020B0503020204020204" pitchFamily="34" charset="-122"/>
+            </a:endParaRPr>
+          </a:p>
+        </p:txBody>
+      </p:sp>
+      <p:sp>
+        <p:nvSpPr>
+          <p:cNvPr id="73" name="箭头: 下 72">
+            <a:extLst>
+              <a:ext uri="{FF2B5EF4-FFF2-40B4-BE49-F238E27FC236}">
+                <a16:creationId xmlns:a16="http://schemas.microsoft.com/office/drawing/2014/main" id="{5F016E1E-113B-4C93-8476-2FB8B5344066}"/>
+              </a:ext>
+            </a:extLst>
+          </p:cNvPr>
+          <p:cNvSpPr/>
+          <p:nvPr/>
+        </p:nvSpPr>
+        <p:spPr>
+          <a:xfrm rot="10800000">
+            <a:off x="4644707" y="2090323"/>
+            <a:ext cx="132907" cy="300371"/>
+          </a:xfrm>
+          <a:prstGeom prst="downArrow">
+            <a:avLst/>
+          </a:prstGeom>
+          <a:solidFill>
+            <a:schemeClr val="tx1"/>
+          </a:solidFill>
+          <a:ln w="28575">
+            <a:solidFill>
+              <a:schemeClr val="tx1"/>
+            </a:solidFill>
+          </a:ln>
+        </p:spPr>
+        <p:style>
+          <a:lnRef idx="2">
+            <a:schemeClr val="accent1">
+              <a:shade val="50000"/>
+            </a:schemeClr>
+          </a:lnRef>
+          <a:fillRef idx="1">
+            <a:schemeClr val="accent1"/>
+          </a:fillRef>
+          <a:effectRef idx="0">
+            <a:schemeClr val="accent1"/>
+          </a:effectRef>
+          <a:fontRef idx="minor">
+            <a:schemeClr val="lt1"/>
+          </a:fontRef>
+        </p:style>
+        <p:txBody>
+          <a:bodyPr rtlCol="0" anchor="ctr"/>
+          <a:lstStyle/>
+          <a:p>
+            <a:pPr algn="ctr"/>
+            <a:endParaRPr lang="zh-CN" altLang="en-US"/>
+          </a:p>
+        </p:txBody>
+      </p:sp>
+      <p:sp>
+        <p:nvSpPr>
+          <p:cNvPr id="83" name="箭头: 下 82">
+            <a:extLst>
+              <a:ext uri="{FF2B5EF4-FFF2-40B4-BE49-F238E27FC236}">
+                <a16:creationId xmlns:a16="http://schemas.microsoft.com/office/drawing/2014/main" id="{9211CD45-D1B7-4451-95ED-60052B5EE331}"/>
+              </a:ext>
+            </a:extLst>
+          </p:cNvPr>
+          <p:cNvSpPr/>
+          <p:nvPr/>
+        </p:nvSpPr>
+        <p:spPr>
+          <a:xfrm>
+            <a:off x="7924395" y="2072592"/>
+            <a:ext cx="132907" cy="300371"/>
+          </a:xfrm>
+          <a:prstGeom prst="downArrow">
+            <a:avLst/>
+          </a:prstGeom>
+          <a:solidFill>
+            <a:schemeClr val="tx1"/>
+          </a:solidFill>
+          <a:ln w="28575">
+            <a:solidFill>
+              <a:schemeClr val="tx1"/>
+            </a:solidFill>
+          </a:ln>
+        </p:spPr>
+        <p:style>
+          <a:lnRef idx="2">
+            <a:schemeClr val="accent1">
+              <a:shade val="50000"/>
+            </a:schemeClr>
+          </a:lnRef>
+          <a:fillRef idx="1">
+            <a:schemeClr val="accent1"/>
+          </a:fillRef>
+          <a:effectRef idx="0">
+            <a:schemeClr val="accent1"/>
+          </a:effectRef>
+          <a:fontRef idx="minor">
+            <a:schemeClr val="lt1"/>
+          </a:fontRef>
+        </p:style>
+        <p:txBody>
+          <a:bodyPr rtlCol="0" anchor="ctr"/>
+          <a:lstStyle/>
+          <a:p>
+            <a:pPr algn="ctr"/>
+            <a:endParaRPr lang="zh-CN" altLang="en-US"/>
+          </a:p>
+        </p:txBody>
+      </p:sp>
+      <p:sp>
+        <p:nvSpPr>
+          <p:cNvPr id="38" name="文本框 37">
+            <a:extLst>
+              <a:ext uri="{FF2B5EF4-FFF2-40B4-BE49-F238E27FC236}">
+                <a16:creationId xmlns:a16="http://schemas.microsoft.com/office/drawing/2014/main" id="{F972EACC-0B10-4AFF-AB16-A51514741CA9}"/>
+              </a:ext>
+            </a:extLst>
+          </p:cNvPr>
+          <p:cNvSpPr txBox="1"/>
+          <p:nvPr/>
+        </p:nvSpPr>
+        <p:spPr>
+          <a:xfrm>
+            <a:off x="5114920" y="1068851"/>
+            <a:ext cx="2482120" cy="338554"/>
+          </a:xfrm>
+          <a:prstGeom prst="rect">
+            <a:avLst/>
+          </a:prstGeom>
+          <a:noFill/>
+        </p:spPr>
+        <p:txBody>
+          <a:bodyPr wrap="square" rtlCol="0">
+            <a:spAutoFit/>
+          </a:bodyPr>
+          <a:lstStyle/>
+          <a:p>
+            <a:r>
+              <a:rPr lang="en-US" altLang="zh-CN" sz="1600" b="1" dirty="0"/>
+              <a:t>Unified heat recognition</a:t>
+            </a:r>
+            <a:endParaRPr lang="zh-CN" altLang="en-US" sz="1600" b="1" dirty="0"/>
+          </a:p>
+        </p:txBody>
+      </p:sp>
+      <p:sp>
+        <p:nvSpPr>
+          <p:cNvPr id="63" name="文本框 62">
+            <a:extLst>
+              <a:ext uri="{FF2B5EF4-FFF2-40B4-BE49-F238E27FC236}">
+                <a16:creationId xmlns:a16="http://schemas.microsoft.com/office/drawing/2014/main" id="{72A29863-F2A8-41A6-A6CD-F836F35A2FE1}"/>
+              </a:ext>
+            </a:extLst>
+          </p:cNvPr>
+          <p:cNvSpPr txBox="1"/>
+          <p:nvPr/>
+        </p:nvSpPr>
+        <p:spPr>
+          <a:xfrm>
+            <a:off x="1106226" y="1178400"/>
+            <a:ext cx="898028" cy="338554"/>
+          </a:xfrm>
+          <a:prstGeom prst="rect">
+            <a:avLst/>
+          </a:prstGeom>
+          <a:noFill/>
+        </p:spPr>
+        <p:txBody>
+          <a:bodyPr wrap="square" rtlCol="0">
+            <a:spAutoFit/>
+          </a:bodyPr>
+          <a:lstStyle/>
+          <a:p>
+            <a:pPr algn="ctr"/>
+            <a:r>
+              <a:rPr lang="en-US" altLang="zh-CN" sz="1600" b="1" dirty="0"/>
+              <a:t>Input</a:t>
+            </a:r>
+            <a:endParaRPr lang="zh-CN" altLang="en-US" sz="1600" b="1" dirty="0"/>
+          </a:p>
+        </p:txBody>
+      </p:sp>
+    </p:spTree>
+    <p:extLst>
+      <p:ext uri="{BB962C8B-B14F-4D97-AF65-F5344CB8AC3E}">
+        <p14:creationId xmlns:p14="http://schemas.microsoft.com/office/powerpoint/2010/main" val="1590692958"/>
+      </p:ext>
+    </p:extLst>
+  </p:cSld>
+  <p:clrMapOvr>
+    <a:masterClrMapping/>
+  </p:clrMapOvr>
+</p:sld>
+</file>
+
+<file path=ppt/slides/slide5.xml><?xml version="1.0" encoding="utf-8"?>
+<p:sld xmlns:a="http://schemas.openxmlformats.org/drawingml/2006/main" xmlns:r="http://schemas.openxmlformats.org/officeDocument/2006/relationships" xmlns:p="http://schemas.openxmlformats.org/presentationml/2006/main">
+  <p:cSld>
+    <p:spTree>
+      <p:nvGrpSpPr>
+        <p:cNvPr id="1" name=""/>
+        <p:cNvGrpSpPr/>
+        <p:nvPr/>
+      </p:nvGrpSpPr>
+      <p:grpSpPr>
+        <a:xfrm>
+          <a:off x="0" y="0"/>
+          <a:ext cx="0" cy="0"/>
+          <a:chOff x="0" y="0"/>
+          <a:chExt cx="0" cy="0"/>
+        </a:xfrm>
+      </p:grpSpPr>
+      <p:sp>
+        <p:nvSpPr>
+          <p:cNvPr id="12" name="矩形 11">
+            <a:extLst>
+              <a:ext uri="{FF2B5EF4-FFF2-40B4-BE49-F238E27FC236}">
+                <a16:creationId xmlns:a16="http://schemas.microsoft.com/office/drawing/2014/main" id="{86278263-CB08-41B2-B59D-6922BDF4B815}"/>
+              </a:ext>
+            </a:extLst>
+          </p:cNvPr>
+          <p:cNvSpPr/>
+          <p:nvPr/>
+        </p:nvSpPr>
+        <p:spPr>
+          <a:xfrm>
+            <a:off x="805543" y="527957"/>
+            <a:ext cx="10836728" cy="5562600"/>
+          </a:xfrm>
+          <a:prstGeom prst="rect">
+            <a:avLst/>
+          </a:prstGeom>
+          <a:solidFill>
+            <a:schemeClr val="bg1"/>
+          </a:solidFill>
+          <a:ln>
+            <a:solidFill>
+              <a:schemeClr val="bg1"/>
+            </a:solidFill>
+          </a:ln>
+        </p:spPr>
+        <p:style>
+          <a:lnRef idx="2">
+            <a:schemeClr val="accent1">
+              <a:shade val="50000"/>
+            </a:schemeClr>
+          </a:lnRef>
+          <a:fillRef idx="1">
+            <a:schemeClr val="accent1"/>
+          </a:fillRef>
+          <a:effectRef idx="0">
+            <a:schemeClr val="accent1"/>
+          </a:effectRef>
+          <a:fontRef idx="minor">
+            <a:schemeClr val="lt1"/>
+          </a:fontRef>
+        </p:style>
+        <p:txBody>
+          <a:bodyPr rtlCol="0" anchor="ctr"/>
+          <a:lstStyle/>
+          <a:p>
+            <a:pPr algn="ctr"/>
+            <a:endParaRPr lang="zh-CN" altLang="en-US"/>
+          </a:p>
+        </p:txBody>
+      </p:sp>
+      <p:sp>
+        <p:nvSpPr>
+          <p:cNvPr id="16" name="矩形: 圆角 15">
+            <a:extLst>
+              <a:ext uri="{FF2B5EF4-FFF2-40B4-BE49-F238E27FC236}">
+                <a16:creationId xmlns:a16="http://schemas.microsoft.com/office/drawing/2014/main" id="{0229EECA-86CF-447A-B5E0-740497E8EBB3}"/>
+              </a:ext>
+            </a:extLst>
+          </p:cNvPr>
+          <p:cNvSpPr/>
+          <p:nvPr/>
+        </p:nvSpPr>
+        <p:spPr>
+          <a:xfrm>
+            <a:off x="3353946" y="2458197"/>
+            <a:ext cx="2742054" cy="2985165"/>
+          </a:xfrm>
+          <a:prstGeom prst="roundRect">
+            <a:avLst/>
+          </a:prstGeom>
+          <a:solidFill>
+            <a:schemeClr val="bg1"/>
+          </a:solidFill>
+          <a:ln w="28575">
+            <a:solidFill>
+              <a:schemeClr val="tx1"/>
+            </a:solidFill>
+          </a:ln>
+          <a:effectLst>
+            <a:outerShdw blurRad="63500" sx="102000" sy="102000" algn="ctr" rotWithShape="0">
+              <a:prstClr val="black">
+                <a:alpha val="40000"/>
+              </a:prstClr>
+            </a:outerShdw>
+          </a:effectLst>
+        </p:spPr>
+        <p:style>
+          <a:lnRef idx="2">
+            <a:schemeClr val="accent1">
+              <a:shade val="50000"/>
+            </a:schemeClr>
+          </a:lnRef>
+          <a:fillRef idx="1">
+            <a:schemeClr val="accent1"/>
+          </a:fillRef>
+          <a:effectRef idx="0">
+            <a:schemeClr val="accent1"/>
+          </a:effectRef>
+          <a:fontRef idx="minor">
+            <a:schemeClr val="lt1"/>
+          </a:fontRef>
+        </p:style>
+        <p:txBody>
+          <a:bodyPr rtlCol="0" anchor="ctr"/>
+          <a:lstStyle/>
+          <a:p>
+            <a:pPr algn="ctr"/>
+            <a:endParaRPr lang="zh-CN" altLang="en-US" dirty="0"/>
+          </a:p>
+        </p:txBody>
+      </p:sp>
+      <p:sp>
+        <p:nvSpPr>
+          <p:cNvPr id="7" name="矩形: 圆角 6">
+            <a:extLst>
+              <a:ext uri="{FF2B5EF4-FFF2-40B4-BE49-F238E27FC236}">
+                <a16:creationId xmlns:a16="http://schemas.microsoft.com/office/drawing/2014/main" id="{74DCF831-AB90-40C3-B2FB-4321105CC694}"/>
+              </a:ext>
+            </a:extLst>
+          </p:cNvPr>
+          <p:cNvSpPr/>
+          <p:nvPr/>
+        </p:nvSpPr>
+        <p:spPr>
+          <a:xfrm>
+            <a:off x="3434233" y="2605250"/>
+            <a:ext cx="2539126" cy="1652435"/>
+          </a:xfrm>
+          <a:prstGeom prst="roundRect">
+            <a:avLst/>
+          </a:prstGeom>
+          <a:noFill/>
+          <a:ln w="28575">
+            <a:solidFill>
+              <a:schemeClr val="tx1"/>
+            </a:solidFill>
+          </a:ln>
+          <a:effectLst>
+            <a:outerShdw blurRad="63500" sx="102000" sy="102000" algn="ctr" rotWithShape="0">
+              <a:prstClr val="black">
+                <a:alpha val="40000"/>
+              </a:prstClr>
+            </a:outerShdw>
+          </a:effectLst>
+        </p:spPr>
+        <p:style>
+          <a:lnRef idx="2">
+            <a:schemeClr val="accent1">
+              <a:shade val="50000"/>
+            </a:schemeClr>
+          </a:lnRef>
+          <a:fillRef idx="1">
+            <a:schemeClr val="accent1"/>
+          </a:fillRef>
+          <a:effectRef idx="0">
+            <a:schemeClr val="accent1"/>
+          </a:effectRef>
+          <a:fontRef idx="minor">
+            <a:schemeClr val="lt1"/>
+          </a:fontRef>
+        </p:style>
+        <p:txBody>
+          <a:bodyPr rtlCol="0" anchor="ctr"/>
+          <a:lstStyle/>
+          <a:p>
+            <a:pPr algn="ctr"/>
+            <a:endParaRPr lang="zh-CN" altLang="en-US"/>
+          </a:p>
+        </p:txBody>
+      </p:sp>
+      <p:sp>
+        <p:nvSpPr>
+          <p:cNvPr id="55" name="矩形: 圆角 54">
+            <a:extLst>
+              <a:ext uri="{FF2B5EF4-FFF2-40B4-BE49-F238E27FC236}">
+                <a16:creationId xmlns:a16="http://schemas.microsoft.com/office/drawing/2014/main" id="{663F1C3A-BE65-4CE7-A095-EF1B35823443}"/>
+              </a:ext>
+            </a:extLst>
+          </p:cNvPr>
+          <p:cNvSpPr/>
+          <p:nvPr/>
+        </p:nvSpPr>
+        <p:spPr>
+          <a:xfrm>
+            <a:off x="6667230" y="2427514"/>
+            <a:ext cx="2649782" cy="3086605"/>
+          </a:xfrm>
+          <a:prstGeom prst="roundRect">
+            <a:avLst/>
+          </a:prstGeom>
+          <a:solidFill>
+            <a:srgbClr val="FFFFFF"/>
+          </a:solidFill>
+          <a:ln w="28575">
+            <a:solidFill>
+              <a:schemeClr val="tx1"/>
+            </a:solidFill>
+          </a:ln>
+          <a:effectLst>
+            <a:outerShdw blurRad="63500" sx="102000" sy="102000" algn="ctr" rotWithShape="0">
+              <a:prstClr val="black">
+                <a:alpha val="40000"/>
+              </a:prstClr>
+            </a:outerShdw>
+          </a:effectLst>
+        </p:spPr>
+        <p:style>
+          <a:lnRef idx="2">
+            <a:schemeClr val="accent1">
+              <a:shade val="50000"/>
+            </a:schemeClr>
+          </a:lnRef>
+          <a:fillRef idx="1">
+            <a:schemeClr val="accent1"/>
+          </a:fillRef>
+          <a:effectRef idx="0">
+            <a:schemeClr val="accent1"/>
+          </a:effectRef>
+          <a:fontRef idx="minor">
+            <a:schemeClr val="lt1"/>
+          </a:fontRef>
+        </p:style>
+        <p:txBody>
+          <a:bodyPr rtlCol="0" anchor="ctr"/>
+          <a:lstStyle/>
+          <a:p>
+            <a:pPr algn="ctr"/>
+            <a:endParaRPr lang="zh-CN" altLang="en-US"/>
+          </a:p>
+        </p:txBody>
+      </p:sp>
+      <p:sp>
+        <p:nvSpPr>
+          <p:cNvPr id="30" name="矩形 29">
+            <a:extLst>
+              <a:ext uri="{FF2B5EF4-FFF2-40B4-BE49-F238E27FC236}">
+                <a16:creationId xmlns:a16="http://schemas.microsoft.com/office/drawing/2014/main" id="{483D6056-B6F1-466B-9130-9DE2E678A985}"/>
+              </a:ext>
+            </a:extLst>
+          </p:cNvPr>
+          <p:cNvSpPr/>
+          <p:nvPr/>
+        </p:nvSpPr>
+        <p:spPr>
+          <a:xfrm>
+            <a:off x="10232386" y="1115785"/>
+            <a:ext cx="898027" cy="4449494"/>
+          </a:xfrm>
+          <a:prstGeom prst="rect">
+            <a:avLst/>
+          </a:prstGeom>
+          <a:gradFill flip="none" rotWithShape="1">
+            <a:gsLst>
+              <a:gs pos="0">
+                <a:schemeClr val="accent5">
+                  <a:lumMod val="75000"/>
+                  <a:tint val="66000"/>
+                  <a:satMod val="160000"/>
+                </a:schemeClr>
+              </a:gs>
+              <a:gs pos="50000">
+                <a:schemeClr val="accent5">
+                  <a:lumMod val="75000"/>
+                  <a:tint val="44500"/>
+                  <a:satMod val="160000"/>
+                </a:schemeClr>
+              </a:gs>
+              <a:gs pos="100000">
+                <a:schemeClr val="accent5">
+                  <a:lumMod val="75000"/>
+                  <a:tint val="23500"/>
+                  <a:satMod val="160000"/>
+                </a:schemeClr>
+              </a:gs>
+            </a:gsLst>
+            <a:lin ang="13500000" scaled="1"/>
+            <a:tileRect/>
+          </a:gradFill>
+          <a:ln w="28575">
+            <a:solidFill>
+              <a:schemeClr val="tx1"/>
+            </a:solidFill>
+          </a:ln>
+          <a:effectLst>
+            <a:outerShdw blurRad="50800" dist="38100" dir="8100000" algn="tr" rotWithShape="0">
+              <a:prstClr val="black">
+                <a:alpha val="40000"/>
+              </a:prstClr>
+            </a:outerShdw>
+          </a:effectLst>
+        </p:spPr>
+        <p:style>
+          <a:lnRef idx="2">
+            <a:schemeClr val="accent1">
+              <a:shade val="50000"/>
+            </a:schemeClr>
+          </a:lnRef>
+          <a:fillRef idx="1">
+            <a:schemeClr val="accent1"/>
+          </a:fillRef>
+          <a:effectRef idx="0">
+            <a:schemeClr val="accent1"/>
+          </a:effectRef>
+          <a:fontRef idx="minor">
+            <a:schemeClr val="lt1"/>
+          </a:fontRef>
+        </p:style>
+        <p:txBody>
+          <a:bodyPr rtlCol="0" anchor="ctr"/>
+          <a:lstStyle/>
+          <a:p>
+            <a:pPr algn="ctr"/>
+            <a:endParaRPr lang="zh-CN" altLang="en-US"/>
+          </a:p>
+        </p:txBody>
+      </p:sp>
+      <p:grpSp>
+        <p:nvGrpSpPr>
+          <p:cNvPr id="11" name="组合 10">
+            <a:extLst>
+              <a:ext uri="{FF2B5EF4-FFF2-40B4-BE49-F238E27FC236}">
+                <a16:creationId xmlns:a16="http://schemas.microsoft.com/office/drawing/2014/main" id="{F876AC7D-EBD6-46D5-BECA-04B6EA859E90}"/>
+              </a:ext>
+            </a:extLst>
+          </p:cNvPr>
+          <p:cNvGrpSpPr/>
+          <p:nvPr/>
+        </p:nvGrpSpPr>
+        <p:grpSpPr>
+          <a:xfrm rot="5400000">
+            <a:off x="-660303" y="2954515"/>
+            <a:ext cx="4445226" cy="756879"/>
+            <a:chOff x="669851" y="834656"/>
+            <a:chExt cx="3232298" cy="600739"/>
+          </a:xfrm>
+          <a:gradFill flip="none" rotWithShape="1">
+            <a:gsLst>
+              <a:gs pos="0">
+                <a:schemeClr val="accent5">
+                  <a:lumMod val="75000"/>
+                  <a:tint val="66000"/>
+                  <a:satMod val="160000"/>
+                </a:schemeClr>
+              </a:gs>
+              <a:gs pos="50000">
+                <a:schemeClr val="accent5">
+                  <a:lumMod val="75000"/>
+                  <a:tint val="44500"/>
+                  <a:satMod val="160000"/>
+                </a:schemeClr>
+              </a:gs>
+              <a:gs pos="100000">
+                <a:schemeClr val="accent5">
+                  <a:lumMod val="75000"/>
+                  <a:tint val="23500"/>
+                  <a:satMod val="160000"/>
+                </a:schemeClr>
+              </a:gs>
+            </a:gsLst>
+            <a:lin ang="13500000" scaled="1"/>
+            <a:tileRect/>
+          </a:gradFill>
+          <a:effectLst>
+            <a:outerShdw blurRad="63500" sx="102000" sy="102000" algn="ctr" rotWithShape="0">
+              <a:prstClr val="black">
+                <a:alpha val="40000"/>
+              </a:prstClr>
+            </a:outerShdw>
+          </a:effectLst>
+        </p:grpSpPr>
+        <p:sp>
+          <p:nvSpPr>
+            <p:cNvPr id="4" name="矩形 3">
+              <a:extLst>
+                <a:ext uri="{FF2B5EF4-FFF2-40B4-BE49-F238E27FC236}">
+                  <a16:creationId xmlns:a16="http://schemas.microsoft.com/office/drawing/2014/main" id="{A2C709EA-5F84-4587-86FD-B37FD4D3A37A}"/>
+                </a:ext>
+              </a:extLst>
+            </p:cNvPr>
+            <p:cNvSpPr/>
+            <p:nvPr/>
+          </p:nvSpPr>
+          <p:spPr>
+            <a:xfrm>
+              <a:off x="669851" y="834656"/>
+              <a:ext cx="3232298" cy="600739"/>
+            </a:xfrm>
+            <a:prstGeom prst="rect">
+              <a:avLst/>
+            </a:prstGeom>
+            <a:grpFill/>
+            <a:ln w="28575">
+              <a:solidFill>
+                <a:schemeClr val="tx1"/>
+              </a:solidFill>
+            </a:ln>
+          </p:spPr>
+          <p:style>
+            <a:lnRef idx="2">
+              <a:schemeClr val="accent1">
+                <a:shade val="50000"/>
+              </a:schemeClr>
+            </a:lnRef>
+            <a:fillRef idx="1">
+              <a:schemeClr val="accent1"/>
+            </a:fillRef>
+            <a:effectRef idx="0">
+              <a:schemeClr val="accent1"/>
+            </a:effectRef>
+            <a:fontRef idx="minor">
+              <a:schemeClr val="lt1"/>
+            </a:fontRef>
+          </p:style>
+          <p:txBody>
+            <a:bodyPr rtlCol="0" anchor="ctr"/>
+            <a:lstStyle/>
+            <a:p>
+              <a:pPr algn="ctr"/>
+              <a:endParaRPr lang="zh-CN" altLang="en-US"/>
+            </a:p>
+          </p:txBody>
+        </p:sp>
+        <p:cxnSp>
+          <p:nvCxnSpPr>
+            <p:cNvPr id="6" name="直接连接符 5">
+              <a:extLst>
+                <a:ext uri="{FF2B5EF4-FFF2-40B4-BE49-F238E27FC236}">
+                  <a16:creationId xmlns:a16="http://schemas.microsoft.com/office/drawing/2014/main" id="{51A88500-772A-45E0-A2FE-3767E9EDCC6A}"/>
+                </a:ext>
+              </a:extLst>
+            </p:cNvPr>
+            <p:cNvCxnSpPr>
+              <a:cxnSpLocks/>
+            </p:cNvCxnSpPr>
+            <p:nvPr/>
+          </p:nvCxnSpPr>
+          <p:spPr>
+            <a:xfrm>
+              <a:off x="1339702" y="834656"/>
+              <a:ext cx="0" cy="600739"/>
+            </a:xfrm>
+            <a:prstGeom prst="line">
+              <a:avLst/>
+            </a:prstGeom>
+            <a:grpFill/>
+            <a:ln w="28575">
+              <a:solidFill>
+                <a:schemeClr val="tx1"/>
+              </a:solidFill>
+            </a:ln>
+          </p:spPr>
+          <p:style>
+            <a:lnRef idx="1">
+              <a:schemeClr val="accent1"/>
+            </a:lnRef>
+            <a:fillRef idx="0">
+              <a:schemeClr val="accent1"/>
+            </a:fillRef>
+            <a:effectRef idx="0">
+              <a:schemeClr val="accent1"/>
+            </a:effectRef>
+            <a:fontRef idx="minor">
+              <a:schemeClr val="tx1"/>
+            </a:fontRef>
+          </p:style>
+        </p:cxnSp>
+        <p:cxnSp>
+          <p:nvCxnSpPr>
+            <p:cNvPr id="8" name="直接连接符 7">
+              <a:extLst>
+                <a:ext uri="{FF2B5EF4-FFF2-40B4-BE49-F238E27FC236}">
+                  <a16:creationId xmlns:a16="http://schemas.microsoft.com/office/drawing/2014/main" id="{0F7A2D4C-9D68-42CB-ACCC-EBC48CB7CC78}"/>
+                </a:ext>
+              </a:extLst>
+            </p:cNvPr>
+            <p:cNvCxnSpPr>
+              <a:cxnSpLocks/>
+            </p:cNvCxnSpPr>
+            <p:nvPr/>
+          </p:nvCxnSpPr>
+          <p:spPr>
+            <a:xfrm>
+              <a:off x="1991832" y="834656"/>
+              <a:ext cx="0" cy="600739"/>
+            </a:xfrm>
+            <a:prstGeom prst="line">
+              <a:avLst/>
+            </a:prstGeom>
+            <a:grpFill/>
+            <a:ln w="28575">
+              <a:solidFill>
+                <a:schemeClr val="tx1"/>
+              </a:solidFill>
+            </a:ln>
+          </p:spPr>
+          <p:style>
+            <a:lnRef idx="1">
+              <a:schemeClr val="accent1"/>
+            </a:lnRef>
+            <a:fillRef idx="0">
+              <a:schemeClr val="accent1"/>
+            </a:fillRef>
+            <a:effectRef idx="0">
+              <a:schemeClr val="accent1"/>
+            </a:effectRef>
+            <a:fontRef idx="minor">
+              <a:schemeClr val="tx1"/>
+            </a:fontRef>
+          </p:style>
+        </p:cxnSp>
+        <p:cxnSp>
+          <p:nvCxnSpPr>
+            <p:cNvPr id="9" name="直接连接符 8">
+              <a:extLst>
+                <a:ext uri="{FF2B5EF4-FFF2-40B4-BE49-F238E27FC236}">
+                  <a16:creationId xmlns:a16="http://schemas.microsoft.com/office/drawing/2014/main" id="{AD82FF30-DD6F-4EAE-9302-366B11443C1F}"/>
+                </a:ext>
+              </a:extLst>
+            </p:cNvPr>
+            <p:cNvCxnSpPr>
+              <a:cxnSpLocks/>
+            </p:cNvCxnSpPr>
+            <p:nvPr/>
+          </p:nvCxnSpPr>
+          <p:spPr>
+            <a:xfrm>
+              <a:off x="2629786" y="834656"/>
+              <a:ext cx="0" cy="600739"/>
+            </a:xfrm>
+            <a:prstGeom prst="line">
+              <a:avLst/>
+            </a:prstGeom>
+            <a:grpFill/>
+            <a:ln w="28575">
+              <a:solidFill>
+                <a:schemeClr val="tx1"/>
+              </a:solidFill>
+            </a:ln>
+          </p:spPr>
+          <p:style>
+            <a:lnRef idx="1">
+              <a:schemeClr val="accent1"/>
+            </a:lnRef>
+            <a:fillRef idx="0">
+              <a:schemeClr val="accent1"/>
+            </a:fillRef>
+            <a:effectRef idx="0">
+              <a:schemeClr val="accent1"/>
+            </a:effectRef>
+            <a:fontRef idx="minor">
+              <a:schemeClr val="tx1"/>
+            </a:fontRef>
+          </p:style>
+        </p:cxnSp>
+        <p:cxnSp>
+          <p:nvCxnSpPr>
+            <p:cNvPr id="10" name="直接连接符 9">
+              <a:extLst>
+                <a:ext uri="{FF2B5EF4-FFF2-40B4-BE49-F238E27FC236}">
+                  <a16:creationId xmlns:a16="http://schemas.microsoft.com/office/drawing/2014/main" id="{3C8D578A-79B2-4ECC-91CE-5C251CC7790E}"/>
+                </a:ext>
+              </a:extLst>
+            </p:cNvPr>
+            <p:cNvCxnSpPr>
+              <a:cxnSpLocks/>
+            </p:cNvCxnSpPr>
+            <p:nvPr/>
+          </p:nvCxnSpPr>
+          <p:spPr>
+            <a:xfrm>
+              <a:off x="3262423" y="834656"/>
+              <a:ext cx="0" cy="600739"/>
+            </a:xfrm>
+            <a:prstGeom prst="line">
+              <a:avLst/>
+            </a:prstGeom>
+            <a:grpFill/>
+            <a:ln w="28575">
+              <a:solidFill>
+                <a:schemeClr val="tx1"/>
+              </a:solidFill>
+            </a:ln>
+          </p:spPr>
+          <p:style>
+            <a:lnRef idx="1">
+              <a:schemeClr val="accent1"/>
+            </a:lnRef>
+            <a:fillRef idx="0">
+              <a:schemeClr val="accent1"/>
+            </a:fillRef>
+            <a:effectRef idx="0">
+              <a:schemeClr val="accent1"/>
+            </a:effectRef>
+            <a:fontRef idx="minor">
+              <a:schemeClr val="tx1"/>
+            </a:fontRef>
+          </p:style>
+        </p:cxnSp>
+      </p:grpSp>
+      <p:sp>
+        <p:nvSpPr>
+          <p:cNvPr id="36" name="箭头: 下 35">
+            <a:extLst>
+              <a:ext uri="{FF2B5EF4-FFF2-40B4-BE49-F238E27FC236}">
+                <a16:creationId xmlns:a16="http://schemas.microsoft.com/office/drawing/2014/main" id="{42D8540F-F826-4ED0-9464-462908235CBB}"/>
+              </a:ext>
+            </a:extLst>
+          </p:cNvPr>
+          <p:cNvSpPr/>
+          <p:nvPr/>
+        </p:nvSpPr>
+        <p:spPr>
+          <a:xfrm rot="16200000">
+            <a:off x="9600068" y="3588863"/>
+            <a:ext cx="366824" cy="600739"/>
+          </a:xfrm>
+          <a:prstGeom prst="downArrow">
+            <a:avLst/>
+          </a:prstGeom>
+          <a:solidFill>
+            <a:schemeClr val="tx1"/>
+          </a:solidFill>
+          <a:ln w="28575">
+            <a:solidFill>
+              <a:schemeClr val="tx1"/>
+            </a:solidFill>
+          </a:ln>
+        </p:spPr>
+        <p:style>
+          <a:lnRef idx="2">
+            <a:schemeClr val="accent1">
+              <a:shade val="50000"/>
+            </a:schemeClr>
+          </a:lnRef>
+          <a:fillRef idx="1">
+            <a:schemeClr val="accent1"/>
+          </a:fillRef>
+          <a:effectRef idx="0">
+            <a:schemeClr val="accent1"/>
+          </a:effectRef>
+          <a:fontRef idx="minor">
+            <a:schemeClr val="lt1"/>
+          </a:fontRef>
+        </p:style>
+        <p:txBody>
+          <a:bodyPr rtlCol="0" anchor="ctr"/>
+          <a:lstStyle/>
+          <a:p>
+            <a:pPr algn="ctr"/>
+            <a:endParaRPr lang="zh-CN" altLang="en-US"/>
+          </a:p>
+        </p:txBody>
+      </p:sp>
+      <p:sp>
+        <p:nvSpPr>
+          <p:cNvPr id="13" name="矩形 12">
+            <a:extLst>
+              <a:ext uri="{FF2B5EF4-FFF2-40B4-BE49-F238E27FC236}">
+                <a16:creationId xmlns:a16="http://schemas.microsoft.com/office/drawing/2014/main" id="{C8581042-E19E-44FC-AE14-1F5658D27684}"/>
+              </a:ext>
+            </a:extLst>
+          </p:cNvPr>
+          <p:cNvSpPr/>
+          <p:nvPr/>
+        </p:nvSpPr>
+        <p:spPr>
+          <a:xfrm>
+            <a:off x="3341488" y="1495053"/>
+            <a:ext cx="5963066" cy="441477"/>
+          </a:xfrm>
+          <a:prstGeom prst="rect">
+            <a:avLst/>
+          </a:prstGeom>
+          <a:gradFill flip="none" rotWithShape="1">
+            <a:gsLst>
+              <a:gs pos="0">
+                <a:srgbClr val="C00000"/>
+              </a:gs>
+              <a:gs pos="50000">
+                <a:schemeClr val="accent1">
+                  <a:tint val="44500"/>
+                  <a:satMod val="160000"/>
+                </a:schemeClr>
+              </a:gs>
+              <a:gs pos="100000">
+                <a:srgbClr val="2F528F"/>
+              </a:gs>
+            </a:gsLst>
+            <a:lin ang="0" scaled="1"/>
+            <a:tileRect/>
+          </a:gradFill>
+          <a:ln w="28575">
+            <a:solidFill>
+              <a:schemeClr val="tx1"/>
+            </a:solidFill>
+          </a:ln>
+          <a:effectLst>
+            <a:outerShdw blurRad="63500" sx="102000" sy="102000" algn="ctr" rotWithShape="0">
+              <a:prstClr val="black">
+                <a:alpha val="40000"/>
+              </a:prstClr>
+            </a:outerShdw>
+          </a:effectLst>
+        </p:spPr>
+        <p:style>
+          <a:lnRef idx="2">
+            <a:schemeClr val="accent1">
+              <a:shade val="50000"/>
+            </a:schemeClr>
+          </a:lnRef>
+          <a:fillRef idx="1">
+            <a:schemeClr val="accent1"/>
+          </a:fillRef>
+          <a:effectRef idx="0">
+            <a:schemeClr val="accent1"/>
+          </a:effectRef>
+          <a:fontRef idx="minor">
+            <a:schemeClr val="lt1"/>
+          </a:fontRef>
+        </p:style>
+        <p:txBody>
+          <a:bodyPr rtlCol="0" anchor="ctr"/>
+          <a:lstStyle/>
+          <a:p>
+            <a:pPr algn="ctr"/>
+            <a:endParaRPr lang="zh-CN" altLang="en-US"/>
+          </a:p>
+        </p:txBody>
+      </p:sp>
+      <p:cxnSp>
+        <p:nvCxnSpPr>
+          <p:cNvPr id="15" name="直接连接符 14">
+            <a:extLst>
+              <a:ext uri="{FF2B5EF4-FFF2-40B4-BE49-F238E27FC236}">
+                <a16:creationId xmlns:a16="http://schemas.microsoft.com/office/drawing/2014/main" id="{66CAABC4-6DD8-4BA8-A767-EA4C211AC597}"/>
+              </a:ext>
+            </a:extLst>
+          </p:cNvPr>
+          <p:cNvCxnSpPr>
+            <a:cxnSpLocks/>
+          </p:cNvCxnSpPr>
+          <p:nvPr/>
+        </p:nvCxnSpPr>
+        <p:spPr>
+          <a:xfrm>
+            <a:off x="5146102" y="1495053"/>
+            <a:ext cx="0" cy="449293"/>
+          </a:xfrm>
+          <a:prstGeom prst="line">
+            <a:avLst/>
+          </a:prstGeom>
+          <a:noFill/>
+          <a:ln w="28575">
+            <a:solidFill>
+              <a:schemeClr val="tx1"/>
+            </a:solidFill>
+          </a:ln>
+        </p:spPr>
+        <p:style>
+          <a:lnRef idx="1">
+            <a:schemeClr val="accent1"/>
+          </a:lnRef>
+          <a:fillRef idx="0">
+            <a:schemeClr val="accent1"/>
+          </a:fillRef>
+          <a:effectRef idx="0">
+            <a:schemeClr val="accent1"/>
+          </a:effectRef>
+          <a:fontRef idx="minor">
+            <a:schemeClr val="tx1"/>
+          </a:fontRef>
+        </p:style>
+      </p:cxnSp>
+      <p:cxnSp>
+        <p:nvCxnSpPr>
+          <p:cNvPr id="17" name="直接连接符 16">
+            <a:extLst>
+              <a:ext uri="{FF2B5EF4-FFF2-40B4-BE49-F238E27FC236}">
+                <a16:creationId xmlns:a16="http://schemas.microsoft.com/office/drawing/2014/main" id="{6BBE0F13-CE90-450E-A94B-4E611F4B9D2E}"/>
+              </a:ext>
+            </a:extLst>
+          </p:cNvPr>
+          <p:cNvCxnSpPr>
+            <a:cxnSpLocks/>
+          </p:cNvCxnSpPr>
+          <p:nvPr/>
+        </p:nvCxnSpPr>
+        <p:spPr>
+          <a:xfrm>
+            <a:off x="7290715" y="1491145"/>
+            <a:ext cx="0" cy="449293"/>
+          </a:xfrm>
+          <a:prstGeom prst="line">
+            <a:avLst/>
+          </a:prstGeom>
+          <a:noFill/>
+          <a:ln w="28575">
+            <a:solidFill>
+              <a:schemeClr val="tx1"/>
+            </a:solidFill>
+          </a:ln>
+        </p:spPr>
+        <p:style>
+          <a:lnRef idx="1">
+            <a:schemeClr val="accent1"/>
+          </a:lnRef>
+          <a:fillRef idx="0">
+            <a:schemeClr val="accent1"/>
+          </a:fillRef>
+          <a:effectRef idx="0">
+            <a:schemeClr val="accent1"/>
+          </a:effectRef>
+          <a:fontRef idx="minor">
+            <a:schemeClr val="tx1"/>
+          </a:fontRef>
+        </p:style>
+      </p:cxnSp>
+      <p:cxnSp>
+        <p:nvCxnSpPr>
+          <p:cNvPr id="19" name="直接箭头连接符 18">
+            <a:extLst>
+              <a:ext uri="{FF2B5EF4-FFF2-40B4-BE49-F238E27FC236}">
+                <a16:creationId xmlns:a16="http://schemas.microsoft.com/office/drawing/2014/main" id="{B481D4C4-6C50-4997-B751-6CD16E6BC9FF}"/>
+              </a:ext>
+            </a:extLst>
+          </p:cNvPr>
+          <p:cNvCxnSpPr>
+            <a:cxnSpLocks/>
+          </p:cNvCxnSpPr>
+          <p:nvPr/>
+        </p:nvCxnSpPr>
+        <p:spPr>
+          <a:xfrm>
+            <a:off x="5146102" y="1616167"/>
+            <a:ext cx="284558" cy="0"/>
+          </a:xfrm>
+          <a:prstGeom prst="straightConnector1">
+            <a:avLst/>
+          </a:prstGeom>
+          <a:noFill/>
+          <a:ln w="28575">
+            <a:solidFill>
+              <a:schemeClr val="tx1"/>
+            </a:solidFill>
+            <a:tailEnd type="triangle"/>
+          </a:ln>
+        </p:spPr>
+        <p:style>
+          <a:lnRef idx="1">
+            <a:schemeClr val="accent1"/>
+          </a:lnRef>
+          <a:fillRef idx="0">
+            <a:schemeClr val="accent1"/>
+          </a:fillRef>
+          <a:effectRef idx="0">
+            <a:schemeClr val="accent1"/>
+          </a:effectRef>
+          <a:fontRef idx="minor">
+            <a:schemeClr val="tx1"/>
+          </a:fontRef>
+        </p:style>
+      </p:cxnSp>
+      <p:cxnSp>
+        <p:nvCxnSpPr>
+          <p:cNvPr id="20" name="直接箭头连接符 19">
+            <a:extLst>
+              <a:ext uri="{FF2B5EF4-FFF2-40B4-BE49-F238E27FC236}">
+                <a16:creationId xmlns:a16="http://schemas.microsoft.com/office/drawing/2014/main" id="{77C384DF-5158-43C2-A601-2DA101B2FCBF}"/>
+              </a:ext>
+            </a:extLst>
+          </p:cNvPr>
+          <p:cNvCxnSpPr>
+            <a:cxnSpLocks/>
+          </p:cNvCxnSpPr>
+          <p:nvPr/>
+        </p:nvCxnSpPr>
+        <p:spPr>
+          <a:xfrm>
+            <a:off x="7285811" y="1616167"/>
+            <a:ext cx="296829" cy="0"/>
+          </a:xfrm>
+          <a:prstGeom prst="straightConnector1">
+            <a:avLst/>
+          </a:prstGeom>
+          <a:noFill/>
+          <a:ln w="28575">
+            <a:solidFill>
+              <a:schemeClr val="tx1"/>
+            </a:solidFill>
+            <a:tailEnd type="triangle"/>
+          </a:ln>
+        </p:spPr>
+        <p:style>
+          <a:lnRef idx="1">
+            <a:schemeClr val="accent1"/>
+          </a:lnRef>
+          <a:fillRef idx="0">
+            <a:schemeClr val="accent1"/>
+          </a:fillRef>
+          <a:effectRef idx="0">
+            <a:schemeClr val="accent1"/>
+          </a:effectRef>
+          <a:fontRef idx="minor">
+            <a:schemeClr val="tx1"/>
+          </a:fontRef>
+        </p:style>
+      </p:cxnSp>
+      <p:cxnSp>
+        <p:nvCxnSpPr>
+          <p:cNvPr id="21" name="直接箭头连接符 20">
+            <a:extLst>
+              <a:ext uri="{FF2B5EF4-FFF2-40B4-BE49-F238E27FC236}">
+                <a16:creationId xmlns:a16="http://schemas.microsoft.com/office/drawing/2014/main" id="{33679C02-7042-4AE9-B694-5B4FADECE195}"/>
+              </a:ext>
+            </a:extLst>
+          </p:cNvPr>
+          <p:cNvCxnSpPr>
+            <a:cxnSpLocks/>
+          </p:cNvCxnSpPr>
+          <p:nvPr/>
+        </p:nvCxnSpPr>
+        <p:spPr>
+          <a:xfrm flipH="1">
+            <a:off x="4831946" y="1778954"/>
+            <a:ext cx="314156" cy="0"/>
+          </a:xfrm>
+          <a:prstGeom prst="straightConnector1">
+            <a:avLst/>
+          </a:prstGeom>
+          <a:noFill/>
+          <a:ln w="28575">
+            <a:solidFill>
+              <a:schemeClr val="tx1"/>
+            </a:solidFill>
+            <a:tailEnd type="triangle"/>
+          </a:ln>
+        </p:spPr>
+        <p:style>
+          <a:lnRef idx="1">
+            <a:schemeClr val="accent1"/>
+          </a:lnRef>
+          <a:fillRef idx="0">
+            <a:schemeClr val="accent1"/>
+          </a:fillRef>
+          <a:effectRef idx="0">
+            <a:schemeClr val="accent1"/>
+          </a:effectRef>
+          <a:fontRef idx="minor">
+            <a:schemeClr val="tx1"/>
+          </a:fontRef>
+        </p:style>
+      </p:cxnSp>
+      <p:cxnSp>
+        <p:nvCxnSpPr>
+          <p:cNvPr id="23" name="直接箭头连接符 22">
+            <a:extLst>
+              <a:ext uri="{FF2B5EF4-FFF2-40B4-BE49-F238E27FC236}">
+                <a16:creationId xmlns:a16="http://schemas.microsoft.com/office/drawing/2014/main" id="{38E7E5F0-6781-4F1D-AA5E-AA4BB95C0379}"/>
+              </a:ext>
+            </a:extLst>
+          </p:cNvPr>
+          <p:cNvCxnSpPr>
+            <a:cxnSpLocks/>
+          </p:cNvCxnSpPr>
+          <p:nvPr/>
+        </p:nvCxnSpPr>
+        <p:spPr>
+          <a:xfrm flipH="1">
+            <a:off x="7008643" y="1778954"/>
+            <a:ext cx="277168" cy="0"/>
+          </a:xfrm>
+          <a:prstGeom prst="straightConnector1">
+            <a:avLst/>
+          </a:prstGeom>
+          <a:noFill/>
+          <a:ln w="28575">
+            <a:solidFill>
+              <a:schemeClr val="tx1"/>
+            </a:solidFill>
+            <a:tailEnd type="triangle"/>
+          </a:ln>
+        </p:spPr>
+        <p:style>
+          <a:lnRef idx="1">
+            <a:schemeClr val="accent1"/>
+          </a:lnRef>
+          <a:fillRef idx="0">
+            <a:schemeClr val="accent1"/>
+          </a:fillRef>
+          <a:effectRef idx="0">
+            <a:schemeClr val="accent1"/>
+          </a:effectRef>
+          <a:fontRef idx="minor">
+            <a:schemeClr val="tx1"/>
+          </a:fontRef>
+        </p:style>
+      </p:cxnSp>
+      <p:sp>
+        <p:nvSpPr>
+          <p:cNvPr id="51" name="矩形 50">
+            <a:extLst>
+              <a:ext uri="{FF2B5EF4-FFF2-40B4-BE49-F238E27FC236}">
+                <a16:creationId xmlns:a16="http://schemas.microsoft.com/office/drawing/2014/main" id="{E4DF11A1-7747-40E5-BF2C-90E589ED4977}"/>
+              </a:ext>
+            </a:extLst>
+          </p:cNvPr>
+          <p:cNvSpPr/>
+          <p:nvPr/>
+        </p:nvSpPr>
+        <p:spPr>
+          <a:xfrm>
+            <a:off x="3581400" y="3615170"/>
+            <a:ext cx="2280738" cy="543409"/>
+          </a:xfrm>
+          <a:prstGeom prst="rect">
+            <a:avLst/>
+          </a:prstGeom>
+          <a:solidFill>
+            <a:schemeClr val="accent6">
+              <a:lumMod val="60000"/>
+              <a:lumOff val="40000"/>
+            </a:schemeClr>
+          </a:solidFill>
+          <a:ln w="28575">
+            <a:solidFill>
+              <a:schemeClr val="tx1"/>
+            </a:solidFill>
+          </a:ln>
+          <a:effectLst>
+            <a:outerShdw blurRad="63500" sx="102000" sy="102000" algn="ctr" rotWithShape="0">
+              <a:prstClr val="black">
+                <a:alpha val="40000"/>
+              </a:prstClr>
+            </a:outerShdw>
+          </a:effectLst>
+        </p:spPr>
+        <p:style>
+          <a:lnRef idx="2">
+            <a:schemeClr val="accent1">
+              <a:shade val="50000"/>
+            </a:schemeClr>
+          </a:lnRef>
+          <a:fillRef idx="1">
+            <a:schemeClr val="accent1"/>
+          </a:fillRef>
+          <a:effectRef idx="0">
+            <a:schemeClr val="accent1"/>
+          </a:effectRef>
+          <a:fontRef idx="minor">
+            <a:schemeClr val="lt1"/>
+          </a:fontRef>
+        </p:style>
+        <p:txBody>
+          <a:bodyPr rtlCol="0" anchor="ctr"/>
+          <a:lstStyle/>
+          <a:p>
+            <a:pPr algn="ctr"/>
+            <a:r>
+              <a:rPr lang="en-US" altLang="zh-CN" sz="1600" b="1" dirty="0">
+                <a:solidFill>
+                  <a:schemeClr val="tx1"/>
+                </a:solidFill>
+              </a:rPr>
+              <a:t>Compression Algorithm Assignment</a:t>
+            </a:r>
+            <a:endParaRPr lang="zh-CN" altLang="en-US" sz="1600" b="1" dirty="0">
+              <a:solidFill>
+                <a:schemeClr val="tx1"/>
+              </a:solidFill>
+            </a:endParaRPr>
+          </a:p>
+        </p:txBody>
+      </p:sp>
+      <p:sp>
+        <p:nvSpPr>
+          <p:cNvPr id="52" name="矩形 51">
+            <a:extLst>
+              <a:ext uri="{FF2B5EF4-FFF2-40B4-BE49-F238E27FC236}">
+                <a16:creationId xmlns:a16="http://schemas.microsoft.com/office/drawing/2014/main" id="{B6DA4D08-3602-4D4D-9176-DAA38190588B}"/>
+              </a:ext>
+            </a:extLst>
+          </p:cNvPr>
+          <p:cNvSpPr/>
+          <p:nvPr/>
+        </p:nvSpPr>
+        <p:spPr>
+          <a:xfrm>
+            <a:off x="3645507" y="2713525"/>
+            <a:ext cx="2131308" cy="530297"/>
+          </a:xfrm>
+          <a:prstGeom prst="rect">
+            <a:avLst/>
+          </a:prstGeom>
+          <a:gradFill flip="none" rotWithShape="1">
+            <a:gsLst>
+              <a:gs pos="0">
+                <a:schemeClr val="accent1">
+                  <a:lumMod val="60000"/>
+                  <a:lumOff val="40000"/>
+                  <a:tint val="66000"/>
+                  <a:satMod val="160000"/>
+                </a:schemeClr>
+              </a:gs>
+              <a:gs pos="50000">
+                <a:schemeClr val="accent1">
+                  <a:lumMod val="60000"/>
+                  <a:lumOff val="40000"/>
+                  <a:tint val="44500"/>
+                  <a:satMod val="160000"/>
+                </a:schemeClr>
+              </a:gs>
+              <a:gs pos="100000">
+                <a:schemeClr val="accent1">
+                  <a:lumMod val="60000"/>
+                  <a:lumOff val="40000"/>
+                  <a:tint val="23500"/>
+                  <a:satMod val="160000"/>
+                </a:schemeClr>
+              </a:gs>
+            </a:gsLst>
+            <a:lin ang="0" scaled="1"/>
+            <a:tileRect/>
+          </a:gradFill>
+          <a:ln w="28575">
+            <a:solidFill>
+              <a:schemeClr val="tx1"/>
+            </a:solidFill>
+          </a:ln>
+          <a:effectLst>
+            <a:outerShdw blurRad="63500" sx="102000" sy="102000" algn="ctr" rotWithShape="0">
+              <a:prstClr val="black">
+                <a:alpha val="40000"/>
+              </a:prstClr>
+            </a:outerShdw>
+          </a:effectLst>
+        </p:spPr>
+        <p:style>
+          <a:lnRef idx="2">
+            <a:schemeClr val="accent1">
+              <a:shade val="50000"/>
+            </a:schemeClr>
+          </a:lnRef>
+          <a:fillRef idx="1">
+            <a:schemeClr val="accent1"/>
+          </a:fillRef>
+          <a:effectRef idx="0">
+            <a:schemeClr val="accent1"/>
+          </a:effectRef>
+          <a:fontRef idx="minor">
+            <a:schemeClr val="lt1"/>
+          </a:fontRef>
+        </p:style>
+        <p:txBody>
+          <a:bodyPr rtlCol="0" anchor="ctr"/>
+          <a:lstStyle/>
+          <a:p>
+            <a:pPr algn="ctr"/>
+            <a:r>
+              <a:rPr lang="en-US" altLang="zh-CN" sz="1600" b="1" dirty="0">
+                <a:solidFill>
+                  <a:schemeClr val="tx1"/>
+                </a:solidFill>
+              </a:rPr>
+              <a:t>Compressibility Test</a:t>
+            </a:r>
+            <a:endParaRPr lang="zh-CN" altLang="en-US" sz="1600" b="1" dirty="0">
+              <a:solidFill>
+                <a:schemeClr val="tx1"/>
+              </a:solidFill>
+            </a:endParaRPr>
+          </a:p>
+        </p:txBody>
+      </p:sp>
+      <p:sp>
+        <p:nvSpPr>
+          <p:cNvPr id="54" name="文本框 53">
+            <a:extLst>
+              <a:ext uri="{FF2B5EF4-FFF2-40B4-BE49-F238E27FC236}">
+                <a16:creationId xmlns:a16="http://schemas.microsoft.com/office/drawing/2014/main" id="{166F2771-202C-44FB-BE05-4CF56E16A870}"/>
+              </a:ext>
+            </a:extLst>
+          </p:cNvPr>
+          <p:cNvSpPr txBox="1"/>
+          <p:nvPr/>
+        </p:nvSpPr>
+        <p:spPr>
+          <a:xfrm>
+            <a:off x="6015842" y="3777010"/>
+            <a:ext cx="747742" cy="230832"/>
+          </a:xfrm>
+          <a:prstGeom prst="rect">
+            <a:avLst/>
+          </a:prstGeom>
+          <a:noFill/>
+          <a:ln>
+            <a:noFill/>
+          </a:ln>
+        </p:spPr>
+        <p:txBody>
+          <a:bodyPr wrap="square" rtlCol="0">
+            <a:spAutoFit/>
+          </a:bodyPr>
+          <a:lstStyle/>
+          <a:p>
+            <a:pPr algn="ctr"/>
+            <a:r>
+              <a:rPr lang="en-US" altLang="zh-CN" sz="900" b="1" dirty="0" err="1"/>
+              <a:t>MetaData</a:t>
+            </a:r>
+            <a:endParaRPr lang="zh-CN" altLang="en-US" sz="900" b="1" dirty="0"/>
+          </a:p>
+        </p:txBody>
+      </p:sp>
+      <p:sp>
+        <p:nvSpPr>
+          <p:cNvPr id="56" name="箭头: 下 55">
+            <a:extLst>
+              <a:ext uri="{FF2B5EF4-FFF2-40B4-BE49-F238E27FC236}">
+                <a16:creationId xmlns:a16="http://schemas.microsoft.com/office/drawing/2014/main" id="{0AF865AA-49BC-46CC-BC93-159E6804BEB6}"/>
+              </a:ext>
+            </a:extLst>
+          </p:cNvPr>
+          <p:cNvSpPr/>
+          <p:nvPr/>
+        </p:nvSpPr>
+        <p:spPr>
+          <a:xfrm>
+            <a:off x="4656470" y="4357790"/>
+            <a:ext cx="132907" cy="300371"/>
+          </a:xfrm>
+          <a:prstGeom prst="downArrow">
+            <a:avLst/>
+          </a:prstGeom>
+          <a:solidFill>
+            <a:schemeClr val="tx1"/>
+          </a:solidFill>
+          <a:ln w="28575">
+            <a:solidFill>
+              <a:schemeClr val="tx1"/>
+            </a:solidFill>
+          </a:ln>
+        </p:spPr>
+        <p:style>
+          <a:lnRef idx="2">
+            <a:schemeClr val="accent1">
+              <a:shade val="50000"/>
+            </a:schemeClr>
+          </a:lnRef>
+          <a:fillRef idx="1">
+            <a:schemeClr val="accent1"/>
+          </a:fillRef>
+          <a:effectRef idx="0">
+            <a:schemeClr val="accent1"/>
+          </a:effectRef>
+          <a:fontRef idx="minor">
+            <a:schemeClr val="lt1"/>
+          </a:fontRef>
+        </p:style>
+        <p:txBody>
+          <a:bodyPr rtlCol="0" anchor="ctr"/>
+          <a:lstStyle/>
+          <a:p>
+            <a:pPr algn="ctr"/>
+            <a:endParaRPr lang="zh-CN" altLang="en-US"/>
+          </a:p>
+        </p:txBody>
+      </p:sp>
+      <p:sp>
+        <p:nvSpPr>
+          <p:cNvPr id="57" name="箭头: 下 56">
+            <a:extLst>
+              <a:ext uri="{FF2B5EF4-FFF2-40B4-BE49-F238E27FC236}">
+                <a16:creationId xmlns:a16="http://schemas.microsoft.com/office/drawing/2014/main" id="{B22FBB97-FF5B-458B-8EEC-89B6E53B1FFC}"/>
+              </a:ext>
+            </a:extLst>
+          </p:cNvPr>
+          <p:cNvSpPr/>
+          <p:nvPr/>
+        </p:nvSpPr>
+        <p:spPr>
+          <a:xfrm>
+            <a:off x="4656470" y="3289114"/>
+            <a:ext cx="132907" cy="300371"/>
+          </a:xfrm>
+          <a:prstGeom prst="downArrow">
+            <a:avLst/>
+          </a:prstGeom>
+          <a:solidFill>
+            <a:schemeClr val="tx1"/>
+          </a:solidFill>
+          <a:ln w="28575">
+            <a:solidFill>
+              <a:schemeClr val="tx1"/>
+            </a:solidFill>
+          </a:ln>
+        </p:spPr>
+        <p:style>
+          <a:lnRef idx="2">
+            <a:schemeClr val="accent1">
+              <a:shade val="50000"/>
+            </a:schemeClr>
+          </a:lnRef>
+          <a:fillRef idx="1">
+            <a:schemeClr val="accent1"/>
+          </a:fillRef>
+          <a:effectRef idx="0">
+            <a:schemeClr val="accent1"/>
+          </a:effectRef>
+          <a:fontRef idx="minor">
+            <a:schemeClr val="lt1"/>
+          </a:fontRef>
+        </p:style>
+        <p:txBody>
+          <a:bodyPr rtlCol="0" anchor="ctr"/>
+          <a:lstStyle/>
+          <a:p>
+            <a:pPr algn="ctr"/>
+            <a:endParaRPr lang="zh-CN" altLang="en-US"/>
+          </a:p>
+        </p:txBody>
+      </p:sp>
+      <p:sp>
+        <p:nvSpPr>
+          <p:cNvPr id="58" name="矩形: 圆角 57">
+            <a:extLst>
+              <a:ext uri="{FF2B5EF4-FFF2-40B4-BE49-F238E27FC236}">
+                <a16:creationId xmlns:a16="http://schemas.microsoft.com/office/drawing/2014/main" id="{68BA5FCE-77CC-41A0-9411-38FCFCD5031F}"/>
+              </a:ext>
+            </a:extLst>
+          </p:cNvPr>
+          <p:cNvSpPr/>
+          <p:nvPr/>
+        </p:nvSpPr>
+        <p:spPr>
+          <a:xfrm>
+            <a:off x="6808974" y="2565479"/>
+            <a:ext cx="2363751" cy="554486"/>
+          </a:xfrm>
+          <a:prstGeom prst="roundRect">
+            <a:avLst/>
+          </a:prstGeom>
+          <a:solidFill>
+            <a:schemeClr val="accent6">
+              <a:lumMod val="60000"/>
+              <a:lumOff val="40000"/>
+            </a:schemeClr>
+          </a:solidFill>
+          <a:ln w="28575">
+            <a:solidFill>
+              <a:schemeClr val="tx1"/>
+            </a:solidFill>
+          </a:ln>
+          <a:effectLst>
+            <a:outerShdw blurRad="63500" sx="102000" sy="102000" algn="ctr" rotWithShape="0">
+              <a:prstClr val="black">
+                <a:alpha val="40000"/>
+              </a:prstClr>
+            </a:outerShdw>
+          </a:effectLst>
+        </p:spPr>
+        <p:style>
+          <a:lnRef idx="2">
+            <a:schemeClr val="accent1">
+              <a:shade val="50000"/>
+            </a:schemeClr>
+          </a:lnRef>
+          <a:fillRef idx="1">
+            <a:schemeClr val="accent1"/>
+          </a:fillRef>
+          <a:effectRef idx="0">
+            <a:schemeClr val="accent1"/>
+          </a:effectRef>
+          <a:fontRef idx="minor">
+            <a:schemeClr val="lt1"/>
+          </a:fontRef>
+        </p:style>
+        <p:txBody>
+          <a:bodyPr rtlCol="0" anchor="ctr"/>
+          <a:lstStyle/>
+          <a:p>
+            <a:pPr algn="ctr"/>
+            <a:r>
+              <a:rPr lang="en-US" altLang="zh-CN" sz="1600" b="1" dirty="0">
+                <a:solidFill>
+                  <a:schemeClr val="tx1"/>
+                </a:solidFill>
+              </a:rPr>
+              <a:t>Benefit Calculator</a:t>
+            </a:r>
+            <a:endParaRPr lang="zh-CN" altLang="en-US" sz="1600" b="1" dirty="0">
+              <a:solidFill>
+                <a:schemeClr val="tx1"/>
+              </a:solidFill>
+            </a:endParaRPr>
+          </a:p>
+        </p:txBody>
+      </p:sp>
+      <p:sp>
+        <p:nvSpPr>
+          <p:cNvPr id="59" name="箭头: 下 58">
+            <a:extLst>
+              <a:ext uri="{FF2B5EF4-FFF2-40B4-BE49-F238E27FC236}">
+                <a16:creationId xmlns:a16="http://schemas.microsoft.com/office/drawing/2014/main" id="{99048D83-8100-4087-8F86-36821468E5D1}"/>
+              </a:ext>
+            </a:extLst>
+          </p:cNvPr>
+          <p:cNvSpPr/>
+          <p:nvPr/>
+        </p:nvSpPr>
+        <p:spPr>
+          <a:xfrm>
+            <a:off x="7926965" y="3183101"/>
+            <a:ext cx="151902" cy="229435"/>
+          </a:xfrm>
+          <a:prstGeom prst="downArrow">
+            <a:avLst/>
+          </a:prstGeom>
+          <a:solidFill>
+            <a:schemeClr val="tx1"/>
+          </a:solidFill>
+          <a:ln w="28575">
+            <a:solidFill>
+              <a:schemeClr val="tx1"/>
+            </a:solidFill>
+          </a:ln>
+        </p:spPr>
+        <p:style>
+          <a:lnRef idx="2">
+            <a:schemeClr val="accent1">
+              <a:shade val="50000"/>
+            </a:schemeClr>
+          </a:lnRef>
+          <a:fillRef idx="1">
+            <a:schemeClr val="accent1"/>
+          </a:fillRef>
+          <a:effectRef idx="0">
+            <a:schemeClr val="accent1"/>
+          </a:effectRef>
+          <a:fontRef idx="minor">
+            <a:schemeClr val="lt1"/>
+          </a:fontRef>
+        </p:style>
+        <p:txBody>
+          <a:bodyPr rtlCol="0" anchor="ctr"/>
+          <a:lstStyle/>
+          <a:p>
+            <a:pPr algn="ctr"/>
+            <a:endParaRPr lang="zh-CN" altLang="en-US"/>
+          </a:p>
+        </p:txBody>
+      </p:sp>
+      <p:sp>
+        <p:nvSpPr>
+          <p:cNvPr id="60" name="矩形: 圆角 59">
+            <a:extLst>
+              <a:ext uri="{FF2B5EF4-FFF2-40B4-BE49-F238E27FC236}">
+                <a16:creationId xmlns:a16="http://schemas.microsoft.com/office/drawing/2014/main" id="{4778E4BC-6A34-477B-B739-29F7ED1E4172}"/>
+              </a:ext>
+            </a:extLst>
+          </p:cNvPr>
+          <p:cNvSpPr/>
+          <p:nvPr/>
+        </p:nvSpPr>
+        <p:spPr>
+          <a:xfrm>
+            <a:off x="6844620" y="3482230"/>
+            <a:ext cx="2352459" cy="1961132"/>
+          </a:xfrm>
+          <a:prstGeom prst="roundRect">
+            <a:avLst/>
+          </a:prstGeom>
+          <a:gradFill flip="none" rotWithShape="1">
+            <a:gsLst>
+              <a:gs pos="0">
+                <a:srgbClr val="778FC0">
+                  <a:tint val="66000"/>
+                  <a:satMod val="160000"/>
+                </a:srgbClr>
+              </a:gs>
+              <a:gs pos="50000">
+                <a:srgbClr val="778FC0">
+                  <a:tint val="44500"/>
+                  <a:satMod val="160000"/>
+                </a:srgbClr>
+              </a:gs>
+              <a:gs pos="100000">
+                <a:srgbClr val="778FC0">
+                  <a:tint val="23500"/>
+                  <a:satMod val="160000"/>
+                </a:srgbClr>
+              </a:gs>
+            </a:gsLst>
+            <a:lin ang="8100000" scaled="1"/>
+            <a:tileRect/>
+          </a:gradFill>
+          <a:ln w="28575">
+            <a:solidFill>
+              <a:schemeClr val="tx1"/>
+            </a:solidFill>
+          </a:ln>
+          <a:effectLst>
+            <a:outerShdw blurRad="63500" sx="102000" sy="102000" algn="ctr" rotWithShape="0">
+              <a:prstClr val="black">
+                <a:alpha val="40000"/>
+              </a:prstClr>
+            </a:outerShdw>
+          </a:effectLst>
+        </p:spPr>
+        <p:style>
+          <a:lnRef idx="2">
+            <a:schemeClr val="accent1">
+              <a:shade val="50000"/>
+            </a:schemeClr>
+          </a:lnRef>
+          <a:fillRef idx="1">
+            <a:schemeClr val="accent1"/>
+          </a:fillRef>
+          <a:effectRef idx="0">
+            <a:schemeClr val="accent1"/>
+          </a:effectRef>
+          <a:fontRef idx="minor">
+            <a:schemeClr val="lt1"/>
+          </a:fontRef>
+        </p:style>
+        <p:txBody>
+          <a:bodyPr rtlCol="0" anchor="ctr"/>
+          <a:lstStyle/>
+          <a:p>
+            <a:pPr algn="ctr"/>
+            <a:endParaRPr lang="zh-CN" altLang="en-US"/>
+          </a:p>
+        </p:txBody>
+      </p:sp>
+      <p:cxnSp>
+        <p:nvCxnSpPr>
+          <p:cNvPr id="62" name="直接连接符 61">
+            <a:extLst>
+              <a:ext uri="{FF2B5EF4-FFF2-40B4-BE49-F238E27FC236}">
+                <a16:creationId xmlns:a16="http://schemas.microsoft.com/office/drawing/2014/main" id="{F023D320-ACC7-46BB-BFF5-9436AC9B4911}"/>
+              </a:ext>
+            </a:extLst>
+          </p:cNvPr>
+          <p:cNvCxnSpPr>
+            <a:cxnSpLocks/>
+          </p:cNvCxnSpPr>
+          <p:nvPr/>
+        </p:nvCxnSpPr>
+        <p:spPr>
+          <a:xfrm>
+            <a:off x="6844620" y="4411239"/>
+            <a:ext cx="2352459" cy="0"/>
+          </a:xfrm>
+          <a:prstGeom prst="line">
+            <a:avLst/>
+          </a:prstGeom>
+          <a:ln w="28575">
+            <a:solidFill>
+              <a:schemeClr val="tx1"/>
+            </a:solidFill>
+          </a:ln>
+        </p:spPr>
+        <p:style>
+          <a:lnRef idx="1">
+            <a:schemeClr val="accent1"/>
+          </a:lnRef>
+          <a:fillRef idx="0">
+            <a:schemeClr val="accent1"/>
+          </a:fillRef>
+          <a:effectRef idx="0">
+            <a:schemeClr val="accent1"/>
+          </a:effectRef>
+          <a:fontRef idx="minor">
+            <a:schemeClr val="tx1"/>
+          </a:fontRef>
+        </p:style>
+      </p:cxnSp>
+      <p:sp>
+        <p:nvSpPr>
+          <p:cNvPr id="66" name="箭头: 下 65">
+            <a:extLst>
+              <a:ext uri="{FF2B5EF4-FFF2-40B4-BE49-F238E27FC236}">
+                <a16:creationId xmlns:a16="http://schemas.microsoft.com/office/drawing/2014/main" id="{8994D433-A650-40C7-AF37-3FC09DFD1EF2}"/>
+              </a:ext>
+            </a:extLst>
+          </p:cNvPr>
+          <p:cNvSpPr/>
+          <p:nvPr/>
+        </p:nvSpPr>
+        <p:spPr>
+          <a:xfrm rot="16200000">
+            <a:off x="7862369" y="3842870"/>
+            <a:ext cx="217963" cy="578686"/>
+          </a:xfrm>
+          <a:prstGeom prst="downArrow">
+            <a:avLst/>
+          </a:prstGeom>
+          <a:solidFill>
+            <a:schemeClr val="tx1"/>
+          </a:solidFill>
+          <a:ln w="28575">
+            <a:solidFill>
+              <a:schemeClr val="tx1"/>
+            </a:solidFill>
+          </a:ln>
+        </p:spPr>
+        <p:style>
+          <a:lnRef idx="2">
+            <a:schemeClr val="accent1">
+              <a:shade val="50000"/>
+            </a:schemeClr>
+          </a:lnRef>
+          <a:fillRef idx="1">
+            <a:schemeClr val="accent1"/>
+          </a:fillRef>
+          <a:effectRef idx="0">
+            <a:schemeClr val="accent1"/>
+          </a:effectRef>
+          <a:fontRef idx="minor">
+            <a:schemeClr val="lt1"/>
+          </a:fontRef>
+        </p:style>
+        <p:txBody>
+          <a:bodyPr rtlCol="0" anchor="ctr"/>
+          <a:lstStyle/>
+          <a:p>
+            <a:pPr algn="ctr"/>
+            <a:endParaRPr lang="zh-CN" altLang="en-US"/>
+          </a:p>
+        </p:txBody>
+      </p:sp>
+      <p:pic>
+        <p:nvPicPr>
+          <p:cNvPr id="3" name="图形 2" descr="文档 纯色填充">
+            <a:extLst>
+              <a:ext uri="{FF2B5EF4-FFF2-40B4-BE49-F238E27FC236}">
+                <a16:creationId xmlns:a16="http://schemas.microsoft.com/office/drawing/2014/main" id="{94F022C7-48F9-4EFC-A646-B64BA679F542}"/>
+              </a:ext>
+            </a:extLst>
+          </p:cNvPr>
+          <p:cNvPicPr>
+            <a:picLocks noChangeAspect="1"/>
+          </p:cNvPicPr>
+          <p:nvPr/>
+        </p:nvPicPr>
+        <p:blipFill>
+          <a:blip r:embed="rId2">
+            <a:extLst>
+              <a:ext uri="{28A0092B-C50C-407E-A947-70E740481C1C}">
+                <a14:useLocalDpi xmlns:a14="http://schemas.microsoft.com/office/drawing/2010/main" val="0"/>
+              </a:ext>
+              <a:ext uri="{96DAC541-7B7A-43D3-8B79-37D633B846F1}">
+                <asvg:svgBlip xmlns:asvg="http://schemas.microsoft.com/office/drawing/2016/SVG/main" r:embed="rId3"/>
+              </a:ext>
+            </a:extLst>
+          </a:blip>
+          <a:stretch>
+            <a:fillRect/>
+          </a:stretch>
+        </p:blipFill>
+        <p:spPr>
+          <a:xfrm>
+            <a:off x="7021102" y="3819523"/>
+            <a:ext cx="575938" cy="575938"/>
+          </a:xfrm>
+          <a:prstGeom prst="rect">
+            <a:avLst/>
+          </a:prstGeom>
+        </p:spPr>
+      </p:pic>
+      <p:pic>
+        <p:nvPicPr>
+          <p:cNvPr id="53" name="图形 52" descr="文档 纯色填充">
+            <a:extLst>
+              <a:ext uri="{FF2B5EF4-FFF2-40B4-BE49-F238E27FC236}">
+                <a16:creationId xmlns:a16="http://schemas.microsoft.com/office/drawing/2014/main" id="{38274FC5-89BF-41A2-B464-DA9B40C66BD1}"/>
+              </a:ext>
+            </a:extLst>
+          </p:cNvPr>
+          <p:cNvPicPr>
+            <a:picLocks noChangeAspect="1"/>
+          </p:cNvPicPr>
+          <p:nvPr/>
+        </p:nvPicPr>
+        <p:blipFill>
+          <a:blip r:embed="rId2">
+            <a:extLst>
+              <a:ext uri="{28A0092B-C50C-407E-A947-70E740481C1C}">
+                <a14:useLocalDpi xmlns:a14="http://schemas.microsoft.com/office/drawing/2010/main" val="0"/>
+              </a:ext>
+              <a:ext uri="{96DAC541-7B7A-43D3-8B79-37D633B846F1}">
+                <asvg:svgBlip xmlns:asvg="http://schemas.microsoft.com/office/drawing/2016/SVG/main" r:embed="rId3"/>
+              </a:ext>
+            </a:extLst>
+          </a:blip>
+          <a:stretch>
+            <a:fillRect/>
+          </a:stretch>
+        </p:blipFill>
+        <p:spPr>
+          <a:xfrm>
+            <a:off x="8345661" y="3825925"/>
+            <a:ext cx="575938" cy="575938"/>
+          </a:xfrm>
+          <a:prstGeom prst="rect">
+            <a:avLst/>
+          </a:prstGeom>
+        </p:spPr>
+      </p:pic>
+      <p:sp>
+        <p:nvSpPr>
+          <p:cNvPr id="18" name="矩形 17">
+            <a:extLst>
+              <a:ext uri="{FF2B5EF4-FFF2-40B4-BE49-F238E27FC236}">
+                <a16:creationId xmlns:a16="http://schemas.microsoft.com/office/drawing/2014/main" id="{9007B491-B1FB-4F4D-A11E-31516131E548}"/>
+              </a:ext>
+            </a:extLst>
+          </p:cNvPr>
+          <p:cNvSpPr/>
+          <p:nvPr/>
+        </p:nvSpPr>
+        <p:spPr>
+          <a:xfrm rot="16200000">
+            <a:off x="7046080" y="4951309"/>
+            <a:ext cx="588382" cy="250694"/>
+          </a:xfrm>
+          <a:prstGeom prst="rect">
+            <a:avLst/>
+          </a:prstGeom>
+          <a:noFill/>
+          <a:ln w="19050">
+            <a:solidFill>
+              <a:schemeClr val="tx1"/>
+            </a:solidFill>
+          </a:ln>
+        </p:spPr>
+        <p:style>
+          <a:lnRef idx="2">
+            <a:schemeClr val="accent1">
+              <a:shade val="50000"/>
+            </a:schemeClr>
+          </a:lnRef>
+          <a:fillRef idx="1">
+            <a:schemeClr val="accent1"/>
+          </a:fillRef>
+          <a:effectRef idx="0">
+            <a:schemeClr val="accent1"/>
+          </a:effectRef>
+          <a:fontRef idx="minor">
+            <a:schemeClr val="lt1"/>
+          </a:fontRef>
+        </p:style>
+        <p:txBody>
+          <a:bodyPr rtlCol="0" anchor="ctr"/>
+          <a:lstStyle/>
+          <a:p>
+            <a:pPr algn="ctr"/>
+            <a:r>
+              <a:rPr lang="en-US" altLang="zh-CN" sz="800" b="1" dirty="0">
+                <a:solidFill>
+                  <a:schemeClr val="tx1"/>
+                </a:solidFill>
+                <a:latin typeface="微软雅黑" panose="020B0503020204020204" pitchFamily="34" charset="-122"/>
+                <a:ea typeface="微软雅黑" panose="020B0503020204020204" pitchFamily="34" charset="-122"/>
+              </a:rPr>
+              <a:t>None</a:t>
+            </a:r>
+            <a:endParaRPr lang="zh-CN" altLang="en-US" sz="800" b="1" dirty="0">
+              <a:solidFill>
+                <a:schemeClr val="tx1"/>
+              </a:solidFill>
+              <a:latin typeface="微软雅黑" panose="020B0503020204020204" pitchFamily="34" charset="-122"/>
+              <a:ea typeface="微软雅黑" panose="020B0503020204020204" pitchFamily="34" charset="-122"/>
+            </a:endParaRPr>
+          </a:p>
+        </p:txBody>
+      </p:sp>
+      <p:sp>
+        <p:nvSpPr>
+          <p:cNvPr id="74" name="矩形 73">
+            <a:extLst>
+              <a:ext uri="{FF2B5EF4-FFF2-40B4-BE49-F238E27FC236}">
+                <a16:creationId xmlns:a16="http://schemas.microsoft.com/office/drawing/2014/main" id="{1468A3E2-0029-4258-A5E8-B6E3F08BDE6C}"/>
+              </a:ext>
+            </a:extLst>
+          </p:cNvPr>
+          <p:cNvSpPr/>
+          <p:nvPr/>
+        </p:nvSpPr>
+        <p:spPr>
+          <a:xfrm rot="16200000">
+            <a:off x="7298462" y="4948863"/>
+            <a:ext cx="593275" cy="250695"/>
+          </a:xfrm>
+          <a:prstGeom prst="rect">
+            <a:avLst/>
+          </a:prstGeom>
+          <a:noFill/>
+          <a:ln w="19050">
+            <a:solidFill>
+              <a:schemeClr val="tx1"/>
+            </a:solidFill>
+          </a:ln>
+        </p:spPr>
+        <p:style>
+          <a:lnRef idx="2">
+            <a:schemeClr val="accent1">
+              <a:shade val="50000"/>
+            </a:schemeClr>
+          </a:lnRef>
+          <a:fillRef idx="1">
+            <a:schemeClr val="accent1"/>
+          </a:fillRef>
+          <a:effectRef idx="0">
+            <a:schemeClr val="accent1"/>
+          </a:effectRef>
+          <a:fontRef idx="minor">
+            <a:schemeClr val="lt1"/>
+          </a:fontRef>
+        </p:style>
+        <p:txBody>
+          <a:bodyPr rtlCol="0" anchor="ctr"/>
+          <a:lstStyle/>
+          <a:p>
+            <a:pPr algn="ctr"/>
+            <a:r>
+              <a:rPr lang="en-US" altLang="zh-CN" sz="800" b="1" dirty="0">
+                <a:solidFill>
+                  <a:schemeClr val="tx1"/>
+                </a:solidFill>
+                <a:latin typeface="微软雅黑" panose="020B0503020204020204" pitchFamily="34" charset="-122"/>
+                <a:ea typeface="微软雅黑" panose="020B0503020204020204" pitchFamily="34" charset="-122"/>
+              </a:rPr>
+              <a:t>LZ4</a:t>
+            </a:r>
+            <a:endParaRPr lang="zh-CN" altLang="en-US" sz="800" b="1" dirty="0">
+              <a:solidFill>
+                <a:schemeClr val="tx1"/>
+              </a:solidFill>
+              <a:latin typeface="微软雅黑" panose="020B0503020204020204" pitchFamily="34" charset="-122"/>
+              <a:ea typeface="微软雅黑" panose="020B0503020204020204" pitchFamily="34" charset="-122"/>
+            </a:endParaRPr>
+          </a:p>
+        </p:txBody>
+      </p:sp>
+      <p:sp>
+        <p:nvSpPr>
+          <p:cNvPr id="75" name="矩形 74">
+            <a:extLst>
+              <a:ext uri="{FF2B5EF4-FFF2-40B4-BE49-F238E27FC236}">
+                <a16:creationId xmlns:a16="http://schemas.microsoft.com/office/drawing/2014/main" id="{E75DDBBC-8183-4DE1-ADED-BA8C1FF0B1C1}"/>
+              </a:ext>
+            </a:extLst>
+          </p:cNvPr>
+          <p:cNvSpPr/>
+          <p:nvPr/>
+        </p:nvSpPr>
+        <p:spPr>
+          <a:xfrm rot="16200000">
+            <a:off x="7553736" y="4944883"/>
+            <a:ext cx="593274" cy="268440"/>
+          </a:xfrm>
+          <a:prstGeom prst="rect">
+            <a:avLst/>
+          </a:prstGeom>
+          <a:noFill/>
+          <a:ln w="19050">
+            <a:solidFill>
+              <a:schemeClr val="tx1"/>
+            </a:solidFill>
+          </a:ln>
+        </p:spPr>
+        <p:style>
+          <a:lnRef idx="2">
+            <a:schemeClr val="accent1">
+              <a:shade val="50000"/>
+            </a:schemeClr>
+          </a:lnRef>
+          <a:fillRef idx="1">
+            <a:schemeClr val="accent1"/>
+          </a:fillRef>
+          <a:effectRef idx="0">
+            <a:schemeClr val="accent1"/>
+          </a:effectRef>
+          <a:fontRef idx="minor">
+            <a:schemeClr val="lt1"/>
+          </a:fontRef>
+        </p:style>
+        <p:txBody>
+          <a:bodyPr rtlCol="0" anchor="ctr"/>
+          <a:lstStyle/>
+          <a:p>
+            <a:pPr algn="ctr" latinLnBrk="1"/>
+            <a:r>
+              <a:rPr lang="en-US" altLang="zh-CN" sz="800" b="1" dirty="0">
+                <a:solidFill>
+                  <a:schemeClr val="tx1"/>
+                </a:solidFill>
+                <a:latin typeface="微软雅黑" panose="020B0503020204020204" pitchFamily="34" charset="-122"/>
+                <a:ea typeface="微软雅黑" panose="020B0503020204020204" pitchFamily="34" charset="-122"/>
+              </a:rPr>
+              <a:t>Snappy</a:t>
+            </a:r>
+            <a:endParaRPr lang="zh-CN" altLang="en-US" sz="800" b="1" dirty="0">
+              <a:solidFill>
+                <a:schemeClr val="tx1"/>
+              </a:solidFill>
+              <a:latin typeface="微软雅黑" panose="020B0503020204020204" pitchFamily="34" charset="-122"/>
+              <a:ea typeface="微软雅黑" panose="020B0503020204020204" pitchFamily="34" charset="-122"/>
+            </a:endParaRPr>
+          </a:p>
+        </p:txBody>
+      </p:sp>
+      <p:sp>
+        <p:nvSpPr>
+          <p:cNvPr id="76" name="矩形 75">
+            <a:extLst>
+              <a:ext uri="{FF2B5EF4-FFF2-40B4-BE49-F238E27FC236}">
+                <a16:creationId xmlns:a16="http://schemas.microsoft.com/office/drawing/2014/main" id="{0015FF25-6F12-4001-A88D-AAAB3B705B64}"/>
+              </a:ext>
+            </a:extLst>
+          </p:cNvPr>
+          <p:cNvSpPr/>
+          <p:nvPr/>
+        </p:nvSpPr>
+        <p:spPr>
+          <a:xfrm rot="16200000">
+            <a:off x="7831499" y="4933937"/>
+            <a:ext cx="593274" cy="290203"/>
+          </a:xfrm>
+          <a:prstGeom prst="rect">
+            <a:avLst/>
+          </a:prstGeom>
+          <a:noFill/>
+          <a:ln w="19050">
+            <a:solidFill>
+              <a:schemeClr val="tx1"/>
+            </a:solidFill>
+          </a:ln>
+        </p:spPr>
+        <p:style>
+          <a:lnRef idx="2">
+            <a:schemeClr val="accent1">
+              <a:shade val="50000"/>
+            </a:schemeClr>
+          </a:lnRef>
+          <a:fillRef idx="1">
+            <a:schemeClr val="accent1"/>
+          </a:fillRef>
+          <a:effectRef idx="0">
+            <a:schemeClr val="accent1"/>
+          </a:effectRef>
+          <a:fontRef idx="minor">
+            <a:schemeClr val="lt1"/>
+          </a:fontRef>
+        </p:style>
+        <p:txBody>
+          <a:bodyPr rtlCol="0" anchor="ctr"/>
+          <a:lstStyle/>
+          <a:p>
+            <a:pPr algn="ctr" latinLnBrk="1"/>
+            <a:r>
+              <a:rPr lang="en-US" altLang="zh-CN" sz="800" b="1" dirty="0">
+                <a:solidFill>
+                  <a:schemeClr val="tx1"/>
+                </a:solidFill>
+                <a:latin typeface="微软雅黑" panose="020B0503020204020204" pitchFamily="34" charset="-122"/>
+                <a:ea typeface="微软雅黑" panose="020B0503020204020204" pitchFamily="34" charset="-122"/>
+              </a:rPr>
+              <a:t>Deflate</a:t>
+            </a:r>
+            <a:endParaRPr lang="zh-CN" altLang="en-US" sz="800" b="1" dirty="0">
+              <a:solidFill>
+                <a:schemeClr val="tx1"/>
+              </a:solidFill>
+              <a:latin typeface="微软雅黑" panose="020B0503020204020204" pitchFamily="34" charset="-122"/>
+              <a:ea typeface="微软雅黑" panose="020B0503020204020204" pitchFamily="34" charset="-122"/>
+            </a:endParaRPr>
+          </a:p>
+        </p:txBody>
+      </p:sp>
+      <p:sp>
+        <p:nvSpPr>
+          <p:cNvPr id="77" name="矩形 76">
+            <a:extLst>
+              <a:ext uri="{FF2B5EF4-FFF2-40B4-BE49-F238E27FC236}">
+                <a16:creationId xmlns:a16="http://schemas.microsoft.com/office/drawing/2014/main" id="{E6291D20-1281-4A76-9133-907DD95671A5}"/>
+              </a:ext>
+            </a:extLst>
+          </p:cNvPr>
+          <p:cNvSpPr/>
+          <p:nvPr/>
+        </p:nvSpPr>
+        <p:spPr>
+          <a:xfrm rot="16200000">
+            <a:off x="8494470" y="4940571"/>
+            <a:ext cx="593274" cy="268439"/>
+          </a:xfrm>
+          <a:prstGeom prst="rect">
+            <a:avLst/>
+          </a:prstGeom>
+          <a:noFill/>
+          <a:ln w="19050">
+            <a:solidFill>
+              <a:schemeClr val="tx1"/>
+            </a:solidFill>
+          </a:ln>
+        </p:spPr>
+        <p:style>
+          <a:lnRef idx="2">
+            <a:schemeClr val="accent1">
+              <a:shade val="50000"/>
+            </a:schemeClr>
+          </a:lnRef>
+          <a:fillRef idx="1">
+            <a:schemeClr val="accent1"/>
+          </a:fillRef>
+          <a:effectRef idx="0">
+            <a:schemeClr val="accent1"/>
+          </a:effectRef>
+          <a:fontRef idx="minor">
+            <a:schemeClr val="lt1"/>
+          </a:fontRef>
+        </p:style>
+        <p:txBody>
+          <a:bodyPr rtlCol="0" anchor="ctr"/>
+          <a:lstStyle/>
+          <a:p>
+            <a:pPr algn="ctr" latinLnBrk="1"/>
+            <a:r>
+              <a:rPr lang="en-US" altLang="zh-CN" sz="800" b="1" dirty="0">
+                <a:solidFill>
+                  <a:schemeClr val="tx1"/>
+                </a:solidFill>
+                <a:latin typeface="微软雅黑" panose="020B0503020204020204" pitchFamily="34" charset="-122"/>
+                <a:ea typeface="微软雅黑" panose="020B0503020204020204" pitchFamily="34" charset="-122"/>
+              </a:rPr>
+              <a:t>BZ2</a:t>
+            </a:r>
+            <a:endParaRPr lang="zh-CN" altLang="en-US" sz="800" b="1" dirty="0">
+              <a:solidFill>
+                <a:schemeClr val="tx1"/>
+              </a:solidFill>
+              <a:latin typeface="微软雅黑" panose="020B0503020204020204" pitchFamily="34" charset="-122"/>
+              <a:ea typeface="微软雅黑" panose="020B0503020204020204" pitchFamily="34" charset="-122"/>
+            </a:endParaRPr>
+          </a:p>
+        </p:txBody>
+      </p:sp>
+      <p:sp>
+        <p:nvSpPr>
+          <p:cNvPr id="22" name="文本框 21">
+            <a:extLst>
+              <a:ext uri="{FF2B5EF4-FFF2-40B4-BE49-F238E27FC236}">
+                <a16:creationId xmlns:a16="http://schemas.microsoft.com/office/drawing/2014/main" id="{03450287-0962-4345-90EF-4C7C7154FFB3}"/>
+              </a:ext>
+            </a:extLst>
+          </p:cNvPr>
+          <p:cNvSpPr txBox="1"/>
+          <p:nvPr/>
+        </p:nvSpPr>
+        <p:spPr>
+          <a:xfrm>
+            <a:off x="8258094" y="4900375"/>
+            <a:ext cx="247466" cy="369332"/>
+          </a:xfrm>
+          <a:prstGeom prst="rect">
+            <a:avLst/>
+          </a:prstGeom>
+          <a:noFill/>
+        </p:spPr>
+        <p:txBody>
+          <a:bodyPr wrap="square" rtlCol="0">
+            <a:spAutoFit/>
+          </a:bodyPr>
+          <a:lstStyle/>
+          <a:p>
+            <a:r>
+              <a:rPr lang="en-US" altLang="zh-CN" b="1" dirty="0"/>
+              <a:t>…</a:t>
+            </a:r>
+            <a:endParaRPr lang="zh-CN" altLang="en-US" b="1" dirty="0"/>
+          </a:p>
+        </p:txBody>
+      </p:sp>
+      <p:pic>
+        <p:nvPicPr>
+          <p:cNvPr id="78" name="图形 77" descr="文档 纯色填充">
+            <a:extLst>
+              <a:ext uri="{FF2B5EF4-FFF2-40B4-BE49-F238E27FC236}">
+                <a16:creationId xmlns:a16="http://schemas.microsoft.com/office/drawing/2014/main" id="{939024A7-B15B-4CA3-AD47-280EBB51992E}"/>
+              </a:ext>
+            </a:extLst>
+          </p:cNvPr>
+          <p:cNvPicPr>
+            <a:picLocks noChangeAspect="1"/>
+          </p:cNvPicPr>
+          <p:nvPr/>
+        </p:nvPicPr>
+        <p:blipFill>
+          <a:blip r:embed="rId2">
+            <a:extLst>
+              <a:ext uri="{28A0092B-C50C-407E-A947-70E740481C1C}">
+                <a14:useLocalDpi xmlns:a14="http://schemas.microsoft.com/office/drawing/2010/main" val="0"/>
+              </a:ext>
+              <a:ext uri="{96DAC541-7B7A-43D3-8B79-37D633B846F1}">
+                <asvg:svgBlip xmlns:asvg="http://schemas.microsoft.com/office/drawing/2016/SVG/main" r:embed="rId3"/>
+              </a:ext>
+            </a:extLst>
+          </a:blip>
+          <a:stretch>
+            <a:fillRect/>
+          </a:stretch>
+        </p:blipFill>
+        <p:spPr>
+          <a:xfrm>
+            <a:off x="10356593" y="1847912"/>
+            <a:ext cx="575938" cy="575938"/>
+          </a:xfrm>
+          <a:prstGeom prst="rect">
+            <a:avLst/>
+          </a:prstGeom>
+        </p:spPr>
+      </p:pic>
+      <p:pic>
+        <p:nvPicPr>
+          <p:cNvPr id="79" name="图形 78" descr="文档 纯色填充">
+            <a:extLst>
+              <a:ext uri="{FF2B5EF4-FFF2-40B4-BE49-F238E27FC236}">
+                <a16:creationId xmlns:a16="http://schemas.microsoft.com/office/drawing/2014/main" id="{3FAEF648-5756-485A-B7DB-2963610C487B}"/>
+              </a:ext>
+            </a:extLst>
+          </p:cNvPr>
+          <p:cNvPicPr>
+            <a:picLocks noChangeAspect="1"/>
+          </p:cNvPicPr>
+          <p:nvPr/>
+        </p:nvPicPr>
+        <p:blipFill>
+          <a:blip r:embed="rId2">
+            <a:extLst>
+              <a:ext uri="{28A0092B-C50C-407E-A947-70E740481C1C}">
+                <a14:useLocalDpi xmlns:a14="http://schemas.microsoft.com/office/drawing/2010/main" val="0"/>
+              </a:ext>
+              <a:ext uri="{96DAC541-7B7A-43D3-8B79-37D633B846F1}">
+                <asvg:svgBlip xmlns:asvg="http://schemas.microsoft.com/office/drawing/2016/SVG/main" r:embed="rId3"/>
+              </a:ext>
+            </a:extLst>
+          </a:blip>
+          <a:stretch>
+            <a:fillRect/>
+          </a:stretch>
+        </p:blipFill>
+        <p:spPr>
+          <a:xfrm>
+            <a:off x="10382359" y="2642218"/>
+            <a:ext cx="575938" cy="575938"/>
+          </a:xfrm>
+          <a:prstGeom prst="rect">
+            <a:avLst/>
+          </a:prstGeom>
+        </p:spPr>
+      </p:pic>
+      <p:pic>
+        <p:nvPicPr>
+          <p:cNvPr id="80" name="图形 79" descr="文档 纯色填充">
+            <a:extLst>
+              <a:ext uri="{FF2B5EF4-FFF2-40B4-BE49-F238E27FC236}">
+                <a16:creationId xmlns:a16="http://schemas.microsoft.com/office/drawing/2014/main" id="{00E65680-F4FF-486C-8603-303EE144B1D3}"/>
+              </a:ext>
+            </a:extLst>
+          </p:cNvPr>
+          <p:cNvPicPr>
+            <a:picLocks noChangeAspect="1"/>
+          </p:cNvPicPr>
+          <p:nvPr/>
+        </p:nvPicPr>
+        <p:blipFill>
+          <a:blip r:embed="rId2">
+            <a:extLst>
+              <a:ext uri="{28A0092B-C50C-407E-A947-70E740481C1C}">
+                <a14:useLocalDpi xmlns:a14="http://schemas.microsoft.com/office/drawing/2010/main" val="0"/>
+              </a:ext>
+              <a:ext uri="{96DAC541-7B7A-43D3-8B79-37D633B846F1}">
+                <asvg:svgBlip xmlns:asvg="http://schemas.microsoft.com/office/drawing/2016/SVG/main" r:embed="rId3"/>
+              </a:ext>
+            </a:extLst>
+          </a:blip>
+          <a:stretch>
+            <a:fillRect/>
+          </a:stretch>
+        </p:blipFill>
+        <p:spPr>
+          <a:xfrm>
+            <a:off x="10400771" y="3435086"/>
+            <a:ext cx="575938" cy="575938"/>
+          </a:xfrm>
+          <a:prstGeom prst="rect">
+            <a:avLst/>
+          </a:prstGeom>
+        </p:spPr>
+      </p:pic>
+      <p:sp>
+        <p:nvSpPr>
+          <p:cNvPr id="31" name="文本框 30">
+            <a:extLst>
+              <a:ext uri="{FF2B5EF4-FFF2-40B4-BE49-F238E27FC236}">
+                <a16:creationId xmlns:a16="http://schemas.microsoft.com/office/drawing/2014/main" id="{7648FD13-61B4-4B35-BB0E-D08EA97FF711}"/>
+              </a:ext>
+            </a:extLst>
+          </p:cNvPr>
+          <p:cNvSpPr txBox="1"/>
+          <p:nvPr/>
+        </p:nvSpPr>
+        <p:spPr>
+          <a:xfrm>
+            <a:off x="10249307" y="1303546"/>
+            <a:ext cx="898028" cy="338554"/>
+          </a:xfrm>
+          <a:prstGeom prst="rect">
+            <a:avLst/>
+          </a:prstGeom>
+          <a:noFill/>
+        </p:spPr>
+        <p:txBody>
+          <a:bodyPr wrap="square" rtlCol="0">
+            <a:spAutoFit/>
+          </a:bodyPr>
+          <a:lstStyle/>
+          <a:p>
+            <a:pPr algn="ctr"/>
+            <a:r>
+              <a:rPr lang="en-US" altLang="zh-CN" sz="1600" b="1" dirty="0"/>
+              <a:t>Output</a:t>
+            </a:r>
+            <a:endParaRPr lang="zh-CN" altLang="en-US" sz="1600" b="1" dirty="0"/>
+          </a:p>
+        </p:txBody>
+      </p:sp>
+      <p:sp>
+        <p:nvSpPr>
+          <p:cNvPr id="32" name="文本框 31">
+            <a:extLst>
+              <a:ext uri="{FF2B5EF4-FFF2-40B4-BE49-F238E27FC236}">
+                <a16:creationId xmlns:a16="http://schemas.microsoft.com/office/drawing/2014/main" id="{E619DFFB-4109-4CC7-9DC6-4B9929912C22}"/>
+              </a:ext>
+            </a:extLst>
+          </p:cNvPr>
+          <p:cNvSpPr txBox="1"/>
+          <p:nvPr/>
+        </p:nvSpPr>
+        <p:spPr>
+          <a:xfrm rot="10800000">
+            <a:off x="10809839" y="1927893"/>
+            <a:ext cx="323165" cy="457994"/>
+          </a:xfrm>
+          <a:prstGeom prst="rect">
+            <a:avLst/>
+          </a:prstGeom>
+          <a:noFill/>
+        </p:spPr>
+        <p:txBody>
+          <a:bodyPr vert="eaVert" wrap="square" rtlCol="0">
+            <a:spAutoFit/>
+          </a:bodyPr>
+          <a:lstStyle/>
+          <a:p>
+            <a:pPr algn="ctr"/>
+            <a:r>
+              <a:rPr lang="en-US" altLang="zh-CN" sz="900" b="1" dirty="0"/>
+              <a:t>None</a:t>
+            </a:r>
+            <a:endParaRPr lang="zh-CN" altLang="en-US" sz="900" b="1" dirty="0"/>
+          </a:p>
+        </p:txBody>
+      </p:sp>
+      <p:sp>
+        <p:nvSpPr>
+          <p:cNvPr id="81" name="文本框 80">
+            <a:extLst>
+              <a:ext uri="{FF2B5EF4-FFF2-40B4-BE49-F238E27FC236}">
+                <a16:creationId xmlns:a16="http://schemas.microsoft.com/office/drawing/2014/main" id="{223B1240-5ED7-400F-AC53-DEAE44491B0E}"/>
+              </a:ext>
+            </a:extLst>
+          </p:cNvPr>
+          <p:cNvSpPr txBox="1"/>
+          <p:nvPr/>
+        </p:nvSpPr>
+        <p:spPr>
+          <a:xfrm rot="10800000">
+            <a:off x="10809135" y="2742102"/>
+            <a:ext cx="323165" cy="457994"/>
+          </a:xfrm>
+          <a:prstGeom prst="rect">
+            <a:avLst/>
+          </a:prstGeom>
+          <a:noFill/>
+        </p:spPr>
+        <p:txBody>
+          <a:bodyPr vert="eaVert" wrap="square" rtlCol="0">
+            <a:spAutoFit/>
+          </a:bodyPr>
+          <a:lstStyle/>
+          <a:p>
+            <a:pPr algn="ctr"/>
+            <a:r>
+              <a:rPr lang="en-US" altLang="zh-CN" sz="900" b="1" dirty="0"/>
+              <a:t>LZ4</a:t>
+            </a:r>
+            <a:endParaRPr lang="zh-CN" altLang="en-US" sz="900" b="1" dirty="0"/>
+          </a:p>
+        </p:txBody>
+      </p:sp>
+      <p:sp>
+        <p:nvSpPr>
+          <p:cNvPr id="82" name="文本框 81">
+            <a:extLst>
+              <a:ext uri="{FF2B5EF4-FFF2-40B4-BE49-F238E27FC236}">
+                <a16:creationId xmlns:a16="http://schemas.microsoft.com/office/drawing/2014/main" id="{50201DF6-76A5-4FE7-A09D-A55955E913FB}"/>
+              </a:ext>
+            </a:extLst>
+          </p:cNvPr>
+          <p:cNvSpPr txBox="1"/>
+          <p:nvPr/>
+        </p:nvSpPr>
+        <p:spPr>
+          <a:xfrm rot="10800000">
+            <a:off x="10809839" y="3502946"/>
+            <a:ext cx="323165" cy="457994"/>
+          </a:xfrm>
+          <a:prstGeom prst="rect">
+            <a:avLst/>
+          </a:prstGeom>
+          <a:noFill/>
+        </p:spPr>
+        <p:txBody>
+          <a:bodyPr vert="eaVert" wrap="square" rtlCol="0">
+            <a:spAutoFit/>
+          </a:bodyPr>
+          <a:lstStyle/>
+          <a:p>
+            <a:pPr algn="ctr"/>
+            <a:r>
+              <a:rPr lang="en-US" altLang="zh-CN" sz="900" b="1" dirty="0" err="1"/>
+              <a:t>GZip</a:t>
+            </a:r>
+            <a:endParaRPr lang="zh-CN" altLang="en-US" sz="900" b="1" dirty="0"/>
+          </a:p>
+        </p:txBody>
+      </p:sp>
+      <p:sp>
+        <p:nvSpPr>
+          <p:cNvPr id="85" name="文本框 84">
+            <a:extLst>
+              <a:ext uri="{FF2B5EF4-FFF2-40B4-BE49-F238E27FC236}">
+                <a16:creationId xmlns:a16="http://schemas.microsoft.com/office/drawing/2014/main" id="{91E55096-900B-4269-AED4-78270F7F4079}"/>
+              </a:ext>
+            </a:extLst>
+          </p:cNvPr>
+          <p:cNvSpPr txBox="1"/>
+          <p:nvPr/>
+        </p:nvSpPr>
+        <p:spPr>
+          <a:xfrm rot="5400000">
+            <a:off x="10541937" y="4919939"/>
+            <a:ext cx="247466" cy="369332"/>
+          </a:xfrm>
+          <a:prstGeom prst="rect">
+            <a:avLst/>
+          </a:prstGeom>
+          <a:noFill/>
+        </p:spPr>
+        <p:txBody>
+          <a:bodyPr wrap="square" rtlCol="0">
+            <a:spAutoFit/>
+          </a:bodyPr>
+          <a:lstStyle/>
+          <a:p>
+            <a:pPr algn="ctr"/>
+            <a:r>
+              <a:rPr lang="en-US" altLang="zh-CN" b="1" dirty="0"/>
+              <a:t>…</a:t>
+            </a:r>
+            <a:endParaRPr lang="zh-CN" altLang="en-US" b="1" dirty="0"/>
+          </a:p>
+        </p:txBody>
+      </p:sp>
+      <p:sp>
+        <p:nvSpPr>
+          <p:cNvPr id="39" name="文本框 38">
+            <a:extLst>
+              <a:ext uri="{FF2B5EF4-FFF2-40B4-BE49-F238E27FC236}">
+                <a16:creationId xmlns:a16="http://schemas.microsoft.com/office/drawing/2014/main" id="{3074C995-3BFC-4AB0-8102-0C5A17C737E6}"/>
+              </a:ext>
+            </a:extLst>
+          </p:cNvPr>
+          <p:cNvSpPr txBox="1"/>
+          <p:nvPr/>
+        </p:nvSpPr>
+        <p:spPr>
+          <a:xfrm>
+            <a:off x="7103718" y="4411743"/>
+            <a:ext cx="1900716" cy="338554"/>
+          </a:xfrm>
+          <a:prstGeom prst="rect">
+            <a:avLst/>
+          </a:prstGeom>
+          <a:noFill/>
+        </p:spPr>
+        <p:txBody>
+          <a:bodyPr wrap="square" rtlCol="0">
+            <a:spAutoFit/>
+          </a:bodyPr>
+          <a:lstStyle/>
+          <a:p>
+            <a:r>
+              <a:rPr lang="en-US" altLang="zh-CN" sz="1600" b="1" dirty="0"/>
+              <a:t>Compression Pool</a:t>
+            </a:r>
+            <a:endParaRPr lang="zh-CN" altLang="en-US" sz="1600" b="1" dirty="0"/>
+          </a:p>
+        </p:txBody>
+      </p:sp>
+      <p:sp>
+        <p:nvSpPr>
+          <p:cNvPr id="40" name="文本框 39">
+            <a:extLst>
+              <a:ext uri="{FF2B5EF4-FFF2-40B4-BE49-F238E27FC236}">
+                <a16:creationId xmlns:a16="http://schemas.microsoft.com/office/drawing/2014/main" id="{5EDF0089-B4FC-4A30-B202-5C77843E6CFA}"/>
+              </a:ext>
+            </a:extLst>
+          </p:cNvPr>
+          <p:cNvSpPr txBox="1"/>
+          <p:nvPr/>
+        </p:nvSpPr>
+        <p:spPr>
+          <a:xfrm>
+            <a:off x="6800670" y="3550679"/>
+            <a:ext cx="2496078" cy="338554"/>
+          </a:xfrm>
+          <a:prstGeom prst="rect">
+            <a:avLst/>
+          </a:prstGeom>
+          <a:noFill/>
+        </p:spPr>
+        <p:txBody>
+          <a:bodyPr wrap="square" rtlCol="0">
+            <a:spAutoFit/>
+          </a:bodyPr>
+          <a:lstStyle/>
+          <a:p>
+            <a:r>
+              <a:rPr lang="en-US" altLang="zh-CN" sz="1600" b="1" dirty="0"/>
+              <a:t>Compression Conversion</a:t>
+            </a:r>
+            <a:endParaRPr lang="zh-CN" altLang="en-US" sz="1600" b="1" dirty="0"/>
+          </a:p>
+        </p:txBody>
+      </p:sp>
+      <p:sp>
+        <p:nvSpPr>
+          <p:cNvPr id="2" name="矩形 1">
+            <a:extLst>
+              <a:ext uri="{FF2B5EF4-FFF2-40B4-BE49-F238E27FC236}">
+                <a16:creationId xmlns:a16="http://schemas.microsoft.com/office/drawing/2014/main" id="{3C019F8D-35DE-475A-87FE-8F52E59964B0}"/>
+              </a:ext>
+            </a:extLst>
+          </p:cNvPr>
+          <p:cNvSpPr/>
+          <p:nvPr/>
+        </p:nvSpPr>
+        <p:spPr>
+          <a:xfrm>
+            <a:off x="3651236" y="4739900"/>
+            <a:ext cx="2157254" cy="543409"/>
+          </a:xfrm>
+          <a:prstGeom prst="rect">
+            <a:avLst/>
+          </a:prstGeom>
+          <a:gradFill flip="none" rotWithShape="1">
+            <a:gsLst>
+              <a:gs pos="0">
+                <a:schemeClr val="accent1">
+                  <a:tint val="66000"/>
+                  <a:satMod val="160000"/>
+                </a:schemeClr>
+              </a:gs>
+              <a:gs pos="50000">
+                <a:schemeClr val="accent1">
+                  <a:tint val="44500"/>
+                  <a:satMod val="160000"/>
+                </a:schemeClr>
+              </a:gs>
+              <a:gs pos="100000">
+                <a:schemeClr val="accent1">
+                  <a:tint val="23500"/>
+                  <a:satMod val="160000"/>
+                </a:schemeClr>
+              </a:gs>
+            </a:gsLst>
+            <a:lin ang="2700000" scaled="1"/>
+            <a:tileRect/>
+          </a:gradFill>
+          <a:ln w="28575">
+            <a:solidFill>
+              <a:schemeClr val="tx1"/>
+            </a:solidFill>
+          </a:ln>
+          <a:effectLst>
+            <a:outerShdw blurRad="63500" sx="102000" sy="102000" algn="ctr" rotWithShape="0">
+              <a:prstClr val="black">
+                <a:alpha val="40000"/>
+              </a:prstClr>
+            </a:outerShdw>
+          </a:effectLst>
+        </p:spPr>
+        <p:style>
+          <a:lnRef idx="2">
+            <a:schemeClr val="accent1">
+              <a:shade val="50000"/>
+            </a:schemeClr>
+          </a:lnRef>
+          <a:fillRef idx="1">
+            <a:schemeClr val="accent1"/>
+          </a:fillRef>
+          <a:effectRef idx="0">
+            <a:schemeClr val="accent1"/>
+          </a:effectRef>
+          <a:fontRef idx="minor">
+            <a:schemeClr val="lt1"/>
+          </a:fontRef>
+        </p:style>
+        <p:txBody>
+          <a:bodyPr rtlCol="0" anchor="ctr"/>
+          <a:lstStyle/>
+          <a:p>
+            <a:pPr algn="ctr"/>
+            <a:r>
+              <a:rPr lang="en-US" altLang="zh-CN" sz="1600" b="1" dirty="0" err="1">
+                <a:solidFill>
+                  <a:schemeClr val="tx1"/>
+                </a:solidFill>
+              </a:rPr>
+              <a:t>MetaData</a:t>
+            </a:r>
+            <a:r>
+              <a:rPr lang="en-US" altLang="zh-CN" sz="1600" b="1" dirty="0">
+                <a:solidFill>
+                  <a:schemeClr val="tx1"/>
+                </a:solidFill>
+              </a:rPr>
+              <a:t> Log</a:t>
+            </a:r>
+            <a:endParaRPr lang="zh-CN" altLang="en-US" sz="1600" b="1" dirty="0">
+              <a:solidFill>
+                <a:schemeClr val="tx1"/>
+              </a:solidFill>
+            </a:endParaRPr>
+          </a:p>
+        </p:txBody>
+      </p:sp>
+      <p:sp>
+        <p:nvSpPr>
+          <p:cNvPr id="61" name="箭头: 下 60">
+            <a:extLst>
+              <a:ext uri="{FF2B5EF4-FFF2-40B4-BE49-F238E27FC236}">
+                <a16:creationId xmlns:a16="http://schemas.microsoft.com/office/drawing/2014/main" id="{0D798744-46DA-47E5-86B1-29668F9103C6}"/>
+              </a:ext>
+            </a:extLst>
+          </p:cNvPr>
+          <p:cNvSpPr/>
+          <p:nvPr/>
+        </p:nvSpPr>
+        <p:spPr>
+          <a:xfrm rot="16200000">
+            <a:off x="6379305" y="3920047"/>
+            <a:ext cx="132907" cy="300371"/>
+          </a:xfrm>
+          <a:prstGeom prst="downArrow">
+            <a:avLst/>
+          </a:prstGeom>
+          <a:solidFill>
+            <a:schemeClr val="tx1"/>
+          </a:solidFill>
+          <a:ln w="28575">
+            <a:solidFill>
+              <a:schemeClr val="tx1"/>
+            </a:solidFill>
+          </a:ln>
+        </p:spPr>
+        <p:style>
+          <a:lnRef idx="2">
+            <a:schemeClr val="accent1">
+              <a:shade val="50000"/>
+            </a:schemeClr>
+          </a:lnRef>
+          <a:fillRef idx="1">
+            <a:schemeClr val="accent1"/>
+          </a:fillRef>
+          <a:effectRef idx="0">
+            <a:schemeClr val="accent1"/>
+          </a:effectRef>
+          <a:fontRef idx="minor">
+            <a:schemeClr val="lt1"/>
+          </a:fontRef>
+        </p:style>
+        <p:txBody>
+          <a:bodyPr rtlCol="0" anchor="ctr"/>
+          <a:lstStyle/>
+          <a:p>
+            <a:pPr algn="ctr"/>
+            <a:endParaRPr lang="zh-CN" altLang="en-US"/>
+          </a:p>
+        </p:txBody>
+      </p:sp>
+      <p:sp>
+        <p:nvSpPr>
+          <p:cNvPr id="64" name="箭头: 下 63">
+            <a:extLst>
+              <a:ext uri="{FF2B5EF4-FFF2-40B4-BE49-F238E27FC236}">
+                <a16:creationId xmlns:a16="http://schemas.microsoft.com/office/drawing/2014/main" id="{B3DC1669-3D8F-4C61-B899-89A6392AB3AB}"/>
+              </a:ext>
+            </a:extLst>
+          </p:cNvPr>
+          <p:cNvSpPr/>
+          <p:nvPr/>
+        </p:nvSpPr>
+        <p:spPr>
+          <a:xfrm rot="16200000">
+            <a:off x="2421913" y="3696537"/>
+            <a:ext cx="366824" cy="600739"/>
+          </a:xfrm>
+          <a:prstGeom prst="downArrow">
+            <a:avLst/>
+          </a:prstGeom>
+          <a:solidFill>
+            <a:schemeClr val="tx1"/>
+          </a:solidFill>
+          <a:ln w="28575">
+            <a:solidFill>
+              <a:schemeClr val="tx1"/>
+            </a:solidFill>
+          </a:ln>
+        </p:spPr>
+        <p:style>
+          <a:lnRef idx="2">
+            <a:schemeClr val="accent1">
+              <a:shade val="50000"/>
+            </a:schemeClr>
+          </a:lnRef>
+          <a:fillRef idx="1">
+            <a:schemeClr val="accent1"/>
+          </a:fillRef>
+          <a:effectRef idx="0">
+            <a:schemeClr val="accent1"/>
+          </a:effectRef>
+          <a:fontRef idx="minor">
+            <a:schemeClr val="lt1"/>
+          </a:fontRef>
+        </p:style>
+        <p:txBody>
+          <a:bodyPr rtlCol="0" anchor="ctr"/>
+          <a:lstStyle/>
+          <a:p>
+            <a:pPr algn="ctr"/>
+            <a:endParaRPr lang="zh-CN" altLang="en-US"/>
+          </a:p>
+        </p:txBody>
+      </p:sp>
+      <p:sp>
+        <p:nvSpPr>
+          <p:cNvPr id="65" name="箭头: 下 64">
+            <a:extLst>
+              <a:ext uri="{FF2B5EF4-FFF2-40B4-BE49-F238E27FC236}">
+                <a16:creationId xmlns:a16="http://schemas.microsoft.com/office/drawing/2014/main" id="{5F7081CF-A429-4585-A944-2B06112EC918}"/>
+              </a:ext>
+            </a:extLst>
+          </p:cNvPr>
+          <p:cNvSpPr/>
+          <p:nvPr/>
+        </p:nvSpPr>
+        <p:spPr>
+          <a:xfrm rot="16200000">
+            <a:off x="2405769" y="1402029"/>
+            <a:ext cx="366824" cy="600739"/>
+          </a:xfrm>
+          <a:prstGeom prst="downArrow">
+            <a:avLst/>
+          </a:prstGeom>
+          <a:solidFill>
+            <a:schemeClr val="tx1"/>
+          </a:solidFill>
+          <a:ln w="28575">
+            <a:solidFill>
+              <a:schemeClr val="tx1"/>
+            </a:solidFill>
+          </a:ln>
+        </p:spPr>
+        <p:style>
+          <a:lnRef idx="2">
+            <a:schemeClr val="accent1">
+              <a:shade val="50000"/>
+            </a:schemeClr>
+          </a:lnRef>
+          <a:fillRef idx="1">
+            <a:schemeClr val="accent1"/>
+          </a:fillRef>
+          <a:effectRef idx="0">
+            <a:schemeClr val="accent1"/>
+          </a:effectRef>
+          <a:fontRef idx="minor">
+            <a:schemeClr val="lt1"/>
+          </a:fontRef>
+        </p:style>
+        <p:txBody>
+          <a:bodyPr rtlCol="0" anchor="ctr"/>
+          <a:lstStyle/>
+          <a:p>
+            <a:pPr algn="ctr"/>
+            <a:endParaRPr lang="zh-CN" altLang="en-US"/>
+          </a:p>
+        </p:txBody>
+      </p:sp>
+      <p:sp>
+        <p:nvSpPr>
+          <p:cNvPr id="24" name="文本框 23">
+            <a:extLst>
+              <a:ext uri="{FF2B5EF4-FFF2-40B4-BE49-F238E27FC236}">
+                <a16:creationId xmlns:a16="http://schemas.microsoft.com/office/drawing/2014/main" id="{CCCDCF3F-B06F-4379-8EEA-4A86EE9A8C1B}"/>
+              </a:ext>
+            </a:extLst>
+          </p:cNvPr>
+          <p:cNvSpPr txBox="1"/>
+          <p:nvPr/>
+        </p:nvSpPr>
+        <p:spPr>
+          <a:xfrm>
+            <a:off x="1852449" y="1174719"/>
+            <a:ext cx="1640845" cy="338554"/>
+          </a:xfrm>
+          <a:prstGeom prst="rect">
+            <a:avLst/>
+          </a:prstGeom>
+          <a:noFill/>
+        </p:spPr>
+        <p:txBody>
+          <a:bodyPr wrap="square" rtlCol="0">
+            <a:spAutoFit/>
+          </a:bodyPr>
+          <a:lstStyle/>
+          <a:p>
+            <a:pPr algn="ctr"/>
+            <a:r>
+              <a:rPr lang="en-US" altLang="zh-CN" sz="1600" b="1" dirty="0"/>
+              <a:t>Read Request</a:t>
+            </a:r>
+            <a:endParaRPr lang="zh-CN" altLang="en-US" sz="1600" b="1" dirty="0"/>
+          </a:p>
+        </p:txBody>
+      </p:sp>
+      <p:sp>
+        <p:nvSpPr>
+          <p:cNvPr id="28" name="文本框 27">
+            <a:extLst>
+              <a:ext uri="{FF2B5EF4-FFF2-40B4-BE49-F238E27FC236}">
+                <a16:creationId xmlns:a16="http://schemas.microsoft.com/office/drawing/2014/main" id="{4E8D0348-5431-4C53-8505-7839C578DEB1}"/>
+              </a:ext>
+            </a:extLst>
+          </p:cNvPr>
+          <p:cNvSpPr txBox="1"/>
+          <p:nvPr/>
+        </p:nvSpPr>
+        <p:spPr>
+          <a:xfrm>
+            <a:off x="1926899" y="4363432"/>
+            <a:ext cx="1492015" cy="338554"/>
+          </a:xfrm>
+          <a:prstGeom prst="rect">
+            <a:avLst/>
+          </a:prstGeom>
+          <a:noFill/>
+        </p:spPr>
+        <p:txBody>
+          <a:bodyPr wrap="square" rtlCol="0">
+            <a:spAutoFit/>
+          </a:bodyPr>
+          <a:lstStyle/>
+          <a:p>
+            <a:pPr algn="ctr"/>
+            <a:r>
+              <a:rPr lang="en-US" altLang="zh-CN" sz="1600" b="1" dirty="0"/>
+              <a:t>Write Request</a:t>
+            </a:r>
+            <a:endParaRPr lang="zh-CN" altLang="en-US" sz="1600" b="1" dirty="0"/>
+          </a:p>
+        </p:txBody>
+      </p:sp>
+      <p:pic>
+        <p:nvPicPr>
+          <p:cNvPr id="70" name="图形 69" descr="文档 纯色填充">
+            <a:extLst>
+              <a:ext uri="{FF2B5EF4-FFF2-40B4-BE49-F238E27FC236}">
+                <a16:creationId xmlns:a16="http://schemas.microsoft.com/office/drawing/2014/main" id="{4EE81BE4-5313-4AA2-8A74-4E7B61288508}"/>
+              </a:ext>
+            </a:extLst>
+          </p:cNvPr>
+          <p:cNvPicPr>
+            <a:picLocks noChangeAspect="1"/>
+          </p:cNvPicPr>
+          <p:nvPr/>
+        </p:nvPicPr>
+        <p:blipFill>
+          <a:blip r:embed="rId2">
+            <a:extLst>
+              <a:ext uri="{28A0092B-C50C-407E-A947-70E740481C1C}">
+                <a14:useLocalDpi xmlns:a14="http://schemas.microsoft.com/office/drawing/2010/main" val="0"/>
+              </a:ext>
+              <a:ext uri="{96DAC541-7B7A-43D3-8B79-37D633B846F1}">
+                <asvg:svgBlip xmlns:asvg="http://schemas.microsoft.com/office/drawing/2016/SVG/main" r:embed="rId3"/>
+              </a:ext>
+            </a:extLst>
+          </a:blip>
+          <a:stretch>
+            <a:fillRect/>
+          </a:stretch>
+        </p:blipFill>
+        <p:spPr>
+          <a:xfrm>
+            <a:off x="10400771" y="4207979"/>
+            <a:ext cx="575938" cy="575938"/>
+          </a:xfrm>
+          <a:prstGeom prst="rect">
+            <a:avLst/>
+          </a:prstGeom>
+        </p:spPr>
+      </p:pic>
+      <p:sp>
+        <p:nvSpPr>
+          <p:cNvPr id="71" name="文本框 70">
+            <a:extLst>
+              <a:ext uri="{FF2B5EF4-FFF2-40B4-BE49-F238E27FC236}">
+                <a16:creationId xmlns:a16="http://schemas.microsoft.com/office/drawing/2014/main" id="{DA58DAF8-9278-4623-A2A8-1CB17A3554CA}"/>
+              </a:ext>
+            </a:extLst>
+          </p:cNvPr>
+          <p:cNvSpPr txBox="1"/>
+          <p:nvPr/>
+        </p:nvSpPr>
+        <p:spPr>
+          <a:xfrm rot="10800000">
+            <a:off x="10824170" y="4298184"/>
+            <a:ext cx="323165" cy="457994"/>
+          </a:xfrm>
+          <a:prstGeom prst="rect">
+            <a:avLst/>
+          </a:prstGeom>
+          <a:noFill/>
+        </p:spPr>
+        <p:txBody>
+          <a:bodyPr vert="eaVert" wrap="square" rtlCol="0">
+            <a:spAutoFit/>
+          </a:bodyPr>
+          <a:lstStyle/>
+          <a:p>
+            <a:pPr algn="ctr"/>
+            <a:r>
+              <a:rPr lang="en-US" altLang="zh-CN" sz="900" b="1" dirty="0"/>
+              <a:t>BZ2</a:t>
+            </a:r>
+            <a:endParaRPr lang="zh-CN" altLang="en-US" sz="900" b="1" dirty="0"/>
+          </a:p>
+        </p:txBody>
+      </p:sp>
+      <p:sp>
+        <p:nvSpPr>
+          <p:cNvPr id="72" name="文本框 71">
+            <a:extLst>
+              <a:ext uri="{FF2B5EF4-FFF2-40B4-BE49-F238E27FC236}">
+                <a16:creationId xmlns:a16="http://schemas.microsoft.com/office/drawing/2014/main" id="{CF3C04A9-8D47-471F-BFB1-8AEFA63C3A99}"/>
+              </a:ext>
+            </a:extLst>
+          </p:cNvPr>
+          <p:cNvSpPr txBox="1"/>
+          <p:nvPr/>
+        </p:nvSpPr>
+        <p:spPr>
+          <a:xfrm>
+            <a:off x="5563991" y="2032826"/>
+            <a:ext cx="1650933" cy="369332"/>
+          </a:xfrm>
+          <a:prstGeom prst="rect">
+            <a:avLst/>
+          </a:prstGeom>
+          <a:noFill/>
+          <a:ln>
+            <a:noFill/>
+          </a:ln>
+        </p:spPr>
+        <p:txBody>
+          <a:bodyPr wrap="square" rtlCol="0">
+            <a:spAutoFit/>
+          </a:bodyPr>
+          <a:lstStyle/>
+          <a:p>
+            <a:r>
+              <a:rPr lang="en-US" altLang="zh-CN" b="1" dirty="0">
+                <a:solidFill>
+                  <a:srgbClr val="C00000"/>
+                </a:solidFill>
+                <a:latin typeface="微软雅黑" panose="020B0503020204020204" pitchFamily="34" charset="-122"/>
+                <a:ea typeface="微软雅黑" panose="020B0503020204020204" pitchFamily="34" charset="-122"/>
+              </a:rPr>
+              <a:t>Main Engine</a:t>
+            </a:r>
+            <a:endParaRPr lang="zh-CN" altLang="en-US" b="1" dirty="0">
+              <a:solidFill>
+                <a:srgbClr val="C00000"/>
+              </a:solidFill>
+              <a:latin typeface="微软雅黑" panose="020B0503020204020204" pitchFamily="34" charset="-122"/>
+              <a:ea typeface="微软雅黑" panose="020B0503020204020204" pitchFamily="34" charset="-122"/>
+            </a:endParaRPr>
+          </a:p>
+        </p:txBody>
+      </p:sp>
+      <p:sp>
+        <p:nvSpPr>
+          <p:cNvPr id="73" name="箭头: 下 72">
+            <a:extLst>
+              <a:ext uri="{FF2B5EF4-FFF2-40B4-BE49-F238E27FC236}">
+                <a16:creationId xmlns:a16="http://schemas.microsoft.com/office/drawing/2014/main" id="{5F016E1E-113B-4C93-8476-2FB8B5344066}"/>
+              </a:ext>
+            </a:extLst>
+          </p:cNvPr>
+          <p:cNvSpPr/>
+          <p:nvPr/>
+        </p:nvSpPr>
+        <p:spPr>
+          <a:xfrm rot="10800000">
+            <a:off x="4644707" y="2090323"/>
+            <a:ext cx="132907" cy="300371"/>
+          </a:xfrm>
+          <a:prstGeom prst="downArrow">
+            <a:avLst/>
+          </a:prstGeom>
+          <a:solidFill>
+            <a:schemeClr val="tx1"/>
+          </a:solidFill>
+          <a:ln w="28575">
+            <a:solidFill>
+              <a:schemeClr val="tx1"/>
+            </a:solidFill>
+          </a:ln>
+        </p:spPr>
+        <p:style>
+          <a:lnRef idx="2">
+            <a:schemeClr val="accent1">
+              <a:shade val="50000"/>
+            </a:schemeClr>
+          </a:lnRef>
+          <a:fillRef idx="1">
+            <a:schemeClr val="accent1"/>
+          </a:fillRef>
+          <a:effectRef idx="0">
+            <a:schemeClr val="accent1"/>
+          </a:effectRef>
+          <a:fontRef idx="minor">
+            <a:schemeClr val="lt1"/>
+          </a:fontRef>
+        </p:style>
+        <p:txBody>
+          <a:bodyPr rtlCol="0" anchor="ctr"/>
+          <a:lstStyle/>
+          <a:p>
+            <a:pPr algn="ctr"/>
+            <a:endParaRPr lang="zh-CN" altLang="en-US"/>
+          </a:p>
+        </p:txBody>
+      </p:sp>
+      <p:sp>
+        <p:nvSpPr>
+          <p:cNvPr id="83" name="箭头: 下 82">
+            <a:extLst>
+              <a:ext uri="{FF2B5EF4-FFF2-40B4-BE49-F238E27FC236}">
+                <a16:creationId xmlns:a16="http://schemas.microsoft.com/office/drawing/2014/main" id="{9211CD45-D1B7-4451-95ED-60052B5EE331}"/>
+              </a:ext>
+            </a:extLst>
+          </p:cNvPr>
+          <p:cNvSpPr/>
+          <p:nvPr/>
+        </p:nvSpPr>
+        <p:spPr>
+          <a:xfrm>
+            <a:off x="7924395" y="2072592"/>
+            <a:ext cx="132907" cy="300371"/>
+          </a:xfrm>
+          <a:prstGeom prst="downArrow">
+            <a:avLst/>
+          </a:prstGeom>
+          <a:solidFill>
+            <a:schemeClr val="tx1"/>
+          </a:solidFill>
+          <a:ln w="28575">
+            <a:solidFill>
+              <a:schemeClr val="tx1"/>
+            </a:solidFill>
+          </a:ln>
+        </p:spPr>
+        <p:style>
+          <a:lnRef idx="2">
+            <a:schemeClr val="accent1">
+              <a:shade val="50000"/>
+            </a:schemeClr>
+          </a:lnRef>
+          <a:fillRef idx="1">
+            <a:schemeClr val="accent1"/>
+          </a:fillRef>
+          <a:effectRef idx="0">
+            <a:schemeClr val="accent1"/>
+          </a:effectRef>
+          <a:fontRef idx="minor">
+            <a:schemeClr val="lt1"/>
+          </a:fontRef>
+        </p:style>
+        <p:txBody>
+          <a:bodyPr rtlCol="0" anchor="ctr"/>
+          <a:lstStyle/>
+          <a:p>
+            <a:pPr algn="ctr"/>
+            <a:endParaRPr lang="zh-CN" altLang="en-US"/>
+          </a:p>
+        </p:txBody>
+      </p:sp>
+      <p:sp>
+        <p:nvSpPr>
+          <p:cNvPr id="38" name="文本框 37">
+            <a:extLst>
+              <a:ext uri="{FF2B5EF4-FFF2-40B4-BE49-F238E27FC236}">
+                <a16:creationId xmlns:a16="http://schemas.microsoft.com/office/drawing/2014/main" id="{F972EACC-0B10-4AFF-AB16-A51514741CA9}"/>
+              </a:ext>
+            </a:extLst>
+          </p:cNvPr>
+          <p:cNvSpPr txBox="1"/>
+          <p:nvPr/>
+        </p:nvSpPr>
+        <p:spPr>
+          <a:xfrm>
+            <a:off x="5114920" y="1068851"/>
+            <a:ext cx="2482120" cy="338554"/>
+          </a:xfrm>
+          <a:prstGeom prst="rect">
+            <a:avLst/>
+          </a:prstGeom>
+          <a:noFill/>
+        </p:spPr>
+        <p:txBody>
+          <a:bodyPr wrap="square" rtlCol="0">
+            <a:spAutoFit/>
+          </a:bodyPr>
+          <a:lstStyle/>
+          <a:p>
+            <a:r>
+              <a:rPr lang="en-US" altLang="zh-CN" sz="1600" b="1" dirty="0"/>
+              <a:t>Unified heat recognition</a:t>
+            </a:r>
+            <a:endParaRPr lang="zh-CN" altLang="en-US" sz="1600" b="1" dirty="0"/>
+          </a:p>
+        </p:txBody>
+      </p:sp>
+      <p:sp>
+        <p:nvSpPr>
+          <p:cNvPr id="63" name="文本框 62">
+            <a:extLst>
+              <a:ext uri="{FF2B5EF4-FFF2-40B4-BE49-F238E27FC236}">
+                <a16:creationId xmlns:a16="http://schemas.microsoft.com/office/drawing/2014/main" id="{72A29863-F2A8-41A6-A6CD-F836F35A2FE1}"/>
+              </a:ext>
+            </a:extLst>
+          </p:cNvPr>
+          <p:cNvSpPr txBox="1"/>
+          <p:nvPr/>
+        </p:nvSpPr>
+        <p:spPr>
+          <a:xfrm>
+            <a:off x="1106226" y="1178400"/>
+            <a:ext cx="898028" cy="338554"/>
+          </a:xfrm>
+          <a:prstGeom prst="rect">
+            <a:avLst/>
+          </a:prstGeom>
+          <a:noFill/>
+        </p:spPr>
+        <p:txBody>
+          <a:bodyPr wrap="square" rtlCol="0">
+            <a:spAutoFit/>
+          </a:bodyPr>
+          <a:lstStyle/>
+          <a:p>
+            <a:pPr algn="ctr"/>
+            <a:r>
+              <a:rPr lang="en-US" altLang="zh-CN" sz="1600" b="1" dirty="0"/>
+              <a:t>Input</a:t>
+            </a:r>
+            <a:endParaRPr lang="zh-CN" altLang="en-US" sz="1600" b="1" dirty="0"/>
+          </a:p>
+        </p:txBody>
+      </p:sp>
+    </p:spTree>
+    <p:extLst>
+      <p:ext uri="{BB962C8B-B14F-4D97-AF65-F5344CB8AC3E}">
+        <p14:creationId xmlns:p14="http://schemas.microsoft.com/office/powerpoint/2010/main" val="4034927285"/>
+      </p:ext>
+    </p:extLst>
+  </p:cSld>
+  <p:clrMapOvr>
+    <a:masterClrMapping/>
+  </p:clrMapOvr>
+</p:sld>
+</file>
+
+<file path=ppt/slides/slide6.xml><?xml version="1.0" encoding="utf-8"?>
 <p:sld xmlns:a="http://schemas.openxmlformats.org/drawingml/2006/main" xmlns:r="http://schemas.openxmlformats.org/officeDocument/2006/relationships" xmlns:p="http://schemas.openxmlformats.org/presentationml/2006/main">
   <p:cSld>
     <p:spTree>
